--- a/IETF-presos/IETF-113 - draft-kampanakis-tls-scas-latest-00.pptx
+++ b/IETF-presos/IETF-113 - draft-kampanakis-tls-scas-latest-00.pptx
@@ -5,18 +5,20 @@
     <p:sldMasterId id="2147483648" r:id="rId1"/>
   </p:sldMasterIdLst>
   <p:notesMasterIdLst>
-    <p:notesMasterId r:id="rId11"/>
+    <p:notesMasterId r:id="rId13"/>
   </p:notesMasterIdLst>
   <p:sldIdLst>
     <p:sldId id="256" r:id="rId2"/>
     <p:sldId id="257" r:id="rId3"/>
     <p:sldId id="266" r:id="rId4"/>
     <p:sldId id="258" r:id="rId5"/>
-    <p:sldId id="260" r:id="rId6"/>
-    <p:sldId id="261" r:id="rId7"/>
-    <p:sldId id="263" r:id="rId8"/>
-    <p:sldId id="264" r:id="rId9"/>
-    <p:sldId id="267" r:id="rId10"/>
+    <p:sldId id="259" r:id="rId6"/>
+    <p:sldId id="260" r:id="rId7"/>
+    <p:sldId id="261" r:id="rId8"/>
+    <p:sldId id="262" r:id="rId9"/>
+    <p:sldId id="263" r:id="rId10"/>
+    <p:sldId id="264" r:id="rId11"/>
+    <p:sldId id="267" r:id="rId12"/>
   </p:sldIdLst>
   <p:sldSz cx="12192000" cy="6858000"/>
   <p:notesSz cx="6858000" cy="9144000"/>
@@ -205,7 +207,7 @@
           <a:p>
             <a:fld id="{A42F591A-EC0B-4A55-82E4-A2A40B034CB7}" type="datetimeFigureOut">
               <a:rPr lang="en-US" smtClean="0"/>
-              <a:t>3/8/2022</a:t>
+              <a:t>3/16/2022</a:t>
             </a:fld>
             <a:endParaRPr lang="en-US"/>
           </a:p>
@@ -472,6 +474,102 @@
 </p:notesMaster>
 </file>
 
+<file path=ppt/notesSlides/notesSlide1.xml><?xml version="1.0" encoding="utf-8"?>
+<p:notes xmlns:a="http://schemas.openxmlformats.org/drawingml/2006/main" xmlns:r="http://schemas.openxmlformats.org/officeDocument/2006/relationships" xmlns:p="http://schemas.openxmlformats.org/presentationml/2006/main">
+  <p:cSld>
+    <p:spTree>
+      <p:nvGrpSpPr>
+        <p:cNvPr id="1" name=""/>
+        <p:cNvGrpSpPr/>
+        <p:nvPr/>
+      </p:nvGrpSpPr>
+      <p:grpSpPr>
+        <a:xfrm>
+          <a:off x="0" y="0"/>
+          <a:ext cx="0" cy="0"/>
+          <a:chOff x="0" y="0"/>
+          <a:chExt cx="0" cy="0"/>
+        </a:xfrm>
+      </p:grpSpPr>
+      <p:sp>
+        <p:nvSpPr>
+          <p:cNvPr id="2" name="Slide Image Placeholder 1"/>
+          <p:cNvSpPr>
+            <a:spLocks noGrp="1" noRot="1" noChangeAspect="1"/>
+          </p:cNvSpPr>
+          <p:nvPr>
+            <p:ph type="sldImg"/>
+          </p:nvPr>
+        </p:nvSpPr>
+        <p:spPr/>
+      </p:sp>
+      <p:sp>
+        <p:nvSpPr>
+          <p:cNvPr id="3" name="Notes Placeholder 2"/>
+          <p:cNvSpPr>
+            <a:spLocks noGrp="1"/>
+          </p:cNvSpPr>
+          <p:nvPr>
+            <p:ph type="body" idx="1"/>
+          </p:nvPr>
+        </p:nvSpPr>
+        <p:spPr/>
+        <p:txBody>
+          <a:bodyPr/>
+          <a:lstStyle/>
+          <a:p>
+            <a:r>
+              <a:rPr lang="en-US" sz="1200" b="0" i="0" kern="1200" dirty="0">
+                <a:solidFill>
+                  <a:schemeClr val="tx1"/>
+                </a:solidFill>
+                <a:effectLst/>
+                <a:latin typeface="+mn-lt"/>
+                <a:ea typeface="+mn-ea"/>
+                <a:cs typeface="+mn-cs"/>
+              </a:rPr>
+              <a:t>Mozilla Root Store Policy (MSRP) https://www.mozilla.org/en-US/about/governance/policies/security-group/certs/policy/ </a:t>
+            </a:r>
+            <a:endParaRPr lang="en-US" dirty="0"/>
+          </a:p>
+        </p:txBody>
+      </p:sp>
+      <p:sp>
+        <p:nvSpPr>
+          <p:cNvPr id="4" name="Slide Number Placeholder 3"/>
+          <p:cNvSpPr>
+            <a:spLocks noGrp="1"/>
+          </p:cNvSpPr>
+          <p:nvPr>
+            <p:ph type="sldNum" sz="quarter" idx="5"/>
+          </p:nvPr>
+        </p:nvSpPr>
+        <p:spPr/>
+        <p:txBody>
+          <a:bodyPr/>
+          <a:lstStyle/>
+          <a:p>
+            <a:fld id="{7F61769D-D3FD-4DA5-93DC-E690A8F2EEE2}" type="slidenum">
+              <a:rPr lang="en-US" smtClean="0"/>
+              <a:t>10</a:t>
+            </a:fld>
+            <a:endParaRPr lang="en-US"/>
+          </a:p>
+        </p:txBody>
+      </p:sp>
+    </p:spTree>
+    <p:extLst>
+      <p:ext uri="{BB962C8B-B14F-4D97-AF65-F5344CB8AC3E}">
+        <p14:creationId xmlns:p14="http://schemas.microsoft.com/office/powerpoint/2010/main" val="3265243098"/>
+      </p:ext>
+    </p:extLst>
+  </p:cSld>
+  <p:clrMapOvr>
+    <a:masterClrMapping/>
+  </p:clrMapOvr>
+</p:notes>
+</file>
+
 <file path=ppt/slideLayouts/slideLayout1.xml><?xml version="1.0" encoding="utf-8"?>
 <p:sldLayout xmlns:a="http://schemas.openxmlformats.org/drawingml/2006/main" xmlns:r="http://schemas.openxmlformats.org/officeDocument/2006/relationships" xmlns:p="http://schemas.openxmlformats.org/presentationml/2006/main" type="title" preserve="1">
   <p:cSld name="Title Slide">
@@ -619,7 +717,7 @@
           <a:p>
             <a:fld id="{0CBBB173-5ED1-4F98-BC8D-251ADA6D7C96}" type="datetimeFigureOut">
               <a:rPr lang="en-US" smtClean="0"/>
-              <a:t>3/8/2022</a:t>
+              <a:t>3/16/2022</a:t>
             </a:fld>
             <a:endParaRPr lang="en-US"/>
           </a:p>
@@ -817,7 +915,7 @@
           <a:p>
             <a:fld id="{0CBBB173-5ED1-4F98-BC8D-251ADA6D7C96}" type="datetimeFigureOut">
               <a:rPr lang="en-US" smtClean="0"/>
-              <a:t>3/8/2022</a:t>
+              <a:t>3/16/2022</a:t>
             </a:fld>
             <a:endParaRPr lang="en-US"/>
           </a:p>
@@ -1025,7 +1123,7 @@
           <a:p>
             <a:fld id="{0CBBB173-5ED1-4F98-BC8D-251ADA6D7C96}" type="datetimeFigureOut">
               <a:rPr lang="en-US" smtClean="0"/>
-              <a:t>3/8/2022</a:t>
+              <a:t>3/16/2022</a:t>
             </a:fld>
             <a:endParaRPr lang="en-US"/>
           </a:p>
@@ -1223,7 +1321,7 @@
           <a:p>
             <a:fld id="{0CBBB173-5ED1-4F98-BC8D-251ADA6D7C96}" type="datetimeFigureOut">
               <a:rPr lang="en-US" smtClean="0"/>
-              <a:t>3/8/2022</a:t>
+              <a:t>3/16/2022</a:t>
             </a:fld>
             <a:endParaRPr lang="en-US"/>
           </a:p>
@@ -1498,7 +1596,7 @@
           <a:p>
             <a:fld id="{0CBBB173-5ED1-4F98-BC8D-251ADA6D7C96}" type="datetimeFigureOut">
               <a:rPr lang="en-US" smtClean="0"/>
-              <a:t>3/8/2022</a:t>
+              <a:t>3/16/2022</a:t>
             </a:fld>
             <a:endParaRPr lang="en-US"/>
           </a:p>
@@ -1763,7 +1861,7 @@
           <a:p>
             <a:fld id="{0CBBB173-5ED1-4F98-BC8D-251ADA6D7C96}" type="datetimeFigureOut">
               <a:rPr lang="en-US" smtClean="0"/>
-              <a:t>3/8/2022</a:t>
+              <a:t>3/16/2022</a:t>
             </a:fld>
             <a:endParaRPr lang="en-US"/>
           </a:p>
@@ -2175,7 +2273,7 @@
           <a:p>
             <a:fld id="{0CBBB173-5ED1-4F98-BC8D-251ADA6D7C96}" type="datetimeFigureOut">
               <a:rPr lang="en-US" smtClean="0"/>
-              <a:t>3/8/2022</a:t>
+              <a:t>3/16/2022</a:t>
             </a:fld>
             <a:endParaRPr lang="en-US"/>
           </a:p>
@@ -2316,7 +2414,7 @@
           <a:p>
             <a:fld id="{0CBBB173-5ED1-4F98-BC8D-251ADA6D7C96}" type="datetimeFigureOut">
               <a:rPr lang="en-US" smtClean="0"/>
-              <a:t>3/8/2022</a:t>
+              <a:t>3/16/2022</a:t>
             </a:fld>
             <a:endParaRPr lang="en-US"/>
           </a:p>
@@ -2429,7 +2527,7 @@
           <a:p>
             <a:fld id="{0CBBB173-5ED1-4F98-BC8D-251ADA6D7C96}" type="datetimeFigureOut">
               <a:rPr lang="en-US" smtClean="0"/>
-              <a:t>3/8/2022</a:t>
+              <a:t>3/16/2022</a:t>
             </a:fld>
             <a:endParaRPr lang="en-US"/>
           </a:p>
@@ -2740,7 +2838,7 @@
           <a:p>
             <a:fld id="{0CBBB173-5ED1-4F98-BC8D-251ADA6D7C96}" type="datetimeFigureOut">
               <a:rPr lang="en-US" smtClean="0"/>
-              <a:t>3/8/2022</a:t>
+              <a:t>3/16/2022</a:t>
             </a:fld>
             <a:endParaRPr lang="en-US"/>
           </a:p>
@@ -3028,7 +3126,7 @@
           <a:p>
             <a:fld id="{0CBBB173-5ED1-4F98-BC8D-251ADA6D7C96}" type="datetimeFigureOut">
               <a:rPr lang="en-US" smtClean="0"/>
-              <a:t>3/8/2022</a:t>
+              <a:t>3/16/2022</a:t>
             </a:fld>
             <a:endParaRPr lang="en-US"/>
           </a:p>
@@ -3269,7 +3367,7 @@
           <a:p>
             <a:fld id="{0CBBB173-5ED1-4F98-BC8D-251ADA6D7C96}" type="datetimeFigureOut">
               <a:rPr lang="en-US" smtClean="0"/>
-              <a:t>3/8/2022</a:t>
+              <a:t>3/16/2022</a:t>
             </a:fld>
             <a:endParaRPr lang="en-US"/>
           </a:p>
@@ -3827,6 +3925,349 @@
 </p:sld>
 </file>
 
+<file path=ppt/slides/slide10.xml><?xml version="1.0" encoding="utf-8"?>
+<p:sld xmlns:a="http://schemas.openxmlformats.org/drawingml/2006/main" xmlns:r="http://schemas.openxmlformats.org/officeDocument/2006/relationships" xmlns:p="http://schemas.openxmlformats.org/presentationml/2006/main">
+  <p:cSld>
+    <p:spTree>
+      <p:nvGrpSpPr>
+        <p:cNvPr id="1" name=""/>
+        <p:cNvGrpSpPr/>
+        <p:nvPr/>
+      </p:nvGrpSpPr>
+      <p:grpSpPr>
+        <a:xfrm>
+          <a:off x="0" y="0"/>
+          <a:ext cx="0" cy="0"/>
+          <a:chOff x="0" y="0"/>
+          <a:chExt cx="0" cy="0"/>
+        </a:xfrm>
+      </p:grpSpPr>
+      <p:sp>
+        <p:nvSpPr>
+          <p:cNvPr id="2" name="Title 1">
+            <a:extLst>
+              <a:ext uri="{FF2B5EF4-FFF2-40B4-BE49-F238E27FC236}">
+                <a16:creationId xmlns:a16="http://schemas.microsoft.com/office/drawing/2014/main" id="{C3629CD1-3EEE-41BB-9F4C-D8AAF7894729}"/>
+              </a:ext>
+            </a:extLst>
+          </p:cNvPr>
+          <p:cNvSpPr>
+            <a:spLocks noGrp="1"/>
+          </p:cNvSpPr>
+          <p:nvPr>
+            <p:ph type="title"/>
+          </p:nvPr>
+        </p:nvSpPr>
+        <p:spPr/>
+        <p:txBody>
+          <a:bodyPr/>
+          <a:lstStyle/>
+          <a:p>
+            <a:r>
+              <a:rPr lang="en-US" dirty="0"/>
+              <a:t>Open Questions</a:t>
+            </a:r>
+          </a:p>
+        </p:txBody>
+      </p:sp>
+      <p:sp>
+        <p:nvSpPr>
+          <p:cNvPr id="3" name="Content Placeholder 2">
+            <a:extLst>
+              <a:ext uri="{FF2B5EF4-FFF2-40B4-BE49-F238E27FC236}">
+                <a16:creationId xmlns:a16="http://schemas.microsoft.com/office/drawing/2014/main" id="{AA11202B-E91F-4341-9190-1C8F56F9E7FF}"/>
+              </a:ext>
+            </a:extLst>
+          </p:cNvPr>
+          <p:cNvSpPr>
+            <a:spLocks noGrp="1"/>
+          </p:cNvSpPr>
+          <p:nvPr>
+            <p:ph idx="1"/>
+          </p:nvPr>
+        </p:nvSpPr>
+        <p:spPr/>
+        <p:txBody>
+          <a:bodyPr>
+            <a:normAutofit fontScale="77500" lnSpcReduction="20000"/>
+          </a:bodyPr>
+          <a:lstStyle/>
+          <a:p>
+            <a:r>
+              <a:rPr lang="en-US" dirty="0"/>
+              <a:t>What is the recommended TBD3-time?</a:t>
+            </a:r>
+          </a:p>
+          <a:p>
+            <a:endParaRPr lang="en-US" dirty="0"/>
+          </a:p>
+          <a:p>
+            <a:r>
+              <a:rPr lang="en-US" dirty="0"/>
+              <a:t>What if there is a failure, or should we assume no failure </a:t>
+            </a:r>
+          </a:p>
+          <a:p>
+            <a:pPr lvl="1"/>
+            <a:r>
+              <a:rPr lang="en-US" dirty="0"/>
+              <a:t>Connection re-try without ICA suppression</a:t>
+            </a:r>
+          </a:p>
+          <a:p>
+            <a:pPr lvl="1"/>
+            <a:r>
+              <a:rPr lang="en-US" dirty="0"/>
+              <a:t>Connection re-establishment impact on security</a:t>
+            </a:r>
+          </a:p>
+          <a:p>
+            <a:pPr lvl="2"/>
+            <a:r>
+              <a:rPr lang="en-US" dirty="0"/>
+              <a:t>Could the fallback logic allows for downgrade style of attacks?</a:t>
+            </a:r>
+          </a:p>
+          <a:p>
+            <a:pPr lvl="2"/>
+            <a:r>
+              <a:rPr lang="en-US" dirty="0"/>
+              <a:t>Active attack analysis. </a:t>
+            </a:r>
+          </a:p>
+          <a:p>
+            <a:endParaRPr lang="en-US" dirty="0"/>
+          </a:p>
+          <a:p>
+            <a:r>
+              <a:rPr lang="en-US" dirty="0"/>
+              <a:t>Who maintains the list of ICAs?</a:t>
+            </a:r>
+          </a:p>
+          <a:p>
+            <a:pPr lvl="1"/>
+            <a:r>
+              <a:rPr lang="en-US" dirty="0"/>
+              <a:t>Client / browser</a:t>
+            </a:r>
+          </a:p>
+          <a:p>
+            <a:pPr lvl="1"/>
+            <a:r>
+              <a:rPr lang="en-US" dirty="0"/>
+              <a:t>CCADB or other public repo</a:t>
+            </a:r>
+          </a:p>
+          <a:p>
+            <a:endParaRPr lang="en-US" dirty="0"/>
+          </a:p>
+          <a:p>
+            <a:r>
+              <a:rPr lang="en-US" dirty="0" err="1"/>
+              <a:t>WebPKI</a:t>
+            </a:r>
+            <a:r>
+              <a:rPr lang="en-US" dirty="0"/>
+              <a:t>: MSRP 2.8 may require constrained intermediates, so we may not need to send Constrained ICAs.</a:t>
+            </a:r>
+          </a:p>
+          <a:p>
+            <a:endParaRPr lang="en-US" dirty="0"/>
+          </a:p>
+        </p:txBody>
+      </p:sp>
+    </p:spTree>
+    <p:extLst>
+      <p:ext uri="{BB962C8B-B14F-4D97-AF65-F5344CB8AC3E}">
+        <p14:creationId xmlns:p14="http://schemas.microsoft.com/office/powerpoint/2010/main" val="1132099351"/>
+      </p:ext>
+    </p:extLst>
+  </p:cSld>
+  <p:clrMapOvr>
+    <a:masterClrMapping/>
+  </p:clrMapOvr>
+</p:sld>
+</file>
+
+<file path=ppt/slides/slide11.xml><?xml version="1.0" encoding="utf-8"?>
+<p:sld xmlns:a="http://schemas.openxmlformats.org/drawingml/2006/main" xmlns:r="http://schemas.openxmlformats.org/officeDocument/2006/relationships" xmlns:p="http://schemas.openxmlformats.org/presentationml/2006/main">
+  <p:cSld>
+    <p:spTree>
+      <p:nvGrpSpPr>
+        <p:cNvPr id="1" name=""/>
+        <p:cNvGrpSpPr/>
+        <p:nvPr/>
+      </p:nvGrpSpPr>
+      <p:grpSpPr>
+        <a:xfrm>
+          <a:off x="0" y="0"/>
+          <a:ext cx="0" cy="0"/>
+          <a:chOff x="0" y="0"/>
+          <a:chExt cx="0" cy="0"/>
+        </a:xfrm>
+      </p:grpSpPr>
+      <p:sp>
+        <p:nvSpPr>
+          <p:cNvPr id="2" name="Title 1">
+            <a:extLst>
+              <a:ext uri="{FF2B5EF4-FFF2-40B4-BE49-F238E27FC236}">
+                <a16:creationId xmlns:a16="http://schemas.microsoft.com/office/drawing/2014/main" id="{0AB8F6DC-D24A-4324-8502-CF9D2C9331A7}"/>
+              </a:ext>
+            </a:extLst>
+          </p:cNvPr>
+          <p:cNvSpPr>
+            <a:spLocks noGrp="1"/>
+          </p:cNvSpPr>
+          <p:nvPr>
+            <p:ph type="title"/>
+          </p:nvPr>
+        </p:nvSpPr>
+        <p:spPr/>
+        <p:txBody>
+          <a:bodyPr/>
+          <a:lstStyle/>
+          <a:p>
+            <a:r>
+              <a:rPr lang="en-US" dirty="0"/>
+              <a:t>Closing Comments &amp; Asks</a:t>
+            </a:r>
+          </a:p>
+        </p:txBody>
+      </p:sp>
+      <p:sp>
+        <p:nvSpPr>
+          <p:cNvPr id="3" name="Content Placeholder 2">
+            <a:extLst>
+              <a:ext uri="{FF2B5EF4-FFF2-40B4-BE49-F238E27FC236}">
+                <a16:creationId xmlns:a16="http://schemas.microsoft.com/office/drawing/2014/main" id="{A8833F2B-A9D1-4AB6-98FA-92D48D41AFA0}"/>
+              </a:ext>
+            </a:extLst>
+          </p:cNvPr>
+          <p:cNvSpPr>
+            <a:spLocks noGrp="1"/>
+          </p:cNvSpPr>
+          <p:nvPr>
+            <p:ph idx="1"/>
+          </p:nvPr>
+        </p:nvSpPr>
+        <p:spPr/>
+        <p:txBody>
+          <a:bodyPr>
+            <a:normAutofit lnSpcReduction="10000"/>
+          </a:bodyPr>
+          <a:lstStyle/>
+          <a:p>
+            <a:r>
+              <a:rPr lang="en-US" dirty="0"/>
+              <a:t>Challenges for </a:t>
+            </a:r>
+            <a:r>
+              <a:rPr lang="en-US" dirty="0" err="1"/>
+              <a:t>WebPKI</a:t>
+            </a:r>
+            <a:endParaRPr lang="en-US" dirty="0"/>
+          </a:p>
+          <a:p>
+            <a:pPr lvl="1"/>
+            <a:r>
+              <a:rPr lang="en-US" dirty="0"/>
+              <a:t>We believe addressing them is possible. </a:t>
+            </a:r>
+          </a:p>
+          <a:p>
+            <a:pPr lvl="1"/>
+            <a:r>
+              <a:rPr lang="en-US"/>
+              <a:t>But also </a:t>
+            </a:r>
+            <a:r>
+              <a:rPr lang="en-US" dirty="0"/>
+              <a:t>let’s not forget</a:t>
+            </a:r>
+          </a:p>
+          <a:p>
+            <a:pPr lvl="2"/>
+            <a:r>
+              <a:rPr lang="en-US" dirty="0"/>
+              <a:t>TLS is not just for the Web.</a:t>
+            </a:r>
+          </a:p>
+          <a:p>
+            <a:pPr lvl="2"/>
+            <a:r>
+              <a:rPr lang="en-US" dirty="0"/>
+              <a:t>A compression certificate dictionary is used in draft-</a:t>
+            </a:r>
+            <a:r>
+              <a:rPr lang="en-US" dirty="0" err="1"/>
+              <a:t>ietf</a:t>
+            </a:r>
+            <a:r>
+              <a:rPr lang="en-US" dirty="0"/>
+              <a:t>-</a:t>
+            </a:r>
+            <a:r>
+              <a:rPr lang="en-US" dirty="0" err="1"/>
+              <a:t>tls-ctls</a:t>
+            </a:r>
+            <a:r>
+              <a:rPr lang="en-US" dirty="0"/>
+              <a:t> as well.</a:t>
+            </a:r>
+          </a:p>
+          <a:p>
+            <a:pPr lvl="1"/>
+            <a:endParaRPr lang="en-US" dirty="0"/>
+          </a:p>
+          <a:p>
+            <a:r>
+              <a:rPr lang="en-US" dirty="0"/>
+              <a:t>Feedback on the draft in TLS WG or git repo </a:t>
+            </a:r>
+          </a:p>
+          <a:p>
+            <a:pPr marL="0" indent="0">
+              <a:buNone/>
+            </a:pPr>
+            <a:r>
+              <a:rPr lang="en-US" dirty="0"/>
+              <a:t>   </a:t>
+            </a:r>
+            <a:r>
+              <a:rPr lang="en-US" dirty="0">
+                <a:hlinkClick r:id="rId2"/>
+              </a:rPr>
+              <a:t>https://github.com/csosto-pk/tls-suppress-intermediates</a:t>
+            </a:r>
+            <a:r>
+              <a:rPr lang="en-US" dirty="0"/>
+              <a:t> </a:t>
+            </a:r>
+          </a:p>
+          <a:p>
+            <a:endParaRPr lang="en-US" dirty="0"/>
+          </a:p>
+          <a:p>
+            <a:r>
+              <a:rPr lang="en-US" dirty="0"/>
+              <a:t>Consider it for WG adoption after NIST announces its Round 3 picks. </a:t>
+            </a:r>
+          </a:p>
+        </p:txBody>
+      </p:sp>
+    </p:spTree>
+    <p:extLst>
+      <p:ext uri="{BB962C8B-B14F-4D97-AF65-F5344CB8AC3E}">
+        <p14:creationId xmlns:p14="http://schemas.microsoft.com/office/powerpoint/2010/main" val="1942971042"/>
+      </p:ext>
+    </p:extLst>
+  </p:cSld>
+  <p:clrMapOvr>
+    <a:masterClrMapping/>
+  </p:clrMapOvr>
+</p:sld>
+</file>
+
 <file path=ppt/slides/slide2.xml><?xml version="1.0" encoding="utf-8"?>
 <p:sld xmlns:a="http://schemas.openxmlformats.org/drawingml/2006/main" xmlns:r="http://schemas.openxmlformats.org/officeDocument/2006/relationships" xmlns:p="http://schemas.openxmlformats.org/presentationml/2006/main">
   <p:cSld>
@@ -5821,7 +6262,7 @@
           <p:cNvPr id="5" name="Rectangle: Rounded Corners 4">
             <a:extLst>
               <a:ext uri="{FF2B5EF4-FFF2-40B4-BE49-F238E27FC236}">
-                <a16:creationId xmlns:a16="http://schemas.microsoft.com/office/drawing/2014/main" id="{FF9EC88A-5248-43CC-9E66-A845EED90A0A}"/>
+                <a16:creationId xmlns:a16="http://schemas.microsoft.com/office/drawing/2014/main" id="{A73F7034-FBEB-4007-B008-EDAA90272E98}"/>
               </a:ext>
             </a:extLst>
           </p:cNvPr>
@@ -5872,7 +6313,7 @@
           <p:cNvPr id="6" name="Rectangle: Rounded Corners 5">
             <a:extLst>
               <a:ext uri="{FF2B5EF4-FFF2-40B4-BE49-F238E27FC236}">
-                <a16:creationId xmlns:a16="http://schemas.microsoft.com/office/drawing/2014/main" id="{2AE939E4-F8DB-4072-BFD9-E3289EA10E8C}"/>
+                <a16:creationId xmlns:a16="http://schemas.microsoft.com/office/drawing/2014/main" id="{D1DB4F67-A4BB-4EB6-A537-B3313FB819C6}"/>
               </a:ext>
             </a:extLst>
           </p:cNvPr>
@@ -5923,7 +6364,7 @@
           <p:cNvPr id="7" name="Rectangle: Rounded Corners 6">
             <a:extLst>
               <a:ext uri="{FF2B5EF4-FFF2-40B4-BE49-F238E27FC236}">
-                <a16:creationId xmlns:a16="http://schemas.microsoft.com/office/drawing/2014/main" id="{05286700-807C-4833-83A5-5639F8C8C8A5}"/>
+                <a16:creationId xmlns:a16="http://schemas.microsoft.com/office/drawing/2014/main" id="{86C7971C-9DFA-42BD-BA0F-1D2B43691CDF}"/>
               </a:ext>
             </a:extLst>
           </p:cNvPr>
@@ -5974,7 +6415,7 @@
           <p:cNvPr id="8" name="Rectangle: Rounded Corners 7">
             <a:extLst>
               <a:ext uri="{FF2B5EF4-FFF2-40B4-BE49-F238E27FC236}">
-                <a16:creationId xmlns:a16="http://schemas.microsoft.com/office/drawing/2014/main" id="{DFBE18B9-361C-43F6-BC2C-BDC6A66004C2}"/>
+                <a16:creationId xmlns:a16="http://schemas.microsoft.com/office/drawing/2014/main" id="{DFD6A545-67A6-411D-981B-5CCC403CC1CC}"/>
               </a:ext>
             </a:extLst>
           </p:cNvPr>
@@ -6034,6 +6475,1926 @@
 </file>
 
 <file path=ppt/slides/slide5.xml><?xml version="1.0" encoding="utf-8"?>
+<p:sld xmlns:a="http://schemas.openxmlformats.org/drawingml/2006/main" xmlns:r="http://schemas.openxmlformats.org/officeDocument/2006/relationships" xmlns:p="http://schemas.openxmlformats.org/presentationml/2006/main" show="0">
+  <p:cSld>
+    <p:spTree>
+      <p:nvGrpSpPr>
+        <p:cNvPr id="1" name=""/>
+        <p:cNvGrpSpPr/>
+        <p:nvPr/>
+      </p:nvGrpSpPr>
+      <p:grpSpPr>
+        <a:xfrm>
+          <a:off x="0" y="0"/>
+          <a:ext cx="0" cy="0"/>
+          <a:chOff x="0" y="0"/>
+          <a:chExt cx="0" cy="0"/>
+        </a:xfrm>
+      </p:grpSpPr>
+      <p:sp>
+        <p:nvSpPr>
+          <p:cNvPr id="2" name="Title 1">
+            <a:extLst>
+              <a:ext uri="{FF2B5EF4-FFF2-40B4-BE49-F238E27FC236}">
+                <a16:creationId xmlns:a16="http://schemas.microsoft.com/office/drawing/2014/main" id="{ADB0EB22-C688-404D-8072-55C2D28E22B5}"/>
+              </a:ext>
+            </a:extLst>
+          </p:cNvPr>
+          <p:cNvSpPr>
+            <a:spLocks noGrp="1"/>
+          </p:cNvSpPr>
+          <p:nvPr>
+            <p:ph type="title"/>
+          </p:nvPr>
+        </p:nvSpPr>
+        <p:spPr>
+          <a:xfrm>
+            <a:off x="838200" y="365125"/>
+            <a:ext cx="10515600" cy="929803"/>
+          </a:xfrm>
+        </p:spPr>
+        <p:txBody>
+          <a:bodyPr>
+            <a:noAutofit/>
+          </a:bodyPr>
+          <a:lstStyle/>
+          <a:p>
+            <a:r>
+              <a:rPr lang="en-US" sz="2800" dirty="0"/>
+              <a:t>QUIC Amplification Protection with PQ (HTTP/3, with SCTs, no OCSP)</a:t>
+            </a:r>
+          </a:p>
+        </p:txBody>
+      </p:sp>
+      <p:sp>
+        <p:nvSpPr>
+          <p:cNvPr id="3" name="Content Placeholder 2">
+            <a:extLst>
+              <a:ext uri="{FF2B5EF4-FFF2-40B4-BE49-F238E27FC236}">
+                <a16:creationId xmlns:a16="http://schemas.microsoft.com/office/drawing/2014/main" id="{AEE51EF3-976A-4319-AB5A-8B2E935DABAF}"/>
+              </a:ext>
+            </a:extLst>
+          </p:cNvPr>
+          <p:cNvSpPr>
+            <a:spLocks noGrp="1"/>
+          </p:cNvSpPr>
+          <p:nvPr>
+            <p:ph idx="1"/>
+          </p:nvPr>
+        </p:nvSpPr>
+        <p:spPr/>
+        <p:txBody>
+          <a:bodyPr/>
+          <a:lstStyle/>
+          <a:p>
+            <a:endParaRPr lang="en-US"/>
+          </a:p>
+        </p:txBody>
+      </p:sp>
+      <p:graphicFrame>
+        <p:nvGraphicFramePr>
+          <p:cNvPr id="4" name="Content Placeholder 3">
+            <a:extLst>
+              <a:ext uri="{FF2B5EF4-FFF2-40B4-BE49-F238E27FC236}">
+                <a16:creationId xmlns:a16="http://schemas.microsoft.com/office/drawing/2014/main" id="{4418EE55-54B2-42D8-8835-D8CDC5D81292}"/>
+              </a:ext>
+            </a:extLst>
+          </p:cNvPr>
+          <p:cNvGraphicFramePr>
+            <a:graphicFrameLocks/>
+          </p:cNvGraphicFramePr>
+          <p:nvPr>
+            <p:extLst>
+              <p:ext uri="{D42A27DB-BD31-4B8C-83A1-F6EECF244321}">
+                <p14:modId xmlns:p14="http://schemas.microsoft.com/office/powerpoint/2010/main" val="3153701134"/>
+              </p:ext>
+            </p:extLst>
+          </p:nvPr>
+        </p:nvGraphicFramePr>
+        <p:xfrm>
+          <a:off x="317628" y="1401727"/>
+          <a:ext cx="11258552" cy="5316561"/>
+        </p:xfrm>
+        <a:graphic>
+          <a:graphicData uri="http://schemas.openxmlformats.org/drawingml/2006/table">
+            <a:tbl>
+              <a:tblPr firstRow="1" bandRow="1">
+                <a:tableStyleId>{5C22544A-7EE6-4342-B048-85BDC9FD1C3A}</a:tableStyleId>
+              </a:tblPr>
+              <a:tblGrid>
+                <a:gridCol w="1245288">
+                  <a:extLst>
+                    <a:ext uri="{9D8B030D-6E8A-4147-A177-3AD203B41FA5}">
+                      <a16:colId xmlns:a16="http://schemas.microsoft.com/office/drawing/2014/main" val="4261449279"/>
+                    </a:ext>
+                  </a:extLst>
+                </a:gridCol>
+                <a:gridCol w="1427093">
+                  <a:extLst>
+                    <a:ext uri="{9D8B030D-6E8A-4147-A177-3AD203B41FA5}">
+                      <a16:colId xmlns:a16="http://schemas.microsoft.com/office/drawing/2014/main" val="2888471886"/>
+                    </a:ext>
+                  </a:extLst>
+                </a:gridCol>
+                <a:gridCol w="1289189">
+                  <a:extLst>
+                    <a:ext uri="{9D8B030D-6E8A-4147-A177-3AD203B41FA5}">
+                      <a16:colId xmlns:a16="http://schemas.microsoft.com/office/drawing/2014/main" val="1669244666"/>
+                    </a:ext>
+                  </a:extLst>
+                </a:gridCol>
+                <a:gridCol w="1503159">
+                  <a:extLst>
+                    <a:ext uri="{9D8B030D-6E8A-4147-A177-3AD203B41FA5}">
+                      <a16:colId xmlns:a16="http://schemas.microsoft.com/office/drawing/2014/main" val="1678932570"/>
+                    </a:ext>
+                  </a:extLst>
+                </a:gridCol>
+                <a:gridCol w="1336142">
+                  <a:extLst>
+                    <a:ext uri="{9D8B030D-6E8A-4147-A177-3AD203B41FA5}">
+                      <a16:colId xmlns:a16="http://schemas.microsoft.com/office/drawing/2014/main" val="1433315777"/>
+                    </a:ext>
+                  </a:extLst>
+                </a:gridCol>
+                <a:gridCol w="1503159">
+                  <a:extLst>
+                    <a:ext uri="{9D8B030D-6E8A-4147-A177-3AD203B41FA5}">
+                      <a16:colId xmlns:a16="http://schemas.microsoft.com/office/drawing/2014/main" val="1853010732"/>
+                    </a:ext>
+                  </a:extLst>
+                </a:gridCol>
+                <a:gridCol w="2954522">
+                  <a:extLst>
+                    <a:ext uri="{9D8B030D-6E8A-4147-A177-3AD203B41FA5}">
+                      <a16:colId xmlns:a16="http://schemas.microsoft.com/office/drawing/2014/main" val="4217571057"/>
+                    </a:ext>
+                  </a:extLst>
+                </a:gridCol>
+              </a:tblGrid>
+              <a:tr h="442157">
+                <a:tc gridSpan="2">
+                  <a:txBody>
+                    <a:bodyPr/>
+                    <a:lstStyle/>
+                    <a:p>
+                      <a:pPr algn="ctr"/>
+                      <a:r>
+                        <a:rPr lang="en-US" sz="2000" dirty="0"/>
+                        <a:t>1 ICA</a:t>
+                      </a:r>
+                    </a:p>
+                  </a:txBody>
+                  <a:tcPr anchor="ctr"/>
+                </a:tc>
+                <a:tc hMerge="1">
+                  <a:txBody>
+                    <a:bodyPr/>
+                    <a:lstStyle/>
+                    <a:p>
+                      <a:endParaRPr lang="en-US"/>
+                    </a:p>
+                  </a:txBody>
+                  <a:tcPr/>
+                </a:tc>
+                <a:tc gridSpan="2">
+                  <a:txBody>
+                    <a:bodyPr/>
+                    <a:lstStyle/>
+                    <a:p>
+                      <a:pPr algn="ctr"/>
+                      <a:r>
+                        <a:rPr lang="en-US" sz="2000" dirty="0"/>
+                        <a:t>2 ICAs</a:t>
+                      </a:r>
+                    </a:p>
+                  </a:txBody>
+                  <a:tcPr anchor="ctr"/>
+                </a:tc>
+                <a:tc hMerge="1">
+                  <a:txBody>
+                    <a:bodyPr/>
+                    <a:lstStyle/>
+                    <a:p>
+                      <a:endParaRPr lang="en-US"/>
+                    </a:p>
+                  </a:txBody>
+                  <a:tcPr/>
+                </a:tc>
+                <a:tc gridSpan="2">
+                  <a:txBody>
+                    <a:bodyPr/>
+                    <a:lstStyle/>
+                    <a:p>
+                      <a:pPr algn="ctr"/>
+                      <a:r>
+                        <a:rPr lang="en-US" sz="2000" dirty="0"/>
+                        <a:t>3 ICAs</a:t>
+                      </a:r>
+                    </a:p>
+                  </a:txBody>
+                  <a:tcPr anchor="ctr"/>
+                </a:tc>
+                <a:tc hMerge="1">
+                  <a:txBody>
+                    <a:bodyPr/>
+                    <a:lstStyle/>
+                    <a:p>
+                      <a:endParaRPr lang="en-US"/>
+                    </a:p>
+                  </a:txBody>
+                  <a:tcPr/>
+                </a:tc>
+                <a:tc rowSpan="2">
+                  <a:txBody>
+                    <a:bodyPr/>
+                    <a:lstStyle/>
+                    <a:p>
+                      <a:pPr algn="ctr"/>
+                      <a:r>
+                        <a:rPr lang="en-US" sz="2000" dirty="0"/>
+                        <a:t>NIST PQ Algorithms</a:t>
+                      </a:r>
+                    </a:p>
+                  </a:txBody>
+                  <a:tcPr anchor="ctr"/>
+                </a:tc>
+                <a:extLst>
+                  <a:ext uri="{0D108BD9-81ED-4DB2-BD59-A6C34878D82A}">
+                    <a16:rowId xmlns:a16="http://schemas.microsoft.com/office/drawing/2014/main" val="3832094615"/>
+                  </a:ext>
+                </a:extLst>
+              </a:tr>
+              <a:tr h="816290">
+                <a:tc>
+                  <a:txBody>
+                    <a:bodyPr/>
+                    <a:lstStyle/>
+                    <a:p>
+                      <a:pPr algn="ctr"/>
+                      <a:r>
+                        <a:rPr lang="en-US" sz="1400" b="1" dirty="0">
+                          <a:solidFill>
+                            <a:schemeClr val="bg1"/>
+                          </a:solidFill>
+                        </a:rPr>
+                        <a:t>Initial Client Data (B)</a:t>
+                      </a:r>
+                    </a:p>
+                  </a:txBody>
+                  <a:tcPr anchor="ctr">
+                    <a:solidFill>
+                      <a:schemeClr val="accent1"/>
+                    </a:solidFill>
+                  </a:tcPr>
+                </a:tc>
+                <a:tc>
+                  <a:txBody>
+                    <a:bodyPr/>
+                    <a:lstStyle/>
+                    <a:p>
+                      <a:pPr algn="ctr"/>
+                      <a:r>
+                        <a:rPr lang="en-US" sz="1400" b="1" dirty="0">
+                          <a:solidFill>
+                            <a:schemeClr val="bg1"/>
+                          </a:solidFill>
+                        </a:rPr>
+                        <a:t>Server Response Data (KB)</a:t>
+                      </a:r>
+                    </a:p>
+                  </a:txBody>
+                  <a:tcPr anchor="ctr">
+                    <a:solidFill>
+                      <a:schemeClr val="accent1"/>
+                    </a:solidFill>
+                  </a:tcPr>
+                </a:tc>
+                <a:tc>
+                  <a:txBody>
+                    <a:bodyPr/>
+                    <a:lstStyle/>
+                    <a:p>
+                      <a:pPr algn="ctr"/>
+                      <a:r>
+                        <a:rPr lang="en-US" sz="1400" b="1" dirty="0">
+                          <a:solidFill>
+                            <a:schemeClr val="bg1"/>
+                          </a:solidFill>
+                        </a:rPr>
+                        <a:t>Initial Client Data (B)</a:t>
+                      </a:r>
+                    </a:p>
+                  </a:txBody>
+                  <a:tcPr anchor="ctr">
+                    <a:solidFill>
+                      <a:schemeClr val="accent1"/>
+                    </a:solidFill>
+                  </a:tcPr>
+                </a:tc>
+                <a:tc>
+                  <a:txBody>
+                    <a:bodyPr/>
+                    <a:lstStyle/>
+                    <a:p>
+                      <a:pPr algn="ctr"/>
+                      <a:r>
+                        <a:rPr lang="en-US" sz="1400" b="1" dirty="0">
+                          <a:solidFill>
+                            <a:schemeClr val="bg1"/>
+                          </a:solidFill>
+                        </a:rPr>
+                        <a:t>Server Response Data (KB)</a:t>
+                      </a:r>
+                    </a:p>
+                  </a:txBody>
+                  <a:tcPr anchor="ctr">
+                    <a:solidFill>
+                      <a:schemeClr val="accent1"/>
+                    </a:solidFill>
+                  </a:tcPr>
+                </a:tc>
+                <a:tc>
+                  <a:txBody>
+                    <a:bodyPr/>
+                    <a:lstStyle/>
+                    <a:p>
+                      <a:pPr algn="ctr"/>
+                      <a:r>
+                        <a:rPr lang="en-US" sz="1400" b="1" dirty="0">
+                          <a:solidFill>
+                            <a:schemeClr val="bg1"/>
+                          </a:solidFill>
+                        </a:rPr>
+                        <a:t>Initial Client Data (B)</a:t>
+                      </a:r>
+                    </a:p>
+                  </a:txBody>
+                  <a:tcPr anchor="ctr">
+                    <a:solidFill>
+                      <a:schemeClr val="accent1"/>
+                    </a:solidFill>
+                  </a:tcPr>
+                </a:tc>
+                <a:tc>
+                  <a:txBody>
+                    <a:bodyPr/>
+                    <a:lstStyle/>
+                    <a:p>
+                      <a:pPr algn="ctr"/>
+                      <a:r>
+                        <a:rPr lang="en-US" sz="1400" b="1" dirty="0">
+                          <a:solidFill>
+                            <a:schemeClr val="bg1"/>
+                          </a:solidFill>
+                        </a:rPr>
+                        <a:t>Server Response Data (KB)</a:t>
+                      </a:r>
+                    </a:p>
+                  </a:txBody>
+                  <a:tcPr anchor="ctr">
+                    <a:solidFill>
+                      <a:schemeClr val="accent1"/>
+                    </a:solidFill>
+                  </a:tcPr>
+                </a:tc>
+                <a:tc vMerge="1">
+                  <a:txBody>
+                    <a:bodyPr/>
+                    <a:lstStyle/>
+                    <a:p>
+                      <a:pPr algn="ctr"/>
+                      <a:endParaRPr lang="en-US" sz="1400" b="1" dirty="0">
+                        <a:solidFill>
+                          <a:schemeClr val="tx1"/>
+                        </a:solidFill>
+                      </a:endParaRPr>
+                    </a:p>
+                  </a:txBody>
+                  <a:tcPr>
+                    <a:solidFill>
+                      <a:schemeClr val="accent1"/>
+                    </a:solidFill>
+                  </a:tcPr>
+                </a:tc>
+                <a:extLst>
+                  <a:ext uri="{0D108BD9-81ED-4DB2-BD59-A6C34878D82A}">
+                    <a16:rowId xmlns:a16="http://schemas.microsoft.com/office/drawing/2014/main" val="2969612624"/>
+                  </a:ext>
+                </a:extLst>
+              </a:tr>
+              <a:tr h="484672">
+                <a:tc>
+                  <a:txBody>
+                    <a:bodyPr/>
+                    <a:lstStyle/>
+                    <a:p>
+                      <a:pPr algn="r" fontAlgn="b"/>
+                      <a:r>
+                        <a:rPr lang="en-US" sz="1800" b="0" i="0" u="none" strike="noStrike" dirty="0">
+                          <a:solidFill>
+                            <a:srgbClr val="000000"/>
+                          </a:solidFill>
+                          <a:effectLst/>
+                          <a:latin typeface="+mn-lt"/>
+                        </a:rPr>
+                        <a:t>1050</a:t>
+                      </a:r>
+                    </a:p>
+                  </a:txBody>
+                  <a:tcPr marL="7620" marR="7620" marT="7620" marB="0" anchor="b"/>
+                </a:tc>
+                <a:tc>
+                  <a:txBody>
+                    <a:bodyPr/>
+                    <a:lstStyle/>
+                    <a:p>
+                      <a:pPr algn="r" rtl="0" fontAlgn="b"/>
+                      <a:r>
+                        <a:rPr lang="en-US" sz="1800" b="0" i="0" u="none" strike="noStrike" dirty="0">
+                          <a:solidFill>
+                            <a:srgbClr val="000000"/>
+                          </a:solidFill>
+                          <a:effectLst/>
+                          <a:latin typeface="Calibri" panose="020F0502020204030204" pitchFamily="34" charset="0"/>
+                        </a:rPr>
+                        <a:t>13.32</a:t>
+                      </a:r>
+                    </a:p>
+                  </a:txBody>
+                  <a:tcPr marL="0" marR="0" marT="0" marB="0" anchor="b"/>
+                </a:tc>
+                <a:tc>
+                  <a:txBody>
+                    <a:bodyPr/>
+                    <a:lstStyle/>
+                    <a:p>
+                      <a:pPr algn="r" fontAlgn="b"/>
+                      <a:r>
+                        <a:rPr lang="en-US" sz="1800" b="0" i="0" u="none" strike="noStrike" dirty="0">
+                          <a:solidFill>
+                            <a:srgbClr val="000000"/>
+                          </a:solidFill>
+                          <a:effectLst/>
+                          <a:latin typeface="+mn-lt"/>
+                        </a:rPr>
+                        <a:t>1050</a:t>
+                      </a:r>
+                    </a:p>
+                  </a:txBody>
+                  <a:tcPr marL="7620" marR="7620" marT="7620" marB="0" anchor="b"/>
+                </a:tc>
+                <a:tc>
+                  <a:txBody>
+                    <a:bodyPr/>
+                    <a:lstStyle/>
+                    <a:p>
+                      <a:pPr algn="r" rtl="0" fontAlgn="b"/>
+                      <a:r>
+                        <a:rPr lang="en-US" sz="1800" b="0" i="0" u="none" strike="noStrike" dirty="0">
+                          <a:solidFill>
+                            <a:srgbClr val="000000"/>
+                          </a:solidFill>
+                          <a:effectLst/>
+                          <a:latin typeface="Calibri" panose="020F0502020204030204" pitchFamily="34" charset="0"/>
+                        </a:rPr>
+                        <a:t>16.49</a:t>
+                      </a:r>
+                    </a:p>
+                  </a:txBody>
+                  <a:tcPr marL="0" marR="0" marT="0" marB="0" anchor="b"/>
+                </a:tc>
+                <a:tc>
+                  <a:txBody>
+                    <a:bodyPr/>
+                    <a:lstStyle/>
+                    <a:p>
+                      <a:pPr algn="r" fontAlgn="b"/>
+                      <a:r>
+                        <a:rPr lang="en-US" sz="1800" b="0" i="0" u="none" strike="noStrike" dirty="0">
+                          <a:solidFill>
+                            <a:srgbClr val="000000"/>
+                          </a:solidFill>
+                          <a:effectLst/>
+                          <a:latin typeface="+mn-lt"/>
+                        </a:rPr>
+                        <a:t>1050</a:t>
+                      </a:r>
+                    </a:p>
+                  </a:txBody>
+                  <a:tcPr marL="7620" marR="7620" marT="7620" marB="0" anchor="b"/>
+                </a:tc>
+                <a:tc>
+                  <a:txBody>
+                    <a:bodyPr/>
+                    <a:lstStyle/>
+                    <a:p>
+                      <a:pPr algn="r" rtl="0" fontAlgn="b"/>
+                      <a:r>
+                        <a:rPr lang="en-US" sz="1800" b="0" i="0" u="none" strike="noStrike">
+                          <a:solidFill>
+                            <a:srgbClr val="000000"/>
+                          </a:solidFill>
+                          <a:effectLst/>
+                          <a:latin typeface="Calibri" panose="020F0502020204030204" pitchFamily="34" charset="0"/>
+                        </a:rPr>
+                        <a:t>19.66</a:t>
+                      </a:r>
+                    </a:p>
+                  </a:txBody>
+                  <a:tcPr marL="0" marR="0" marT="0" marB="0" anchor="b"/>
+                </a:tc>
+                <a:tc>
+                  <a:txBody>
+                    <a:bodyPr/>
+                    <a:lstStyle/>
+                    <a:p>
+                      <a:pPr algn="r" fontAlgn="b"/>
+                      <a:r>
+                        <a:rPr lang="en-US" sz="1600" b="0" i="0" u="none" strike="noStrike" dirty="0">
+                          <a:solidFill>
+                            <a:srgbClr val="000000"/>
+                          </a:solidFill>
+                          <a:effectLst/>
+                          <a:latin typeface="+mn-lt"/>
+                        </a:rPr>
+                        <a:t>(X25519 + Kyber-512) &amp; </a:t>
+                      </a:r>
+                    </a:p>
+                    <a:p>
+                      <a:pPr algn="r" fontAlgn="b"/>
+                      <a:r>
+                        <a:rPr lang="en-US" sz="1600" b="0" i="0" u="none" strike="noStrike" dirty="0">
+                          <a:solidFill>
+                            <a:srgbClr val="000000"/>
+                          </a:solidFill>
+                          <a:effectLst/>
+                          <a:latin typeface="+mn-lt"/>
+                        </a:rPr>
+                        <a:t>Dilithium-2</a:t>
+                      </a:r>
+                    </a:p>
+                  </a:txBody>
+                  <a:tcPr marL="7620" marR="7620" marT="7620" marB="0" anchor="b"/>
+                </a:tc>
+                <a:extLst>
+                  <a:ext uri="{0D108BD9-81ED-4DB2-BD59-A6C34878D82A}">
+                    <a16:rowId xmlns:a16="http://schemas.microsoft.com/office/drawing/2014/main" val="687941987"/>
+                  </a:ext>
+                </a:extLst>
+              </a:tr>
+              <a:tr h="484672">
+                <a:tc>
+                  <a:txBody>
+                    <a:bodyPr/>
+                    <a:lstStyle/>
+                    <a:p>
+                      <a:pPr algn="r" fontAlgn="b"/>
+                      <a:r>
+                        <a:rPr lang="en-US" sz="1800" b="0" i="0" u="none" strike="noStrike" dirty="0">
+                          <a:solidFill>
+                            <a:srgbClr val="000000"/>
+                          </a:solidFill>
+                          <a:effectLst/>
+                          <a:latin typeface="+mn-lt"/>
+                        </a:rPr>
+                        <a:t>1050</a:t>
+                      </a:r>
+                    </a:p>
+                  </a:txBody>
+                  <a:tcPr marL="7620" marR="7620" marT="7620" marB="0" anchor="b"/>
+                </a:tc>
+                <a:tc>
+                  <a:txBody>
+                    <a:bodyPr/>
+                    <a:lstStyle/>
+                    <a:p>
+                      <a:pPr algn="r" rtl="0" fontAlgn="b"/>
+                      <a:r>
+                        <a:rPr lang="en-US" sz="1800" b="0" i="0" u="none" strike="noStrike" dirty="0">
+                          <a:solidFill>
+                            <a:srgbClr val="000000"/>
+                          </a:solidFill>
+                          <a:effectLst/>
+                          <a:latin typeface="Calibri" panose="020F0502020204030204" pitchFamily="34" charset="0"/>
+                        </a:rPr>
+                        <a:t>5.68</a:t>
+                      </a:r>
+                    </a:p>
+                  </a:txBody>
+                  <a:tcPr marL="0" marR="0" marT="0" marB="0" anchor="b"/>
+                </a:tc>
+                <a:tc>
+                  <a:txBody>
+                    <a:bodyPr/>
+                    <a:lstStyle/>
+                    <a:p>
+                      <a:pPr algn="r" fontAlgn="b"/>
+                      <a:r>
+                        <a:rPr lang="en-US" sz="1800" b="0" i="0" u="none" strike="noStrike" dirty="0">
+                          <a:solidFill>
+                            <a:srgbClr val="000000"/>
+                          </a:solidFill>
+                          <a:effectLst/>
+                          <a:latin typeface="+mn-lt"/>
+                        </a:rPr>
+                        <a:t>1050</a:t>
+                      </a:r>
+                    </a:p>
+                  </a:txBody>
+                  <a:tcPr marL="7620" marR="7620" marT="7620" marB="0" anchor="b"/>
+                </a:tc>
+                <a:tc>
+                  <a:txBody>
+                    <a:bodyPr/>
+                    <a:lstStyle/>
+                    <a:p>
+                      <a:pPr algn="r" rtl="0" fontAlgn="b"/>
+                      <a:r>
+                        <a:rPr lang="en-US" sz="1800" b="0" i="0" u="none" strike="noStrike" dirty="0">
+                          <a:solidFill>
+                            <a:srgbClr val="000000"/>
+                          </a:solidFill>
+                          <a:effectLst/>
+                          <a:latin typeface="Calibri" panose="020F0502020204030204" pitchFamily="34" charset="0"/>
+                        </a:rPr>
+                        <a:t>7.22</a:t>
+                      </a:r>
+                    </a:p>
+                  </a:txBody>
+                  <a:tcPr marL="0" marR="0" marT="0" marB="0" anchor="b"/>
+                </a:tc>
+                <a:tc>
+                  <a:txBody>
+                    <a:bodyPr/>
+                    <a:lstStyle/>
+                    <a:p>
+                      <a:pPr algn="r" fontAlgn="b"/>
+                      <a:r>
+                        <a:rPr lang="en-US" sz="1800" b="0" i="0" u="none" strike="noStrike">
+                          <a:solidFill>
+                            <a:srgbClr val="000000"/>
+                          </a:solidFill>
+                          <a:effectLst/>
+                          <a:latin typeface="+mn-lt"/>
+                        </a:rPr>
+                        <a:t>1050</a:t>
+                      </a:r>
+                    </a:p>
+                  </a:txBody>
+                  <a:tcPr marL="7620" marR="7620" marT="7620" marB="0" anchor="b"/>
+                </a:tc>
+                <a:tc>
+                  <a:txBody>
+                    <a:bodyPr/>
+                    <a:lstStyle/>
+                    <a:p>
+                      <a:pPr algn="r" rtl="0" fontAlgn="b"/>
+                      <a:r>
+                        <a:rPr lang="en-US" sz="1800" b="0" i="0" u="none" strike="noStrike">
+                          <a:solidFill>
+                            <a:srgbClr val="000000"/>
+                          </a:solidFill>
+                          <a:effectLst/>
+                          <a:latin typeface="Calibri" panose="020F0502020204030204" pitchFamily="34" charset="0"/>
+                        </a:rPr>
+                        <a:t>8.77</a:t>
+                      </a:r>
+                    </a:p>
+                  </a:txBody>
+                  <a:tcPr marL="0" marR="0" marT="0" marB="0" anchor="b"/>
+                </a:tc>
+                <a:tc>
+                  <a:txBody>
+                    <a:bodyPr/>
+                    <a:lstStyle/>
+                    <a:p>
+                      <a:pPr algn="r" fontAlgn="b"/>
+                      <a:r>
+                        <a:rPr lang="en-US" sz="1600" b="0" i="0" u="none" strike="noStrike" dirty="0">
+                          <a:solidFill>
+                            <a:srgbClr val="000000"/>
+                          </a:solidFill>
+                          <a:effectLst/>
+                          <a:latin typeface="+mn-lt"/>
+                        </a:rPr>
+                        <a:t>(X25519 + Kyber-512) &amp; </a:t>
+                      </a:r>
+                    </a:p>
+                    <a:p>
+                      <a:pPr algn="r" fontAlgn="b"/>
+                      <a:r>
+                        <a:rPr lang="en-US" sz="1600" b="0" i="0" u="none" strike="noStrike" dirty="0">
+                          <a:solidFill>
+                            <a:srgbClr val="000000"/>
+                          </a:solidFill>
+                          <a:effectLst/>
+                          <a:latin typeface="+mn-lt"/>
+                        </a:rPr>
+                        <a:t>Falcon-512</a:t>
+                      </a:r>
+                    </a:p>
+                  </a:txBody>
+                  <a:tcPr marL="7620" marR="7620" marT="7620" marB="0" anchor="b"/>
+                </a:tc>
+                <a:extLst>
+                  <a:ext uri="{0D108BD9-81ED-4DB2-BD59-A6C34878D82A}">
+                    <a16:rowId xmlns:a16="http://schemas.microsoft.com/office/drawing/2014/main" val="3616615826"/>
+                  </a:ext>
+                </a:extLst>
+              </a:tr>
+              <a:tr h="467666">
+                <a:tc>
+                  <a:txBody>
+                    <a:bodyPr/>
+                    <a:lstStyle/>
+                    <a:p>
+                      <a:pPr algn="r" fontAlgn="b"/>
+                      <a:r>
+                        <a:rPr lang="en-US" sz="1800" b="0" i="0" u="none" strike="noStrike">
+                          <a:solidFill>
+                            <a:srgbClr val="000000"/>
+                          </a:solidFill>
+                          <a:effectLst/>
+                          <a:latin typeface="+mn-lt"/>
+                        </a:rPr>
+                        <a:t>949</a:t>
+                      </a:r>
+                    </a:p>
+                  </a:txBody>
+                  <a:tcPr marL="7620" marR="7620" marT="7620" marB="0" anchor="b"/>
+                </a:tc>
+                <a:tc>
+                  <a:txBody>
+                    <a:bodyPr/>
+                    <a:lstStyle/>
+                    <a:p>
+                      <a:pPr algn="r" rtl="0" fontAlgn="b"/>
+                      <a:r>
+                        <a:rPr lang="en-US" sz="1800" b="0" i="0" u="none" strike="noStrike" dirty="0">
+                          <a:solidFill>
+                            <a:srgbClr val="000000"/>
+                          </a:solidFill>
+                          <a:effectLst/>
+                          <a:latin typeface="Calibri" panose="020F0502020204030204" pitchFamily="34" charset="0"/>
+                        </a:rPr>
+                        <a:t>5.61</a:t>
+                      </a:r>
+                    </a:p>
+                  </a:txBody>
+                  <a:tcPr marL="0" marR="0" marT="0" marB="0" anchor="b"/>
+                </a:tc>
+                <a:tc>
+                  <a:txBody>
+                    <a:bodyPr/>
+                    <a:lstStyle/>
+                    <a:p>
+                      <a:pPr algn="r" fontAlgn="b"/>
+                      <a:r>
+                        <a:rPr lang="en-US" sz="1800" b="0" i="0" u="none" strike="noStrike" dirty="0">
+                          <a:solidFill>
+                            <a:srgbClr val="000000"/>
+                          </a:solidFill>
+                          <a:effectLst/>
+                          <a:latin typeface="+mn-lt"/>
+                        </a:rPr>
+                        <a:t>949</a:t>
+                      </a:r>
+                    </a:p>
+                  </a:txBody>
+                  <a:tcPr marL="7620" marR="7620" marT="7620" marB="0" anchor="b"/>
+                </a:tc>
+                <a:tc>
+                  <a:txBody>
+                    <a:bodyPr/>
+                    <a:lstStyle/>
+                    <a:p>
+                      <a:pPr algn="r" rtl="0" fontAlgn="b"/>
+                      <a:r>
+                        <a:rPr lang="en-US" sz="1800" b="0" i="0" u="none" strike="noStrike" dirty="0">
+                          <a:solidFill>
+                            <a:srgbClr val="000000"/>
+                          </a:solidFill>
+                          <a:effectLst/>
+                          <a:latin typeface="Calibri" panose="020F0502020204030204" pitchFamily="34" charset="0"/>
+                        </a:rPr>
+                        <a:t>7.16</a:t>
+                      </a:r>
+                    </a:p>
+                  </a:txBody>
+                  <a:tcPr marL="0" marR="0" marT="0" marB="0" anchor="b"/>
+                </a:tc>
+                <a:tc>
+                  <a:txBody>
+                    <a:bodyPr/>
+                    <a:lstStyle/>
+                    <a:p>
+                      <a:pPr algn="r" fontAlgn="b"/>
+                      <a:r>
+                        <a:rPr lang="en-US" sz="1800" b="0" i="0" u="none" strike="noStrike" dirty="0">
+                          <a:solidFill>
+                            <a:srgbClr val="000000"/>
+                          </a:solidFill>
+                          <a:effectLst/>
+                          <a:latin typeface="+mn-lt"/>
+                        </a:rPr>
+                        <a:t>949</a:t>
+                      </a:r>
+                    </a:p>
+                  </a:txBody>
+                  <a:tcPr marL="7620" marR="7620" marT="7620" marB="0" anchor="b"/>
+                </a:tc>
+                <a:tc>
+                  <a:txBody>
+                    <a:bodyPr/>
+                    <a:lstStyle/>
+                    <a:p>
+                      <a:pPr algn="r" rtl="0" fontAlgn="b"/>
+                      <a:r>
+                        <a:rPr lang="en-US" sz="1800" b="0" i="0" u="none" strike="noStrike">
+                          <a:solidFill>
+                            <a:srgbClr val="000000"/>
+                          </a:solidFill>
+                          <a:effectLst/>
+                          <a:latin typeface="Calibri" panose="020F0502020204030204" pitchFamily="34" charset="0"/>
+                        </a:rPr>
+                        <a:t>8.70</a:t>
+                      </a:r>
+                    </a:p>
+                  </a:txBody>
+                  <a:tcPr marL="0" marR="0" marT="0" marB="0" anchor="b"/>
+                </a:tc>
+                <a:tc>
+                  <a:txBody>
+                    <a:bodyPr/>
+                    <a:lstStyle/>
+                    <a:p>
+                      <a:pPr algn="r" fontAlgn="b"/>
+                      <a:r>
+                        <a:rPr lang="en-US" sz="1600" b="0" i="0" u="none" strike="noStrike" dirty="0">
+                          <a:solidFill>
+                            <a:srgbClr val="000000"/>
+                          </a:solidFill>
+                          <a:effectLst/>
+                          <a:latin typeface="+mn-lt"/>
+                        </a:rPr>
+                        <a:t>(X25519 + ntruhps2048509) &amp; </a:t>
+                      </a:r>
+                      <a:br>
+                        <a:rPr lang="en-US" sz="1600" b="0" i="0" u="none" strike="noStrike" dirty="0">
+                          <a:solidFill>
+                            <a:srgbClr val="000000"/>
+                          </a:solidFill>
+                          <a:effectLst/>
+                          <a:latin typeface="+mn-lt"/>
+                        </a:rPr>
+                      </a:br>
+                      <a:r>
+                        <a:rPr lang="en-US" sz="1600" b="0" i="0" u="none" strike="noStrike" dirty="0">
+                          <a:solidFill>
+                            <a:srgbClr val="000000"/>
+                          </a:solidFill>
+                          <a:effectLst/>
+                          <a:latin typeface="+mn-lt"/>
+                        </a:rPr>
+                        <a:t>Falcon-512</a:t>
+                      </a:r>
+                    </a:p>
+                  </a:txBody>
+                  <a:tcPr marL="7620" marR="7620" marT="7620" marB="0" anchor="b"/>
+                </a:tc>
+                <a:extLst>
+                  <a:ext uri="{0D108BD9-81ED-4DB2-BD59-A6C34878D82A}">
+                    <a16:rowId xmlns:a16="http://schemas.microsoft.com/office/drawing/2014/main" val="2372735652"/>
+                  </a:ext>
+                </a:extLst>
+              </a:tr>
+              <a:tr h="484672">
+                <a:tc>
+                  <a:txBody>
+                    <a:bodyPr/>
+                    <a:lstStyle/>
+                    <a:p>
+                      <a:pPr algn="r" fontAlgn="b"/>
+                      <a:r>
+                        <a:rPr lang="en-US" sz="1800" b="0" i="0" u="none" strike="noStrike" dirty="0">
+                          <a:solidFill>
+                            <a:srgbClr val="000000"/>
+                          </a:solidFill>
+                          <a:effectLst/>
+                          <a:latin typeface="+mn-lt"/>
+                        </a:rPr>
+                        <a:t>922</a:t>
+                      </a:r>
+                    </a:p>
+                  </a:txBody>
+                  <a:tcPr marL="7620" marR="7620" marT="7620" marB="0" anchor="b"/>
+                </a:tc>
+                <a:tc>
+                  <a:txBody>
+                    <a:bodyPr/>
+                    <a:lstStyle/>
+                    <a:p>
+                      <a:pPr algn="r" rtl="0" fontAlgn="b"/>
+                      <a:r>
+                        <a:rPr lang="en-US" sz="1800" b="0" i="0" u="none" strike="noStrike" dirty="0">
+                          <a:solidFill>
+                            <a:srgbClr val="000000"/>
+                          </a:solidFill>
+                          <a:effectLst/>
+                          <a:latin typeface="Calibri" panose="020F0502020204030204" pitchFamily="34" charset="0"/>
+                        </a:rPr>
+                        <a:t>5.65</a:t>
+                      </a:r>
+                    </a:p>
+                  </a:txBody>
+                  <a:tcPr marL="0" marR="0" marT="0" marB="0" anchor="b"/>
+                </a:tc>
+                <a:tc>
+                  <a:txBody>
+                    <a:bodyPr/>
+                    <a:lstStyle/>
+                    <a:p>
+                      <a:pPr algn="r" fontAlgn="b"/>
+                      <a:r>
+                        <a:rPr lang="en-US" sz="1800" b="0" i="0" u="none" strike="noStrike" dirty="0">
+                          <a:solidFill>
+                            <a:srgbClr val="000000"/>
+                          </a:solidFill>
+                          <a:effectLst/>
+                          <a:latin typeface="+mn-lt"/>
+                        </a:rPr>
+                        <a:t>922</a:t>
+                      </a:r>
+                    </a:p>
+                  </a:txBody>
+                  <a:tcPr marL="7620" marR="7620" marT="7620" marB="0" anchor="b"/>
+                </a:tc>
+                <a:tc>
+                  <a:txBody>
+                    <a:bodyPr/>
+                    <a:lstStyle/>
+                    <a:p>
+                      <a:pPr algn="r" rtl="0" fontAlgn="b"/>
+                      <a:r>
+                        <a:rPr lang="en-US" sz="1800" b="0" i="0" u="none" strike="noStrike" dirty="0">
+                          <a:solidFill>
+                            <a:srgbClr val="000000"/>
+                          </a:solidFill>
+                          <a:effectLst/>
+                          <a:latin typeface="Calibri" panose="020F0502020204030204" pitchFamily="34" charset="0"/>
+                        </a:rPr>
+                        <a:t>7.19</a:t>
+                      </a:r>
+                    </a:p>
+                  </a:txBody>
+                  <a:tcPr marL="0" marR="0" marT="0" marB="0" anchor="b"/>
+                </a:tc>
+                <a:tc>
+                  <a:txBody>
+                    <a:bodyPr/>
+                    <a:lstStyle/>
+                    <a:p>
+                      <a:pPr algn="r" fontAlgn="b"/>
+                      <a:r>
+                        <a:rPr lang="en-US" sz="1800" b="0" i="0" u="none" strike="noStrike" dirty="0">
+                          <a:solidFill>
+                            <a:srgbClr val="000000"/>
+                          </a:solidFill>
+                          <a:effectLst/>
+                          <a:latin typeface="+mn-lt"/>
+                        </a:rPr>
+                        <a:t>922</a:t>
+                      </a:r>
+                    </a:p>
+                  </a:txBody>
+                  <a:tcPr marL="7620" marR="7620" marT="7620" marB="0" anchor="b"/>
+                </a:tc>
+                <a:tc>
+                  <a:txBody>
+                    <a:bodyPr/>
+                    <a:lstStyle/>
+                    <a:p>
+                      <a:pPr algn="r" rtl="0" fontAlgn="b"/>
+                      <a:r>
+                        <a:rPr lang="en-US" sz="1800" b="0" i="0" u="none" strike="noStrike" dirty="0">
+                          <a:solidFill>
+                            <a:srgbClr val="000000"/>
+                          </a:solidFill>
+                          <a:effectLst/>
+                          <a:latin typeface="Calibri" panose="020F0502020204030204" pitchFamily="34" charset="0"/>
+                        </a:rPr>
+                        <a:t>8.74</a:t>
+                      </a:r>
+                    </a:p>
+                  </a:txBody>
+                  <a:tcPr marL="0" marR="0" marT="0" marB="0" anchor="b"/>
+                </a:tc>
+                <a:tc>
+                  <a:txBody>
+                    <a:bodyPr/>
+                    <a:lstStyle/>
+                    <a:p>
+                      <a:pPr algn="r" fontAlgn="b"/>
+                      <a:r>
+                        <a:rPr lang="en-US" sz="1600" b="0" i="0" u="none" strike="noStrike" dirty="0">
+                          <a:solidFill>
+                            <a:srgbClr val="000000"/>
+                          </a:solidFill>
+                          <a:effectLst/>
+                          <a:latin typeface="+mn-lt"/>
+                        </a:rPr>
+                        <a:t>(X25519 + </a:t>
+                      </a:r>
+                      <a:r>
+                        <a:rPr lang="en-US" sz="1600" b="0" i="0" u="none" strike="noStrike" kern="1200" dirty="0" err="1">
+                          <a:solidFill>
+                            <a:srgbClr val="000000"/>
+                          </a:solidFill>
+                          <a:effectLst/>
+                          <a:latin typeface="+mn-lt"/>
+                          <a:ea typeface="+mn-ea"/>
+                          <a:cs typeface="+mn-cs"/>
+                        </a:rPr>
+                        <a:t>Light</a:t>
+                      </a:r>
+                      <a:r>
+                        <a:rPr lang="en-US" sz="1600" b="0" i="0" u="none" strike="noStrike" dirty="0" err="1">
+                          <a:solidFill>
+                            <a:srgbClr val="000000"/>
+                          </a:solidFill>
+                          <a:effectLst/>
+                          <a:latin typeface="+mn-lt"/>
+                        </a:rPr>
+                        <a:t>Saber</a:t>
+                      </a:r>
+                      <a:r>
+                        <a:rPr lang="en-US" sz="1600" b="0" i="0" u="none" strike="noStrike" dirty="0">
+                          <a:solidFill>
+                            <a:srgbClr val="000000"/>
+                          </a:solidFill>
+                          <a:effectLst/>
+                          <a:latin typeface="+mn-lt"/>
+                        </a:rPr>
+                        <a:t>) &amp; Falcon-512</a:t>
+                      </a:r>
+                    </a:p>
+                  </a:txBody>
+                  <a:tcPr marL="7620" marR="7620" marT="7620" marB="0" anchor="b"/>
+                </a:tc>
+                <a:extLst>
+                  <a:ext uri="{0D108BD9-81ED-4DB2-BD59-A6C34878D82A}">
+                    <a16:rowId xmlns:a16="http://schemas.microsoft.com/office/drawing/2014/main" val="3520822024"/>
+                  </a:ext>
+                </a:extLst>
+              </a:tr>
+              <a:tr h="484672">
+                <a:tc>
+                  <a:txBody>
+                    <a:bodyPr/>
+                    <a:lstStyle/>
+                    <a:p>
+                      <a:pPr algn="r" fontAlgn="b"/>
+                      <a:r>
+                        <a:rPr lang="en-US" sz="1800" b="0" i="0" u="none" strike="noStrike" dirty="0">
+                          <a:solidFill>
+                            <a:srgbClr val="000000"/>
+                          </a:solidFill>
+                          <a:effectLst/>
+                          <a:latin typeface="+mn-lt"/>
+                        </a:rPr>
+                        <a:t>1434</a:t>
+                      </a:r>
+                    </a:p>
+                  </a:txBody>
+                  <a:tcPr marL="7620" marR="7620" marT="7620" marB="0" anchor="b"/>
+                </a:tc>
+                <a:tc>
+                  <a:txBody>
+                    <a:bodyPr/>
+                    <a:lstStyle/>
+                    <a:p>
+                      <a:pPr algn="r" rtl="0" fontAlgn="b"/>
+                      <a:r>
+                        <a:rPr lang="en-US" sz="1800" b="0" i="0" u="none" strike="noStrike">
+                          <a:solidFill>
+                            <a:srgbClr val="000000"/>
+                          </a:solidFill>
+                          <a:effectLst/>
+                          <a:latin typeface="Calibri" panose="020F0502020204030204" pitchFamily="34" charset="0"/>
+                        </a:rPr>
+                        <a:t>6.00</a:t>
+                      </a:r>
+                    </a:p>
+                  </a:txBody>
+                  <a:tcPr marL="0" marR="0" marT="0" marB="0" anchor="b"/>
+                </a:tc>
+                <a:tc>
+                  <a:txBody>
+                    <a:bodyPr/>
+                    <a:lstStyle/>
+                    <a:p>
+                      <a:pPr algn="r" fontAlgn="b"/>
+                      <a:r>
+                        <a:rPr lang="en-US" sz="1800" b="0" i="0" u="none" strike="noStrike" dirty="0">
+                          <a:solidFill>
+                            <a:srgbClr val="000000"/>
+                          </a:solidFill>
+                          <a:effectLst/>
+                          <a:latin typeface="+mn-lt"/>
+                        </a:rPr>
+                        <a:t>1434</a:t>
+                      </a:r>
+                    </a:p>
+                  </a:txBody>
+                  <a:tcPr marL="7620" marR="7620" marT="7620" marB="0" anchor="b"/>
+                </a:tc>
+                <a:tc>
+                  <a:txBody>
+                    <a:bodyPr/>
+                    <a:lstStyle/>
+                    <a:p>
+                      <a:pPr algn="r" rtl="0" fontAlgn="b"/>
+                      <a:r>
+                        <a:rPr lang="en-US" sz="1800" b="0" i="0" u="none" strike="noStrike">
+                          <a:solidFill>
+                            <a:srgbClr val="000000"/>
+                          </a:solidFill>
+                          <a:effectLst/>
+                          <a:latin typeface="Calibri" panose="020F0502020204030204" pitchFamily="34" charset="0"/>
+                        </a:rPr>
+                        <a:t>7.54</a:t>
+                      </a:r>
+                    </a:p>
+                  </a:txBody>
+                  <a:tcPr marL="0" marR="0" marT="0" marB="0" anchor="b"/>
+                </a:tc>
+                <a:tc>
+                  <a:txBody>
+                    <a:bodyPr/>
+                    <a:lstStyle/>
+                    <a:p>
+                      <a:pPr algn="r" fontAlgn="b"/>
+                      <a:r>
+                        <a:rPr lang="en-US" sz="1800" b="0" i="0" u="none" strike="noStrike" dirty="0">
+                          <a:solidFill>
+                            <a:srgbClr val="000000"/>
+                          </a:solidFill>
+                          <a:effectLst/>
+                          <a:latin typeface="+mn-lt"/>
+                        </a:rPr>
+                        <a:t>1434</a:t>
+                      </a:r>
+                    </a:p>
+                  </a:txBody>
+                  <a:tcPr marL="7620" marR="7620" marT="7620" marB="0" anchor="b"/>
+                </a:tc>
+                <a:tc>
+                  <a:txBody>
+                    <a:bodyPr/>
+                    <a:lstStyle/>
+                    <a:p>
+                      <a:pPr algn="r" rtl="0" fontAlgn="b"/>
+                      <a:r>
+                        <a:rPr lang="en-US" sz="1800" b="0" i="0" u="none" strike="noStrike">
+                          <a:solidFill>
+                            <a:srgbClr val="000000"/>
+                          </a:solidFill>
+                          <a:effectLst/>
+                          <a:latin typeface="Calibri" panose="020F0502020204030204" pitchFamily="34" charset="0"/>
+                        </a:rPr>
+                        <a:t>9.09</a:t>
+                      </a:r>
+                    </a:p>
+                  </a:txBody>
+                  <a:tcPr marL="0" marR="0" marT="0" marB="0" anchor="b"/>
+                </a:tc>
+                <a:tc>
+                  <a:txBody>
+                    <a:bodyPr/>
+                    <a:lstStyle/>
+                    <a:p>
+                      <a:pPr algn="r" fontAlgn="b"/>
+                      <a:r>
+                        <a:rPr lang="en-US" sz="1600" b="0" i="0" u="none" strike="noStrike" kern="1200" dirty="0">
+                          <a:solidFill>
+                            <a:srgbClr val="000000"/>
+                          </a:solidFill>
+                          <a:effectLst/>
+                          <a:latin typeface="+mn-lt"/>
+                          <a:ea typeface="+mn-ea"/>
+                          <a:cs typeface="+mn-cs"/>
+                        </a:rPr>
+                        <a:t>(X25519 + Kyber-768) &amp; </a:t>
+                      </a:r>
+                    </a:p>
+                    <a:p>
+                      <a:pPr algn="r" fontAlgn="b"/>
+                      <a:r>
+                        <a:rPr lang="en-US" sz="1600" b="0" i="0" u="none" strike="noStrike" kern="1200" dirty="0">
+                          <a:solidFill>
+                            <a:srgbClr val="000000"/>
+                          </a:solidFill>
+                          <a:effectLst/>
+                          <a:latin typeface="+mn-lt"/>
+                          <a:ea typeface="+mn-ea"/>
+                          <a:cs typeface="+mn-cs"/>
+                        </a:rPr>
+                        <a:t>Falcon-512</a:t>
+                      </a:r>
+                    </a:p>
+                  </a:txBody>
+                  <a:tcPr marL="7620" marR="7620" marT="7620" marB="0" anchor="b"/>
+                </a:tc>
+                <a:extLst>
+                  <a:ext uri="{0D108BD9-81ED-4DB2-BD59-A6C34878D82A}">
+                    <a16:rowId xmlns:a16="http://schemas.microsoft.com/office/drawing/2014/main" val="3306812332"/>
+                  </a:ext>
+                </a:extLst>
+              </a:tr>
+              <a:tr h="591014">
+                <a:tc>
+                  <a:txBody>
+                    <a:bodyPr/>
+                    <a:lstStyle/>
+                    <a:p>
+                      <a:pPr algn="r" fontAlgn="b"/>
+                      <a:r>
+                        <a:rPr lang="en-US" sz="1800" b="0" i="0" u="none" strike="noStrike">
+                          <a:solidFill>
+                            <a:srgbClr val="000000"/>
+                          </a:solidFill>
+                          <a:effectLst/>
+                          <a:latin typeface="+mn-lt"/>
+                        </a:rPr>
+                        <a:t>1181</a:t>
+                      </a:r>
+                    </a:p>
+                  </a:txBody>
+                  <a:tcPr marL="7620" marR="7620" marT="7620" marB="0" anchor="b"/>
+                </a:tc>
+                <a:tc>
+                  <a:txBody>
+                    <a:bodyPr/>
+                    <a:lstStyle/>
+                    <a:p>
+                      <a:pPr algn="r" rtl="0" fontAlgn="b"/>
+                      <a:r>
+                        <a:rPr lang="en-US" sz="1800" b="0" i="0" u="none" strike="noStrike">
+                          <a:solidFill>
+                            <a:srgbClr val="000000"/>
+                          </a:solidFill>
+                          <a:effectLst/>
+                          <a:latin typeface="Calibri" panose="020F0502020204030204" pitchFamily="34" charset="0"/>
+                        </a:rPr>
+                        <a:t>5.84</a:t>
+                      </a:r>
+                    </a:p>
+                  </a:txBody>
+                  <a:tcPr marL="0" marR="0" marT="0" marB="0" anchor="b"/>
+                </a:tc>
+                <a:tc>
+                  <a:txBody>
+                    <a:bodyPr/>
+                    <a:lstStyle/>
+                    <a:p>
+                      <a:pPr algn="r" fontAlgn="b"/>
+                      <a:r>
+                        <a:rPr lang="en-US" sz="1800" b="0" i="0" u="none" strike="noStrike" dirty="0">
+                          <a:solidFill>
+                            <a:srgbClr val="000000"/>
+                          </a:solidFill>
+                          <a:effectLst/>
+                          <a:latin typeface="+mn-lt"/>
+                        </a:rPr>
+                        <a:t>1181</a:t>
+                      </a:r>
+                    </a:p>
+                  </a:txBody>
+                  <a:tcPr marL="7620" marR="7620" marT="7620" marB="0" anchor="b"/>
+                </a:tc>
+                <a:tc>
+                  <a:txBody>
+                    <a:bodyPr/>
+                    <a:lstStyle/>
+                    <a:p>
+                      <a:pPr algn="r" rtl="0" fontAlgn="b"/>
+                      <a:r>
+                        <a:rPr lang="en-US" sz="1800" b="0" i="0" u="none" strike="noStrike">
+                          <a:solidFill>
+                            <a:srgbClr val="000000"/>
+                          </a:solidFill>
+                          <a:effectLst/>
+                          <a:latin typeface="Calibri" panose="020F0502020204030204" pitchFamily="34" charset="0"/>
+                        </a:rPr>
+                        <a:t>7.39</a:t>
+                      </a:r>
+                    </a:p>
+                  </a:txBody>
+                  <a:tcPr marL="0" marR="0" marT="0" marB="0" anchor="b"/>
+                </a:tc>
+                <a:tc>
+                  <a:txBody>
+                    <a:bodyPr/>
+                    <a:lstStyle/>
+                    <a:p>
+                      <a:pPr algn="r" fontAlgn="b"/>
+                      <a:r>
+                        <a:rPr lang="en-US" sz="1800" b="0" i="0" u="none" strike="noStrike" dirty="0">
+                          <a:solidFill>
+                            <a:srgbClr val="000000"/>
+                          </a:solidFill>
+                          <a:effectLst/>
+                          <a:latin typeface="+mn-lt"/>
+                        </a:rPr>
+                        <a:t>1181</a:t>
+                      </a:r>
+                    </a:p>
+                  </a:txBody>
+                  <a:tcPr marL="7620" marR="7620" marT="7620" marB="0" anchor="b"/>
+                </a:tc>
+                <a:tc>
+                  <a:txBody>
+                    <a:bodyPr/>
+                    <a:lstStyle/>
+                    <a:p>
+                      <a:pPr algn="r" rtl="0" fontAlgn="b"/>
+                      <a:r>
+                        <a:rPr lang="en-US" sz="1800" b="0" i="0" u="none" strike="noStrike">
+                          <a:solidFill>
+                            <a:srgbClr val="000000"/>
+                          </a:solidFill>
+                          <a:effectLst/>
+                          <a:latin typeface="Calibri" panose="020F0502020204030204" pitchFamily="34" charset="0"/>
+                        </a:rPr>
+                        <a:t>8.94</a:t>
+                      </a:r>
+                    </a:p>
+                  </a:txBody>
+                  <a:tcPr marL="0" marR="0" marT="0" marB="0" anchor="b"/>
+                </a:tc>
+                <a:tc>
+                  <a:txBody>
+                    <a:bodyPr/>
+                    <a:lstStyle/>
+                    <a:p>
+                      <a:pPr marL="0" marR="0" lvl="0" indent="0" algn="r" defTabSz="609576" rtl="0" eaLnBrk="1" fontAlgn="b" latinLnBrk="0" hangingPunct="1">
+                        <a:lnSpc>
+                          <a:spcPct val="100000"/>
+                        </a:lnSpc>
+                        <a:spcBef>
+                          <a:spcPts val="0"/>
+                        </a:spcBef>
+                        <a:spcAft>
+                          <a:spcPts val="0"/>
+                        </a:spcAft>
+                        <a:buClrTx/>
+                        <a:buSzTx/>
+                        <a:buFontTx/>
+                        <a:buNone/>
+                        <a:tabLst/>
+                        <a:defRPr/>
+                      </a:pPr>
+                      <a:r>
+                        <a:rPr lang="en-US" sz="1600" b="0" i="0" u="none" strike="noStrike" kern="1200" dirty="0">
+                          <a:solidFill>
+                            <a:srgbClr val="000000"/>
+                          </a:solidFill>
+                          <a:effectLst/>
+                          <a:latin typeface="+mn-lt"/>
+                          <a:ea typeface="+mn-ea"/>
+                          <a:cs typeface="+mn-cs"/>
+                        </a:rPr>
+                        <a:t>(X25519 + ntruhps2048677) &amp; </a:t>
+                      </a:r>
+                      <a:br>
+                        <a:rPr lang="en-US" sz="1600" b="0" i="0" u="none" strike="noStrike" kern="1200" dirty="0">
+                          <a:solidFill>
+                            <a:srgbClr val="000000"/>
+                          </a:solidFill>
+                          <a:effectLst/>
+                          <a:latin typeface="+mn-lt"/>
+                          <a:ea typeface="+mn-ea"/>
+                          <a:cs typeface="+mn-cs"/>
+                        </a:rPr>
+                      </a:br>
+                      <a:r>
+                        <a:rPr lang="en-US" sz="1600" b="0" i="0" u="none" strike="noStrike" kern="1200" dirty="0">
+                          <a:solidFill>
+                            <a:srgbClr val="000000"/>
+                          </a:solidFill>
+                          <a:effectLst/>
+                          <a:latin typeface="+mn-lt"/>
+                          <a:ea typeface="+mn-ea"/>
+                          <a:cs typeface="+mn-cs"/>
+                        </a:rPr>
+                        <a:t>Falcon-512</a:t>
+                      </a:r>
+                    </a:p>
+                  </a:txBody>
+                  <a:tcPr marL="7620" marR="7620" marT="7620" marB="0" anchor="b"/>
+                </a:tc>
+                <a:extLst>
+                  <a:ext uri="{0D108BD9-81ED-4DB2-BD59-A6C34878D82A}">
+                    <a16:rowId xmlns:a16="http://schemas.microsoft.com/office/drawing/2014/main" val="725550032"/>
+                  </a:ext>
+                </a:extLst>
+              </a:tr>
+              <a:tr h="484672">
+                <a:tc>
+                  <a:txBody>
+                    <a:bodyPr/>
+                    <a:lstStyle/>
+                    <a:p>
+                      <a:pPr algn="r" fontAlgn="b"/>
+                      <a:r>
+                        <a:rPr lang="en-US" sz="1800" b="0" i="0" u="none" strike="noStrike" dirty="0">
+                          <a:solidFill>
+                            <a:srgbClr val="000000"/>
+                          </a:solidFill>
+                          <a:effectLst/>
+                          <a:latin typeface="+mn-lt"/>
+                        </a:rPr>
+                        <a:t>1242</a:t>
+                      </a:r>
+                    </a:p>
+                  </a:txBody>
+                  <a:tcPr marL="7620" marR="7620" marT="7620" marB="0" anchor="b"/>
+                </a:tc>
+                <a:tc>
+                  <a:txBody>
+                    <a:bodyPr/>
+                    <a:lstStyle/>
+                    <a:p>
+                      <a:pPr algn="r" rtl="0" fontAlgn="b"/>
+                      <a:r>
+                        <a:rPr lang="en-US" sz="1800" b="0" i="0" u="none" strike="noStrike" dirty="0">
+                          <a:solidFill>
+                            <a:srgbClr val="000000"/>
+                          </a:solidFill>
+                          <a:effectLst/>
+                          <a:latin typeface="Calibri" panose="020F0502020204030204" pitchFamily="34" charset="0"/>
+                        </a:rPr>
+                        <a:t>6.00</a:t>
+                      </a:r>
+                    </a:p>
+                  </a:txBody>
+                  <a:tcPr marL="0" marR="0" marT="0" marB="0" anchor="b"/>
+                </a:tc>
+                <a:tc>
+                  <a:txBody>
+                    <a:bodyPr/>
+                    <a:lstStyle/>
+                    <a:p>
+                      <a:pPr algn="r" fontAlgn="b"/>
+                      <a:r>
+                        <a:rPr lang="en-US" sz="1800" b="0" i="0" u="none" strike="noStrike" dirty="0">
+                          <a:solidFill>
+                            <a:srgbClr val="000000"/>
+                          </a:solidFill>
+                          <a:effectLst/>
+                          <a:latin typeface="+mn-lt"/>
+                        </a:rPr>
+                        <a:t>1242</a:t>
+                      </a:r>
+                    </a:p>
+                  </a:txBody>
+                  <a:tcPr marL="7620" marR="7620" marT="7620" marB="0" anchor="b"/>
+                </a:tc>
+                <a:tc>
+                  <a:txBody>
+                    <a:bodyPr/>
+                    <a:lstStyle/>
+                    <a:p>
+                      <a:pPr algn="r" rtl="0" fontAlgn="b"/>
+                      <a:r>
+                        <a:rPr lang="en-US" sz="1800" b="0" i="0" u="none" strike="noStrike" dirty="0">
+                          <a:solidFill>
+                            <a:srgbClr val="000000"/>
+                          </a:solidFill>
+                          <a:effectLst/>
+                          <a:latin typeface="Calibri" panose="020F0502020204030204" pitchFamily="34" charset="0"/>
+                        </a:rPr>
+                        <a:t>7.54</a:t>
+                      </a:r>
+                    </a:p>
+                  </a:txBody>
+                  <a:tcPr marL="0" marR="0" marT="0" marB="0" anchor="b"/>
+                </a:tc>
+                <a:tc>
+                  <a:txBody>
+                    <a:bodyPr/>
+                    <a:lstStyle/>
+                    <a:p>
+                      <a:pPr algn="r" fontAlgn="b"/>
+                      <a:r>
+                        <a:rPr lang="en-US" sz="1800" b="0" i="0" u="none" strike="noStrike" dirty="0">
+                          <a:solidFill>
+                            <a:srgbClr val="000000"/>
+                          </a:solidFill>
+                          <a:effectLst/>
+                          <a:latin typeface="+mn-lt"/>
+                        </a:rPr>
+                        <a:t>1242</a:t>
+                      </a:r>
+                    </a:p>
+                  </a:txBody>
+                  <a:tcPr marL="7620" marR="7620" marT="7620" marB="0" anchor="b"/>
+                </a:tc>
+                <a:tc>
+                  <a:txBody>
+                    <a:bodyPr/>
+                    <a:lstStyle/>
+                    <a:p>
+                      <a:pPr algn="r" rtl="0" fontAlgn="b"/>
+                      <a:r>
+                        <a:rPr lang="en-US" sz="1800" b="0" i="0" u="none" strike="noStrike" dirty="0">
+                          <a:solidFill>
+                            <a:srgbClr val="000000"/>
+                          </a:solidFill>
+                          <a:effectLst/>
+                          <a:latin typeface="Calibri" panose="020F0502020204030204" pitchFamily="34" charset="0"/>
+                        </a:rPr>
+                        <a:t>9.09</a:t>
+                      </a:r>
+                    </a:p>
+                  </a:txBody>
+                  <a:tcPr marL="0" marR="0" marT="0" marB="0" anchor="b"/>
+                </a:tc>
+                <a:tc>
+                  <a:txBody>
+                    <a:bodyPr/>
+                    <a:lstStyle/>
+                    <a:p>
+                      <a:pPr algn="r" fontAlgn="b"/>
+                      <a:r>
+                        <a:rPr lang="en-US" sz="1600" b="0" i="0" u="none" strike="noStrike" dirty="0">
+                          <a:solidFill>
+                            <a:srgbClr val="000000"/>
+                          </a:solidFill>
+                          <a:effectLst/>
+                          <a:latin typeface="+mn-lt"/>
+                        </a:rPr>
+                        <a:t>(X25519 + Saber) &amp; </a:t>
+                      </a:r>
+                    </a:p>
+                    <a:p>
+                      <a:pPr algn="r" fontAlgn="b"/>
+                      <a:r>
+                        <a:rPr lang="en-US" sz="1600" b="0" i="0" u="none" strike="noStrike" dirty="0">
+                          <a:solidFill>
+                            <a:srgbClr val="000000"/>
+                          </a:solidFill>
+                          <a:effectLst/>
+                          <a:latin typeface="+mn-lt"/>
+                        </a:rPr>
+                        <a:t>Falcon-512</a:t>
+                      </a:r>
+                    </a:p>
+                  </a:txBody>
+                  <a:tcPr marL="7620" marR="7620" marT="7620" marB="0" anchor="b"/>
+                </a:tc>
+                <a:extLst>
+                  <a:ext uri="{0D108BD9-81ED-4DB2-BD59-A6C34878D82A}">
+                    <a16:rowId xmlns:a16="http://schemas.microsoft.com/office/drawing/2014/main" val="2877976627"/>
+                  </a:ext>
+                </a:extLst>
+              </a:tr>
+              <a:tr h="484672">
+                <a:tc>
+                  <a:txBody>
+                    <a:bodyPr/>
+                    <a:lstStyle/>
+                    <a:p>
+                      <a:pPr algn="r" fontAlgn="b"/>
+                      <a:r>
+                        <a:rPr lang="en-US" sz="1800" b="0" i="0" u="none" strike="noStrike" dirty="0">
+                          <a:solidFill>
+                            <a:srgbClr val="000000"/>
+                          </a:solidFill>
+                          <a:effectLst/>
+                          <a:latin typeface="+mn-lt"/>
+                        </a:rPr>
+                        <a:t>1818</a:t>
+                      </a:r>
+                    </a:p>
+                  </a:txBody>
+                  <a:tcPr marL="7620" marR="7620" marT="7620" marB="0" anchor="b"/>
+                </a:tc>
+                <a:tc>
+                  <a:txBody>
+                    <a:bodyPr/>
+                    <a:lstStyle/>
+                    <a:p>
+                      <a:pPr algn="r" rtl="0" fontAlgn="b"/>
+                      <a:r>
+                        <a:rPr lang="en-US" sz="1800" b="0" i="0" u="none" strike="noStrike" dirty="0">
+                          <a:solidFill>
+                            <a:srgbClr val="000000"/>
+                          </a:solidFill>
+                          <a:effectLst/>
+                          <a:latin typeface="Calibri" panose="020F0502020204030204" pitchFamily="34" charset="0"/>
+                        </a:rPr>
+                        <a:t>6.48</a:t>
+                      </a:r>
+                    </a:p>
+                  </a:txBody>
+                  <a:tcPr marL="0" marR="0" marT="0" marB="0" anchor="b"/>
+                </a:tc>
+                <a:tc>
+                  <a:txBody>
+                    <a:bodyPr/>
+                    <a:lstStyle/>
+                    <a:p>
+                      <a:pPr algn="r" fontAlgn="b"/>
+                      <a:r>
+                        <a:rPr lang="en-US" sz="1800" b="0" i="0" u="none" strike="noStrike" dirty="0">
+                          <a:solidFill>
+                            <a:srgbClr val="000000"/>
+                          </a:solidFill>
+                          <a:effectLst/>
+                          <a:latin typeface="+mn-lt"/>
+                        </a:rPr>
+                        <a:t>1818</a:t>
+                      </a:r>
+                    </a:p>
+                  </a:txBody>
+                  <a:tcPr marL="7620" marR="7620" marT="7620" marB="0" anchor="b"/>
+                </a:tc>
+                <a:tc>
+                  <a:txBody>
+                    <a:bodyPr/>
+                    <a:lstStyle/>
+                    <a:p>
+                      <a:pPr algn="r" rtl="0" fontAlgn="b"/>
+                      <a:r>
+                        <a:rPr lang="en-US" sz="1800" b="0" i="0" u="none" strike="noStrike" dirty="0">
+                          <a:solidFill>
+                            <a:srgbClr val="000000"/>
+                          </a:solidFill>
+                          <a:effectLst/>
+                          <a:latin typeface="Calibri" panose="020F0502020204030204" pitchFamily="34" charset="0"/>
+                        </a:rPr>
+                        <a:t>8.02</a:t>
+                      </a:r>
+                    </a:p>
+                  </a:txBody>
+                  <a:tcPr marL="0" marR="0" marT="0" marB="0" anchor="b"/>
+                </a:tc>
+                <a:tc>
+                  <a:txBody>
+                    <a:bodyPr/>
+                    <a:lstStyle/>
+                    <a:p>
+                      <a:pPr algn="r" fontAlgn="b"/>
+                      <a:r>
+                        <a:rPr lang="en-US" sz="1800" b="0" i="0" u="none" strike="noStrike" dirty="0">
+                          <a:solidFill>
+                            <a:srgbClr val="000000"/>
+                          </a:solidFill>
+                          <a:effectLst/>
+                          <a:latin typeface="+mn-lt"/>
+                        </a:rPr>
+                        <a:t>1818</a:t>
+                      </a:r>
+                    </a:p>
+                  </a:txBody>
+                  <a:tcPr marL="7620" marR="7620" marT="7620" marB="0" anchor="b"/>
+                </a:tc>
+                <a:tc>
+                  <a:txBody>
+                    <a:bodyPr/>
+                    <a:lstStyle/>
+                    <a:p>
+                      <a:pPr algn="r" rtl="0" fontAlgn="b"/>
+                      <a:r>
+                        <a:rPr lang="en-US" sz="1800" b="0" i="0" u="none" strike="noStrike" dirty="0">
+                          <a:solidFill>
+                            <a:srgbClr val="000000"/>
+                          </a:solidFill>
+                          <a:effectLst/>
+                          <a:latin typeface="Calibri" panose="020F0502020204030204" pitchFamily="34" charset="0"/>
+                        </a:rPr>
+                        <a:t>9.57</a:t>
+                      </a:r>
+                    </a:p>
+                  </a:txBody>
+                  <a:tcPr marL="0" marR="0" marT="0" marB="0" anchor="b"/>
+                </a:tc>
+                <a:tc>
+                  <a:txBody>
+                    <a:bodyPr/>
+                    <a:lstStyle/>
+                    <a:p>
+                      <a:pPr algn="r" fontAlgn="b"/>
+                      <a:r>
+                        <a:rPr lang="en-US" sz="1600" b="0" i="0" u="none" strike="noStrike" kern="1200" dirty="0">
+                          <a:solidFill>
+                            <a:srgbClr val="000000"/>
+                          </a:solidFill>
+                          <a:effectLst/>
+                          <a:latin typeface="+mn-lt"/>
+                          <a:ea typeface="+mn-ea"/>
+                          <a:cs typeface="+mn-cs"/>
+                        </a:rPr>
+                        <a:t>(X25519 + Kyber-1024) &amp; </a:t>
+                      </a:r>
+                    </a:p>
+                    <a:p>
+                      <a:pPr algn="r" fontAlgn="b"/>
+                      <a:r>
+                        <a:rPr lang="en-US" sz="1600" b="0" i="0" u="none" strike="noStrike" kern="1200" dirty="0">
+                          <a:solidFill>
+                            <a:srgbClr val="000000"/>
+                          </a:solidFill>
+                          <a:effectLst/>
+                          <a:latin typeface="+mn-lt"/>
+                          <a:ea typeface="+mn-ea"/>
+                          <a:cs typeface="+mn-cs"/>
+                        </a:rPr>
+                        <a:t>Falcon-512</a:t>
+                      </a:r>
+                    </a:p>
+                  </a:txBody>
+                  <a:tcPr marL="7620" marR="7620" marT="7620" marB="0" anchor="b"/>
+                </a:tc>
+                <a:extLst>
+                  <a:ext uri="{0D108BD9-81ED-4DB2-BD59-A6C34878D82A}">
+                    <a16:rowId xmlns:a16="http://schemas.microsoft.com/office/drawing/2014/main" val="1120871856"/>
+                  </a:ext>
+                </a:extLst>
+              </a:tr>
+            </a:tbl>
+          </a:graphicData>
+        </a:graphic>
+      </p:graphicFrame>
+      <p:sp>
+        <p:nvSpPr>
+          <p:cNvPr id="5" name="Rectangle: Rounded Corners 4">
+            <a:extLst>
+              <a:ext uri="{FF2B5EF4-FFF2-40B4-BE49-F238E27FC236}">
+                <a16:creationId xmlns:a16="http://schemas.microsoft.com/office/drawing/2014/main" id="{499D1C5E-75DC-416A-BF8C-0BECDCE88C13}"/>
+              </a:ext>
+            </a:extLst>
+          </p:cNvPr>
+          <p:cNvSpPr/>
+          <p:nvPr/>
+        </p:nvSpPr>
+        <p:spPr>
+          <a:xfrm>
+            <a:off x="2244814" y="2784185"/>
+            <a:ext cx="806304" cy="3908749"/>
+          </a:xfrm>
+          <a:prstGeom prst="roundRect">
+            <a:avLst/>
+          </a:prstGeom>
+          <a:noFill/>
+          <a:ln w="25400">
+            <a:solidFill>
+              <a:srgbClr val="C00000"/>
+            </a:solidFill>
+          </a:ln>
+          <a:effectLst/>
+        </p:spPr>
+        <p:style>
+          <a:lnRef idx="1">
+            <a:schemeClr val="accent1"/>
+          </a:lnRef>
+          <a:fillRef idx="3">
+            <a:schemeClr val="accent1"/>
+          </a:fillRef>
+          <a:effectRef idx="2">
+            <a:schemeClr val="accent1"/>
+          </a:effectRef>
+          <a:fontRef idx="minor">
+            <a:schemeClr val="lt1"/>
+          </a:fontRef>
+        </p:style>
+        <p:txBody>
+          <a:bodyPr rtlCol="0" anchor="ctr"/>
+          <a:lstStyle/>
+          <a:p>
+            <a:pPr algn="ctr"/>
+            <a:endParaRPr lang="en-US" dirty="0"/>
+          </a:p>
+        </p:txBody>
+      </p:sp>
+      <p:sp>
+        <p:nvSpPr>
+          <p:cNvPr id="6" name="Rectangle: Rounded Corners 5">
+            <a:extLst>
+              <a:ext uri="{FF2B5EF4-FFF2-40B4-BE49-F238E27FC236}">
+                <a16:creationId xmlns:a16="http://schemas.microsoft.com/office/drawing/2014/main" id="{F6DD6259-07FB-41E3-B27B-331AB360D290}"/>
+              </a:ext>
+            </a:extLst>
+          </p:cNvPr>
+          <p:cNvSpPr/>
+          <p:nvPr/>
+        </p:nvSpPr>
+        <p:spPr>
+          <a:xfrm>
+            <a:off x="5052131" y="2791541"/>
+            <a:ext cx="793820" cy="3908748"/>
+          </a:xfrm>
+          <a:prstGeom prst="roundRect">
+            <a:avLst/>
+          </a:prstGeom>
+          <a:noFill/>
+          <a:ln w="25400">
+            <a:solidFill>
+              <a:srgbClr val="C00000"/>
+            </a:solidFill>
+          </a:ln>
+          <a:effectLst/>
+        </p:spPr>
+        <p:style>
+          <a:lnRef idx="1">
+            <a:schemeClr val="accent1"/>
+          </a:lnRef>
+          <a:fillRef idx="3">
+            <a:schemeClr val="accent1"/>
+          </a:fillRef>
+          <a:effectRef idx="2">
+            <a:schemeClr val="accent1"/>
+          </a:effectRef>
+          <a:fontRef idx="minor">
+            <a:schemeClr val="lt1"/>
+          </a:fontRef>
+        </p:style>
+        <p:txBody>
+          <a:bodyPr rtlCol="0" anchor="ctr"/>
+          <a:lstStyle/>
+          <a:p>
+            <a:pPr algn="ctr"/>
+            <a:endParaRPr lang="en-US" dirty="0"/>
+          </a:p>
+        </p:txBody>
+      </p:sp>
+      <p:sp>
+        <p:nvSpPr>
+          <p:cNvPr id="7" name="Rectangle: Rounded Corners 6">
+            <a:extLst>
+              <a:ext uri="{FF2B5EF4-FFF2-40B4-BE49-F238E27FC236}">
+                <a16:creationId xmlns:a16="http://schemas.microsoft.com/office/drawing/2014/main" id="{D54AF762-C151-4512-9E24-853966EBE2B8}"/>
+              </a:ext>
+            </a:extLst>
+          </p:cNvPr>
+          <p:cNvSpPr/>
+          <p:nvPr/>
+        </p:nvSpPr>
+        <p:spPr>
+          <a:xfrm>
+            <a:off x="7889765" y="2784185"/>
+            <a:ext cx="793820" cy="3923460"/>
+          </a:xfrm>
+          <a:prstGeom prst="roundRect">
+            <a:avLst/>
+          </a:prstGeom>
+          <a:noFill/>
+          <a:ln w="25400">
+            <a:solidFill>
+              <a:srgbClr val="C00000"/>
+            </a:solidFill>
+          </a:ln>
+          <a:effectLst/>
+        </p:spPr>
+        <p:style>
+          <a:lnRef idx="1">
+            <a:schemeClr val="accent1"/>
+          </a:lnRef>
+          <a:fillRef idx="3">
+            <a:schemeClr val="accent1"/>
+          </a:fillRef>
+          <a:effectRef idx="2">
+            <a:schemeClr val="accent1"/>
+          </a:effectRef>
+          <a:fontRef idx="minor">
+            <a:schemeClr val="lt1"/>
+          </a:fontRef>
+        </p:style>
+        <p:txBody>
+          <a:bodyPr rtlCol="0" anchor="ctr"/>
+          <a:lstStyle/>
+          <a:p>
+            <a:pPr algn="ctr"/>
+            <a:endParaRPr lang="en-US" dirty="0"/>
+          </a:p>
+        </p:txBody>
+      </p:sp>
+    </p:spTree>
+    <p:extLst>
+      <p:ext uri="{BB962C8B-B14F-4D97-AF65-F5344CB8AC3E}">
+        <p14:creationId xmlns:p14="http://schemas.microsoft.com/office/powerpoint/2010/main" val="1767666282"/>
+      </p:ext>
+    </p:extLst>
+  </p:cSld>
+  <p:clrMapOvr>
+    <a:masterClrMapping/>
+  </p:clrMapOvr>
+</p:sld>
+</file>
+
+<file path=ppt/slides/slide6.xml><?xml version="1.0" encoding="utf-8"?>
 <p:sld xmlns:a="http://schemas.openxmlformats.org/drawingml/2006/main" xmlns:r="http://schemas.openxmlformats.org/officeDocument/2006/relationships" xmlns:p="http://schemas.openxmlformats.org/presentationml/2006/main">
   <p:cSld>
     <p:spTree>
@@ -6103,7 +8464,7 @@
           <a:p>
             <a:r>
               <a:rPr lang="en-US" dirty="0"/>
-              <a:t>Pre-acquire ICAs at the verifier and </a:t>
+              <a:t>Pre-acquire ICAs and </a:t>
             </a:r>
           </a:p>
           <a:p>
@@ -6203,7 +8564,7 @@
 </p:sld>
 </file>
 
-<file path=ppt/slides/slide6.xml><?xml version="1.0" encoding="utf-8"?>
+<file path=ppt/slides/slide7.xml><?xml version="1.0" encoding="utf-8"?>
 <p:sld xmlns:a="http://schemas.openxmlformats.org/drawingml/2006/main" xmlns:r="http://schemas.openxmlformats.org/officeDocument/2006/relationships" xmlns:p="http://schemas.openxmlformats.org/presentationml/2006/main" show="0">
   <p:cSld>
     <p:spTree>
@@ -6269,7 +8630,7 @@
           <a:bodyPr/>
           <a:lstStyle/>
           <a:p>
-            <a:endParaRPr lang="en-US" dirty="0"/>
+            <a:endParaRPr lang="en-US"/>
           </a:p>
         </p:txBody>
       </p:sp>
@@ -6288,7 +8649,7 @@
           <p:nvPr>
             <p:extLst>
               <p:ext uri="{D42A27DB-BD31-4B8C-83A1-F6EECF244321}">
-                <p14:modId xmlns:p14="http://schemas.microsoft.com/office/powerpoint/2010/main" val="1300822384"/>
+                <p14:modId xmlns:p14="http://schemas.microsoft.com/office/powerpoint/2010/main" val="3760078225"/>
               </p:ext>
             </p:extLst>
           </p:nvPr>
@@ -7786,7 +10147,7 @@
           <p:cNvPr id="6" name="Rectangle: Rounded Corners 5">
             <a:extLst>
               <a:ext uri="{FF2B5EF4-FFF2-40B4-BE49-F238E27FC236}">
-                <a16:creationId xmlns:a16="http://schemas.microsoft.com/office/drawing/2014/main" id="{2B342332-E3AD-4F40-BE6C-42282C6A1EBA}"/>
+                <a16:creationId xmlns:a16="http://schemas.microsoft.com/office/drawing/2014/main" id="{7738E284-CD59-4506-AD42-2ACB6036D3A6}"/>
               </a:ext>
             </a:extLst>
           </p:cNvPr>
@@ -7837,7 +10198,7 @@
           <p:cNvPr id="7" name="Rectangle: Rounded Corners 6">
             <a:extLst>
               <a:ext uri="{FF2B5EF4-FFF2-40B4-BE49-F238E27FC236}">
-                <a16:creationId xmlns:a16="http://schemas.microsoft.com/office/drawing/2014/main" id="{B8B93284-224B-4C0F-9773-C4C95849A5B9}"/>
+                <a16:creationId xmlns:a16="http://schemas.microsoft.com/office/drawing/2014/main" id="{0B398BC2-FF55-4A90-9E82-1C014382A4EB}"/>
               </a:ext>
             </a:extLst>
           </p:cNvPr>
@@ -7896,7 +10257,2494 @@
 </p:sld>
 </file>
 
-<file path=ppt/slides/slide7.xml><?xml version="1.0" encoding="utf-8"?>
+<file path=ppt/slides/slide8.xml><?xml version="1.0" encoding="utf-8"?>
+<p:sld xmlns:a="http://schemas.openxmlformats.org/drawingml/2006/main" xmlns:r="http://schemas.openxmlformats.org/officeDocument/2006/relationships" xmlns:p="http://schemas.openxmlformats.org/presentationml/2006/main" show="0">
+  <p:cSld>
+    <p:spTree>
+      <p:nvGrpSpPr>
+        <p:cNvPr id="1" name=""/>
+        <p:cNvGrpSpPr/>
+        <p:nvPr/>
+      </p:nvGrpSpPr>
+      <p:grpSpPr>
+        <a:xfrm>
+          <a:off x="0" y="0"/>
+          <a:ext cx="0" cy="0"/>
+          <a:chOff x="0" y="0"/>
+          <a:chExt cx="0" cy="0"/>
+        </a:xfrm>
+      </p:grpSpPr>
+      <p:sp>
+        <p:nvSpPr>
+          <p:cNvPr id="2" name="Title 1">
+            <a:extLst>
+              <a:ext uri="{FF2B5EF4-FFF2-40B4-BE49-F238E27FC236}">
+                <a16:creationId xmlns:a16="http://schemas.microsoft.com/office/drawing/2014/main" id="{ADB0EB22-C688-404D-8072-55C2D28E22B5}"/>
+              </a:ext>
+            </a:extLst>
+          </p:cNvPr>
+          <p:cNvSpPr>
+            <a:spLocks noGrp="1"/>
+          </p:cNvSpPr>
+          <p:nvPr>
+            <p:ph type="title"/>
+          </p:nvPr>
+        </p:nvSpPr>
+        <p:spPr>
+          <a:xfrm>
+            <a:off x="838200" y="365125"/>
+            <a:ext cx="10515600" cy="929803"/>
+          </a:xfrm>
+        </p:spPr>
+        <p:txBody>
+          <a:bodyPr>
+            <a:noAutofit/>
+          </a:bodyPr>
+          <a:lstStyle/>
+          <a:p>
+            <a:r>
+              <a:rPr lang="en-US" sz="2400" dirty="0"/>
+              <a:t>QUIC Amplification Protection with PQ and w/o ICAs (HTTP/3, with SCTs, no OCSP)</a:t>
+            </a:r>
+          </a:p>
+        </p:txBody>
+      </p:sp>
+      <p:sp>
+        <p:nvSpPr>
+          <p:cNvPr id="3" name="Content Placeholder 2">
+            <a:extLst>
+              <a:ext uri="{FF2B5EF4-FFF2-40B4-BE49-F238E27FC236}">
+                <a16:creationId xmlns:a16="http://schemas.microsoft.com/office/drawing/2014/main" id="{AEE51EF3-976A-4319-AB5A-8B2E935DABAF}"/>
+              </a:ext>
+            </a:extLst>
+          </p:cNvPr>
+          <p:cNvSpPr>
+            <a:spLocks noGrp="1"/>
+          </p:cNvSpPr>
+          <p:nvPr>
+            <p:ph idx="1"/>
+          </p:nvPr>
+        </p:nvSpPr>
+        <p:spPr/>
+        <p:txBody>
+          <a:bodyPr/>
+          <a:lstStyle/>
+          <a:p>
+            <a:endParaRPr lang="en-US"/>
+          </a:p>
+        </p:txBody>
+      </p:sp>
+      <p:graphicFrame>
+        <p:nvGraphicFramePr>
+          <p:cNvPr id="4" name="Content Placeholder 3">
+            <a:extLst>
+              <a:ext uri="{FF2B5EF4-FFF2-40B4-BE49-F238E27FC236}">
+                <a16:creationId xmlns:a16="http://schemas.microsoft.com/office/drawing/2014/main" id="{4418EE55-54B2-42D8-8835-D8CDC5D81292}"/>
+              </a:ext>
+            </a:extLst>
+          </p:cNvPr>
+          <p:cNvGraphicFramePr>
+            <a:graphicFrameLocks/>
+          </p:cNvGraphicFramePr>
+          <p:nvPr>
+            <p:extLst>
+              <p:ext uri="{D42A27DB-BD31-4B8C-83A1-F6EECF244321}">
+                <p14:modId xmlns:p14="http://schemas.microsoft.com/office/powerpoint/2010/main" val="1835363865"/>
+              </p:ext>
+            </p:extLst>
+          </p:nvPr>
+        </p:nvGraphicFramePr>
+        <p:xfrm>
+          <a:off x="317628" y="1401727"/>
+          <a:ext cx="11258552" cy="5316561"/>
+        </p:xfrm>
+        <a:graphic>
+          <a:graphicData uri="http://schemas.openxmlformats.org/drawingml/2006/table">
+            <a:tbl>
+              <a:tblPr firstRow="1" bandRow="1">
+                <a:tableStyleId>{5C22544A-7EE6-4342-B048-85BDC9FD1C3A}</a:tableStyleId>
+              </a:tblPr>
+              <a:tblGrid>
+                <a:gridCol w="1245288">
+                  <a:extLst>
+                    <a:ext uri="{9D8B030D-6E8A-4147-A177-3AD203B41FA5}">
+                      <a16:colId xmlns:a16="http://schemas.microsoft.com/office/drawing/2014/main" val="4261449279"/>
+                    </a:ext>
+                  </a:extLst>
+                </a:gridCol>
+                <a:gridCol w="1427093">
+                  <a:extLst>
+                    <a:ext uri="{9D8B030D-6E8A-4147-A177-3AD203B41FA5}">
+                      <a16:colId xmlns:a16="http://schemas.microsoft.com/office/drawing/2014/main" val="2888471886"/>
+                    </a:ext>
+                  </a:extLst>
+                </a:gridCol>
+                <a:gridCol w="1289189">
+                  <a:extLst>
+                    <a:ext uri="{9D8B030D-6E8A-4147-A177-3AD203B41FA5}">
+                      <a16:colId xmlns:a16="http://schemas.microsoft.com/office/drawing/2014/main" val="1669244666"/>
+                    </a:ext>
+                  </a:extLst>
+                </a:gridCol>
+                <a:gridCol w="1503159">
+                  <a:extLst>
+                    <a:ext uri="{9D8B030D-6E8A-4147-A177-3AD203B41FA5}">
+                      <a16:colId xmlns:a16="http://schemas.microsoft.com/office/drawing/2014/main" val="1678932570"/>
+                    </a:ext>
+                  </a:extLst>
+                </a:gridCol>
+                <a:gridCol w="1336142">
+                  <a:extLst>
+                    <a:ext uri="{9D8B030D-6E8A-4147-A177-3AD203B41FA5}">
+                      <a16:colId xmlns:a16="http://schemas.microsoft.com/office/drawing/2014/main" val="1433315777"/>
+                    </a:ext>
+                  </a:extLst>
+                </a:gridCol>
+                <a:gridCol w="1503159">
+                  <a:extLst>
+                    <a:ext uri="{9D8B030D-6E8A-4147-A177-3AD203B41FA5}">
+                      <a16:colId xmlns:a16="http://schemas.microsoft.com/office/drawing/2014/main" val="1853010732"/>
+                    </a:ext>
+                  </a:extLst>
+                </a:gridCol>
+                <a:gridCol w="2954522">
+                  <a:extLst>
+                    <a:ext uri="{9D8B030D-6E8A-4147-A177-3AD203B41FA5}">
+                      <a16:colId xmlns:a16="http://schemas.microsoft.com/office/drawing/2014/main" val="4217571057"/>
+                    </a:ext>
+                  </a:extLst>
+                </a:gridCol>
+              </a:tblGrid>
+              <a:tr h="442157">
+                <a:tc gridSpan="2">
+                  <a:txBody>
+                    <a:bodyPr/>
+                    <a:lstStyle/>
+                    <a:p>
+                      <a:pPr algn="ctr"/>
+                      <a:r>
+                        <a:rPr lang="en-US" sz="2000" dirty="0"/>
+                        <a:t>1 ICA</a:t>
+                      </a:r>
+                    </a:p>
+                  </a:txBody>
+                  <a:tcPr anchor="ctr"/>
+                </a:tc>
+                <a:tc hMerge="1">
+                  <a:txBody>
+                    <a:bodyPr/>
+                    <a:lstStyle/>
+                    <a:p>
+                      <a:endParaRPr lang="en-US"/>
+                    </a:p>
+                  </a:txBody>
+                  <a:tcPr/>
+                </a:tc>
+                <a:tc gridSpan="2">
+                  <a:txBody>
+                    <a:bodyPr/>
+                    <a:lstStyle/>
+                    <a:p>
+                      <a:pPr algn="ctr"/>
+                      <a:r>
+                        <a:rPr lang="en-US" sz="2000" dirty="0"/>
+                        <a:t>2 ICAs</a:t>
+                      </a:r>
+                    </a:p>
+                  </a:txBody>
+                  <a:tcPr anchor="ctr"/>
+                </a:tc>
+                <a:tc hMerge="1">
+                  <a:txBody>
+                    <a:bodyPr/>
+                    <a:lstStyle/>
+                    <a:p>
+                      <a:endParaRPr lang="en-US"/>
+                    </a:p>
+                  </a:txBody>
+                  <a:tcPr/>
+                </a:tc>
+                <a:tc gridSpan="2">
+                  <a:txBody>
+                    <a:bodyPr/>
+                    <a:lstStyle/>
+                    <a:p>
+                      <a:pPr algn="ctr"/>
+                      <a:r>
+                        <a:rPr lang="en-US" sz="2000" dirty="0"/>
+                        <a:t>3 ICAs</a:t>
+                      </a:r>
+                    </a:p>
+                  </a:txBody>
+                  <a:tcPr anchor="ctr"/>
+                </a:tc>
+                <a:tc hMerge="1">
+                  <a:txBody>
+                    <a:bodyPr/>
+                    <a:lstStyle/>
+                    <a:p>
+                      <a:endParaRPr lang="en-US"/>
+                    </a:p>
+                  </a:txBody>
+                  <a:tcPr/>
+                </a:tc>
+                <a:tc rowSpan="2">
+                  <a:txBody>
+                    <a:bodyPr/>
+                    <a:lstStyle/>
+                    <a:p>
+                      <a:pPr algn="ctr"/>
+                      <a:r>
+                        <a:rPr lang="en-US" sz="2000" dirty="0"/>
+                        <a:t>NIST PQ Algorithms</a:t>
+                      </a:r>
+                    </a:p>
+                  </a:txBody>
+                  <a:tcPr anchor="ctr"/>
+                </a:tc>
+                <a:extLst>
+                  <a:ext uri="{0D108BD9-81ED-4DB2-BD59-A6C34878D82A}">
+                    <a16:rowId xmlns:a16="http://schemas.microsoft.com/office/drawing/2014/main" val="3832094615"/>
+                  </a:ext>
+                </a:extLst>
+              </a:tr>
+              <a:tr h="816290">
+                <a:tc>
+                  <a:txBody>
+                    <a:bodyPr/>
+                    <a:lstStyle/>
+                    <a:p>
+                      <a:pPr algn="ctr"/>
+                      <a:r>
+                        <a:rPr lang="en-US" sz="1400" b="1" dirty="0">
+                          <a:solidFill>
+                            <a:schemeClr val="bg1"/>
+                          </a:solidFill>
+                        </a:rPr>
+                        <a:t>Initial Client Data (B)</a:t>
+                      </a:r>
+                    </a:p>
+                  </a:txBody>
+                  <a:tcPr anchor="ctr">
+                    <a:solidFill>
+                      <a:schemeClr val="accent1"/>
+                    </a:solidFill>
+                  </a:tcPr>
+                </a:tc>
+                <a:tc>
+                  <a:txBody>
+                    <a:bodyPr/>
+                    <a:lstStyle/>
+                    <a:p>
+                      <a:pPr algn="ctr"/>
+                      <a:r>
+                        <a:rPr lang="en-US" sz="1400" b="1" dirty="0">
+                          <a:solidFill>
+                            <a:schemeClr val="bg1"/>
+                          </a:solidFill>
+                        </a:rPr>
+                        <a:t>Server Response Data (KB)</a:t>
+                      </a:r>
+                    </a:p>
+                  </a:txBody>
+                  <a:tcPr anchor="ctr">
+                    <a:solidFill>
+                      <a:schemeClr val="accent1"/>
+                    </a:solidFill>
+                  </a:tcPr>
+                </a:tc>
+                <a:tc>
+                  <a:txBody>
+                    <a:bodyPr/>
+                    <a:lstStyle/>
+                    <a:p>
+                      <a:pPr algn="ctr"/>
+                      <a:r>
+                        <a:rPr lang="en-US" sz="1400" b="1" dirty="0">
+                          <a:solidFill>
+                            <a:schemeClr val="bg1"/>
+                          </a:solidFill>
+                        </a:rPr>
+                        <a:t>Initial Client Data (B)</a:t>
+                      </a:r>
+                    </a:p>
+                  </a:txBody>
+                  <a:tcPr anchor="ctr">
+                    <a:solidFill>
+                      <a:schemeClr val="accent1"/>
+                    </a:solidFill>
+                  </a:tcPr>
+                </a:tc>
+                <a:tc>
+                  <a:txBody>
+                    <a:bodyPr/>
+                    <a:lstStyle/>
+                    <a:p>
+                      <a:pPr algn="ctr"/>
+                      <a:r>
+                        <a:rPr lang="en-US" sz="1400" b="1" dirty="0">
+                          <a:solidFill>
+                            <a:schemeClr val="bg1"/>
+                          </a:solidFill>
+                        </a:rPr>
+                        <a:t>Server Response Data (KB)</a:t>
+                      </a:r>
+                    </a:p>
+                  </a:txBody>
+                  <a:tcPr anchor="ctr">
+                    <a:solidFill>
+                      <a:schemeClr val="accent1"/>
+                    </a:solidFill>
+                  </a:tcPr>
+                </a:tc>
+                <a:tc>
+                  <a:txBody>
+                    <a:bodyPr/>
+                    <a:lstStyle/>
+                    <a:p>
+                      <a:pPr algn="ctr"/>
+                      <a:r>
+                        <a:rPr lang="en-US" sz="1400" b="1" dirty="0">
+                          <a:solidFill>
+                            <a:schemeClr val="bg1"/>
+                          </a:solidFill>
+                        </a:rPr>
+                        <a:t>Initial Client Data (B)</a:t>
+                      </a:r>
+                    </a:p>
+                  </a:txBody>
+                  <a:tcPr anchor="ctr">
+                    <a:solidFill>
+                      <a:schemeClr val="accent1"/>
+                    </a:solidFill>
+                  </a:tcPr>
+                </a:tc>
+                <a:tc>
+                  <a:txBody>
+                    <a:bodyPr/>
+                    <a:lstStyle/>
+                    <a:p>
+                      <a:pPr algn="ctr"/>
+                      <a:r>
+                        <a:rPr lang="en-US" sz="1400" b="1" dirty="0">
+                          <a:solidFill>
+                            <a:schemeClr val="bg1"/>
+                          </a:solidFill>
+                        </a:rPr>
+                        <a:t>Server Response Data (KB)</a:t>
+                      </a:r>
+                    </a:p>
+                  </a:txBody>
+                  <a:tcPr anchor="ctr">
+                    <a:solidFill>
+                      <a:schemeClr val="accent1"/>
+                    </a:solidFill>
+                  </a:tcPr>
+                </a:tc>
+                <a:tc vMerge="1">
+                  <a:txBody>
+                    <a:bodyPr/>
+                    <a:lstStyle/>
+                    <a:p>
+                      <a:pPr algn="ctr"/>
+                      <a:endParaRPr lang="en-US" sz="1400" b="1" dirty="0">
+                        <a:solidFill>
+                          <a:schemeClr val="tx1"/>
+                        </a:solidFill>
+                      </a:endParaRPr>
+                    </a:p>
+                  </a:txBody>
+                  <a:tcPr>
+                    <a:solidFill>
+                      <a:schemeClr val="accent1"/>
+                    </a:solidFill>
+                  </a:tcPr>
+                </a:tc>
+                <a:extLst>
+                  <a:ext uri="{0D108BD9-81ED-4DB2-BD59-A6C34878D82A}">
+                    <a16:rowId xmlns:a16="http://schemas.microsoft.com/office/drawing/2014/main" val="2969612624"/>
+                  </a:ext>
+                </a:extLst>
+              </a:tr>
+              <a:tr h="484672">
+                <a:tc>
+                  <a:txBody>
+                    <a:bodyPr/>
+                    <a:lstStyle/>
+                    <a:p>
+                      <a:pPr algn="r" fontAlgn="b"/>
+                      <a:r>
+                        <a:rPr lang="en-US" sz="1800" b="0" i="0" u="none" strike="noStrike" dirty="0">
+                          <a:solidFill>
+                            <a:srgbClr val="000000"/>
+                          </a:solidFill>
+                          <a:effectLst/>
+                          <a:latin typeface="+mn-lt"/>
+                        </a:rPr>
+                        <a:t>1050</a:t>
+                      </a:r>
+                    </a:p>
+                  </a:txBody>
+                  <a:tcPr marL="7620" marR="7620" marT="7620" marB="0" anchor="b"/>
+                </a:tc>
+                <a:tc>
+                  <a:txBody>
+                    <a:bodyPr/>
+                    <a:lstStyle/>
+                    <a:p>
+                      <a:pPr algn="r" fontAlgn="b"/>
+                      <a:r>
+                        <a:rPr lang="en-US" sz="1800" b="0" i="0" u="none" strike="noStrike" dirty="0">
+                          <a:solidFill>
+                            <a:srgbClr val="000000"/>
+                          </a:solidFill>
+                          <a:effectLst/>
+                          <a:latin typeface="+mn-lt"/>
+                        </a:rPr>
+                        <a:t>5.59</a:t>
+                      </a:r>
+                    </a:p>
+                  </a:txBody>
+                  <a:tcPr marL="0" marR="0" marT="0" marB="0" anchor="b"/>
+                </a:tc>
+                <a:tc>
+                  <a:txBody>
+                    <a:bodyPr/>
+                    <a:lstStyle/>
+                    <a:p>
+                      <a:pPr algn="r" fontAlgn="b"/>
+                      <a:r>
+                        <a:rPr lang="en-US" sz="1800" b="0" i="0" u="none" strike="noStrike" dirty="0">
+                          <a:solidFill>
+                            <a:srgbClr val="000000"/>
+                          </a:solidFill>
+                          <a:effectLst/>
+                          <a:latin typeface="+mn-lt"/>
+                        </a:rPr>
+                        <a:t>1050</a:t>
+                      </a:r>
+                    </a:p>
+                  </a:txBody>
+                  <a:tcPr marL="7620" marR="7620" marT="7620" marB="0" anchor="b"/>
+                </a:tc>
+                <a:tc>
+                  <a:txBody>
+                    <a:bodyPr/>
+                    <a:lstStyle/>
+                    <a:p>
+                      <a:pPr algn="r" fontAlgn="b"/>
+                      <a:r>
+                        <a:rPr lang="en-US" sz="1800" b="0" i="0" u="none" strike="noStrike" dirty="0">
+                          <a:solidFill>
+                            <a:srgbClr val="000000"/>
+                          </a:solidFill>
+                          <a:effectLst/>
+                          <a:latin typeface="Calibri" panose="020F0502020204030204" pitchFamily="34" charset="0"/>
+                        </a:rPr>
+                        <a:t>5.59</a:t>
+                      </a:r>
+                    </a:p>
+                  </a:txBody>
+                  <a:tcPr marL="0" marR="0" marT="0" marB="0" anchor="b"/>
+                </a:tc>
+                <a:tc>
+                  <a:txBody>
+                    <a:bodyPr/>
+                    <a:lstStyle/>
+                    <a:p>
+                      <a:pPr algn="r" fontAlgn="b"/>
+                      <a:r>
+                        <a:rPr lang="en-US" sz="1800" b="0" i="0" u="none" strike="noStrike" dirty="0">
+                          <a:solidFill>
+                            <a:srgbClr val="000000"/>
+                          </a:solidFill>
+                          <a:effectLst/>
+                          <a:latin typeface="+mn-lt"/>
+                        </a:rPr>
+                        <a:t>1050</a:t>
+                      </a:r>
+                    </a:p>
+                  </a:txBody>
+                  <a:tcPr marL="7620" marR="7620" marT="7620" marB="0" anchor="b"/>
+                </a:tc>
+                <a:tc>
+                  <a:txBody>
+                    <a:bodyPr/>
+                    <a:lstStyle/>
+                    <a:p>
+                      <a:pPr algn="r" fontAlgn="b"/>
+                      <a:r>
+                        <a:rPr lang="en-US" sz="1800" b="0" i="0" u="none" strike="noStrike" dirty="0">
+                          <a:solidFill>
+                            <a:srgbClr val="000000"/>
+                          </a:solidFill>
+                          <a:effectLst/>
+                          <a:latin typeface="Calibri" panose="020F0502020204030204" pitchFamily="34" charset="0"/>
+                        </a:rPr>
+                        <a:t>5.59</a:t>
+                      </a:r>
+                    </a:p>
+                  </a:txBody>
+                  <a:tcPr marL="0" marR="0" marT="0" marB="0" anchor="b"/>
+                </a:tc>
+                <a:tc>
+                  <a:txBody>
+                    <a:bodyPr/>
+                    <a:lstStyle/>
+                    <a:p>
+                      <a:pPr algn="r" fontAlgn="b"/>
+                      <a:r>
+                        <a:rPr lang="en-US" sz="1600" b="0" i="0" u="none" strike="noStrike" dirty="0">
+                          <a:solidFill>
+                            <a:srgbClr val="000000"/>
+                          </a:solidFill>
+                          <a:effectLst/>
+                          <a:latin typeface="+mn-lt"/>
+                        </a:rPr>
+                        <a:t>(X25519 + Kyber-512) &amp; </a:t>
+                      </a:r>
+                    </a:p>
+                    <a:p>
+                      <a:pPr algn="r" fontAlgn="b"/>
+                      <a:r>
+                        <a:rPr lang="en-US" sz="1600" b="0" i="0" u="none" strike="noStrike" dirty="0">
+                          <a:solidFill>
+                            <a:srgbClr val="000000"/>
+                          </a:solidFill>
+                          <a:effectLst/>
+                          <a:latin typeface="+mn-lt"/>
+                        </a:rPr>
+                        <a:t>Dilithium-2</a:t>
+                      </a:r>
+                    </a:p>
+                  </a:txBody>
+                  <a:tcPr marL="7620" marR="7620" marT="7620" marB="0" anchor="b"/>
+                </a:tc>
+                <a:extLst>
+                  <a:ext uri="{0D108BD9-81ED-4DB2-BD59-A6C34878D82A}">
+                    <a16:rowId xmlns:a16="http://schemas.microsoft.com/office/drawing/2014/main" val="687941987"/>
+                  </a:ext>
+                </a:extLst>
+              </a:tr>
+              <a:tr h="484672">
+                <a:tc>
+                  <a:txBody>
+                    <a:bodyPr/>
+                    <a:lstStyle/>
+                    <a:p>
+                      <a:pPr algn="r" fontAlgn="b"/>
+                      <a:r>
+                        <a:rPr lang="en-US" sz="1800" b="0" i="0" u="none" strike="noStrike" dirty="0">
+                          <a:solidFill>
+                            <a:srgbClr val="000000"/>
+                          </a:solidFill>
+                          <a:effectLst/>
+                          <a:latin typeface="+mn-lt"/>
+                        </a:rPr>
+                        <a:t>1050</a:t>
+                      </a:r>
+                    </a:p>
+                  </a:txBody>
+                  <a:tcPr marL="7620" marR="7620" marT="7620" marB="0" anchor="b"/>
+                </a:tc>
+                <a:tc>
+                  <a:txBody>
+                    <a:bodyPr/>
+                    <a:lstStyle/>
+                    <a:p>
+                      <a:pPr algn="r" fontAlgn="b"/>
+                      <a:r>
+                        <a:rPr lang="en-US" sz="1800" b="0" i="0" u="none" strike="noStrike" dirty="0">
+                          <a:solidFill>
+                            <a:srgbClr val="000000"/>
+                          </a:solidFill>
+                          <a:effectLst/>
+                          <a:latin typeface="+mn-lt"/>
+                        </a:rPr>
+                        <a:t>3.21</a:t>
+                      </a:r>
+                    </a:p>
+                  </a:txBody>
+                  <a:tcPr marL="0" marR="0" marT="0" marB="0" anchor="b"/>
+                </a:tc>
+                <a:tc>
+                  <a:txBody>
+                    <a:bodyPr/>
+                    <a:lstStyle/>
+                    <a:p>
+                      <a:pPr algn="r" fontAlgn="b"/>
+                      <a:r>
+                        <a:rPr lang="en-US" sz="1800" b="0" i="0" u="none" strike="noStrike" dirty="0">
+                          <a:solidFill>
+                            <a:srgbClr val="000000"/>
+                          </a:solidFill>
+                          <a:effectLst/>
+                          <a:latin typeface="+mn-lt"/>
+                        </a:rPr>
+                        <a:t>1050</a:t>
+                      </a:r>
+                    </a:p>
+                  </a:txBody>
+                  <a:tcPr marL="7620" marR="7620" marT="7620" marB="0" anchor="b"/>
+                </a:tc>
+                <a:tc>
+                  <a:txBody>
+                    <a:bodyPr/>
+                    <a:lstStyle/>
+                    <a:p>
+                      <a:pPr marL="0" marR="0" lvl="0" indent="0" algn="r" defTabSz="914400" rtl="0" eaLnBrk="1" fontAlgn="b" latinLnBrk="0" hangingPunct="1">
+                        <a:lnSpc>
+                          <a:spcPct val="100000"/>
+                        </a:lnSpc>
+                        <a:spcBef>
+                          <a:spcPts val="0"/>
+                        </a:spcBef>
+                        <a:spcAft>
+                          <a:spcPts val="0"/>
+                        </a:spcAft>
+                        <a:buClrTx/>
+                        <a:buSzTx/>
+                        <a:buFontTx/>
+                        <a:buNone/>
+                        <a:tabLst/>
+                        <a:defRPr/>
+                      </a:pPr>
+                      <a:r>
+                        <a:rPr kumimoji="0" lang="en-US" sz="1800" b="0" i="0" u="none" strike="noStrike" kern="1200" cap="none" spc="0" normalizeH="0" baseline="0" noProof="0" dirty="0">
+                          <a:ln>
+                            <a:noFill/>
+                          </a:ln>
+                          <a:solidFill>
+                            <a:srgbClr val="000000"/>
+                          </a:solidFill>
+                          <a:effectLst/>
+                          <a:uLnTx/>
+                          <a:uFillTx/>
+                          <a:latin typeface="+mn-lt"/>
+                          <a:ea typeface="+mn-ea"/>
+                          <a:cs typeface="+mn-cs"/>
+                        </a:rPr>
+                        <a:t>3.21</a:t>
+                      </a:r>
+                    </a:p>
+                  </a:txBody>
+                  <a:tcPr marL="0" marR="0" marT="0" marB="0" anchor="b"/>
+                </a:tc>
+                <a:tc>
+                  <a:txBody>
+                    <a:bodyPr/>
+                    <a:lstStyle/>
+                    <a:p>
+                      <a:pPr algn="r" fontAlgn="b"/>
+                      <a:r>
+                        <a:rPr lang="en-US" sz="1800" b="0" i="0" u="none" strike="noStrike">
+                          <a:solidFill>
+                            <a:srgbClr val="000000"/>
+                          </a:solidFill>
+                          <a:effectLst/>
+                          <a:latin typeface="+mn-lt"/>
+                        </a:rPr>
+                        <a:t>1050</a:t>
+                      </a:r>
+                    </a:p>
+                  </a:txBody>
+                  <a:tcPr marL="7620" marR="7620" marT="7620" marB="0" anchor="b"/>
+                </a:tc>
+                <a:tc>
+                  <a:txBody>
+                    <a:bodyPr/>
+                    <a:lstStyle/>
+                    <a:p>
+                      <a:pPr marL="0" marR="0" lvl="0" indent="0" algn="r" defTabSz="914400" rtl="0" eaLnBrk="1" fontAlgn="b" latinLnBrk="0" hangingPunct="1">
+                        <a:lnSpc>
+                          <a:spcPct val="100000"/>
+                        </a:lnSpc>
+                        <a:spcBef>
+                          <a:spcPts val="0"/>
+                        </a:spcBef>
+                        <a:spcAft>
+                          <a:spcPts val="0"/>
+                        </a:spcAft>
+                        <a:buClrTx/>
+                        <a:buSzTx/>
+                        <a:buFontTx/>
+                        <a:buNone/>
+                        <a:tabLst/>
+                        <a:defRPr/>
+                      </a:pPr>
+                      <a:r>
+                        <a:rPr kumimoji="0" lang="en-US" sz="1800" b="0" i="0" u="none" strike="noStrike" kern="1200" cap="none" spc="0" normalizeH="0" baseline="0" noProof="0" dirty="0">
+                          <a:ln>
+                            <a:noFill/>
+                          </a:ln>
+                          <a:solidFill>
+                            <a:srgbClr val="000000"/>
+                          </a:solidFill>
+                          <a:effectLst/>
+                          <a:uLnTx/>
+                          <a:uFillTx/>
+                          <a:latin typeface="+mn-lt"/>
+                          <a:ea typeface="+mn-ea"/>
+                          <a:cs typeface="+mn-cs"/>
+                        </a:rPr>
+                        <a:t>3.21</a:t>
+                      </a:r>
+                    </a:p>
+                  </a:txBody>
+                  <a:tcPr marL="0" marR="0" marT="0" marB="0" anchor="b"/>
+                </a:tc>
+                <a:tc>
+                  <a:txBody>
+                    <a:bodyPr/>
+                    <a:lstStyle/>
+                    <a:p>
+                      <a:pPr algn="r" fontAlgn="b"/>
+                      <a:r>
+                        <a:rPr lang="en-US" sz="1600" b="0" i="0" u="none" strike="noStrike" dirty="0">
+                          <a:solidFill>
+                            <a:srgbClr val="000000"/>
+                          </a:solidFill>
+                          <a:effectLst/>
+                          <a:latin typeface="+mn-lt"/>
+                        </a:rPr>
+                        <a:t>(X25519 + Kyber-512) &amp; </a:t>
+                      </a:r>
+                    </a:p>
+                    <a:p>
+                      <a:pPr algn="r" fontAlgn="b"/>
+                      <a:r>
+                        <a:rPr lang="en-US" sz="1600" b="0" i="0" u="none" strike="noStrike" dirty="0">
+                          <a:solidFill>
+                            <a:srgbClr val="000000"/>
+                          </a:solidFill>
+                          <a:effectLst/>
+                          <a:latin typeface="+mn-lt"/>
+                        </a:rPr>
+                        <a:t>Falcon-512</a:t>
+                      </a:r>
+                    </a:p>
+                  </a:txBody>
+                  <a:tcPr marL="7620" marR="7620" marT="7620" marB="0" anchor="b"/>
+                </a:tc>
+                <a:extLst>
+                  <a:ext uri="{0D108BD9-81ED-4DB2-BD59-A6C34878D82A}">
+                    <a16:rowId xmlns:a16="http://schemas.microsoft.com/office/drawing/2014/main" val="3616615826"/>
+                  </a:ext>
+                </a:extLst>
+              </a:tr>
+              <a:tr h="467666">
+                <a:tc>
+                  <a:txBody>
+                    <a:bodyPr/>
+                    <a:lstStyle/>
+                    <a:p>
+                      <a:pPr algn="r" fontAlgn="b"/>
+                      <a:r>
+                        <a:rPr lang="en-US" sz="1800" b="0" i="0" u="none" strike="noStrike">
+                          <a:solidFill>
+                            <a:srgbClr val="000000"/>
+                          </a:solidFill>
+                          <a:effectLst/>
+                          <a:latin typeface="+mn-lt"/>
+                        </a:rPr>
+                        <a:t>949</a:t>
+                      </a:r>
+                    </a:p>
+                  </a:txBody>
+                  <a:tcPr marL="7620" marR="7620" marT="7620" marB="0" anchor="b"/>
+                </a:tc>
+                <a:tc>
+                  <a:txBody>
+                    <a:bodyPr/>
+                    <a:lstStyle/>
+                    <a:p>
+                      <a:pPr algn="r" fontAlgn="b"/>
+                      <a:r>
+                        <a:rPr lang="en-US" sz="1800" b="0" i="0" u="none" strike="noStrike" dirty="0">
+                          <a:solidFill>
+                            <a:srgbClr val="000000"/>
+                          </a:solidFill>
+                          <a:effectLst/>
+                          <a:latin typeface="+mn-lt"/>
+                        </a:rPr>
+                        <a:t>3.21</a:t>
+                      </a:r>
+                    </a:p>
+                  </a:txBody>
+                  <a:tcPr marL="0" marR="0" marT="0" marB="0" anchor="b"/>
+                </a:tc>
+                <a:tc>
+                  <a:txBody>
+                    <a:bodyPr/>
+                    <a:lstStyle/>
+                    <a:p>
+                      <a:pPr algn="r" fontAlgn="b"/>
+                      <a:r>
+                        <a:rPr lang="en-US" sz="1800" b="0" i="0" u="none" strike="noStrike" dirty="0">
+                          <a:solidFill>
+                            <a:srgbClr val="000000"/>
+                          </a:solidFill>
+                          <a:effectLst/>
+                          <a:latin typeface="+mn-lt"/>
+                        </a:rPr>
+                        <a:t>949</a:t>
+                      </a:r>
+                    </a:p>
+                  </a:txBody>
+                  <a:tcPr marL="7620" marR="7620" marT="7620" marB="0" anchor="b"/>
+                </a:tc>
+                <a:tc>
+                  <a:txBody>
+                    <a:bodyPr/>
+                    <a:lstStyle/>
+                    <a:p>
+                      <a:pPr marL="0" marR="0" lvl="0" indent="0" algn="r" defTabSz="914400" rtl="0" eaLnBrk="1" fontAlgn="b" latinLnBrk="0" hangingPunct="1">
+                        <a:lnSpc>
+                          <a:spcPct val="100000"/>
+                        </a:lnSpc>
+                        <a:spcBef>
+                          <a:spcPts val="0"/>
+                        </a:spcBef>
+                        <a:spcAft>
+                          <a:spcPts val="0"/>
+                        </a:spcAft>
+                        <a:buClrTx/>
+                        <a:buSzTx/>
+                        <a:buFontTx/>
+                        <a:buNone/>
+                        <a:tabLst/>
+                        <a:defRPr/>
+                      </a:pPr>
+                      <a:r>
+                        <a:rPr kumimoji="0" lang="en-US" sz="1800" b="0" i="0" u="none" strike="noStrike" kern="1200" cap="none" spc="0" normalizeH="0" baseline="0" noProof="0" dirty="0">
+                          <a:ln>
+                            <a:noFill/>
+                          </a:ln>
+                          <a:solidFill>
+                            <a:srgbClr val="000000"/>
+                          </a:solidFill>
+                          <a:effectLst/>
+                          <a:uLnTx/>
+                          <a:uFillTx/>
+                          <a:latin typeface="+mn-lt"/>
+                          <a:ea typeface="+mn-ea"/>
+                          <a:cs typeface="+mn-cs"/>
+                        </a:rPr>
+                        <a:t>3.21</a:t>
+                      </a:r>
+                    </a:p>
+                  </a:txBody>
+                  <a:tcPr marL="0" marR="0" marT="0" marB="0" anchor="b"/>
+                </a:tc>
+                <a:tc>
+                  <a:txBody>
+                    <a:bodyPr/>
+                    <a:lstStyle/>
+                    <a:p>
+                      <a:pPr algn="r" fontAlgn="b"/>
+                      <a:r>
+                        <a:rPr lang="en-US" sz="1800" b="0" i="0" u="none" strike="noStrike" dirty="0">
+                          <a:solidFill>
+                            <a:srgbClr val="000000"/>
+                          </a:solidFill>
+                          <a:effectLst/>
+                          <a:latin typeface="+mn-lt"/>
+                        </a:rPr>
+                        <a:t>949</a:t>
+                      </a:r>
+                    </a:p>
+                  </a:txBody>
+                  <a:tcPr marL="7620" marR="7620" marT="7620" marB="0" anchor="b"/>
+                </a:tc>
+                <a:tc>
+                  <a:txBody>
+                    <a:bodyPr/>
+                    <a:lstStyle/>
+                    <a:p>
+                      <a:pPr marL="0" marR="0" lvl="0" indent="0" algn="r" defTabSz="914400" rtl="0" eaLnBrk="1" fontAlgn="b" latinLnBrk="0" hangingPunct="1">
+                        <a:lnSpc>
+                          <a:spcPct val="100000"/>
+                        </a:lnSpc>
+                        <a:spcBef>
+                          <a:spcPts val="0"/>
+                        </a:spcBef>
+                        <a:spcAft>
+                          <a:spcPts val="0"/>
+                        </a:spcAft>
+                        <a:buClrTx/>
+                        <a:buSzTx/>
+                        <a:buFontTx/>
+                        <a:buNone/>
+                        <a:tabLst/>
+                        <a:defRPr/>
+                      </a:pPr>
+                      <a:r>
+                        <a:rPr kumimoji="0" lang="en-US" sz="1800" b="0" i="0" u="none" strike="noStrike" kern="1200" cap="none" spc="0" normalizeH="0" baseline="0" noProof="0" dirty="0">
+                          <a:ln>
+                            <a:noFill/>
+                          </a:ln>
+                          <a:solidFill>
+                            <a:srgbClr val="000000"/>
+                          </a:solidFill>
+                          <a:effectLst/>
+                          <a:uLnTx/>
+                          <a:uFillTx/>
+                          <a:latin typeface="+mn-lt"/>
+                          <a:ea typeface="+mn-ea"/>
+                          <a:cs typeface="+mn-cs"/>
+                        </a:rPr>
+                        <a:t>3.21</a:t>
+                      </a:r>
+                    </a:p>
+                  </a:txBody>
+                  <a:tcPr marL="0" marR="0" marT="0" marB="0" anchor="b"/>
+                </a:tc>
+                <a:tc>
+                  <a:txBody>
+                    <a:bodyPr/>
+                    <a:lstStyle/>
+                    <a:p>
+                      <a:pPr algn="r" fontAlgn="b"/>
+                      <a:r>
+                        <a:rPr lang="en-US" sz="1600" b="0" i="0" u="none" strike="noStrike" dirty="0">
+                          <a:solidFill>
+                            <a:srgbClr val="000000"/>
+                          </a:solidFill>
+                          <a:effectLst/>
+                          <a:latin typeface="+mn-lt"/>
+                        </a:rPr>
+                        <a:t>(X25519 + ntruhps2048509) &amp; </a:t>
+                      </a:r>
+                      <a:br>
+                        <a:rPr lang="en-US" sz="1600" b="0" i="0" u="none" strike="noStrike" dirty="0">
+                          <a:solidFill>
+                            <a:srgbClr val="000000"/>
+                          </a:solidFill>
+                          <a:effectLst/>
+                          <a:latin typeface="+mn-lt"/>
+                        </a:rPr>
+                      </a:br>
+                      <a:r>
+                        <a:rPr lang="en-US" sz="1600" b="0" i="0" u="none" strike="noStrike" dirty="0">
+                          <a:solidFill>
+                            <a:srgbClr val="000000"/>
+                          </a:solidFill>
+                          <a:effectLst/>
+                          <a:latin typeface="+mn-lt"/>
+                        </a:rPr>
+                        <a:t>Falcon-512</a:t>
+                      </a:r>
+                    </a:p>
+                  </a:txBody>
+                  <a:tcPr marL="7620" marR="7620" marT="7620" marB="0" anchor="b"/>
+                </a:tc>
+                <a:extLst>
+                  <a:ext uri="{0D108BD9-81ED-4DB2-BD59-A6C34878D82A}">
+                    <a16:rowId xmlns:a16="http://schemas.microsoft.com/office/drawing/2014/main" val="2372735652"/>
+                  </a:ext>
+                </a:extLst>
+              </a:tr>
+              <a:tr h="484672">
+                <a:tc>
+                  <a:txBody>
+                    <a:bodyPr/>
+                    <a:lstStyle/>
+                    <a:p>
+                      <a:pPr algn="r" fontAlgn="b"/>
+                      <a:r>
+                        <a:rPr lang="en-US" sz="1800" b="0" i="0" u="none" strike="noStrike" dirty="0">
+                          <a:solidFill>
+                            <a:srgbClr val="000000"/>
+                          </a:solidFill>
+                          <a:effectLst/>
+                          <a:latin typeface="+mn-lt"/>
+                        </a:rPr>
+                        <a:t>922</a:t>
+                      </a:r>
+                    </a:p>
+                  </a:txBody>
+                  <a:tcPr marL="7620" marR="7620" marT="7620" marB="0" anchor="b"/>
+                </a:tc>
+                <a:tc>
+                  <a:txBody>
+                    <a:bodyPr/>
+                    <a:lstStyle/>
+                    <a:p>
+                      <a:pPr algn="r" fontAlgn="b"/>
+                      <a:r>
+                        <a:rPr lang="en-US" sz="1800" b="0" i="0" u="none" strike="noStrike" dirty="0">
+                          <a:solidFill>
+                            <a:srgbClr val="000000"/>
+                          </a:solidFill>
+                          <a:effectLst/>
+                          <a:latin typeface="+mn-lt"/>
+                        </a:rPr>
+                        <a:t>3.21</a:t>
+                      </a:r>
+                    </a:p>
+                  </a:txBody>
+                  <a:tcPr marL="0" marR="0" marT="0" marB="0" anchor="b"/>
+                </a:tc>
+                <a:tc>
+                  <a:txBody>
+                    <a:bodyPr/>
+                    <a:lstStyle/>
+                    <a:p>
+                      <a:pPr algn="r" fontAlgn="b"/>
+                      <a:r>
+                        <a:rPr lang="en-US" sz="1800" b="0" i="0" u="none" strike="noStrike" dirty="0">
+                          <a:solidFill>
+                            <a:srgbClr val="000000"/>
+                          </a:solidFill>
+                          <a:effectLst/>
+                          <a:latin typeface="+mn-lt"/>
+                        </a:rPr>
+                        <a:t>922</a:t>
+                      </a:r>
+                    </a:p>
+                  </a:txBody>
+                  <a:tcPr marL="7620" marR="7620" marT="7620" marB="0" anchor="b"/>
+                </a:tc>
+                <a:tc>
+                  <a:txBody>
+                    <a:bodyPr/>
+                    <a:lstStyle/>
+                    <a:p>
+                      <a:pPr marL="0" marR="0" lvl="0" indent="0" algn="r" defTabSz="914400" rtl="0" eaLnBrk="1" fontAlgn="b" latinLnBrk="0" hangingPunct="1">
+                        <a:lnSpc>
+                          <a:spcPct val="100000"/>
+                        </a:lnSpc>
+                        <a:spcBef>
+                          <a:spcPts val="0"/>
+                        </a:spcBef>
+                        <a:spcAft>
+                          <a:spcPts val="0"/>
+                        </a:spcAft>
+                        <a:buClrTx/>
+                        <a:buSzTx/>
+                        <a:buFontTx/>
+                        <a:buNone/>
+                        <a:tabLst/>
+                        <a:defRPr/>
+                      </a:pPr>
+                      <a:r>
+                        <a:rPr kumimoji="0" lang="en-US" sz="1800" b="0" i="0" u="none" strike="noStrike" kern="1200" cap="none" spc="0" normalizeH="0" baseline="0" noProof="0" dirty="0">
+                          <a:ln>
+                            <a:noFill/>
+                          </a:ln>
+                          <a:solidFill>
+                            <a:srgbClr val="000000"/>
+                          </a:solidFill>
+                          <a:effectLst/>
+                          <a:uLnTx/>
+                          <a:uFillTx/>
+                          <a:latin typeface="+mn-lt"/>
+                          <a:ea typeface="+mn-ea"/>
+                          <a:cs typeface="+mn-cs"/>
+                        </a:rPr>
+                        <a:t>3.21</a:t>
+                      </a:r>
+                    </a:p>
+                  </a:txBody>
+                  <a:tcPr marL="0" marR="0" marT="0" marB="0" anchor="b"/>
+                </a:tc>
+                <a:tc>
+                  <a:txBody>
+                    <a:bodyPr/>
+                    <a:lstStyle/>
+                    <a:p>
+                      <a:pPr algn="r" fontAlgn="b"/>
+                      <a:r>
+                        <a:rPr lang="en-US" sz="1800" b="0" i="0" u="none" strike="noStrike" dirty="0">
+                          <a:solidFill>
+                            <a:srgbClr val="000000"/>
+                          </a:solidFill>
+                          <a:effectLst/>
+                          <a:latin typeface="+mn-lt"/>
+                        </a:rPr>
+                        <a:t>922</a:t>
+                      </a:r>
+                    </a:p>
+                  </a:txBody>
+                  <a:tcPr marL="7620" marR="7620" marT="7620" marB="0" anchor="b"/>
+                </a:tc>
+                <a:tc>
+                  <a:txBody>
+                    <a:bodyPr/>
+                    <a:lstStyle/>
+                    <a:p>
+                      <a:pPr marL="0" marR="0" lvl="0" indent="0" algn="r" defTabSz="914400" rtl="0" eaLnBrk="1" fontAlgn="b" latinLnBrk="0" hangingPunct="1">
+                        <a:lnSpc>
+                          <a:spcPct val="100000"/>
+                        </a:lnSpc>
+                        <a:spcBef>
+                          <a:spcPts val="0"/>
+                        </a:spcBef>
+                        <a:spcAft>
+                          <a:spcPts val="0"/>
+                        </a:spcAft>
+                        <a:buClrTx/>
+                        <a:buSzTx/>
+                        <a:buFontTx/>
+                        <a:buNone/>
+                        <a:tabLst/>
+                        <a:defRPr/>
+                      </a:pPr>
+                      <a:r>
+                        <a:rPr kumimoji="0" lang="en-US" sz="1800" b="0" i="0" u="none" strike="noStrike" kern="1200" cap="none" spc="0" normalizeH="0" baseline="0" noProof="0" dirty="0">
+                          <a:ln>
+                            <a:noFill/>
+                          </a:ln>
+                          <a:solidFill>
+                            <a:srgbClr val="000000"/>
+                          </a:solidFill>
+                          <a:effectLst/>
+                          <a:uLnTx/>
+                          <a:uFillTx/>
+                          <a:latin typeface="+mn-lt"/>
+                          <a:ea typeface="+mn-ea"/>
+                          <a:cs typeface="+mn-cs"/>
+                        </a:rPr>
+                        <a:t>3.21</a:t>
+                      </a:r>
+                    </a:p>
+                  </a:txBody>
+                  <a:tcPr marL="0" marR="0" marT="0" marB="0" anchor="b"/>
+                </a:tc>
+                <a:tc>
+                  <a:txBody>
+                    <a:bodyPr/>
+                    <a:lstStyle/>
+                    <a:p>
+                      <a:pPr algn="r" fontAlgn="b"/>
+                      <a:r>
+                        <a:rPr lang="en-US" sz="1600" b="0" i="0" u="none" strike="noStrike" dirty="0">
+                          <a:solidFill>
+                            <a:srgbClr val="000000"/>
+                          </a:solidFill>
+                          <a:effectLst/>
+                          <a:latin typeface="+mn-lt"/>
+                        </a:rPr>
+                        <a:t>(X25519 + </a:t>
+                      </a:r>
+                      <a:r>
+                        <a:rPr lang="en-US" sz="1600" b="0" i="0" u="none" strike="noStrike" kern="1200" dirty="0" err="1">
+                          <a:solidFill>
+                            <a:srgbClr val="000000"/>
+                          </a:solidFill>
+                          <a:effectLst/>
+                          <a:latin typeface="+mn-lt"/>
+                          <a:ea typeface="+mn-ea"/>
+                          <a:cs typeface="+mn-cs"/>
+                        </a:rPr>
+                        <a:t>Light</a:t>
+                      </a:r>
+                      <a:r>
+                        <a:rPr lang="en-US" sz="1600" b="0" i="0" u="none" strike="noStrike" dirty="0" err="1">
+                          <a:solidFill>
+                            <a:srgbClr val="000000"/>
+                          </a:solidFill>
+                          <a:effectLst/>
+                          <a:latin typeface="+mn-lt"/>
+                        </a:rPr>
+                        <a:t>Saber</a:t>
+                      </a:r>
+                      <a:r>
+                        <a:rPr lang="en-US" sz="1600" b="0" i="0" u="none" strike="noStrike" dirty="0">
+                          <a:solidFill>
+                            <a:srgbClr val="000000"/>
+                          </a:solidFill>
+                          <a:effectLst/>
+                          <a:latin typeface="+mn-lt"/>
+                        </a:rPr>
+                        <a:t>) &amp; Falcon-512</a:t>
+                      </a:r>
+                    </a:p>
+                  </a:txBody>
+                  <a:tcPr marL="7620" marR="7620" marT="7620" marB="0" anchor="b"/>
+                </a:tc>
+                <a:extLst>
+                  <a:ext uri="{0D108BD9-81ED-4DB2-BD59-A6C34878D82A}">
+                    <a16:rowId xmlns:a16="http://schemas.microsoft.com/office/drawing/2014/main" val="3520822024"/>
+                  </a:ext>
+                </a:extLst>
+              </a:tr>
+              <a:tr h="484672">
+                <a:tc>
+                  <a:txBody>
+                    <a:bodyPr/>
+                    <a:lstStyle/>
+                    <a:p>
+                      <a:pPr algn="r" fontAlgn="b"/>
+                      <a:r>
+                        <a:rPr lang="en-US" sz="1800" b="0" i="0" u="none" strike="noStrike" dirty="0">
+                          <a:solidFill>
+                            <a:srgbClr val="000000"/>
+                          </a:solidFill>
+                          <a:effectLst/>
+                          <a:latin typeface="+mn-lt"/>
+                        </a:rPr>
+                        <a:t>1434</a:t>
+                      </a:r>
+                    </a:p>
+                  </a:txBody>
+                  <a:tcPr marL="7620" marR="7620" marT="7620" marB="0" anchor="b"/>
+                </a:tc>
+                <a:tc>
+                  <a:txBody>
+                    <a:bodyPr/>
+                    <a:lstStyle/>
+                    <a:p>
+                      <a:pPr marL="0" marR="0" lvl="0" indent="0" algn="r" defTabSz="914400" rtl="0" eaLnBrk="1" fontAlgn="b" latinLnBrk="0" hangingPunct="1">
+                        <a:lnSpc>
+                          <a:spcPct val="100000"/>
+                        </a:lnSpc>
+                        <a:spcBef>
+                          <a:spcPts val="0"/>
+                        </a:spcBef>
+                        <a:spcAft>
+                          <a:spcPts val="0"/>
+                        </a:spcAft>
+                        <a:buClrTx/>
+                        <a:buSzTx/>
+                        <a:buFontTx/>
+                        <a:buNone/>
+                        <a:tabLst/>
+                        <a:defRPr/>
+                      </a:pPr>
+                      <a:r>
+                        <a:rPr kumimoji="0" lang="en-US" sz="1800" b="0" i="0" u="none" strike="noStrike" kern="1200" cap="none" spc="0" normalizeH="0" baseline="0" noProof="0" dirty="0">
+                          <a:ln>
+                            <a:noFill/>
+                          </a:ln>
+                          <a:solidFill>
+                            <a:srgbClr val="000000"/>
+                          </a:solidFill>
+                          <a:effectLst/>
+                          <a:uLnTx/>
+                          <a:uFillTx/>
+                          <a:latin typeface="+mn-lt"/>
+                          <a:ea typeface="+mn-ea"/>
+                          <a:cs typeface="+mn-cs"/>
+                        </a:rPr>
+                        <a:t>3.21</a:t>
+                      </a:r>
+                    </a:p>
+                  </a:txBody>
+                  <a:tcPr marL="7620" marR="7620" marT="7620" marB="0" anchor="b"/>
+                </a:tc>
+                <a:tc>
+                  <a:txBody>
+                    <a:bodyPr/>
+                    <a:lstStyle/>
+                    <a:p>
+                      <a:pPr algn="r" fontAlgn="b"/>
+                      <a:r>
+                        <a:rPr lang="en-US" sz="1800" b="0" i="0" u="none" strike="noStrike" dirty="0">
+                          <a:solidFill>
+                            <a:srgbClr val="000000"/>
+                          </a:solidFill>
+                          <a:effectLst/>
+                          <a:latin typeface="+mn-lt"/>
+                        </a:rPr>
+                        <a:t>1434</a:t>
+                      </a:r>
+                    </a:p>
+                  </a:txBody>
+                  <a:tcPr marL="7620" marR="7620" marT="7620" marB="0" anchor="b"/>
+                </a:tc>
+                <a:tc>
+                  <a:txBody>
+                    <a:bodyPr/>
+                    <a:lstStyle/>
+                    <a:p>
+                      <a:pPr marL="0" marR="0" lvl="0" indent="0" algn="r" defTabSz="914400" rtl="0" eaLnBrk="1" fontAlgn="b" latinLnBrk="0" hangingPunct="1">
+                        <a:lnSpc>
+                          <a:spcPct val="100000"/>
+                        </a:lnSpc>
+                        <a:spcBef>
+                          <a:spcPts val="0"/>
+                        </a:spcBef>
+                        <a:spcAft>
+                          <a:spcPts val="0"/>
+                        </a:spcAft>
+                        <a:buClrTx/>
+                        <a:buSzTx/>
+                        <a:buFontTx/>
+                        <a:buNone/>
+                        <a:tabLst/>
+                        <a:defRPr/>
+                      </a:pPr>
+                      <a:r>
+                        <a:rPr kumimoji="0" lang="en-US" sz="1800" b="0" i="0" u="none" strike="noStrike" kern="1200" cap="none" spc="0" normalizeH="0" baseline="0" noProof="0" dirty="0">
+                          <a:ln>
+                            <a:noFill/>
+                          </a:ln>
+                          <a:solidFill>
+                            <a:srgbClr val="000000"/>
+                          </a:solidFill>
+                          <a:effectLst/>
+                          <a:uLnTx/>
+                          <a:uFillTx/>
+                          <a:latin typeface="+mn-lt"/>
+                          <a:ea typeface="+mn-ea"/>
+                          <a:cs typeface="+mn-cs"/>
+                        </a:rPr>
+                        <a:t>3.21</a:t>
+                      </a:r>
+                    </a:p>
+                  </a:txBody>
+                  <a:tcPr marL="7620" marR="7620" marT="7620" marB="0" anchor="b"/>
+                </a:tc>
+                <a:tc>
+                  <a:txBody>
+                    <a:bodyPr/>
+                    <a:lstStyle/>
+                    <a:p>
+                      <a:pPr algn="r" fontAlgn="b"/>
+                      <a:r>
+                        <a:rPr lang="en-US" sz="1800" b="0" i="0" u="none" strike="noStrike" dirty="0">
+                          <a:solidFill>
+                            <a:srgbClr val="000000"/>
+                          </a:solidFill>
+                          <a:effectLst/>
+                          <a:latin typeface="+mn-lt"/>
+                        </a:rPr>
+                        <a:t>1434</a:t>
+                      </a:r>
+                    </a:p>
+                  </a:txBody>
+                  <a:tcPr marL="7620" marR="7620" marT="7620" marB="0" anchor="b"/>
+                </a:tc>
+                <a:tc>
+                  <a:txBody>
+                    <a:bodyPr/>
+                    <a:lstStyle/>
+                    <a:p>
+                      <a:pPr marL="0" marR="0" lvl="0" indent="0" algn="r" defTabSz="914400" rtl="0" eaLnBrk="1" fontAlgn="b" latinLnBrk="0" hangingPunct="1">
+                        <a:lnSpc>
+                          <a:spcPct val="100000"/>
+                        </a:lnSpc>
+                        <a:spcBef>
+                          <a:spcPts val="0"/>
+                        </a:spcBef>
+                        <a:spcAft>
+                          <a:spcPts val="0"/>
+                        </a:spcAft>
+                        <a:buClrTx/>
+                        <a:buSzTx/>
+                        <a:buFontTx/>
+                        <a:buNone/>
+                        <a:tabLst/>
+                        <a:defRPr/>
+                      </a:pPr>
+                      <a:r>
+                        <a:rPr kumimoji="0" lang="en-US" sz="1800" b="0" i="0" u="none" strike="noStrike" kern="1200" cap="none" spc="0" normalizeH="0" baseline="0" noProof="0" dirty="0">
+                          <a:ln>
+                            <a:noFill/>
+                          </a:ln>
+                          <a:solidFill>
+                            <a:srgbClr val="000000"/>
+                          </a:solidFill>
+                          <a:effectLst/>
+                          <a:uLnTx/>
+                          <a:uFillTx/>
+                          <a:latin typeface="+mn-lt"/>
+                          <a:ea typeface="+mn-ea"/>
+                          <a:cs typeface="+mn-cs"/>
+                        </a:rPr>
+                        <a:t>3.21</a:t>
+                      </a:r>
+                    </a:p>
+                  </a:txBody>
+                  <a:tcPr marL="7620" marR="7620" marT="7620" marB="0" anchor="b"/>
+                </a:tc>
+                <a:tc>
+                  <a:txBody>
+                    <a:bodyPr/>
+                    <a:lstStyle/>
+                    <a:p>
+                      <a:pPr algn="r" fontAlgn="b"/>
+                      <a:r>
+                        <a:rPr lang="en-US" sz="1600" b="0" i="0" u="none" strike="noStrike" kern="1200" dirty="0">
+                          <a:solidFill>
+                            <a:srgbClr val="000000"/>
+                          </a:solidFill>
+                          <a:effectLst/>
+                          <a:latin typeface="+mn-lt"/>
+                          <a:ea typeface="+mn-ea"/>
+                          <a:cs typeface="+mn-cs"/>
+                        </a:rPr>
+                        <a:t>(X25519 + Kyber-768) &amp; </a:t>
+                      </a:r>
+                    </a:p>
+                    <a:p>
+                      <a:pPr algn="r" fontAlgn="b"/>
+                      <a:r>
+                        <a:rPr lang="en-US" sz="1600" b="0" i="0" u="none" strike="noStrike" kern="1200" dirty="0">
+                          <a:solidFill>
+                            <a:srgbClr val="000000"/>
+                          </a:solidFill>
+                          <a:effectLst/>
+                          <a:latin typeface="+mn-lt"/>
+                          <a:ea typeface="+mn-ea"/>
+                          <a:cs typeface="+mn-cs"/>
+                        </a:rPr>
+                        <a:t>Falcon-512</a:t>
+                      </a:r>
+                    </a:p>
+                  </a:txBody>
+                  <a:tcPr marL="7620" marR="7620" marT="7620" marB="0" anchor="b"/>
+                </a:tc>
+                <a:extLst>
+                  <a:ext uri="{0D108BD9-81ED-4DB2-BD59-A6C34878D82A}">
+                    <a16:rowId xmlns:a16="http://schemas.microsoft.com/office/drawing/2014/main" val="3306812332"/>
+                  </a:ext>
+                </a:extLst>
+              </a:tr>
+              <a:tr h="591014">
+                <a:tc>
+                  <a:txBody>
+                    <a:bodyPr/>
+                    <a:lstStyle/>
+                    <a:p>
+                      <a:pPr algn="r" fontAlgn="b"/>
+                      <a:r>
+                        <a:rPr lang="en-US" sz="1800" b="0" i="0" u="none" strike="noStrike">
+                          <a:solidFill>
+                            <a:srgbClr val="000000"/>
+                          </a:solidFill>
+                          <a:effectLst/>
+                          <a:latin typeface="+mn-lt"/>
+                        </a:rPr>
+                        <a:t>1181</a:t>
+                      </a:r>
+                    </a:p>
+                  </a:txBody>
+                  <a:tcPr marL="7620" marR="7620" marT="7620" marB="0" anchor="b"/>
+                </a:tc>
+                <a:tc>
+                  <a:txBody>
+                    <a:bodyPr/>
+                    <a:lstStyle/>
+                    <a:p>
+                      <a:pPr marL="0" marR="0" lvl="0" indent="0" algn="r" defTabSz="914400" rtl="0" eaLnBrk="1" fontAlgn="b" latinLnBrk="0" hangingPunct="1">
+                        <a:lnSpc>
+                          <a:spcPct val="100000"/>
+                        </a:lnSpc>
+                        <a:spcBef>
+                          <a:spcPts val="0"/>
+                        </a:spcBef>
+                        <a:spcAft>
+                          <a:spcPts val="0"/>
+                        </a:spcAft>
+                        <a:buClrTx/>
+                        <a:buSzTx/>
+                        <a:buFontTx/>
+                        <a:buNone/>
+                        <a:tabLst/>
+                        <a:defRPr/>
+                      </a:pPr>
+                      <a:r>
+                        <a:rPr kumimoji="0" lang="en-US" sz="1800" b="0" i="0" u="none" strike="noStrike" kern="1200" cap="none" spc="0" normalizeH="0" baseline="0" noProof="0" dirty="0">
+                          <a:ln>
+                            <a:noFill/>
+                          </a:ln>
+                          <a:solidFill>
+                            <a:srgbClr val="000000"/>
+                          </a:solidFill>
+                          <a:effectLst/>
+                          <a:uLnTx/>
+                          <a:uFillTx/>
+                          <a:latin typeface="+mn-lt"/>
+                          <a:ea typeface="+mn-ea"/>
+                          <a:cs typeface="+mn-cs"/>
+                        </a:rPr>
+                        <a:t>3.21</a:t>
+                      </a:r>
+                    </a:p>
+                  </a:txBody>
+                  <a:tcPr marL="7620" marR="7620" marT="7620" marB="0" anchor="b"/>
+                </a:tc>
+                <a:tc>
+                  <a:txBody>
+                    <a:bodyPr/>
+                    <a:lstStyle/>
+                    <a:p>
+                      <a:pPr algn="r" fontAlgn="b"/>
+                      <a:r>
+                        <a:rPr lang="en-US" sz="1800" b="0" i="0" u="none" strike="noStrike" dirty="0">
+                          <a:solidFill>
+                            <a:srgbClr val="000000"/>
+                          </a:solidFill>
+                          <a:effectLst/>
+                          <a:latin typeface="+mn-lt"/>
+                        </a:rPr>
+                        <a:t>1181</a:t>
+                      </a:r>
+                    </a:p>
+                  </a:txBody>
+                  <a:tcPr marL="7620" marR="7620" marT="7620" marB="0" anchor="b"/>
+                </a:tc>
+                <a:tc>
+                  <a:txBody>
+                    <a:bodyPr/>
+                    <a:lstStyle/>
+                    <a:p>
+                      <a:pPr marL="0" marR="0" lvl="0" indent="0" algn="r" defTabSz="914400" rtl="0" eaLnBrk="1" fontAlgn="b" latinLnBrk="0" hangingPunct="1">
+                        <a:lnSpc>
+                          <a:spcPct val="100000"/>
+                        </a:lnSpc>
+                        <a:spcBef>
+                          <a:spcPts val="0"/>
+                        </a:spcBef>
+                        <a:spcAft>
+                          <a:spcPts val="0"/>
+                        </a:spcAft>
+                        <a:buClrTx/>
+                        <a:buSzTx/>
+                        <a:buFontTx/>
+                        <a:buNone/>
+                        <a:tabLst/>
+                        <a:defRPr/>
+                      </a:pPr>
+                      <a:r>
+                        <a:rPr kumimoji="0" lang="en-US" sz="1800" b="0" i="0" u="none" strike="noStrike" kern="1200" cap="none" spc="0" normalizeH="0" baseline="0" noProof="0" dirty="0">
+                          <a:ln>
+                            <a:noFill/>
+                          </a:ln>
+                          <a:solidFill>
+                            <a:srgbClr val="000000"/>
+                          </a:solidFill>
+                          <a:effectLst/>
+                          <a:uLnTx/>
+                          <a:uFillTx/>
+                          <a:latin typeface="+mn-lt"/>
+                          <a:ea typeface="+mn-ea"/>
+                          <a:cs typeface="+mn-cs"/>
+                        </a:rPr>
+                        <a:t>3.21</a:t>
+                      </a:r>
+                    </a:p>
+                  </a:txBody>
+                  <a:tcPr marL="7620" marR="7620" marT="7620" marB="0" anchor="b"/>
+                </a:tc>
+                <a:tc>
+                  <a:txBody>
+                    <a:bodyPr/>
+                    <a:lstStyle/>
+                    <a:p>
+                      <a:pPr algn="r" fontAlgn="b"/>
+                      <a:r>
+                        <a:rPr lang="en-US" sz="1800" b="0" i="0" u="none" strike="noStrike" dirty="0">
+                          <a:solidFill>
+                            <a:srgbClr val="000000"/>
+                          </a:solidFill>
+                          <a:effectLst/>
+                          <a:latin typeface="+mn-lt"/>
+                        </a:rPr>
+                        <a:t>1181</a:t>
+                      </a:r>
+                    </a:p>
+                  </a:txBody>
+                  <a:tcPr marL="7620" marR="7620" marT="7620" marB="0" anchor="b"/>
+                </a:tc>
+                <a:tc>
+                  <a:txBody>
+                    <a:bodyPr/>
+                    <a:lstStyle/>
+                    <a:p>
+                      <a:pPr marL="0" marR="0" lvl="0" indent="0" algn="r" defTabSz="914400" rtl="0" eaLnBrk="1" fontAlgn="b" latinLnBrk="0" hangingPunct="1">
+                        <a:lnSpc>
+                          <a:spcPct val="100000"/>
+                        </a:lnSpc>
+                        <a:spcBef>
+                          <a:spcPts val="0"/>
+                        </a:spcBef>
+                        <a:spcAft>
+                          <a:spcPts val="0"/>
+                        </a:spcAft>
+                        <a:buClrTx/>
+                        <a:buSzTx/>
+                        <a:buFontTx/>
+                        <a:buNone/>
+                        <a:tabLst/>
+                        <a:defRPr/>
+                      </a:pPr>
+                      <a:r>
+                        <a:rPr kumimoji="0" lang="en-US" sz="1800" b="0" i="0" u="none" strike="noStrike" kern="1200" cap="none" spc="0" normalizeH="0" baseline="0" noProof="0" dirty="0">
+                          <a:ln>
+                            <a:noFill/>
+                          </a:ln>
+                          <a:solidFill>
+                            <a:srgbClr val="000000"/>
+                          </a:solidFill>
+                          <a:effectLst/>
+                          <a:uLnTx/>
+                          <a:uFillTx/>
+                          <a:latin typeface="+mn-lt"/>
+                          <a:ea typeface="+mn-ea"/>
+                          <a:cs typeface="+mn-cs"/>
+                        </a:rPr>
+                        <a:t>3.21</a:t>
+                      </a:r>
+                    </a:p>
+                  </a:txBody>
+                  <a:tcPr marL="7620" marR="7620" marT="7620" marB="0" anchor="b"/>
+                </a:tc>
+                <a:tc>
+                  <a:txBody>
+                    <a:bodyPr/>
+                    <a:lstStyle/>
+                    <a:p>
+                      <a:pPr marL="0" marR="0" lvl="0" indent="0" algn="r" defTabSz="609576" rtl="0" eaLnBrk="1" fontAlgn="b" latinLnBrk="0" hangingPunct="1">
+                        <a:lnSpc>
+                          <a:spcPct val="100000"/>
+                        </a:lnSpc>
+                        <a:spcBef>
+                          <a:spcPts val="0"/>
+                        </a:spcBef>
+                        <a:spcAft>
+                          <a:spcPts val="0"/>
+                        </a:spcAft>
+                        <a:buClrTx/>
+                        <a:buSzTx/>
+                        <a:buFontTx/>
+                        <a:buNone/>
+                        <a:tabLst/>
+                        <a:defRPr/>
+                      </a:pPr>
+                      <a:r>
+                        <a:rPr lang="en-US" sz="1600" b="0" i="0" u="none" strike="noStrike" kern="1200" dirty="0">
+                          <a:solidFill>
+                            <a:srgbClr val="000000"/>
+                          </a:solidFill>
+                          <a:effectLst/>
+                          <a:latin typeface="+mn-lt"/>
+                          <a:ea typeface="+mn-ea"/>
+                          <a:cs typeface="+mn-cs"/>
+                        </a:rPr>
+                        <a:t>(X25519 + ntruhps2048677) &amp; </a:t>
+                      </a:r>
+                      <a:br>
+                        <a:rPr lang="en-US" sz="1600" b="0" i="0" u="none" strike="noStrike" kern="1200" dirty="0">
+                          <a:solidFill>
+                            <a:srgbClr val="000000"/>
+                          </a:solidFill>
+                          <a:effectLst/>
+                          <a:latin typeface="+mn-lt"/>
+                          <a:ea typeface="+mn-ea"/>
+                          <a:cs typeface="+mn-cs"/>
+                        </a:rPr>
+                      </a:br>
+                      <a:r>
+                        <a:rPr lang="en-US" sz="1600" b="0" i="0" u="none" strike="noStrike" kern="1200" dirty="0">
+                          <a:solidFill>
+                            <a:srgbClr val="000000"/>
+                          </a:solidFill>
+                          <a:effectLst/>
+                          <a:latin typeface="+mn-lt"/>
+                          <a:ea typeface="+mn-ea"/>
+                          <a:cs typeface="+mn-cs"/>
+                        </a:rPr>
+                        <a:t>Falcon-512</a:t>
+                      </a:r>
+                    </a:p>
+                  </a:txBody>
+                  <a:tcPr marL="7620" marR="7620" marT="7620" marB="0" anchor="b"/>
+                </a:tc>
+                <a:extLst>
+                  <a:ext uri="{0D108BD9-81ED-4DB2-BD59-A6C34878D82A}">
+                    <a16:rowId xmlns:a16="http://schemas.microsoft.com/office/drawing/2014/main" val="725550032"/>
+                  </a:ext>
+                </a:extLst>
+              </a:tr>
+              <a:tr h="484672">
+                <a:tc>
+                  <a:txBody>
+                    <a:bodyPr/>
+                    <a:lstStyle/>
+                    <a:p>
+                      <a:pPr algn="r" fontAlgn="b"/>
+                      <a:r>
+                        <a:rPr lang="en-US" sz="1800" b="0" i="0" u="none" strike="noStrike" dirty="0">
+                          <a:solidFill>
+                            <a:srgbClr val="000000"/>
+                          </a:solidFill>
+                          <a:effectLst/>
+                          <a:latin typeface="+mn-lt"/>
+                        </a:rPr>
+                        <a:t>1242</a:t>
+                      </a:r>
+                    </a:p>
+                  </a:txBody>
+                  <a:tcPr marL="7620" marR="7620" marT="7620" marB="0" anchor="b"/>
+                </a:tc>
+                <a:tc>
+                  <a:txBody>
+                    <a:bodyPr/>
+                    <a:lstStyle/>
+                    <a:p>
+                      <a:pPr marL="0" marR="0" lvl="0" indent="0" algn="r" defTabSz="914400" rtl="0" eaLnBrk="1" fontAlgn="b" latinLnBrk="0" hangingPunct="1">
+                        <a:lnSpc>
+                          <a:spcPct val="100000"/>
+                        </a:lnSpc>
+                        <a:spcBef>
+                          <a:spcPts val="0"/>
+                        </a:spcBef>
+                        <a:spcAft>
+                          <a:spcPts val="0"/>
+                        </a:spcAft>
+                        <a:buClrTx/>
+                        <a:buSzTx/>
+                        <a:buFontTx/>
+                        <a:buNone/>
+                        <a:tabLst/>
+                        <a:defRPr/>
+                      </a:pPr>
+                      <a:r>
+                        <a:rPr kumimoji="0" lang="en-US" sz="1800" b="0" i="0" u="none" strike="noStrike" kern="1200" cap="none" spc="0" normalizeH="0" baseline="0" noProof="0" dirty="0">
+                          <a:ln>
+                            <a:noFill/>
+                          </a:ln>
+                          <a:solidFill>
+                            <a:srgbClr val="000000"/>
+                          </a:solidFill>
+                          <a:effectLst/>
+                          <a:uLnTx/>
+                          <a:uFillTx/>
+                          <a:latin typeface="+mn-lt"/>
+                          <a:ea typeface="+mn-ea"/>
+                          <a:cs typeface="+mn-cs"/>
+                        </a:rPr>
+                        <a:t>3.21</a:t>
+                      </a:r>
+                    </a:p>
+                  </a:txBody>
+                  <a:tcPr marL="7620" marR="7620" marT="7620" marB="0" anchor="b"/>
+                </a:tc>
+                <a:tc>
+                  <a:txBody>
+                    <a:bodyPr/>
+                    <a:lstStyle/>
+                    <a:p>
+                      <a:pPr algn="r" fontAlgn="b"/>
+                      <a:r>
+                        <a:rPr lang="en-US" sz="1800" b="0" i="0" u="none" strike="noStrike" dirty="0">
+                          <a:solidFill>
+                            <a:srgbClr val="000000"/>
+                          </a:solidFill>
+                          <a:effectLst/>
+                          <a:latin typeface="+mn-lt"/>
+                        </a:rPr>
+                        <a:t>1242</a:t>
+                      </a:r>
+                    </a:p>
+                  </a:txBody>
+                  <a:tcPr marL="7620" marR="7620" marT="7620" marB="0" anchor="b"/>
+                </a:tc>
+                <a:tc>
+                  <a:txBody>
+                    <a:bodyPr/>
+                    <a:lstStyle/>
+                    <a:p>
+                      <a:pPr marL="0" marR="0" lvl="0" indent="0" algn="r" defTabSz="914400" rtl="0" eaLnBrk="1" fontAlgn="b" latinLnBrk="0" hangingPunct="1">
+                        <a:lnSpc>
+                          <a:spcPct val="100000"/>
+                        </a:lnSpc>
+                        <a:spcBef>
+                          <a:spcPts val="0"/>
+                        </a:spcBef>
+                        <a:spcAft>
+                          <a:spcPts val="0"/>
+                        </a:spcAft>
+                        <a:buClrTx/>
+                        <a:buSzTx/>
+                        <a:buFontTx/>
+                        <a:buNone/>
+                        <a:tabLst/>
+                        <a:defRPr/>
+                      </a:pPr>
+                      <a:r>
+                        <a:rPr kumimoji="0" lang="en-US" sz="1800" b="0" i="0" u="none" strike="noStrike" kern="1200" cap="none" spc="0" normalizeH="0" baseline="0" noProof="0" dirty="0">
+                          <a:ln>
+                            <a:noFill/>
+                          </a:ln>
+                          <a:solidFill>
+                            <a:srgbClr val="000000"/>
+                          </a:solidFill>
+                          <a:effectLst/>
+                          <a:uLnTx/>
+                          <a:uFillTx/>
+                          <a:latin typeface="+mn-lt"/>
+                          <a:ea typeface="+mn-ea"/>
+                          <a:cs typeface="+mn-cs"/>
+                        </a:rPr>
+                        <a:t>3.21</a:t>
+                      </a:r>
+                    </a:p>
+                  </a:txBody>
+                  <a:tcPr marL="7620" marR="7620" marT="7620" marB="0" anchor="b"/>
+                </a:tc>
+                <a:tc>
+                  <a:txBody>
+                    <a:bodyPr/>
+                    <a:lstStyle/>
+                    <a:p>
+                      <a:pPr algn="r" fontAlgn="b"/>
+                      <a:r>
+                        <a:rPr lang="en-US" sz="1800" b="0" i="0" u="none" strike="noStrike" dirty="0">
+                          <a:solidFill>
+                            <a:srgbClr val="000000"/>
+                          </a:solidFill>
+                          <a:effectLst/>
+                          <a:latin typeface="+mn-lt"/>
+                        </a:rPr>
+                        <a:t>1242</a:t>
+                      </a:r>
+                    </a:p>
+                  </a:txBody>
+                  <a:tcPr marL="7620" marR="7620" marT="7620" marB="0" anchor="b"/>
+                </a:tc>
+                <a:tc>
+                  <a:txBody>
+                    <a:bodyPr/>
+                    <a:lstStyle/>
+                    <a:p>
+                      <a:pPr marL="0" marR="0" lvl="0" indent="0" algn="r" defTabSz="914400" rtl="0" eaLnBrk="1" fontAlgn="b" latinLnBrk="0" hangingPunct="1">
+                        <a:lnSpc>
+                          <a:spcPct val="100000"/>
+                        </a:lnSpc>
+                        <a:spcBef>
+                          <a:spcPts val="0"/>
+                        </a:spcBef>
+                        <a:spcAft>
+                          <a:spcPts val="0"/>
+                        </a:spcAft>
+                        <a:buClrTx/>
+                        <a:buSzTx/>
+                        <a:buFontTx/>
+                        <a:buNone/>
+                        <a:tabLst/>
+                        <a:defRPr/>
+                      </a:pPr>
+                      <a:r>
+                        <a:rPr kumimoji="0" lang="en-US" sz="1800" b="0" i="0" u="none" strike="noStrike" kern="1200" cap="none" spc="0" normalizeH="0" baseline="0" noProof="0" dirty="0">
+                          <a:ln>
+                            <a:noFill/>
+                          </a:ln>
+                          <a:solidFill>
+                            <a:srgbClr val="000000"/>
+                          </a:solidFill>
+                          <a:effectLst/>
+                          <a:uLnTx/>
+                          <a:uFillTx/>
+                          <a:latin typeface="+mn-lt"/>
+                          <a:ea typeface="+mn-ea"/>
+                          <a:cs typeface="+mn-cs"/>
+                        </a:rPr>
+                        <a:t>3.21</a:t>
+                      </a:r>
+                    </a:p>
+                  </a:txBody>
+                  <a:tcPr marL="7620" marR="7620" marT="7620" marB="0" anchor="b"/>
+                </a:tc>
+                <a:tc>
+                  <a:txBody>
+                    <a:bodyPr/>
+                    <a:lstStyle/>
+                    <a:p>
+                      <a:pPr algn="r" fontAlgn="b"/>
+                      <a:r>
+                        <a:rPr lang="en-US" sz="1600" b="0" i="0" u="none" strike="noStrike" dirty="0">
+                          <a:solidFill>
+                            <a:srgbClr val="000000"/>
+                          </a:solidFill>
+                          <a:effectLst/>
+                          <a:latin typeface="+mn-lt"/>
+                        </a:rPr>
+                        <a:t>(X25519 + Saber) &amp; </a:t>
+                      </a:r>
+                    </a:p>
+                    <a:p>
+                      <a:pPr algn="r" fontAlgn="b"/>
+                      <a:r>
+                        <a:rPr lang="en-US" sz="1600" b="0" i="0" u="none" strike="noStrike" dirty="0">
+                          <a:solidFill>
+                            <a:srgbClr val="000000"/>
+                          </a:solidFill>
+                          <a:effectLst/>
+                          <a:latin typeface="+mn-lt"/>
+                        </a:rPr>
+                        <a:t>Falcon-512</a:t>
+                      </a:r>
+                    </a:p>
+                  </a:txBody>
+                  <a:tcPr marL="7620" marR="7620" marT="7620" marB="0" anchor="b"/>
+                </a:tc>
+                <a:extLst>
+                  <a:ext uri="{0D108BD9-81ED-4DB2-BD59-A6C34878D82A}">
+                    <a16:rowId xmlns:a16="http://schemas.microsoft.com/office/drawing/2014/main" val="2877976627"/>
+                  </a:ext>
+                </a:extLst>
+              </a:tr>
+              <a:tr h="484672">
+                <a:tc>
+                  <a:txBody>
+                    <a:bodyPr/>
+                    <a:lstStyle/>
+                    <a:p>
+                      <a:pPr algn="r" fontAlgn="b"/>
+                      <a:r>
+                        <a:rPr lang="en-US" sz="1800" b="0" i="0" u="none" strike="noStrike" dirty="0">
+                          <a:solidFill>
+                            <a:srgbClr val="000000"/>
+                          </a:solidFill>
+                          <a:effectLst/>
+                          <a:latin typeface="+mn-lt"/>
+                        </a:rPr>
+                        <a:t>1818</a:t>
+                      </a:r>
+                    </a:p>
+                  </a:txBody>
+                  <a:tcPr marL="7620" marR="7620" marT="7620" marB="0" anchor="b"/>
+                </a:tc>
+                <a:tc>
+                  <a:txBody>
+                    <a:bodyPr/>
+                    <a:lstStyle/>
+                    <a:p>
+                      <a:pPr marL="0" marR="0" lvl="0" indent="0" algn="r" defTabSz="914400" rtl="0" eaLnBrk="1" fontAlgn="b" latinLnBrk="0" hangingPunct="1">
+                        <a:lnSpc>
+                          <a:spcPct val="100000"/>
+                        </a:lnSpc>
+                        <a:spcBef>
+                          <a:spcPts val="0"/>
+                        </a:spcBef>
+                        <a:spcAft>
+                          <a:spcPts val="0"/>
+                        </a:spcAft>
+                        <a:buClrTx/>
+                        <a:buSzTx/>
+                        <a:buFontTx/>
+                        <a:buNone/>
+                        <a:tabLst/>
+                        <a:defRPr/>
+                      </a:pPr>
+                      <a:r>
+                        <a:rPr kumimoji="0" lang="en-US" sz="1800" b="0" i="0" u="none" strike="noStrike" kern="1200" cap="none" spc="0" normalizeH="0" baseline="0" noProof="0" dirty="0">
+                          <a:ln>
+                            <a:noFill/>
+                          </a:ln>
+                          <a:solidFill>
+                            <a:srgbClr val="000000"/>
+                          </a:solidFill>
+                          <a:effectLst/>
+                          <a:uLnTx/>
+                          <a:uFillTx/>
+                          <a:latin typeface="+mn-lt"/>
+                          <a:ea typeface="+mn-ea"/>
+                          <a:cs typeface="+mn-cs"/>
+                        </a:rPr>
+                        <a:t>3.21</a:t>
+                      </a:r>
+                    </a:p>
+                  </a:txBody>
+                  <a:tcPr marL="7620" marR="7620" marT="7620" marB="0" anchor="b"/>
+                </a:tc>
+                <a:tc>
+                  <a:txBody>
+                    <a:bodyPr/>
+                    <a:lstStyle/>
+                    <a:p>
+                      <a:pPr algn="r" fontAlgn="b"/>
+                      <a:r>
+                        <a:rPr lang="en-US" sz="1800" b="0" i="0" u="none" strike="noStrike" dirty="0">
+                          <a:solidFill>
+                            <a:srgbClr val="000000"/>
+                          </a:solidFill>
+                          <a:effectLst/>
+                          <a:latin typeface="+mn-lt"/>
+                        </a:rPr>
+                        <a:t>1818</a:t>
+                      </a:r>
+                    </a:p>
+                  </a:txBody>
+                  <a:tcPr marL="7620" marR="7620" marT="7620" marB="0" anchor="b"/>
+                </a:tc>
+                <a:tc>
+                  <a:txBody>
+                    <a:bodyPr/>
+                    <a:lstStyle/>
+                    <a:p>
+                      <a:pPr marL="0" marR="0" lvl="0" indent="0" algn="r" defTabSz="914400" rtl="0" eaLnBrk="1" fontAlgn="b" latinLnBrk="0" hangingPunct="1">
+                        <a:lnSpc>
+                          <a:spcPct val="100000"/>
+                        </a:lnSpc>
+                        <a:spcBef>
+                          <a:spcPts val="0"/>
+                        </a:spcBef>
+                        <a:spcAft>
+                          <a:spcPts val="0"/>
+                        </a:spcAft>
+                        <a:buClrTx/>
+                        <a:buSzTx/>
+                        <a:buFontTx/>
+                        <a:buNone/>
+                        <a:tabLst/>
+                        <a:defRPr/>
+                      </a:pPr>
+                      <a:r>
+                        <a:rPr kumimoji="0" lang="en-US" sz="1800" b="0" i="0" u="none" strike="noStrike" kern="1200" cap="none" spc="0" normalizeH="0" baseline="0" noProof="0" dirty="0">
+                          <a:ln>
+                            <a:noFill/>
+                          </a:ln>
+                          <a:solidFill>
+                            <a:srgbClr val="000000"/>
+                          </a:solidFill>
+                          <a:effectLst/>
+                          <a:uLnTx/>
+                          <a:uFillTx/>
+                          <a:latin typeface="+mn-lt"/>
+                          <a:ea typeface="+mn-ea"/>
+                          <a:cs typeface="+mn-cs"/>
+                        </a:rPr>
+                        <a:t>3.21</a:t>
+                      </a:r>
+                    </a:p>
+                  </a:txBody>
+                  <a:tcPr marL="7620" marR="7620" marT="7620" marB="0" anchor="b"/>
+                </a:tc>
+                <a:tc>
+                  <a:txBody>
+                    <a:bodyPr/>
+                    <a:lstStyle/>
+                    <a:p>
+                      <a:pPr algn="r" fontAlgn="b"/>
+                      <a:r>
+                        <a:rPr lang="en-US" sz="1800" b="0" i="0" u="none" strike="noStrike" dirty="0">
+                          <a:solidFill>
+                            <a:srgbClr val="000000"/>
+                          </a:solidFill>
+                          <a:effectLst/>
+                          <a:latin typeface="+mn-lt"/>
+                        </a:rPr>
+                        <a:t>1818</a:t>
+                      </a:r>
+                    </a:p>
+                  </a:txBody>
+                  <a:tcPr marL="7620" marR="7620" marT="7620" marB="0" anchor="b"/>
+                </a:tc>
+                <a:tc>
+                  <a:txBody>
+                    <a:bodyPr/>
+                    <a:lstStyle/>
+                    <a:p>
+                      <a:pPr marL="0" marR="0" lvl="0" indent="0" algn="r" defTabSz="914400" rtl="0" eaLnBrk="1" fontAlgn="b" latinLnBrk="0" hangingPunct="1">
+                        <a:lnSpc>
+                          <a:spcPct val="100000"/>
+                        </a:lnSpc>
+                        <a:spcBef>
+                          <a:spcPts val="0"/>
+                        </a:spcBef>
+                        <a:spcAft>
+                          <a:spcPts val="0"/>
+                        </a:spcAft>
+                        <a:buClrTx/>
+                        <a:buSzTx/>
+                        <a:buFontTx/>
+                        <a:buNone/>
+                        <a:tabLst/>
+                        <a:defRPr/>
+                      </a:pPr>
+                      <a:r>
+                        <a:rPr kumimoji="0" lang="en-US" sz="1800" b="0" i="0" u="none" strike="noStrike" kern="1200" cap="none" spc="0" normalizeH="0" baseline="0" noProof="0" dirty="0">
+                          <a:ln>
+                            <a:noFill/>
+                          </a:ln>
+                          <a:solidFill>
+                            <a:srgbClr val="000000"/>
+                          </a:solidFill>
+                          <a:effectLst/>
+                          <a:uLnTx/>
+                          <a:uFillTx/>
+                          <a:latin typeface="+mn-lt"/>
+                          <a:ea typeface="+mn-ea"/>
+                          <a:cs typeface="+mn-cs"/>
+                        </a:rPr>
+                        <a:t>3.21</a:t>
+                      </a:r>
+                    </a:p>
+                  </a:txBody>
+                  <a:tcPr marL="7620" marR="7620" marT="7620" marB="0" anchor="b"/>
+                </a:tc>
+                <a:tc>
+                  <a:txBody>
+                    <a:bodyPr/>
+                    <a:lstStyle/>
+                    <a:p>
+                      <a:pPr algn="r" fontAlgn="b"/>
+                      <a:r>
+                        <a:rPr lang="en-US" sz="1600" b="0" i="0" u="none" strike="noStrike" kern="1200" dirty="0">
+                          <a:solidFill>
+                            <a:srgbClr val="000000"/>
+                          </a:solidFill>
+                          <a:effectLst/>
+                          <a:latin typeface="+mn-lt"/>
+                          <a:ea typeface="+mn-ea"/>
+                          <a:cs typeface="+mn-cs"/>
+                        </a:rPr>
+                        <a:t>(X25519 + Kyber-1024) &amp; </a:t>
+                      </a:r>
+                    </a:p>
+                    <a:p>
+                      <a:pPr algn="r" fontAlgn="b"/>
+                      <a:r>
+                        <a:rPr lang="en-US" sz="1600" b="0" i="0" u="none" strike="noStrike" kern="1200" dirty="0">
+                          <a:solidFill>
+                            <a:srgbClr val="000000"/>
+                          </a:solidFill>
+                          <a:effectLst/>
+                          <a:latin typeface="+mn-lt"/>
+                          <a:ea typeface="+mn-ea"/>
+                          <a:cs typeface="+mn-cs"/>
+                        </a:rPr>
+                        <a:t>Falcon-512</a:t>
+                      </a:r>
+                    </a:p>
+                  </a:txBody>
+                  <a:tcPr marL="7620" marR="7620" marT="7620" marB="0" anchor="b"/>
+                </a:tc>
+                <a:extLst>
+                  <a:ext uri="{0D108BD9-81ED-4DB2-BD59-A6C34878D82A}">
+                    <a16:rowId xmlns:a16="http://schemas.microsoft.com/office/drawing/2014/main" val="1120871856"/>
+                  </a:ext>
+                </a:extLst>
+              </a:tr>
+            </a:tbl>
+          </a:graphicData>
+        </a:graphic>
+      </p:graphicFrame>
+      <p:sp>
+        <p:nvSpPr>
+          <p:cNvPr id="5" name="Rectangle: Rounded Corners 4">
+            <a:extLst>
+              <a:ext uri="{FF2B5EF4-FFF2-40B4-BE49-F238E27FC236}">
+                <a16:creationId xmlns:a16="http://schemas.microsoft.com/office/drawing/2014/main" id="{499D1C5E-75DC-416A-BF8C-0BECDCE88C13}"/>
+              </a:ext>
+            </a:extLst>
+          </p:cNvPr>
+          <p:cNvSpPr/>
+          <p:nvPr/>
+        </p:nvSpPr>
+        <p:spPr>
+          <a:xfrm>
+            <a:off x="2244814" y="3256384"/>
+            <a:ext cx="763503" cy="3436550"/>
+          </a:xfrm>
+          <a:prstGeom prst="roundRect">
+            <a:avLst/>
+          </a:prstGeom>
+          <a:noFill/>
+          <a:ln w="25400">
+            <a:solidFill>
+              <a:srgbClr val="00B050"/>
+            </a:solidFill>
+          </a:ln>
+          <a:effectLst/>
+        </p:spPr>
+        <p:style>
+          <a:lnRef idx="1">
+            <a:schemeClr val="accent1"/>
+          </a:lnRef>
+          <a:fillRef idx="3">
+            <a:schemeClr val="accent1"/>
+          </a:fillRef>
+          <a:effectRef idx="2">
+            <a:schemeClr val="accent1"/>
+          </a:effectRef>
+          <a:fontRef idx="minor">
+            <a:schemeClr val="lt1"/>
+          </a:fontRef>
+        </p:style>
+        <p:txBody>
+          <a:bodyPr rtlCol="0" anchor="ctr"/>
+          <a:lstStyle/>
+          <a:p>
+            <a:pPr algn="ctr"/>
+            <a:endParaRPr lang="en-US" dirty="0"/>
+          </a:p>
+        </p:txBody>
+      </p:sp>
+      <p:sp>
+        <p:nvSpPr>
+          <p:cNvPr id="6" name="Rectangle: Rounded Corners 5">
+            <a:extLst>
+              <a:ext uri="{FF2B5EF4-FFF2-40B4-BE49-F238E27FC236}">
+                <a16:creationId xmlns:a16="http://schemas.microsoft.com/office/drawing/2014/main" id="{F6DD6259-07FB-41E3-B27B-331AB360D290}"/>
+              </a:ext>
+            </a:extLst>
+          </p:cNvPr>
+          <p:cNvSpPr/>
+          <p:nvPr/>
+        </p:nvSpPr>
+        <p:spPr>
+          <a:xfrm>
+            <a:off x="5052131" y="3263737"/>
+            <a:ext cx="763503" cy="3436551"/>
+          </a:xfrm>
+          <a:prstGeom prst="roundRect">
+            <a:avLst/>
+          </a:prstGeom>
+          <a:noFill/>
+          <a:ln w="25400">
+            <a:solidFill>
+              <a:srgbClr val="00B050"/>
+            </a:solidFill>
+          </a:ln>
+          <a:effectLst/>
+        </p:spPr>
+        <p:style>
+          <a:lnRef idx="1">
+            <a:schemeClr val="accent1"/>
+          </a:lnRef>
+          <a:fillRef idx="3">
+            <a:schemeClr val="accent1"/>
+          </a:fillRef>
+          <a:effectRef idx="2">
+            <a:schemeClr val="accent1"/>
+          </a:effectRef>
+          <a:fontRef idx="minor">
+            <a:schemeClr val="lt1"/>
+          </a:fontRef>
+        </p:style>
+        <p:txBody>
+          <a:bodyPr rtlCol="0" anchor="ctr"/>
+          <a:lstStyle/>
+          <a:p>
+            <a:pPr algn="ctr"/>
+            <a:endParaRPr lang="en-US" dirty="0"/>
+          </a:p>
+        </p:txBody>
+      </p:sp>
+      <p:sp>
+        <p:nvSpPr>
+          <p:cNvPr id="7" name="Rectangle: Rounded Corners 6">
+            <a:extLst>
+              <a:ext uri="{FF2B5EF4-FFF2-40B4-BE49-F238E27FC236}">
+                <a16:creationId xmlns:a16="http://schemas.microsoft.com/office/drawing/2014/main" id="{D54AF762-C151-4512-9E24-853966EBE2B8}"/>
+              </a:ext>
+            </a:extLst>
+          </p:cNvPr>
+          <p:cNvSpPr/>
+          <p:nvPr/>
+        </p:nvSpPr>
+        <p:spPr>
+          <a:xfrm>
+            <a:off x="7889765" y="3256383"/>
+            <a:ext cx="763503" cy="3451261"/>
+          </a:xfrm>
+          <a:prstGeom prst="roundRect">
+            <a:avLst/>
+          </a:prstGeom>
+          <a:noFill/>
+          <a:ln w="25400">
+            <a:solidFill>
+              <a:srgbClr val="00B050"/>
+            </a:solidFill>
+          </a:ln>
+          <a:effectLst/>
+        </p:spPr>
+        <p:style>
+          <a:lnRef idx="1">
+            <a:schemeClr val="accent1"/>
+          </a:lnRef>
+          <a:fillRef idx="3">
+            <a:schemeClr val="accent1"/>
+          </a:fillRef>
+          <a:effectRef idx="2">
+            <a:schemeClr val="accent1"/>
+          </a:effectRef>
+          <a:fontRef idx="minor">
+            <a:schemeClr val="lt1"/>
+          </a:fontRef>
+        </p:style>
+        <p:txBody>
+          <a:bodyPr rtlCol="0" anchor="ctr"/>
+          <a:lstStyle/>
+          <a:p>
+            <a:pPr algn="ctr"/>
+            <a:endParaRPr lang="en-US" dirty="0"/>
+          </a:p>
+        </p:txBody>
+      </p:sp>
+      <p:sp>
+        <p:nvSpPr>
+          <p:cNvPr id="8" name="Rectangle: Rounded Corners 7">
+            <a:extLst>
+              <a:ext uri="{FF2B5EF4-FFF2-40B4-BE49-F238E27FC236}">
+                <a16:creationId xmlns:a16="http://schemas.microsoft.com/office/drawing/2014/main" id="{BD17788E-7C50-47E1-95CF-D59FF277DE39}"/>
+              </a:ext>
+            </a:extLst>
+          </p:cNvPr>
+          <p:cNvSpPr/>
+          <p:nvPr/>
+        </p:nvSpPr>
+        <p:spPr>
+          <a:xfrm>
+            <a:off x="2244814" y="2784185"/>
+            <a:ext cx="806304" cy="360231"/>
+          </a:xfrm>
+          <a:prstGeom prst="roundRect">
+            <a:avLst/>
+          </a:prstGeom>
+          <a:noFill/>
+          <a:ln w="25400">
+            <a:solidFill>
+              <a:srgbClr val="C00000"/>
+            </a:solidFill>
+          </a:ln>
+          <a:effectLst/>
+        </p:spPr>
+        <p:style>
+          <a:lnRef idx="1">
+            <a:schemeClr val="accent1"/>
+          </a:lnRef>
+          <a:fillRef idx="3">
+            <a:schemeClr val="accent1"/>
+          </a:fillRef>
+          <a:effectRef idx="2">
+            <a:schemeClr val="accent1"/>
+          </a:effectRef>
+          <a:fontRef idx="minor">
+            <a:schemeClr val="lt1"/>
+          </a:fontRef>
+        </p:style>
+        <p:txBody>
+          <a:bodyPr rtlCol="0" anchor="ctr"/>
+          <a:lstStyle/>
+          <a:p>
+            <a:pPr algn="ctr"/>
+            <a:endParaRPr lang="en-US" dirty="0"/>
+          </a:p>
+        </p:txBody>
+      </p:sp>
+      <p:sp>
+        <p:nvSpPr>
+          <p:cNvPr id="9" name="Rectangle: Rounded Corners 8">
+            <a:extLst>
+              <a:ext uri="{FF2B5EF4-FFF2-40B4-BE49-F238E27FC236}">
+                <a16:creationId xmlns:a16="http://schemas.microsoft.com/office/drawing/2014/main" id="{F5079378-5DDC-4D2C-95DE-0854D6EE32AB}"/>
+              </a:ext>
+            </a:extLst>
+          </p:cNvPr>
+          <p:cNvSpPr/>
+          <p:nvPr/>
+        </p:nvSpPr>
+        <p:spPr>
+          <a:xfrm>
+            <a:off x="5052131" y="2791541"/>
+            <a:ext cx="793820" cy="360231"/>
+          </a:xfrm>
+          <a:prstGeom prst="roundRect">
+            <a:avLst/>
+          </a:prstGeom>
+          <a:noFill/>
+          <a:ln w="25400">
+            <a:solidFill>
+              <a:srgbClr val="C00000"/>
+            </a:solidFill>
+          </a:ln>
+          <a:effectLst/>
+        </p:spPr>
+        <p:style>
+          <a:lnRef idx="1">
+            <a:schemeClr val="accent1"/>
+          </a:lnRef>
+          <a:fillRef idx="3">
+            <a:schemeClr val="accent1"/>
+          </a:fillRef>
+          <a:effectRef idx="2">
+            <a:schemeClr val="accent1"/>
+          </a:effectRef>
+          <a:fontRef idx="minor">
+            <a:schemeClr val="lt1"/>
+          </a:fontRef>
+        </p:style>
+        <p:txBody>
+          <a:bodyPr rtlCol="0" anchor="ctr"/>
+          <a:lstStyle/>
+          <a:p>
+            <a:pPr algn="ctr"/>
+            <a:endParaRPr lang="en-US" dirty="0"/>
+          </a:p>
+        </p:txBody>
+      </p:sp>
+      <p:sp>
+        <p:nvSpPr>
+          <p:cNvPr id="10" name="Rectangle: Rounded Corners 9">
+            <a:extLst>
+              <a:ext uri="{FF2B5EF4-FFF2-40B4-BE49-F238E27FC236}">
+                <a16:creationId xmlns:a16="http://schemas.microsoft.com/office/drawing/2014/main" id="{FDB12D8C-1AD0-4CDA-815B-D66AA83895F5}"/>
+              </a:ext>
+            </a:extLst>
+          </p:cNvPr>
+          <p:cNvSpPr/>
+          <p:nvPr/>
+        </p:nvSpPr>
+        <p:spPr>
+          <a:xfrm>
+            <a:off x="7889765" y="2784185"/>
+            <a:ext cx="793820" cy="361587"/>
+          </a:xfrm>
+          <a:prstGeom prst="roundRect">
+            <a:avLst/>
+          </a:prstGeom>
+          <a:noFill/>
+          <a:ln w="25400">
+            <a:solidFill>
+              <a:srgbClr val="C00000"/>
+            </a:solidFill>
+          </a:ln>
+          <a:effectLst/>
+        </p:spPr>
+        <p:style>
+          <a:lnRef idx="1">
+            <a:schemeClr val="accent1"/>
+          </a:lnRef>
+          <a:fillRef idx="3">
+            <a:schemeClr val="accent1"/>
+          </a:fillRef>
+          <a:effectRef idx="2">
+            <a:schemeClr val="accent1"/>
+          </a:effectRef>
+          <a:fontRef idx="minor">
+            <a:schemeClr val="lt1"/>
+          </a:fontRef>
+        </p:style>
+        <p:txBody>
+          <a:bodyPr rtlCol="0" anchor="ctr"/>
+          <a:lstStyle/>
+          <a:p>
+            <a:pPr algn="ctr"/>
+            <a:endParaRPr lang="en-US" dirty="0"/>
+          </a:p>
+        </p:txBody>
+      </p:sp>
+    </p:spTree>
+    <p:extLst>
+      <p:ext uri="{BB962C8B-B14F-4D97-AF65-F5344CB8AC3E}">
+        <p14:creationId xmlns:p14="http://schemas.microsoft.com/office/powerpoint/2010/main" val="983909259"/>
+      </p:ext>
+    </p:extLst>
+  </p:cSld>
+  <p:clrMapOvr>
+    <a:masterClrMapping/>
+  </p:clrMapOvr>
+</p:sld>
+</file>
+
+<file path=ppt/slides/slide9.xml><?xml version="1.0" encoding="utf-8"?>
 <p:sld xmlns:a="http://schemas.openxmlformats.org/drawingml/2006/main" xmlns:r="http://schemas.openxmlformats.org/officeDocument/2006/relationships" xmlns:p="http://schemas.openxmlformats.org/presentationml/2006/main">
   <p:cSld>
     <p:spTree>
@@ -7959,12 +12807,18 @@
         </p:nvSpPr>
         <p:spPr/>
         <p:txBody>
-          <a:bodyPr/>
+          <a:bodyPr>
+            <a:normAutofit fontScale="92500" lnSpcReduction="20000"/>
+          </a:bodyPr>
           <a:lstStyle/>
           <a:p>
             <a:r>
+              <a:rPr lang="en-US" dirty="0" err="1"/>
+              <a:t>WebPKI</a:t>
+            </a:r>
+            <a:r>
               <a:rPr lang="en-US" dirty="0"/>
-              <a:t>Total 1-2K ICAs / few MBs. </a:t>
+              <a:t>: Total 1-2K ICAs / ~1-2 MBs compressed. </a:t>
             </a:r>
           </a:p>
           <a:p>
@@ -7977,9 +12831,6 @@
             </a:r>
           </a:p>
           <a:p>
-            <a:pPr marL="0" indent="0">
-              <a:buNone/>
-            </a:pPr>
             <a:endParaRPr lang="en-US" dirty="0"/>
           </a:p>
           <a:p>
@@ -7993,14 +12844,14 @@
             </a:r>
             <a:r>
               <a:rPr lang="en-US" dirty="0"/>
-              <a:t>, if </a:t>
+              <a:t>, if your </a:t>
             </a:r>
           </a:p>
           <a:p>
             <a:pPr lvl="1"/>
             <a:r>
               <a:rPr lang="en-US" dirty="0"/>
-              <a:t>Your chain contains Constrained ICAs</a:t>
+              <a:t>chain contains Constrained ICAs</a:t>
             </a:r>
           </a:p>
           <a:p>
@@ -8012,6 +12863,26 @@
           </a:p>
           <a:p>
             <a:endParaRPr lang="en-US" dirty="0"/>
+          </a:p>
+          <a:p>
+            <a:r>
+              <a:rPr lang="en-US" dirty="0"/>
+              <a:t>Precedent</a:t>
+            </a:r>
+          </a:p>
+          <a:p>
+            <a:pPr lvl="1"/>
+            <a:r>
+              <a:rPr lang="en-US" dirty="0"/>
+              <a:t>Mozilla already uses an ICA Pre-load list (to prevent outages)</a:t>
+            </a:r>
+          </a:p>
+          <a:p>
+            <a:pPr lvl="1"/>
+            <a:r>
+              <a:rPr lang="en-US" dirty="0"/>
+              <a:t>Browsers build and distribute revocation lists already</a:t>
+            </a:r>
           </a:p>
         </p:txBody>
       </p:sp>
@@ -8019,284 +12890,6 @@
     <p:extLst>
       <p:ext uri="{BB962C8B-B14F-4D97-AF65-F5344CB8AC3E}">
         <p14:creationId xmlns:p14="http://schemas.microsoft.com/office/powerpoint/2010/main" val="552847761"/>
-      </p:ext>
-    </p:extLst>
-  </p:cSld>
-  <p:clrMapOvr>
-    <a:masterClrMapping/>
-  </p:clrMapOvr>
-</p:sld>
-</file>
-
-<file path=ppt/slides/slide8.xml><?xml version="1.0" encoding="utf-8"?>
-<p:sld xmlns:a="http://schemas.openxmlformats.org/drawingml/2006/main" xmlns:r="http://schemas.openxmlformats.org/officeDocument/2006/relationships" xmlns:p="http://schemas.openxmlformats.org/presentationml/2006/main">
-  <p:cSld>
-    <p:spTree>
-      <p:nvGrpSpPr>
-        <p:cNvPr id="1" name=""/>
-        <p:cNvGrpSpPr/>
-        <p:nvPr/>
-      </p:nvGrpSpPr>
-      <p:grpSpPr>
-        <a:xfrm>
-          <a:off x="0" y="0"/>
-          <a:ext cx="0" cy="0"/>
-          <a:chOff x="0" y="0"/>
-          <a:chExt cx="0" cy="0"/>
-        </a:xfrm>
-      </p:grpSpPr>
-      <p:sp>
-        <p:nvSpPr>
-          <p:cNvPr id="2" name="Title 1">
-            <a:extLst>
-              <a:ext uri="{FF2B5EF4-FFF2-40B4-BE49-F238E27FC236}">
-                <a16:creationId xmlns:a16="http://schemas.microsoft.com/office/drawing/2014/main" id="{C3629CD1-3EEE-41BB-9F4C-D8AAF7894729}"/>
-              </a:ext>
-            </a:extLst>
-          </p:cNvPr>
-          <p:cNvSpPr>
-            <a:spLocks noGrp="1"/>
-          </p:cNvSpPr>
-          <p:nvPr>
-            <p:ph type="title"/>
-          </p:nvPr>
-        </p:nvSpPr>
-        <p:spPr/>
-        <p:txBody>
-          <a:bodyPr/>
-          <a:lstStyle/>
-          <a:p>
-            <a:r>
-              <a:rPr lang="en-US" dirty="0"/>
-              <a:t>Open Questions</a:t>
-            </a:r>
-          </a:p>
-        </p:txBody>
-      </p:sp>
-      <p:sp>
-        <p:nvSpPr>
-          <p:cNvPr id="3" name="Content Placeholder 2">
-            <a:extLst>
-              <a:ext uri="{FF2B5EF4-FFF2-40B4-BE49-F238E27FC236}">
-                <a16:creationId xmlns:a16="http://schemas.microsoft.com/office/drawing/2014/main" id="{AA11202B-E91F-4341-9190-1C8F56F9E7FF}"/>
-              </a:ext>
-            </a:extLst>
-          </p:cNvPr>
-          <p:cNvSpPr>
-            <a:spLocks noGrp="1"/>
-          </p:cNvSpPr>
-          <p:nvPr>
-            <p:ph idx="1"/>
-          </p:nvPr>
-        </p:nvSpPr>
-        <p:spPr/>
-        <p:txBody>
-          <a:bodyPr>
-            <a:normAutofit fontScale="77500" lnSpcReduction="20000"/>
-          </a:bodyPr>
-          <a:lstStyle/>
-          <a:p>
-            <a:r>
-              <a:rPr lang="en-US" dirty="0"/>
-              <a:t>What is the recommended TBD3-time?</a:t>
-            </a:r>
-          </a:p>
-          <a:p>
-            <a:endParaRPr lang="en-US" dirty="0"/>
-          </a:p>
-          <a:p>
-            <a:r>
-              <a:rPr lang="en-US" dirty="0"/>
-              <a:t>What if there is a failure</a:t>
-            </a:r>
-          </a:p>
-          <a:p>
-            <a:pPr lvl="1"/>
-            <a:r>
-              <a:rPr lang="en-US" dirty="0"/>
-              <a:t>Connection re-try without ICA suppression or assume no failure?</a:t>
-            </a:r>
-          </a:p>
-          <a:p>
-            <a:pPr lvl="1"/>
-            <a:r>
-              <a:rPr lang="en-US" dirty="0"/>
-              <a:t>Connection re-establishment impact on security</a:t>
-            </a:r>
-          </a:p>
-          <a:p>
-            <a:pPr lvl="2"/>
-            <a:r>
-              <a:rPr lang="en-US" dirty="0"/>
-              <a:t>Could the fallback logic allows for downgrade style of attacks?</a:t>
-            </a:r>
-          </a:p>
-          <a:p>
-            <a:pPr lvl="2"/>
-            <a:r>
-              <a:rPr lang="en-US" dirty="0"/>
-              <a:t>Active attack analysis. </a:t>
-            </a:r>
-          </a:p>
-          <a:p>
-            <a:endParaRPr lang="en-US" dirty="0"/>
-          </a:p>
-          <a:p>
-            <a:r>
-              <a:rPr lang="en-US" dirty="0"/>
-              <a:t>Who maintains the list of ICAs?</a:t>
-            </a:r>
-          </a:p>
-          <a:p>
-            <a:pPr lvl="1"/>
-            <a:r>
-              <a:rPr lang="en-US" dirty="0"/>
-              <a:t>Client / browser</a:t>
-            </a:r>
-          </a:p>
-          <a:p>
-            <a:pPr lvl="1"/>
-            <a:r>
-              <a:rPr lang="en-US" dirty="0"/>
-              <a:t>CCADB or other public repo</a:t>
-            </a:r>
-          </a:p>
-          <a:p>
-            <a:endParaRPr lang="en-US" dirty="0"/>
-          </a:p>
-          <a:p>
-            <a:r>
-              <a:rPr lang="en-US" dirty="0" err="1"/>
-              <a:t>WebPKI</a:t>
-            </a:r>
-            <a:r>
-              <a:rPr lang="en-US" dirty="0"/>
-              <a:t>: MSRP 2.8 may require constrained intermediates, so we may not need to send Constrained ICAs.</a:t>
-            </a:r>
-          </a:p>
-          <a:p>
-            <a:endParaRPr lang="en-US" dirty="0"/>
-          </a:p>
-        </p:txBody>
-      </p:sp>
-    </p:spTree>
-    <p:extLst>
-      <p:ext uri="{BB962C8B-B14F-4D97-AF65-F5344CB8AC3E}">
-        <p14:creationId xmlns:p14="http://schemas.microsoft.com/office/powerpoint/2010/main" val="1132099351"/>
-      </p:ext>
-    </p:extLst>
-  </p:cSld>
-  <p:clrMapOvr>
-    <a:masterClrMapping/>
-  </p:clrMapOvr>
-</p:sld>
-</file>
-
-<file path=ppt/slides/slide9.xml><?xml version="1.0" encoding="utf-8"?>
-<p:sld xmlns:a="http://schemas.openxmlformats.org/drawingml/2006/main" xmlns:r="http://schemas.openxmlformats.org/officeDocument/2006/relationships" xmlns:p="http://schemas.openxmlformats.org/presentationml/2006/main">
-  <p:cSld>
-    <p:spTree>
-      <p:nvGrpSpPr>
-        <p:cNvPr id="1" name=""/>
-        <p:cNvGrpSpPr/>
-        <p:nvPr/>
-      </p:nvGrpSpPr>
-      <p:grpSpPr>
-        <a:xfrm>
-          <a:off x="0" y="0"/>
-          <a:ext cx="0" cy="0"/>
-          <a:chOff x="0" y="0"/>
-          <a:chExt cx="0" cy="0"/>
-        </a:xfrm>
-      </p:grpSpPr>
-      <p:sp>
-        <p:nvSpPr>
-          <p:cNvPr id="2" name="Title 1">
-            <a:extLst>
-              <a:ext uri="{FF2B5EF4-FFF2-40B4-BE49-F238E27FC236}">
-                <a16:creationId xmlns:a16="http://schemas.microsoft.com/office/drawing/2014/main" id="{0AB8F6DC-D24A-4324-8502-CF9D2C9331A7}"/>
-              </a:ext>
-            </a:extLst>
-          </p:cNvPr>
-          <p:cNvSpPr>
-            <a:spLocks noGrp="1"/>
-          </p:cNvSpPr>
-          <p:nvPr>
-            <p:ph type="title"/>
-          </p:nvPr>
-        </p:nvSpPr>
-        <p:spPr/>
-        <p:txBody>
-          <a:bodyPr/>
-          <a:lstStyle/>
-          <a:p>
-            <a:r>
-              <a:rPr lang="en-US" dirty="0"/>
-              <a:t>Asks</a:t>
-            </a:r>
-          </a:p>
-        </p:txBody>
-      </p:sp>
-      <p:sp>
-        <p:nvSpPr>
-          <p:cNvPr id="3" name="Content Placeholder 2">
-            <a:extLst>
-              <a:ext uri="{FF2B5EF4-FFF2-40B4-BE49-F238E27FC236}">
-                <a16:creationId xmlns:a16="http://schemas.microsoft.com/office/drawing/2014/main" id="{A8833F2B-A9D1-4AB6-98FA-92D48D41AFA0}"/>
-              </a:ext>
-            </a:extLst>
-          </p:cNvPr>
-          <p:cNvSpPr>
-            <a:spLocks noGrp="1"/>
-          </p:cNvSpPr>
-          <p:nvPr>
-            <p:ph idx="1"/>
-          </p:nvPr>
-        </p:nvSpPr>
-        <p:spPr/>
-        <p:txBody>
-          <a:bodyPr/>
-          <a:lstStyle/>
-          <a:p>
-            <a:r>
-              <a:rPr lang="en-US" dirty="0"/>
-              <a:t>Feedback on the draft in TLS WG or git repo </a:t>
-            </a:r>
-          </a:p>
-          <a:p>
-            <a:pPr marL="0" indent="0">
-              <a:buNone/>
-            </a:pPr>
-            <a:r>
-              <a:rPr lang="en-US" dirty="0"/>
-              <a:t>   </a:t>
-            </a:r>
-            <a:r>
-              <a:rPr lang="en-US" dirty="0">
-                <a:hlinkClick r:id="rId2"/>
-              </a:rPr>
-              <a:t>https://github.com/csosto-pk/tls-suppress-intermediates</a:t>
-            </a:r>
-            <a:r>
-              <a:rPr lang="en-US" dirty="0"/>
-              <a:t> </a:t>
-            </a:r>
-          </a:p>
-          <a:p>
-            <a:endParaRPr lang="en-US" dirty="0"/>
-          </a:p>
-          <a:p>
-            <a:r>
-              <a:rPr lang="en-US" dirty="0"/>
-              <a:t>Consider it for adoption after NIST announces its Round 3 picks. </a:t>
-            </a:r>
-          </a:p>
-        </p:txBody>
-      </p:sp>
-    </p:spTree>
-    <p:extLst>
-      <p:ext uri="{BB962C8B-B14F-4D97-AF65-F5344CB8AC3E}">
-        <p14:creationId xmlns:p14="http://schemas.microsoft.com/office/powerpoint/2010/main" val="1942971042"/>
       </p:ext>
     </p:extLst>
   </p:cSld>

--- a/IETF-presos/IETF-113 - draft-kampanakis-tls-scas-latest-00.pptx
+++ b/IETF-presos/IETF-113 - draft-kampanakis-tls-scas-latest-00.pptx
@@ -4153,7 +4153,7 @@
         <p:spPr/>
         <p:txBody>
           <a:bodyPr>
-            <a:normAutofit lnSpcReduction="10000"/>
+            <a:normAutofit/>
           </a:bodyPr>
           <a:lstStyle/>
           <a:p>
@@ -4178,41 +4178,11 @@
             <a:pPr lvl="1"/>
             <a:r>
               <a:rPr lang="en-US"/>
-              <a:t>But also </a:t>
+              <a:t>But also, </a:t>
             </a:r>
             <a:r>
               <a:rPr lang="en-US" dirty="0"/>
-              <a:t>let’s not forget</a:t>
-            </a:r>
-          </a:p>
-          <a:p>
-            <a:pPr lvl="2"/>
-            <a:r>
-              <a:rPr lang="en-US" dirty="0"/>
-              <a:t>TLS is not just for the Web.</a:t>
-            </a:r>
-          </a:p>
-          <a:p>
-            <a:pPr lvl="2"/>
-            <a:r>
-              <a:rPr lang="en-US" dirty="0"/>
-              <a:t>A compression certificate dictionary is used in draft-</a:t>
-            </a:r>
-            <a:r>
-              <a:rPr lang="en-US" dirty="0" err="1"/>
-              <a:t>ietf</a:t>
-            </a:r>
-            <a:r>
-              <a:rPr lang="en-US" dirty="0"/>
-              <a:t>-</a:t>
-            </a:r>
-            <a:r>
-              <a:rPr lang="en-US" dirty="0" err="1"/>
-              <a:t>tls-ctls</a:t>
-            </a:r>
-            <a:r>
-              <a:rPr lang="en-US" dirty="0"/>
-              <a:t> as well.</a:t>
+              <a:t>let’s not forget, TLS is not just for the Web.</a:t>
             </a:r>
           </a:p>
           <a:p>
@@ -12883,6 +12853,41 @@
               <a:rPr lang="en-US" dirty="0"/>
               <a:t>Browsers build and distribute revocation lists already</a:t>
             </a:r>
+          </a:p>
+          <a:p>
+            <a:pPr lvl="1"/>
+            <a:r>
+              <a:rPr lang="en-US" dirty="0"/>
+              <a:t>draft-</a:t>
+            </a:r>
+            <a:r>
+              <a:rPr lang="en-US" dirty="0" err="1"/>
+              <a:t>ietf</a:t>
+            </a:r>
+            <a:r>
+              <a:rPr lang="en-US" dirty="0"/>
+              <a:t>-</a:t>
+            </a:r>
+            <a:r>
+              <a:rPr lang="en-US" dirty="0" err="1"/>
+              <a:t>tls-ctls</a:t>
+            </a:r>
+            <a:r>
+              <a:rPr lang="en-US" dirty="0"/>
+              <a:t> also uses a compression certificate </a:t>
+            </a:r>
+            <a:r>
+              <a:rPr lang="en-US" dirty="0" err="1"/>
+              <a:t>dictionar</a:t>
+            </a:r>
+            <a:r>
+              <a:rPr lang="en-US" dirty="0"/>
+              <a:t>. </a:t>
+            </a:r>
+          </a:p>
+          <a:p>
+            <a:pPr lvl="1"/>
+            <a:endParaRPr lang="en-US" dirty="0"/>
           </a:p>
         </p:txBody>
       </p:sp>

--- a/IETF-presos/IETF-113 - draft-kampanakis-tls-scas-latest-00.pptx
+++ b/IETF-presos/IETF-113 - draft-kampanakis-tls-scas-latest-00.pptx
@@ -5,20 +5,18 @@
     <p:sldMasterId id="2147483648" r:id="rId1"/>
   </p:sldMasterIdLst>
   <p:notesMasterIdLst>
-    <p:notesMasterId r:id="rId13"/>
+    <p:notesMasterId r:id="rId11"/>
   </p:notesMasterIdLst>
   <p:sldIdLst>
     <p:sldId id="256" r:id="rId2"/>
     <p:sldId id="257" r:id="rId3"/>
     <p:sldId id="266" r:id="rId4"/>
     <p:sldId id="258" r:id="rId5"/>
-    <p:sldId id="259" r:id="rId6"/>
-    <p:sldId id="260" r:id="rId7"/>
-    <p:sldId id="261" r:id="rId8"/>
-    <p:sldId id="262" r:id="rId9"/>
-    <p:sldId id="263" r:id="rId10"/>
-    <p:sldId id="264" r:id="rId11"/>
-    <p:sldId id="267" r:id="rId12"/>
+    <p:sldId id="260" r:id="rId6"/>
+    <p:sldId id="261" r:id="rId7"/>
+    <p:sldId id="263" r:id="rId8"/>
+    <p:sldId id="264" r:id="rId9"/>
+    <p:sldId id="267" r:id="rId10"/>
   </p:sldIdLst>
   <p:sldSz cx="12192000" cy="6858000"/>
   <p:notesSz cx="6858000" cy="9144000"/>
@@ -518,6 +516,23 @@
           <a:bodyPr/>
           <a:lstStyle/>
           <a:p>
+            <a:pPr marL="0" marR="0" lvl="0" indent="0" algn="l" defTabSz="914400" rtl="0" eaLnBrk="1" fontAlgn="auto" latinLnBrk="0" hangingPunct="1">
+              <a:lnSpc>
+                <a:spcPct val="100000"/>
+              </a:lnSpc>
+              <a:spcBef>
+                <a:spcPts val="0"/>
+              </a:spcBef>
+              <a:spcAft>
+                <a:spcPts val="0"/>
+              </a:spcAft>
+              <a:buClrTx/>
+              <a:buSzTx/>
+              <a:buFontTx/>
+              <a:buNone/>
+              <a:tabLst/>
+              <a:defRPr/>
+            </a:pPr>
             <a:r>
               <a:rPr lang="en-US" sz="1200" b="0" i="0" kern="1200" dirty="0">
                 <a:solidFill>
@@ -528,8 +543,113 @@
                 <a:ea typeface="+mn-ea"/>
                 <a:cs typeface="+mn-cs"/>
               </a:rPr>
-              <a:t>Mozilla Root Store Policy (MSRP) https://www.mozilla.org/en-US/about/governance/policies/security-group/certs/policy/ </a:t>
-            </a:r>
+              <a:t>Mozilla Root Store Policy (MSRP) https://www.mozilla.org/en-US/about/governance/policies/security-group/certs/policy/  </a:t>
+            </a:r>
+          </a:p>
+          <a:p>
+            <a:pPr marL="0" marR="0" lvl="0" indent="0" algn="l" defTabSz="914400" rtl="0" eaLnBrk="1" fontAlgn="auto" latinLnBrk="0" hangingPunct="1">
+              <a:lnSpc>
+                <a:spcPct val="100000"/>
+              </a:lnSpc>
+              <a:spcBef>
+                <a:spcPts val="0"/>
+              </a:spcBef>
+              <a:spcAft>
+                <a:spcPts val="0"/>
+              </a:spcAft>
+              <a:buClrTx/>
+              <a:buSzTx/>
+              <a:buFontTx/>
+              <a:buNone/>
+              <a:tabLst/>
+              <a:defRPr/>
+            </a:pPr>
+            <a:r>
+              <a:rPr lang="en-US" dirty="0"/>
+              <a:t>MSRP 2.8 may require constrained intermediates, so we may not need to send Constrained ICAs.</a:t>
+            </a:r>
+          </a:p>
+          <a:p>
+            <a:endParaRPr lang="en-US" dirty="0"/>
+          </a:p>
+          <a:p>
+            <a:pPr marL="0" marR="0" lvl="0" indent="0" algn="l" defTabSz="914400" rtl="0" eaLnBrk="1" fontAlgn="auto" latinLnBrk="0" hangingPunct="1">
+              <a:lnSpc>
+                <a:spcPct val="100000"/>
+              </a:lnSpc>
+              <a:spcBef>
+                <a:spcPts val="0"/>
+              </a:spcBef>
+              <a:spcAft>
+                <a:spcPts val="0"/>
+              </a:spcAft>
+              <a:buClrTx/>
+              <a:buSzTx/>
+              <a:buFontTx/>
+              <a:buNone/>
+              <a:tabLst/>
+              <a:defRPr/>
+            </a:pPr>
+            <a:r>
+              <a:rPr lang="en-US" dirty="0"/>
+              <a:t>Additional bullet scenario for second bullet </a:t>
+            </a:r>
+          </a:p>
+          <a:p>
+            <a:pPr marL="171450" marR="0" lvl="0" indent="-171450" algn="l" defTabSz="914400" rtl="0" eaLnBrk="1" fontAlgn="auto" latinLnBrk="0" hangingPunct="1">
+              <a:lnSpc>
+                <a:spcPct val="100000"/>
+              </a:lnSpc>
+              <a:spcBef>
+                <a:spcPts val="0"/>
+              </a:spcBef>
+              <a:spcAft>
+                <a:spcPts val="0"/>
+              </a:spcAft>
+              <a:buClrTx/>
+              <a:buSzTx/>
+              <a:buFont typeface="Arial" panose="020B0604020202020204" pitchFamily="34" charset="0"/>
+              <a:buChar char="•"/>
+              <a:tabLst/>
+              <a:defRPr/>
+            </a:pPr>
+            <a:r>
+              <a:rPr lang="en-US" dirty="0"/>
+              <a:t>Send ICAs regardless of </a:t>
+            </a:r>
+            <a:r>
+              <a:rPr lang="en-US" dirty="0" err="1"/>
+              <a:t>tlsflag</a:t>
+            </a:r>
+            <a:r>
+              <a:rPr lang="en-US" dirty="0"/>
+              <a:t>, if your </a:t>
+            </a:r>
+          </a:p>
+          <a:p>
+            <a:pPr marL="628650" marR="0" lvl="1" indent="-171450" algn="l" defTabSz="914400" rtl="0" eaLnBrk="1" fontAlgn="auto" latinLnBrk="0" hangingPunct="1">
+              <a:lnSpc>
+                <a:spcPct val="100000"/>
+              </a:lnSpc>
+              <a:spcBef>
+                <a:spcPts val="0"/>
+              </a:spcBef>
+              <a:spcAft>
+                <a:spcPts val="0"/>
+              </a:spcAft>
+              <a:buClrTx/>
+              <a:buSzTx/>
+              <a:buFont typeface="Arial" panose="020B0604020202020204" pitchFamily="34" charset="0"/>
+              <a:buChar char="•"/>
+              <a:tabLst/>
+              <a:defRPr/>
+            </a:pPr>
+            <a:r>
+              <a:rPr lang="en-US" dirty="0"/>
+              <a:t>ICAs may not exist in the peer ICA list (e.g. private PKI ICA change)</a:t>
+            </a:r>
+          </a:p>
+          <a:p>
             <a:endParaRPr lang="en-US" dirty="0"/>
           </a:p>
         </p:txBody>
@@ -551,7 +671,91 @@
           <a:p>
             <a:fld id="{7F61769D-D3FD-4DA5-93DC-E690A8F2EEE2}" type="slidenum">
               <a:rPr lang="en-US" smtClean="0"/>
-              <a:t>10</a:t>
+              <a:t>7</a:t>
+            </a:fld>
+            <a:endParaRPr lang="en-US"/>
+          </a:p>
+        </p:txBody>
+      </p:sp>
+    </p:spTree>
+    <p:extLst>
+      <p:ext uri="{BB962C8B-B14F-4D97-AF65-F5344CB8AC3E}">
+        <p14:creationId xmlns:p14="http://schemas.microsoft.com/office/powerpoint/2010/main" val="3461386893"/>
+      </p:ext>
+    </p:extLst>
+  </p:cSld>
+  <p:clrMapOvr>
+    <a:masterClrMapping/>
+  </p:clrMapOvr>
+</p:notes>
+</file>
+
+<file path=ppt/notesSlides/notesSlide2.xml><?xml version="1.0" encoding="utf-8"?>
+<p:notes xmlns:a="http://schemas.openxmlformats.org/drawingml/2006/main" xmlns:r="http://schemas.openxmlformats.org/officeDocument/2006/relationships" xmlns:p="http://schemas.openxmlformats.org/presentationml/2006/main">
+  <p:cSld>
+    <p:spTree>
+      <p:nvGrpSpPr>
+        <p:cNvPr id="1" name=""/>
+        <p:cNvGrpSpPr/>
+        <p:nvPr/>
+      </p:nvGrpSpPr>
+      <p:grpSpPr>
+        <a:xfrm>
+          <a:off x="0" y="0"/>
+          <a:ext cx="0" cy="0"/>
+          <a:chOff x="0" y="0"/>
+          <a:chExt cx="0" cy="0"/>
+        </a:xfrm>
+      </p:grpSpPr>
+      <p:sp>
+        <p:nvSpPr>
+          <p:cNvPr id="2" name="Slide Image Placeholder 1"/>
+          <p:cNvSpPr>
+            <a:spLocks noGrp="1" noRot="1" noChangeAspect="1"/>
+          </p:cNvSpPr>
+          <p:nvPr>
+            <p:ph type="sldImg"/>
+          </p:nvPr>
+        </p:nvSpPr>
+        <p:spPr/>
+      </p:sp>
+      <p:sp>
+        <p:nvSpPr>
+          <p:cNvPr id="3" name="Notes Placeholder 2"/>
+          <p:cNvSpPr>
+            <a:spLocks noGrp="1"/>
+          </p:cNvSpPr>
+          <p:nvPr>
+            <p:ph type="body" idx="1"/>
+          </p:nvPr>
+        </p:nvSpPr>
+        <p:spPr/>
+        <p:txBody>
+          <a:bodyPr/>
+          <a:lstStyle/>
+          <a:p>
+            <a:endParaRPr lang="en-US" dirty="0"/>
+          </a:p>
+        </p:txBody>
+      </p:sp>
+      <p:sp>
+        <p:nvSpPr>
+          <p:cNvPr id="4" name="Slide Number Placeholder 3"/>
+          <p:cNvSpPr>
+            <a:spLocks noGrp="1"/>
+          </p:cNvSpPr>
+          <p:nvPr>
+            <p:ph type="sldNum" sz="quarter" idx="5"/>
+          </p:nvPr>
+        </p:nvSpPr>
+        <p:spPr/>
+        <p:txBody>
+          <a:bodyPr/>
+          <a:lstStyle/>
+          <a:p>
+            <a:fld id="{7F61769D-D3FD-4DA5-93DC-E690A8F2EEE2}" type="slidenum">
+              <a:rPr lang="en-US" smtClean="0"/>
+              <a:t>8</a:t>
             </a:fld>
             <a:endParaRPr lang="en-US"/>
           </a:p>
@@ -3878,36 +4082,32 @@
             <a:pPr algn="l"/>
             <a:r>
               <a:rPr lang="en-US" dirty="0"/>
-              <a:t>M. Thomson (Mozilla)</a:t>
+              <a:t>Martin (Mozilla)</a:t>
             </a:r>
           </a:p>
           <a:p>
             <a:pPr algn="l"/>
             <a:r>
+              <a:rPr lang="en-US" b="1" dirty="0"/>
+              <a:t>Panos</a:t>
+            </a:r>
+            <a:r>
               <a:rPr lang="en-US" dirty="0"/>
-              <a:t>P. Kampanakis (AWS)</a:t>
+              <a:t> (AWS)</a:t>
             </a:r>
           </a:p>
           <a:p>
             <a:pPr algn="l"/>
             <a:r>
               <a:rPr lang="en-US" dirty="0"/>
-              <a:t>C. Bytheway (AWS)</a:t>
+              <a:t>Cameron (AWS)</a:t>
             </a:r>
           </a:p>
           <a:p>
             <a:pPr algn="l"/>
             <a:r>
               <a:rPr lang="en-US" dirty="0"/>
-              <a:t>B. Westerbaan (</a:t>
-            </a:r>
-            <a:r>
-              <a:rPr lang="en-US" dirty="0" err="1"/>
-              <a:t>Clouflare</a:t>
-            </a:r>
-            <a:r>
-              <a:rPr lang="en-US" dirty="0"/>
-              <a:t>)</a:t>
+              <a:t>Bas (Cloudflare)</a:t>
             </a:r>
           </a:p>
         </p:txBody>
@@ -3916,319 +4116,6 @@
     <p:extLst>
       <p:ext uri="{BB962C8B-B14F-4D97-AF65-F5344CB8AC3E}">
         <p14:creationId xmlns:p14="http://schemas.microsoft.com/office/powerpoint/2010/main" val="3322276964"/>
-      </p:ext>
-    </p:extLst>
-  </p:cSld>
-  <p:clrMapOvr>
-    <a:masterClrMapping/>
-  </p:clrMapOvr>
-</p:sld>
-</file>
-
-<file path=ppt/slides/slide10.xml><?xml version="1.0" encoding="utf-8"?>
-<p:sld xmlns:a="http://schemas.openxmlformats.org/drawingml/2006/main" xmlns:r="http://schemas.openxmlformats.org/officeDocument/2006/relationships" xmlns:p="http://schemas.openxmlformats.org/presentationml/2006/main">
-  <p:cSld>
-    <p:spTree>
-      <p:nvGrpSpPr>
-        <p:cNvPr id="1" name=""/>
-        <p:cNvGrpSpPr/>
-        <p:nvPr/>
-      </p:nvGrpSpPr>
-      <p:grpSpPr>
-        <a:xfrm>
-          <a:off x="0" y="0"/>
-          <a:ext cx="0" cy="0"/>
-          <a:chOff x="0" y="0"/>
-          <a:chExt cx="0" cy="0"/>
-        </a:xfrm>
-      </p:grpSpPr>
-      <p:sp>
-        <p:nvSpPr>
-          <p:cNvPr id="2" name="Title 1">
-            <a:extLst>
-              <a:ext uri="{FF2B5EF4-FFF2-40B4-BE49-F238E27FC236}">
-                <a16:creationId xmlns:a16="http://schemas.microsoft.com/office/drawing/2014/main" id="{C3629CD1-3EEE-41BB-9F4C-D8AAF7894729}"/>
-              </a:ext>
-            </a:extLst>
-          </p:cNvPr>
-          <p:cNvSpPr>
-            <a:spLocks noGrp="1"/>
-          </p:cNvSpPr>
-          <p:nvPr>
-            <p:ph type="title"/>
-          </p:nvPr>
-        </p:nvSpPr>
-        <p:spPr/>
-        <p:txBody>
-          <a:bodyPr/>
-          <a:lstStyle/>
-          <a:p>
-            <a:r>
-              <a:rPr lang="en-US" dirty="0"/>
-              <a:t>Open Questions</a:t>
-            </a:r>
-          </a:p>
-        </p:txBody>
-      </p:sp>
-      <p:sp>
-        <p:nvSpPr>
-          <p:cNvPr id="3" name="Content Placeholder 2">
-            <a:extLst>
-              <a:ext uri="{FF2B5EF4-FFF2-40B4-BE49-F238E27FC236}">
-                <a16:creationId xmlns:a16="http://schemas.microsoft.com/office/drawing/2014/main" id="{AA11202B-E91F-4341-9190-1C8F56F9E7FF}"/>
-              </a:ext>
-            </a:extLst>
-          </p:cNvPr>
-          <p:cNvSpPr>
-            <a:spLocks noGrp="1"/>
-          </p:cNvSpPr>
-          <p:nvPr>
-            <p:ph idx="1"/>
-          </p:nvPr>
-        </p:nvSpPr>
-        <p:spPr/>
-        <p:txBody>
-          <a:bodyPr>
-            <a:normAutofit fontScale="77500" lnSpcReduction="20000"/>
-          </a:bodyPr>
-          <a:lstStyle/>
-          <a:p>
-            <a:r>
-              <a:rPr lang="en-US" dirty="0"/>
-              <a:t>What is the recommended TBD3-time?</a:t>
-            </a:r>
-          </a:p>
-          <a:p>
-            <a:endParaRPr lang="en-US" dirty="0"/>
-          </a:p>
-          <a:p>
-            <a:r>
-              <a:rPr lang="en-US" dirty="0"/>
-              <a:t>What if there is a failure, or should we assume no failure </a:t>
-            </a:r>
-          </a:p>
-          <a:p>
-            <a:pPr lvl="1"/>
-            <a:r>
-              <a:rPr lang="en-US" dirty="0"/>
-              <a:t>Connection re-try without ICA suppression</a:t>
-            </a:r>
-          </a:p>
-          <a:p>
-            <a:pPr lvl="1"/>
-            <a:r>
-              <a:rPr lang="en-US" dirty="0"/>
-              <a:t>Connection re-establishment impact on security</a:t>
-            </a:r>
-          </a:p>
-          <a:p>
-            <a:pPr lvl="2"/>
-            <a:r>
-              <a:rPr lang="en-US" dirty="0"/>
-              <a:t>Could the fallback logic allows for downgrade style of attacks?</a:t>
-            </a:r>
-          </a:p>
-          <a:p>
-            <a:pPr lvl="2"/>
-            <a:r>
-              <a:rPr lang="en-US" dirty="0"/>
-              <a:t>Active attack analysis. </a:t>
-            </a:r>
-          </a:p>
-          <a:p>
-            <a:endParaRPr lang="en-US" dirty="0"/>
-          </a:p>
-          <a:p>
-            <a:r>
-              <a:rPr lang="en-US" dirty="0"/>
-              <a:t>Who maintains the list of ICAs?</a:t>
-            </a:r>
-          </a:p>
-          <a:p>
-            <a:pPr lvl="1"/>
-            <a:r>
-              <a:rPr lang="en-US" dirty="0"/>
-              <a:t>Client / browser</a:t>
-            </a:r>
-          </a:p>
-          <a:p>
-            <a:pPr lvl="1"/>
-            <a:r>
-              <a:rPr lang="en-US" dirty="0"/>
-              <a:t>CCADB or other public repo</a:t>
-            </a:r>
-          </a:p>
-          <a:p>
-            <a:endParaRPr lang="en-US" dirty="0"/>
-          </a:p>
-          <a:p>
-            <a:r>
-              <a:rPr lang="en-US" dirty="0" err="1"/>
-              <a:t>WebPKI</a:t>
-            </a:r>
-            <a:r>
-              <a:rPr lang="en-US" dirty="0"/>
-              <a:t>: MSRP 2.8 may require constrained intermediates, so we may not need to send Constrained ICAs.</a:t>
-            </a:r>
-          </a:p>
-          <a:p>
-            <a:endParaRPr lang="en-US" dirty="0"/>
-          </a:p>
-        </p:txBody>
-      </p:sp>
-    </p:spTree>
-    <p:extLst>
-      <p:ext uri="{BB962C8B-B14F-4D97-AF65-F5344CB8AC3E}">
-        <p14:creationId xmlns:p14="http://schemas.microsoft.com/office/powerpoint/2010/main" val="1132099351"/>
-      </p:ext>
-    </p:extLst>
-  </p:cSld>
-  <p:clrMapOvr>
-    <a:masterClrMapping/>
-  </p:clrMapOvr>
-</p:sld>
-</file>
-
-<file path=ppt/slides/slide11.xml><?xml version="1.0" encoding="utf-8"?>
-<p:sld xmlns:a="http://schemas.openxmlformats.org/drawingml/2006/main" xmlns:r="http://schemas.openxmlformats.org/officeDocument/2006/relationships" xmlns:p="http://schemas.openxmlformats.org/presentationml/2006/main">
-  <p:cSld>
-    <p:spTree>
-      <p:nvGrpSpPr>
-        <p:cNvPr id="1" name=""/>
-        <p:cNvGrpSpPr/>
-        <p:nvPr/>
-      </p:nvGrpSpPr>
-      <p:grpSpPr>
-        <a:xfrm>
-          <a:off x="0" y="0"/>
-          <a:ext cx="0" cy="0"/>
-          <a:chOff x="0" y="0"/>
-          <a:chExt cx="0" cy="0"/>
-        </a:xfrm>
-      </p:grpSpPr>
-      <p:sp>
-        <p:nvSpPr>
-          <p:cNvPr id="2" name="Title 1">
-            <a:extLst>
-              <a:ext uri="{FF2B5EF4-FFF2-40B4-BE49-F238E27FC236}">
-                <a16:creationId xmlns:a16="http://schemas.microsoft.com/office/drawing/2014/main" id="{0AB8F6DC-D24A-4324-8502-CF9D2C9331A7}"/>
-              </a:ext>
-            </a:extLst>
-          </p:cNvPr>
-          <p:cNvSpPr>
-            <a:spLocks noGrp="1"/>
-          </p:cNvSpPr>
-          <p:nvPr>
-            <p:ph type="title"/>
-          </p:nvPr>
-        </p:nvSpPr>
-        <p:spPr/>
-        <p:txBody>
-          <a:bodyPr/>
-          <a:lstStyle/>
-          <a:p>
-            <a:r>
-              <a:rPr lang="en-US" dirty="0"/>
-              <a:t>Closing Comments &amp; Asks</a:t>
-            </a:r>
-          </a:p>
-        </p:txBody>
-      </p:sp>
-      <p:sp>
-        <p:nvSpPr>
-          <p:cNvPr id="3" name="Content Placeholder 2">
-            <a:extLst>
-              <a:ext uri="{FF2B5EF4-FFF2-40B4-BE49-F238E27FC236}">
-                <a16:creationId xmlns:a16="http://schemas.microsoft.com/office/drawing/2014/main" id="{A8833F2B-A9D1-4AB6-98FA-92D48D41AFA0}"/>
-              </a:ext>
-            </a:extLst>
-          </p:cNvPr>
-          <p:cNvSpPr>
-            <a:spLocks noGrp="1"/>
-          </p:cNvSpPr>
-          <p:nvPr>
-            <p:ph idx="1"/>
-          </p:nvPr>
-        </p:nvSpPr>
-        <p:spPr/>
-        <p:txBody>
-          <a:bodyPr>
-            <a:normAutofit/>
-          </a:bodyPr>
-          <a:lstStyle/>
-          <a:p>
-            <a:r>
-              <a:rPr lang="en-US" dirty="0"/>
-              <a:t>Challenges for </a:t>
-            </a:r>
-            <a:r>
-              <a:rPr lang="en-US" dirty="0" err="1"/>
-              <a:t>WebPKI</a:t>
-            </a:r>
-            <a:endParaRPr lang="en-US" dirty="0"/>
-          </a:p>
-          <a:p>
-            <a:pPr lvl="1"/>
-            <a:r>
-              <a:rPr lang="en-US" dirty="0"/>
-              <a:t>We believe addressing them is possible. </a:t>
-            </a:r>
-          </a:p>
-          <a:p>
-            <a:pPr lvl="1"/>
-            <a:r>
-              <a:rPr lang="en-US"/>
-              <a:t>But also, </a:t>
-            </a:r>
-            <a:r>
-              <a:rPr lang="en-US" dirty="0"/>
-              <a:t>let’s not forget, TLS is not just for the Web.</a:t>
-            </a:r>
-          </a:p>
-          <a:p>
-            <a:pPr lvl="1"/>
-            <a:endParaRPr lang="en-US" dirty="0"/>
-          </a:p>
-          <a:p>
-            <a:r>
-              <a:rPr lang="en-US" dirty="0"/>
-              <a:t>Feedback on the draft in TLS WG or git repo </a:t>
-            </a:r>
-          </a:p>
-          <a:p>
-            <a:pPr marL="0" indent="0">
-              <a:buNone/>
-            </a:pPr>
-            <a:r>
-              <a:rPr lang="en-US" dirty="0"/>
-              <a:t>   </a:t>
-            </a:r>
-            <a:r>
-              <a:rPr lang="en-US" dirty="0">
-                <a:hlinkClick r:id="rId2"/>
-              </a:rPr>
-              <a:t>https://github.com/csosto-pk/tls-suppress-intermediates</a:t>
-            </a:r>
-            <a:r>
-              <a:rPr lang="en-US" dirty="0"/>
-              <a:t> </a:t>
-            </a:r>
-          </a:p>
-          <a:p>
-            <a:endParaRPr lang="en-US" dirty="0"/>
-          </a:p>
-          <a:p>
-            <a:r>
-              <a:rPr lang="en-US" dirty="0"/>
-              <a:t>Consider it for WG adoption after NIST announces its Round 3 picks. </a:t>
-            </a:r>
-          </a:p>
-        </p:txBody>
-      </p:sp>
-    </p:spTree>
-    <p:extLst>
-      <p:ext uri="{BB962C8B-B14F-4D97-AF65-F5344CB8AC3E}">
-        <p14:creationId xmlns:p14="http://schemas.microsoft.com/office/powerpoint/2010/main" val="1942971042"/>
       </p:ext>
     </p:extLst>
   </p:cSld>
@@ -4372,14 +4259,14 @@
             <a:pPr lvl="2"/>
             <a:r>
               <a:rPr lang="en-US" dirty="0"/>
-              <a:t>can lead to 10+ KB auth data size increases in TLS which causes performance issues.</a:t>
+              <a:t>can lead to 10+ KB auth data size increases </a:t>
             </a:r>
           </a:p>
           <a:p>
             <a:pPr lvl="2"/>
             <a:r>
               <a:rPr lang="en-US" dirty="0"/>
-              <a:t>will introduce at least one rout-trip in QUIC due to amplification protection </a:t>
+              <a:t>will introduce at least one round-trip in QUIC</a:t>
             </a:r>
           </a:p>
           <a:p>
@@ -6445,1926 +6332,6 @@
 </file>
 
 <file path=ppt/slides/slide5.xml><?xml version="1.0" encoding="utf-8"?>
-<p:sld xmlns:a="http://schemas.openxmlformats.org/drawingml/2006/main" xmlns:r="http://schemas.openxmlformats.org/officeDocument/2006/relationships" xmlns:p="http://schemas.openxmlformats.org/presentationml/2006/main" show="0">
-  <p:cSld>
-    <p:spTree>
-      <p:nvGrpSpPr>
-        <p:cNvPr id="1" name=""/>
-        <p:cNvGrpSpPr/>
-        <p:nvPr/>
-      </p:nvGrpSpPr>
-      <p:grpSpPr>
-        <a:xfrm>
-          <a:off x="0" y="0"/>
-          <a:ext cx="0" cy="0"/>
-          <a:chOff x="0" y="0"/>
-          <a:chExt cx="0" cy="0"/>
-        </a:xfrm>
-      </p:grpSpPr>
-      <p:sp>
-        <p:nvSpPr>
-          <p:cNvPr id="2" name="Title 1">
-            <a:extLst>
-              <a:ext uri="{FF2B5EF4-FFF2-40B4-BE49-F238E27FC236}">
-                <a16:creationId xmlns:a16="http://schemas.microsoft.com/office/drawing/2014/main" id="{ADB0EB22-C688-404D-8072-55C2D28E22B5}"/>
-              </a:ext>
-            </a:extLst>
-          </p:cNvPr>
-          <p:cNvSpPr>
-            <a:spLocks noGrp="1"/>
-          </p:cNvSpPr>
-          <p:nvPr>
-            <p:ph type="title"/>
-          </p:nvPr>
-        </p:nvSpPr>
-        <p:spPr>
-          <a:xfrm>
-            <a:off x="838200" y="365125"/>
-            <a:ext cx="10515600" cy="929803"/>
-          </a:xfrm>
-        </p:spPr>
-        <p:txBody>
-          <a:bodyPr>
-            <a:noAutofit/>
-          </a:bodyPr>
-          <a:lstStyle/>
-          <a:p>
-            <a:r>
-              <a:rPr lang="en-US" sz="2800" dirty="0"/>
-              <a:t>QUIC Amplification Protection with PQ (HTTP/3, with SCTs, no OCSP)</a:t>
-            </a:r>
-          </a:p>
-        </p:txBody>
-      </p:sp>
-      <p:sp>
-        <p:nvSpPr>
-          <p:cNvPr id="3" name="Content Placeholder 2">
-            <a:extLst>
-              <a:ext uri="{FF2B5EF4-FFF2-40B4-BE49-F238E27FC236}">
-                <a16:creationId xmlns:a16="http://schemas.microsoft.com/office/drawing/2014/main" id="{AEE51EF3-976A-4319-AB5A-8B2E935DABAF}"/>
-              </a:ext>
-            </a:extLst>
-          </p:cNvPr>
-          <p:cNvSpPr>
-            <a:spLocks noGrp="1"/>
-          </p:cNvSpPr>
-          <p:nvPr>
-            <p:ph idx="1"/>
-          </p:nvPr>
-        </p:nvSpPr>
-        <p:spPr/>
-        <p:txBody>
-          <a:bodyPr/>
-          <a:lstStyle/>
-          <a:p>
-            <a:endParaRPr lang="en-US"/>
-          </a:p>
-        </p:txBody>
-      </p:sp>
-      <p:graphicFrame>
-        <p:nvGraphicFramePr>
-          <p:cNvPr id="4" name="Content Placeholder 3">
-            <a:extLst>
-              <a:ext uri="{FF2B5EF4-FFF2-40B4-BE49-F238E27FC236}">
-                <a16:creationId xmlns:a16="http://schemas.microsoft.com/office/drawing/2014/main" id="{4418EE55-54B2-42D8-8835-D8CDC5D81292}"/>
-              </a:ext>
-            </a:extLst>
-          </p:cNvPr>
-          <p:cNvGraphicFramePr>
-            <a:graphicFrameLocks/>
-          </p:cNvGraphicFramePr>
-          <p:nvPr>
-            <p:extLst>
-              <p:ext uri="{D42A27DB-BD31-4B8C-83A1-F6EECF244321}">
-                <p14:modId xmlns:p14="http://schemas.microsoft.com/office/powerpoint/2010/main" val="3153701134"/>
-              </p:ext>
-            </p:extLst>
-          </p:nvPr>
-        </p:nvGraphicFramePr>
-        <p:xfrm>
-          <a:off x="317628" y="1401727"/>
-          <a:ext cx="11258552" cy="5316561"/>
-        </p:xfrm>
-        <a:graphic>
-          <a:graphicData uri="http://schemas.openxmlformats.org/drawingml/2006/table">
-            <a:tbl>
-              <a:tblPr firstRow="1" bandRow="1">
-                <a:tableStyleId>{5C22544A-7EE6-4342-B048-85BDC9FD1C3A}</a:tableStyleId>
-              </a:tblPr>
-              <a:tblGrid>
-                <a:gridCol w="1245288">
-                  <a:extLst>
-                    <a:ext uri="{9D8B030D-6E8A-4147-A177-3AD203B41FA5}">
-                      <a16:colId xmlns:a16="http://schemas.microsoft.com/office/drawing/2014/main" val="4261449279"/>
-                    </a:ext>
-                  </a:extLst>
-                </a:gridCol>
-                <a:gridCol w="1427093">
-                  <a:extLst>
-                    <a:ext uri="{9D8B030D-6E8A-4147-A177-3AD203B41FA5}">
-                      <a16:colId xmlns:a16="http://schemas.microsoft.com/office/drawing/2014/main" val="2888471886"/>
-                    </a:ext>
-                  </a:extLst>
-                </a:gridCol>
-                <a:gridCol w="1289189">
-                  <a:extLst>
-                    <a:ext uri="{9D8B030D-6E8A-4147-A177-3AD203B41FA5}">
-                      <a16:colId xmlns:a16="http://schemas.microsoft.com/office/drawing/2014/main" val="1669244666"/>
-                    </a:ext>
-                  </a:extLst>
-                </a:gridCol>
-                <a:gridCol w="1503159">
-                  <a:extLst>
-                    <a:ext uri="{9D8B030D-6E8A-4147-A177-3AD203B41FA5}">
-                      <a16:colId xmlns:a16="http://schemas.microsoft.com/office/drawing/2014/main" val="1678932570"/>
-                    </a:ext>
-                  </a:extLst>
-                </a:gridCol>
-                <a:gridCol w="1336142">
-                  <a:extLst>
-                    <a:ext uri="{9D8B030D-6E8A-4147-A177-3AD203B41FA5}">
-                      <a16:colId xmlns:a16="http://schemas.microsoft.com/office/drawing/2014/main" val="1433315777"/>
-                    </a:ext>
-                  </a:extLst>
-                </a:gridCol>
-                <a:gridCol w="1503159">
-                  <a:extLst>
-                    <a:ext uri="{9D8B030D-6E8A-4147-A177-3AD203B41FA5}">
-                      <a16:colId xmlns:a16="http://schemas.microsoft.com/office/drawing/2014/main" val="1853010732"/>
-                    </a:ext>
-                  </a:extLst>
-                </a:gridCol>
-                <a:gridCol w="2954522">
-                  <a:extLst>
-                    <a:ext uri="{9D8B030D-6E8A-4147-A177-3AD203B41FA5}">
-                      <a16:colId xmlns:a16="http://schemas.microsoft.com/office/drawing/2014/main" val="4217571057"/>
-                    </a:ext>
-                  </a:extLst>
-                </a:gridCol>
-              </a:tblGrid>
-              <a:tr h="442157">
-                <a:tc gridSpan="2">
-                  <a:txBody>
-                    <a:bodyPr/>
-                    <a:lstStyle/>
-                    <a:p>
-                      <a:pPr algn="ctr"/>
-                      <a:r>
-                        <a:rPr lang="en-US" sz="2000" dirty="0"/>
-                        <a:t>1 ICA</a:t>
-                      </a:r>
-                    </a:p>
-                  </a:txBody>
-                  <a:tcPr anchor="ctr"/>
-                </a:tc>
-                <a:tc hMerge="1">
-                  <a:txBody>
-                    <a:bodyPr/>
-                    <a:lstStyle/>
-                    <a:p>
-                      <a:endParaRPr lang="en-US"/>
-                    </a:p>
-                  </a:txBody>
-                  <a:tcPr/>
-                </a:tc>
-                <a:tc gridSpan="2">
-                  <a:txBody>
-                    <a:bodyPr/>
-                    <a:lstStyle/>
-                    <a:p>
-                      <a:pPr algn="ctr"/>
-                      <a:r>
-                        <a:rPr lang="en-US" sz="2000" dirty="0"/>
-                        <a:t>2 ICAs</a:t>
-                      </a:r>
-                    </a:p>
-                  </a:txBody>
-                  <a:tcPr anchor="ctr"/>
-                </a:tc>
-                <a:tc hMerge="1">
-                  <a:txBody>
-                    <a:bodyPr/>
-                    <a:lstStyle/>
-                    <a:p>
-                      <a:endParaRPr lang="en-US"/>
-                    </a:p>
-                  </a:txBody>
-                  <a:tcPr/>
-                </a:tc>
-                <a:tc gridSpan="2">
-                  <a:txBody>
-                    <a:bodyPr/>
-                    <a:lstStyle/>
-                    <a:p>
-                      <a:pPr algn="ctr"/>
-                      <a:r>
-                        <a:rPr lang="en-US" sz="2000" dirty="0"/>
-                        <a:t>3 ICAs</a:t>
-                      </a:r>
-                    </a:p>
-                  </a:txBody>
-                  <a:tcPr anchor="ctr"/>
-                </a:tc>
-                <a:tc hMerge="1">
-                  <a:txBody>
-                    <a:bodyPr/>
-                    <a:lstStyle/>
-                    <a:p>
-                      <a:endParaRPr lang="en-US"/>
-                    </a:p>
-                  </a:txBody>
-                  <a:tcPr/>
-                </a:tc>
-                <a:tc rowSpan="2">
-                  <a:txBody>
-                    <a:bodyPr/>
-                    <a:lstStyle/>
-                    <a:p>
-                      <a:pPr algn="ctr"/>
-                      <a:r>
-                        <a:rPr lang="en-US" sz="2000" dirty="0"/>
-                        <a:t>NIST PQ Algorithms</a:t>
-                      </a:r>
-                    </a:p>
-                  </a:txBody>
-                  <a:tcPr anchor="ctr"/>
-                </a:tc>
-                <a:extLst>
-                  <a:ext uri="{0D108BD9-81ED-4DB2-BD59-A6C34878D82A}">
-                    <a16:rowId xmlns:a16="http://schemas.microsoft.com/office/drawing/2014/main" val="3832094615"/>
-                  </a:ext>
-                </a:extLst>
-              </a:tr>
-              <a:tr h="816290">
-                <a:tc>
-                  <a:txBody>
-                    <a:bodyPr/>
-                    <a:lstStyle/>
-                    <a:p>
-                      <a:pPr algn="ctr"/>
-                      <a:r>
-                        <a:rPr lang="en-US" sz="1400" b="1" dirty="0">
-                          <a:solidFill>
-                            <a:schemeClr val="bg1"/>
-                          </a:solidFill>
-                        </a:rPr>
-                        <a:t>Initial Client Data (B)</a:t>
-                      </a:r>
-                    </a:p>
-                  </a:txBody>
-                  <a:tcPr anchor="ctr">
-                    <a:solidFill>
-                      <a:schemeClr val="accent1"/>
-                    </a:solidFill>
-                  </a:tcPr>
-                </a:tc>
-                <a:tc>
-                  <a:txBody>
-                    <a:bodyPr/>
-                    <a:lstStyle/>
-                    <a:p>
-                      <a:pPr algn="ctr"/>
-                      <a:r>
-                        <a:rPr lang="en-US" sz="1400" b="1" dirty="0">
-                          <a:solidFill>
-                            <a:schemeClr val="bg1"/>
-                          </a:solidFill>
-                        </a:rPr>
-                        <a:t>Server Response Data (KB)</a:t>
-                      </a:r>
-                    </a:p>
-                  </a:txBody>
-                  <a:tcPr anchor="ctr">
-                    <a:solidFill>
-                      <a:schemeClr val="accent1"/>
-                    </a:solidFill>
-                  </a:tcPr>
-                </a:tc>
-                <a:tc>
-                  <a:txBody>
-                    <a:bodyPr/>
-                    <a:lstStyle/>
-                    <a:p>
-                      <a:pPr algn="ctr"/>
-                      <a:r>
-                        <a:rPr lang="en-US" sz="1400" b="1" dirty="0">
-                          <a:solidFill>
-                            <a:schemeClr val="bg1"/>
-                          </a:solidFill>
-                        </a:rPr>
-                        <a:t>Initial Client Data (B)</a:t>
-                      </a:r>
-                    </a:p>
-                  </a:txBody>
-                  <a:tcPr anchor="ctr">
-                    <a:solidFill>
-                      <a:schemeClr val="accent1"/>
-                    </a:solidFill>
-                  </a:tcPr>
-                </a:tc>
-                <a:tc>
-                  <a:txBody>
-                    <a:bodyPr/>
-                    <a:lstStyle/>
-                    <a:p>
-                      <a:pPr algn="ctr"/>
-                      <a:r>
-                        <a:rPr lang="en-US" sz="1400" b="1" dirty="0">
-                          <a:solidFill>
-                            <a:schemeClr val="bg1"/>
-                          </a:solidFill>
-                        </a:rPr>
-                        <a:t>Server Response Data (KB)</a:t>
-                      </a:r>
-                    </a:p>
-                  </a:txBody>
-                  <a:tcPr anchor="ctr">
-                    <a:solidFill>
-                      <a:schemeClr val="accent1"/>
-                    </a:solidFill>
-                  </a:tcPr>
-                </a:tc>
-                <a:tc>
-                  <a:txBody>
-                    <a:bodyPr/>
-                    <a:lstStyle/>
-                    <a:p>
-                      <a:pPr algn="ctr"/>
-                      <a:r>
-                        <a:rPr lang="en-US" sz="1400" b="1" dirty="0">
-                          <a:solidFill>
-                            <a:schemeClr val="bg1"/>
-                          </a:solidFill>
-                        </a:rPr>
-                        <a:t>Initial Client Data (B)</a:t>
-                      </a:r>
-                    </a:p>
-                  </a:txBody>
-                  <a:tcPr anchor="ctr">
-                    <a:solidFill>
-                      <a:schemeClr val="accent1"/>
-                    </a:solidFill>
-                  </a:tcPr>
-                </a:tc>
-                <a:tc>
-                  <a:txBody>
-                    <a:bodyPr/>
-                    <a:lstStyle/>
-                    <a:p>
-                      <a:pPr algn="ctr"/>
-                      <a:r>
-                        <a:rPr lang="en-US" sz="1400" b="1" dirty="0">
-                          <a:solidFill>
-                            <a:schemeClr val="bg1"/>
-                          </a:solidFill>
-                        </a:rPr>
-                        <a:t>Server Response Data (KB)</a:t>
-                      </a:r>
-                    </a:p>
-                  </a:txBody>
-                  <a:tcPr anchor="ctr">
-                    <a:solidFill>
-                      <a:schemeClr val="accent1"/>
-                    </a:solidFill>
-                  </a:tcPr>
-                </a:tc>
-                <a:tc vMerge="1">
-                  <a:txBody>
-                    <a:bodyPr/>
-                    <a:lstStyle/>
-                    <a:p>
-                      <a:pPr algn="ctr"/>
-                      <a:endParaRPr lang="en-US" sz="1400" b="1" dirty="0">
-                        <a:solidFill>
-                          <a:schemeClr val="tx1"/>
-                        </a:solidFill>
-                      </a:endParaRPr>
-                    </a:p>
-                  </a:txBody>
-                  <a:tcPr>
-                    <a:solidFill>
-                      <a:schemeClr val="accent1"/>
-                    </a:solidFill>
-                  </a:tcPr>
-                </a:tc>
-                <a:extLst>
-                  <a:ext uri="{0D108BD9-81ED-4DB2-BD59-A6C34878D82A}">
-                    <a16:rowId xmlns:a16="http://schemas.microsoft.com/office/drawing/2014/main" val="2969612624"/>
-                  </a:ext>
-                </a:extLst>
-              </a:tr>
-              <a:tr h="484672">
-                <a:tc>
-                  <a:txBody>
-                    <a:bodyPr/>
-                    <a:lstStyle/>
-                    <a:p>
-                      <a:pPr algn="r" fontAlgn="b"/>
-                      <a:r>
-                        <a:rPr lang="en-US" sz="1800" b="0" i="0" u="none" strike="noStrike" dirty="0">
-                          <a:solidFill>
-                            <a:srgbClr val="000000"/>
-                          </a:solidFill>
-                          <a:effectLst/>
-                          <a:latin typeface="+mn-lt"/>
-                        </a:rPr>
-                        <a:t>1050</a:t>
-                      </a:r>
-                    </a:p>
-                  </a:txBody>
-                  <a:tcPr marL="7620" marR="7620" marT="7620" marB="0" anchor="b"/>
-                </a:tc>
-                <a:tc>
-                  <a:txBody>
-                    <a:bodyPr/>
-                    <a:lstStyle/>
-                    <a:p>
-                      <a:pPr algn="r" rtl="0" fontAlgn="b"/>
-                      <a:r>
-                        <a:rPr lang="en-US" sz="1800" b="0" i="0" u="none" strike="noStrike" dirty="0">
-                          <a:solidFill>
-                            <a:srgbClr val="000000"/>
-                          </a:solidFill>
-                          <a:effectLst/>
-                          <a:latin typeface="Calibri" panose="020F0502020204030204" pitchFamily="34" charset="0"/>
-                        </a:rPr>
-                        <a:t>13.32</a:t>
-                      </a:r>
-                    </a:p>
-                  </a:txBody>
-                  <a:tcPr marL="0" marR="0" marT="0" marB="0" anchor="b"/>
-                </a:tc>
-                <a:tc>
-                  <a:txBody>
-                    <a:bodyPr/>
-                    <a:lstStyle/>
-                    <a:p>
-                      <a:pPr algn="r" fontAlgn="b"/>
-                      <a:r>
-                        <a:rPr lang="en-US" sz="1800" b="0" i="0" u="none" strike="noStrike" dirty="0">
-                          <a:solidFill>
-                            <a:srgbClr val="000000"/>
-                          </a:solidFill>
-                          <a:effectLst/>
-                          <a:latin typeface="+mn-lt"/>
-                        </a:rPr>
-                        <a:t>1050</a:t>
-                      </a:r>
-                    </a:p>
-                  </a:txBody>
-                  <a:tcPr marL="7620" marR="7620" marT="7620" marB="0" anchor="b"/>
-                </a:tc>
-                <a:tc>
-                  <a:txBody>
-                    <a:bodyPr/>
-                    <a:lstStyle/>
-                    <a:p>
-                      <a:pPr algn="r" rtl="0" fontAlgn="b"/>
-                      <a:r>
-                        <a:rPr lang="en-US" sz="1800" b="0" i="0" u="none" strike="noStrike" dirty="0">
-                          <a:solidFill>
-                            <a:srgbClr val="000000"/>
-                          </a:solidFill>
-                          <a:effectLst/>
-                          <a:latin typeface="Calibri" panose="020F0502020204030204" pitchFamily="34" charset="0"/>
-                        </a:rPr>
-                        <a:t>16.49</a:t>
-                      </a:r>
-                    </a:p>
-                  </a:txBody>
-                  <a:tcPr marL="0" marR="0" marT="0" marB="0" anchor="b"/>
-                </a:tc>
-                <a:tc>
-                  <a:txBody>
-                    <a:bodyPr/>
-                    <a:lstStyle/>
-                    <a:p>
-                      <a:pPr algn="r" fontAlgn="b"/>
-                      <a:r>
-                        <a:rPr lang="en-US" sz="1800" b="0" i="0" u="none" strike="noStrike" dirty="0">
-                          <a:solidFill>
-                            <a:srgbClr val="000000"/>
-                          </a:solidFill>
-                          <a:effectLst/>
-                          <a:latin typeface="+mn-lt"/>
-                        </a:rPr>
-                        <a:t>1050</a:t>
-                      </a:r>
-                    </a:p>
-                  </a:txBody>
-                  <a:tcPr marL="7620" marR="7620" marT="7620" marB="0" anchor="b"/>
-                </a:tc>
-                <a:tc>
-                  <a:txBody>
-                    <a:bodyPr/>
-                    <a:lstStyle/>
-                    <a:p>
-                      <a:pPr algn="r" rtl="0" fontAlgn="b"/>
-                      <a:r>
-                        <a:rPr lang="en-US" sz="1800" b="0" i="0" u="none" strike="noStrike">
-                          <a:solidFill>
-                            <a:srgbClr val="000000"/>
-                          </a:solidFill>
-                          <a:effectLst/>
-                          <a:latin typeface="Calibri" panose="020F0502020204030204" pitchFamily="34" charset="0"/>
-                        </a:rPr>
-                        <a:t>19.66</a:t>
-                      </a:r>
-                    </a:p>
-                  </a:txBody>
-                  <a:tcPr marL="0" marR="0" marT="0" marB="0" anchor="b"/>
-                </a:tc>
-                <a:tc>
-                  <a:txBody>
-                    <a:bodyPr/>
-                    <a:lstStyle/>
-                    <a:p>
-                      <a:pPr algn="r" fontAlgn="b"/>
-                      <a:r>
-                        <a:rPr lang="en-US" sz="1600" b="0" i="0" u="none" strike="noStrike" dirty="0">
-                          <a:solidFill>
-                            <a:srgbClr val="000000"/>
-                          </a:solidFill>
-                          <a:effectLst/>
-                          <a:latin typeface="+mn-lt"/>
-                        </a:rPr>
-                        <a:t>(X25519 + Kyber-512) &amp; </a:t>
-                      </a:r>
-                    </a:p>
-                    <a:p>
-                      <a:pPr algn="r" fontAlgn="b"/>
-                      <a:r>
-                        <a:rPr lang="en-US" sz="1600" b="0" i="0" u="none" strike="noStrike" dirty="0">
-                          <a:solidFill>
-                            <a:srgbClr val="000000"/>
-                          </a:solidFill>
-                          <a:effectLst/>
-                          <a:latin typeface="+mn-lt"/>
-                        </a:rPr>
-                        <a:t>Dilithium-2</a:t>
-                      </a:r>
-                    </a:p>
-                  </a:txBody>
-                  <a:tcPr marL="7620" marR="7620" marT="7620" marB="0" anchor="b"/>
-                </a:tc>
-                <a:extLst>
-                  <a:ext uri="{0D108BD9-81ED-4DB2-BD59-A6C34878D82A}">
-                    <a16:rowId xmlns:a16="http://schemas.microsoft.com/office/drawing/2014/main" val="687941987"/>
-                  </a:ext>
-                </a:extLst>
-              </a:tr>
-              <a:tr h="484672">
-                <a:tc>
-                  <a:txBody>
-                    <a:bodyPr/>
-                    <a:lstStyle/>
-                    <a:p>
-                      <a:pPr algn="r" fontAlgn="b"/>
-                      <a:r>
-                        <a:rPr lang="en-US" sz="1800" b="0" i="0" u="none" strike="noStrike" dirty="0">
-                          <a:solidFill>
-                            <a:srgbClr val="000000"/>
-                          </a:solidFill>
-                          <a:effectLst/>
-                          <a:latin typeface="+mn-lt"/>
-                        </a:rPr>
-                        <a:t>1050</a:t>
-                      </a:r>
-                    </a:p>
-                  </a:txBody>
-                  <a:tcPr marL="7620" marR="7620" marT="7620" marB="0" anchor="b"/>
-                </a:tc>
-                <a:tc>
-                  <a:txBody>
-                    <a:bodyPr/>
-                    <a:lstStyle/>
-                    <a:p>
-                      <a:pPr algn="r" rtl="0" fontAlgn="b"/>
-                      <a:r>
-                        <a:rPr lang="en-US" sz="1800" b="0" i="0" u="none" strike="noStrike" dirty="0">
-                          <a:solidFill>
-                            <a:srgbClr val="000000"/>
-                          </a:solidFill>
-                          <a:effectLst/>
-                          <a:latin typeface="Calibri" panose="020F0502020204030204" pitchFamily="34" charset="0"/>
-                        </a:rPr>
-                        <a:t>5.68</a:t>
-                      </a:r>
-                    </a:p>
-                  </a:txBody>
-                  <a:tcPr marL="0" marR="0" marT="0" marB="0" anchor="b"/>
-                </a:tc>
-                <a:tc>
-                  <a:txBody>
-                    <a:bodyPr/>
-                    <a:lstStyle/>
-                    <a:p>
-                      <a:pPr algn="r" fontAlgn="b"/>
-                      <a:r>
-                        <a:rPr lang="en-US" sz="1800" b="0" i="0" u="none" strike="noStrike" dirty="0">
-                          <a:solidFill>
-                            <a:srgbClr val="000000"/>
-                          </a:solidFill>
-                          <a:effectLst/>
-                          <a:latin typeface="+mn-lt"/>
-                        </a:rPr>
-                        <a:t>1050</a:t>
-                      </a:r>
-                    </a:p>
-                  </a:txBody>
-                  <a:tcPr marL="7620" marR="7620" marT="7620" marB="0" anchor="b"/>
-                </a:tc>
-                <a:tc>
-                  <a:txBody>
-                    <a:bodyPr/>
-                    <a:lstStyle/>
-                    <a:p>
-                      <a:pPr algn="r" rtl="0" fontAlgn="b"/>
-                      <a:r>
-                        <a:rPr lang="en-US" sz="1800" b="0" i="0" u="none" strike="noStrike" dirty="0">
-                          <a:solidFill>
-                            <a:srgbClr val="000000"/>
-                          </a:solidFill>
-                          <a:effectLst/>
-                          <a:latin typeface="Calibri" panose="020F0502020204030204" pitchFamily="34" charset="0"/>
-                        </a:rPr>
-                        <a:t>7.22</a:t>
-                      </a:r>
-                    </a:p>
-                  </a:txBody>
-                  <a:tcPr marL="0" marR="0" marT="0" marB="0" anchor="b"/>
-                </a:tc>
-                <a:tc>
-                  <a:txBody>
-                    <a:bodyPr/>
-                    <a:lstStyle/>
-                    <a:p>
-                      <a:pPr algn="r" fontAlgn="b"/>
-                      <a:r>
-                        <a:rPr lang="en-US" sz="1800" b="0" i="0" u="none" strike="noStrike">
-                          <a:solidFill>
-                            <a:srgbClr val="000000"/>
-                          </a:solidFill>
-                          <a:effectLst/>
-                          <a:latin typeface="+mn-lt"/>
-                        </a:rPr>
-                        <a:t>1050</a:t>
-                      </a:r>
-                    </a:p>
-                  </a:txBody>
-                  <a:tcPr marL="7620" marR="7620" marT="7620" marB="0" anchor="b"/>
-                </a:tc>
-                <a:tc>
-                  <a:txBody>
-                    <a:bodyPr/>
-                    <a:lstStyle/>
-                    <a:p>
-                      <a:pPr algn="r" rtl="0" fontAlgn="b"/>
-                      <a:r>
-                        <a:rPr lang="en-US" sz="1800" b="0" i="0" u="none" strike="noStrike">
-                          <a:solidFill>
-                            <a:srgbClr val="000000"/>
-                          </a:solidFill>
-                          <a:effectLst/>
-                          <a:latin typeface="Calibri" panose="020F0502020204030204" pitchFamily="34" charset="0"/>
-                        </a:rPr>
-                        <a:t>8.77</a:t>
-                      </a:r>
-                    </a:p>
-                  </a:txBody>
-                  <a:tcPr marL="0" marR="0" marT="0" marB="0" anchor="b"/>
-                </a:tc>
-                <a:tc>
-                  <a:txBody>
-                    <a:bodyPr/>
-                    <a:lstStyle/>
-                    <a:p>
-                      <a:pPr algn="r" fontAlgn="b"/>
-                      <a:r>
-                        <a:rPr lang="en-US" sz="1600" b="0" i="0" u="none" strike="noStrike" dirty="0">
-                          <a:solidFill>
-                            <a:srgbClr val="000000"/>
-                          </a:solidFill>
-                          <a:effectLst/>
-                          <a:latin typeface="+mn-lt"/>
-                        </a:rPr>
-                        <a:t>(X25519 + Kyber-512) &amp; </a:t>
-                      </a:r>
-                    </a:p>
-                    <a:p>
-                      <a:pPr algn="r" fontAlgn="b"/>
-                      <a:r>
-                        <a:rPr lang="en-US" sz="1600" b="0" i="0" u="none" strike="noStrike" dirty="0">
-                          <a:solidFill>
-                            <a:srgbClr val="000000"/>
-                          </a:solidFill>
-                          <a:effectLst/>
-                          <a:latin typeface="+mn-lt"/>
-                        </a:rPr>
-                        <a:t>Falcon-512</a:t>
-                      </a:r>
-                    </a:p>
-                  </a:txBody>
-                  <a:tcPr marL="7620" marR="7620" marT="7620" marB="0" anchor="b"/>
-                </a:tc>
-                <a:extLst>
-                  <a:ext uri="{0D108BD9-81ED-4DB2-BD59-A6C34878D82A}">
-                    <a16:rowId xmlns:a16="http://schemas.microsoft.com/office/drawing/2014/main" val="3616615826"/>
-                  </a:ext>
-                </a:extLst>
-              </a:tr>
-              <a:tr h="467666">
-                <a:tc>
-                  <a:txBody>
-                    <a:bodyPr/>
-                    <a:lstStyle/>
-                    <a:p>
-                      <a:pPr algn="r" fontAlgn="b"/>
-                      <a:r>
-                        <a:rPr lang="en-US" sz="1800" b="0" i="0" u="none" strike="noStrike">
-                          <a:solidFill>
-                            <a:srgbClr val="000000"/>
-                          </a:solidFill>
-                          <a:effectLst/>
-                          <a:latin typeface="+mn-lt"/>
-                        </a:rPr>
-                        <a:t>949</a:t>
-                      </a:r>
-                    </a:p>
-                  </a:txBody>
-                  <a:tcPr marL="7620" marR="7620" marT="7620" marB="0" anchor="b"/>
-                </a:tc>
-                <a:tc>
-                  <a:txBody>
-                    <a:bodyPr/>
-                    <a:lstStyle/>
-                    <a:p>
-                      <a:pPr algn="r" rtl="0" fontAlgn="b"/>
-                      <a:r>
-                        <a:rPr lang="en-US" sz="1800" b="0" i="0" u="none" strike="noStrike" dirty="0">
-                          <a:solidFill>
-                            <a:srgbClr val="000000"/>
-                          </a:solidFill>
-                          <a:effectLst/>
-                          <a:latin typeface="Calibri" panose="020F0502020204030204" pitchFamily="34" charset="0"/>
-                        </a:rPr>
-                        <a:t>5.61</a:t>
-                      </a:r>
-                    </a:p>
-                  </a:txBody>
-                  <a:tcPr marL="0" marR="0" marT="0" marB="0" anchor="b"/>
-                </a:tc>
-                <a:tc>
-                  <a:txBody>
-                    <a:bodyPr/>
-                    <a:lstStyle/>
-                    <a:p>
-                      <a:pPr algn="r" fontAlgn="b"/>
-                      <a:r>
-                        <a:rPr lang="en-US" sz="1800" b="0" i="0" u="none" strike="noStrike" dirty="0">
-                          <a:solidFill>
-                            <a:srgbClr val="000000"/>
-                          </a:solidFill>
-                          <a:effectLst/>
-                          <a:latin typeface="+mn-lt"/>
-                        </a:rPr>
-                        <a:t>949</a:t>
-                      </a:r>
-                    </a:p>
-                  </a:txBody>
-                  <a:tcPr marL="7620" marR="7620" marT="7620" marB="0" anchor="b"/>
-                </a:tc>
-                <a:tc>
-                  <a:txBody>
-                    <a:bodyPr/>
-                    <a:lstStyle/>
-                    <a:p>
-                      <a:pPr algn="r" rtl="0" fontAlgn="b"/>
-                      <a:r>
-                        <a:rPr lang="en-US" sz="1800" b="0" i="0" u="none" strike="noStrike" dirty="0">
-                          <a:solidFill>
-                            <a:srgbClr val="000000"/>
-                          </a:solidFill>
-                          <a:effectLst/>
-                          <a:latin typeface="Calibri" panose="020F0502020204030204" pitchFamily="34" charset="0"/>
-                        </a:rPr>
-                        <a:t>7.16</a:t>
-                      </a:r>
-                    </a:p>
-                  </a:txBody>
-                  <a:tcPr marL="0" marR="0" marT="0" marB="0" anchor="b"/>
-                </a:tc>
-                <a:tc>
-                  <a:txBody>
-                    <a:bodyPr/>
-                    <a:lstStyle/>
-                    <a:p>
-                      <a:pPr algn="r" fontAlgn="b"/>
-                      <a:r>
-                        <a:rPr lang="en-US" sz="1800" b="0" i="0" u="none" strike="noStrike" dirty="0">
-                          <a:solidFill>
-                            <a:srgbClr val="000000"/>
-                          </a:solidFill>
-                          <a:effectLst/>
-                          <a:latin typeface="+mn-lt"/>
-                        </a:rPr>
-                        <a:t>949</a:t>
-                      </a:r>
-                    </a:p>
-                  </a:txBody>
-                  <a:tcPr marL="7620" marR="7620" marT="7620" marB="0" anchor="b"/>
-                </a:tc>
-                <a:tc>
-                  <a:txBody>
-                    <a:bodyPr/>
-                    <a:lstStyle/>
-                    <a:p>
-                      <a:pPr algn="r" rtl="0" fontAlgn="b"/>
-                      <a:r>
-                        <a:rPr lang="en-US" sz="1800" b="0" i="0" u="none" strike="noStrike">
-                          <a:solidFill>
-                            <a:srgbClr val="000000"/>
-                          </a:solidFill>
-                          <a:effectLst/>
-                          <a:latin typeface="Calibri" panose="020F0502020204030204" pitchFamily="34" charset="0"/>
-                        </a:rPr>
-                        <a:t>8.70</a:t>
-                      </a:r>
-                    </a:p>
-                  </a:txBody>
-                  <a:tcPr marL="0" marR="0" marT="0" marB="0" anchor="b"/>
-                </a:tc>
-                <a:tc>
-                  <a:txBody>
-                    <a:bodyPr/>
-                    <a:lstStyle/>
-                    <a:p>
-                      <a:pPr algn="r" fontAlgn="b"/>
-                      <a:r>
-                        <a:rPr lang="en-US" sz="1600" b="0" i="0" u="none" strike="noStrike" dirty="0">
-                          <a:solidFill>
-                            <a:srgbClr val="000000"/>
-                          </a:solidFill>
-                          <a:effectLst/>
-                          <a:latin typeface="+mn-lt"/>
-                        </a:rPr>
-                        <a:t>(X25519 + ntruhps2048509) &amp; </a:t>
-                      </a:r>
-                      <a:br>
-                        <a:rPr lang="en-US" sz="1600" b="0" i="0" u="none" strike="noStrike" dirty="0">
-                          <a:solidFill>
-                            <a:srgbClr val="000000"/>
-                          </a:solidFill>
-                          <a:effectLst/>
-                          <a:latin typeface="+mn-lt"/>
-                        </a:rPr>
-                      </a:br>
-                      <a:r>
-                        <a:rPr lang="en-US" sz="1600" b="0" i="0" u="none" strike="noStrike" dirty="0">
-                          <a:solidFill>
-                            <a:srgbClr val="000000"/>
-                          </a:solidFill>
-                          <a:effectLst/>
-                          <a:latin typeface="+mn-lt"/>
-                        </a:rPr>
-                        <a:t>Falcon-512</a:t>
-                      </a:r>
-                    </a:p>
-                  </a:txBody>
-                  <a:tcPr marL="7620" marR="7620" marT="7620" marB="0" anchor="b"/>
-                </a:tc>
-                <a:extLst>
-                  <a:ext uri="{0D108BD9-81ED-4DB2-BD59-A6C34878D82A}">
-                    <a16:rowId xmlns:a16="http://schemas.microsoft.com/office/drawing/2014/main" val="2372735652"/>
-                  </a:ext>
-                </a:extLst>
-              </a:tr>
-              <a:tr h="484672">
-                <a:tc>
-                  <a:txBody>
-                    <a:bodyPr/>
-                    <a:lstStyle/>
-                    <a:p>
-                      <a:pPr algn="r" fontAlgn="b"/>
-                      <a:r>
-                        <a:rPr lang="en-US" sz="1800" b="0" i="0" u="none" strike="noStrike" dirty="0">
-                          <a:solidFill>
-                            <a:srgbClr val="000000"/>
-                          </a:solidFill>
-                          <a:effectLst/>
-                          <a:latin typeface="+mn-lt"/>
-                        </a:rPr>
-                        <a:t>922</a:t>
-                      </a:r>
-                    </a:p>
-                  </a:txBody>
-                  <a:tcPr marL="7620" marR="7620" marT="7620" marB="0" anchor="b"/>
-                </a:tc>
-                <a:tc>
-                  <a:txBody>
-                    <a:bodyPr/>
-                    <a:lstStyle/>
-                    <a:p>
-                      <a:pPr algn="r" rtl="0" fontAlgn="b"/>
-                      <a:r>
-                        <a:rPr lang="en-US" sz="1800" b="0" i="0" u="none" strike="noStrike" dirty="0">
-                          <a:solidFill>
-                            <a:srgbClr val="000000"/>
-                          </a:solidFill>
-                          <a:effectLst/>
-                          <a:latin typeface="Calibri" panose="020F0502020204030204" pitchFamily="34" charset="0"/>
-                        </a:rPr>
-                        <a:t>5.65</a:t>
-                      </a:r>
-                    </a:p>
-                  </a:txBody>
-                  <a:tcPr marL="0" marR="0" marT="0" marB="0" anchor="b"/>
-                </a:tc>
-                <a:tc>
-                  <a:txBody>
-                    <a:bodyPr/>
-                    <a:lstStyle/>
-                    <a:p>
-                      <a:pPr algn="r" fontAlgn="b"/>
-                      <a:r>
-                        <a:rPr lang="en-US" sz="1800" b="0" i="0" u="none" strike="noStrike" dirty="0">
-                          <a:solidFill>
-                            <a:srgbClr val="000000"/>
-                          </a:solidFill>
-                          <a:effectLst/>
-                          <a:latin typeface="+mn-lt"/>
-                        </a:rPr>
-                        <a:t>922</a:t>
-                      </a:r>
-                    </a:p>
-                  </a:txBody>
-                  <a:tcPr marL="7620" marR="7620" marT="7620" marB="0" anchor="b"/>
-                </a:tc>
-                <a:tc>
-                  <a:txBody>
-                    <a:bodyPr/>
-                    <a:lstStyle/>
-                    <a:p>
-                      <a:pPr algn="r" rtl="0" fontAlgn="b"/>
-                      <a:r>
-                        <a:rPr lang="en-US" sz="1800" b="0" i="0" u="none" strike="noStrike" dirty="0">
-                          <a:solidFill>
-                            <a:srgbClr val="000000"/>
-                          </a:solidFill>
-                          <a:effectLst/>
-                          <a:latin typeface="Calibri" panose="020F0502020204030204" pitchFamily="34" charset="0"/>
-                        </a:rPr>
-                        <a:t>7.19</a:t>
-                      </a:r>
-                    </a:p>
-                  </a:txBody>
-                  <a:tcPr marL="0" marR="0" marT="0" marB="0" anchor="b"/>
-                </a:tc>
-                <a:tc>
-                  <a:txBody>
-                    <a:bodyPr/>
-                    <a:lstStyle/>
-                    <a:p>
-                      <a:pPr algn="r" fontAlgn="b"/>
-                      <a:r>
-                        <a:rPr lang="en-US" sz="1800" b="0" i="0" u="none" strike="noStrike" dirty="0">
-                          <a:solidFill>
-                            <a:srgbClr val="000000"/>
-                          </a:solidFill>
-                          <a:effectLst/>
-                          <a:latin typeface="+mn-lt"/>
-                        </a:rPr>
-                        <a:t>922</a:t>
-                      </a:r>
-                    </a:p>
-                  </a:txBody>
-                  <a:tcPr marL="7620" marR="7620" marT="7620" marB="0" anchor="b"/>
-                </a:tc>
-                <a:tc>
-                  <a:txBody>
-                    <a:bodyPr/>
-                    <a:lstStyle/>
-                    <a:p>
-                      <a:pPr algn="r" rtl="0" fontAlgn="b"/>
-                      <a:r>
-                        <a:rPr lang="en-US" sz="1800" b="0" i="0" u="none" strike="noStrike" dirty="0">
-                          <a:solidFill>
-                            <a:srgbClr val="000000"/>
-                          </a:solidFill>
-                          <a:effectLst/>
-                          <a:latin typeface="Calibri" panose="020F0502020204030204" pitchFamily="34" charset="0"/>
-                        </a:rPr>
-                        <a:t>8.74</a:t>
-                      </a:r>
-                    </a:p>
-                  </a:txBody>
-                  <a:tcPr marL="0" marR="0" marT="0" marB="0" anchor="b"/>
-                </a:tc>
-                <a:tc>
-                  <a:txBody>
-                    <a:bodyPr/>
-                    <a:lstStyle/>
-                    <a:p>
-                      <a:pPr algn="r" fontAlgn="b"/>
-                      <a:r>
-                        <a:rPr lang="en-US" sz="1600" b="0" i="0" u="none" strike="noStrike" dirty="0">
-                          <a:solidFill>
-                            <a:srgbClr val="000000"/>
-                          </a:solidFill>
-                          <a:effectLst/>
-                          <a:latin typeface="+mn-lt"/>
-                        </a:rPr>
-                        <a:t>(X25519 + </a:t>
-                      </a:r>
-                      <a:r>
-                        <a:rPr lang="en-US" sz="1600" b="0" i="0" u="none" strike="noStrike" kern="1200" dirty="0" err="1">
-                          <a:solidFill>
-                            <a:srgbClr val="000000"/>
-                          </a:solidFill>
-                          <a:effectLst/>
-                          <a:latin typeface="+mn-lt"/>
-                          <a:ea typeface="+mn-ea"/>
-                          <a:cs typeface="+mn-cs"/>
-                        </a:rPr>
-                        <a:t>Light</a:t>
-                      </a:r>
-                      <a:r>
-                        <a:rPr lang="en-US" sz="1600" b="0" i="0" u="none" strike="noStrike" dirty="0" err="1">
-                          <a:solidFill>
-                            <a:srgbClr val="000000"/>
-                          </a:solidFill>
-                          <a:effectLst/>
-                          <a:latin typeface="+mn-lt"/>
-                        </a:rPr>
-                        <a:t>Saber</a:t>
-                      </a:r>
-                      <a:r>
-                        <a:rPr lang="en-US" sz="1600" b="0" i="0" u="none" strike="noStrike" dirty="0">
-                          <a:solidFill>
-                            <a:srgbClr val="000000"/>
-                          </a:solidFill>
-                          <a:effectLst/>
-                          <a:latin typeface="+mn-lt"/>
-                        </a:rPr>
-                        <a:t>) &amp; Falcon-512</a:t>
-                      </a:r>
-                    </a:p>
-                  </a:txBody>
-                  <a:tcPr marL="7620" marR="7620" marT="7620" marB="0" anchor="b"/>
-                </a:tc>
-                <a:extLst>
-                  <a:ext uri="{0D108BD9-81ED-4DB2-BD59-A6C34878D82A}">
-                    <a16:rowId xmlns:a16="http://schemas.microsoft.com/office/drawing/2014/main" val="3520822024"/>
-                  </a:ext>
-                </a:extLst>
-              </a:tr>
-              <a:tr h="484672">
-                <a:tc>
-                  <a:txBody>
-                    <a:bodyPr/>
-                    <a:lstStyle/>
-                    <a:p>
-                      <a:pPr algn="r" fontAlgn="b"/>
-                      <a:r>
-                        <a:rPr lang="en-US" sz="1800" b="0" i="0" u="none" strike="noStrike" dirty="0">
-                          <a:solidFill>
-                            <a:srgbClr val="000000"/>
-                          </a:solidFill>
-                          <a:effectLst/>
-                          <a:latin typeface="+mn-lt"/>
-                        </a:rPr>
-                        <a:t>1434</a:t>
-                      </a:r>
-                    </a:p>
-                  </a:txBody>
-                  <a:tcPr marL="7620" marR="7620" marT="7620" marB="0" anchor="b"/>
-                </a:tc>
-                <a:tc>
-                  <a:txBody>
-                    <a:bodyPr/>
-                    <a:lstStyle/>
-                    <a:p>
-                      <a:pPr algn="r" rtl="0" fontAlgn="b"/>
-                      <a:r>
-                        <a:rPr lang="en-US" sz="1800" b="0" i="0" u="none" strike="noStrike">
-                          <a:solidFill>
-                            <a:srgbClr val="000000"/>
-                          </a:solidFill>
-                          <a:effectLst/>
-                          <a:latin typeface="Calibri" panose="020F0502020204030204" pitchFamily="34" charset="0"/>
-                        </a:rPr>
-                        <a:t>6.00</a:t>
-                      </a:r>
-                    </a:p>
-                  </a:txBody>
-                  <a:tcPr marL="0" marR="0" marT="0" marB="0" anchor="b"/>
-                </a:tc>
-                <a:tc>
-                  <a:txBody>
-                    <a:bodyPr/>
-                    <a:lstStyle/>
-                    <a:p>
-                      <a:pPr algn="r" fontAlgn="b"/>
-                      <a:r>
-                        <a:rPr lang="en-US" sz="1800" b="0" i="0" u="none" strike="noStrike" dirty="0">
-                          <a:solidFill>
-                            <a:srgbClr val="000000"/>
-                          </a:solidFill>
-                          <a:effectLst/>
-                          <a:latin typeface="+mn-lt"/>
-                        </a:rPr>
-                        <a:t>1434</a:t>
-                      </a:r>
-                    </a:p>
-                  </a:txBody>
-                  <a:tcPr marL="7620" marR="7620" marT="7620" marB="0" anchor="b"/>
-                </a:tc>
-                <a:tc>
-                  <a:txBody>
-                    <a:bodyPr/>
-                    <a:lstStyle/>
-                    <a:p>
-                      <a:pPr algn="r" rtl="0" fontAlgn="b"/>
-                      <a:r>
-                        <a:rPr lang="en-US" sz="1800" b="0" i="0" u="none" strike="noStrike">
-                          <a:solidFill>
-                            <a:srgbClr val="000000"/>
-                          </a:solidFill>
-                          <a:effectLst/>
-                          <a:latin typeface="Calibri" panose="020F0502020204030204" pitchFamily="34" charset="0"/>
-                        </a:rPr>
-                        <a:t>7.54</a:t>
-                      </a:r>
-                    </a:p>
-                  </a:txBody>
-                  <a:tcPr marL="0" marR="0" marT="0" marB="0" anchor="b"/>
-                </a:tc>
-                <a:tc>
-                  <a:txBody>
-                    <a:bodyPr/>
-                    <a:lstStyle/>
-                    <a:p>
-                      <a:pPr algn="r" fontAlgn="b"/>
-                      <a:r>
-                        <a:rPr lang="en-US" sz="1800" b="0" i="0" u="none" strike="noStrike" dirty="0">
-                          <a:solidFill>
-                            <a:srgbClr val="000000"/>
-                          </a:solidFill>
-                          <a:effectLst/>
-                          <a:latin typeface="+mn-lt"/>
-                        </a:rPr>
-                        <a:t>1434</a:t>
-                      </a:r>
-                    </a:p>
-                  </a:txBody>
-                  <a:tcPr marL="7620" marR="7620" marT="7620" marB="0" anchor="b"/>
-                </a:tc>
-                <a:tc>
-                  <a:txBody>
-                    <a:bodyPr/>
-                    <a:lstStyle/>
-                    <a:p>
-                      <a:pPr algn="r" rtl="0" fontAlgn="b"/>
-                      <a:r>
-                        <a:rPr lang="en-US" sz="1800" b="0" i="0" u="none" strike="noStrike">
-                          <a:solidFill>
-                            <a:srgbClr val="000000"/>
-                          </a:solidFill>
-                          <a:effectLst/>
-                          <a:latin typeface="Calibri" panose="020F0502020204030204" pitchFamily="34" charset="0"/>
-                        </a:rPr>
-                        <a:t>9.09</a:t>
-                      </a:r>
-                    </a:p>
-                  </a:txBody>
-                  <a:tcPr marL="0" marR="0" marT="0" marB="0" anchor="b"/>
-                </a:tc>
-                <a:tc>
-                  <a:txBody>
-                    <a:bodyPr/>
-                    <a:lstStyle/>
-                    <a:p>
-                      <a:pPr algn="r" fontAlgn="b"/>
-                      <a:r>
-                        <a:rPr lang="en-US" sz="1600" b="0" i="0" u="none" strike="noStrike" kern="1200" dirty="0">
-                          <a:solidFill>
-                            <a:srgbClr val="000000"/>
-                          </a:solidFill>
-                          <a:effectLst/>
-                          <a:latin typeface="+mn-lt"/>
-                          <a:ea typeface="+mn-ea"/>
-                          <a:cs typeface="+mn-cs"/>
-                        </a:rPr>
-                        <a:t>(X25519 + Kyber-768) &amp; </a:t>
-                      </a:r>
-                    </a:p>
-                    <a:p>
-                      <a:pPr algn="r" fontAlgn="b"/>
-                      <a:r>
-                        <a:rPr lang="en-US" sz="1600" b="0" i="0" u="none" strike="noStrike" kern="1200" dirty="0">
-                          <a:solidFill>
-                            <a:srgbClr val="000000"/>
-                          </a:solidFill>
-                          <a:effectLst/>
-                          <a:latin typeface="+mn-lt"/>
-                          <a:ea typeface="+mn-ea"/>
-                          <a:cs typeface="+mn-cs"/>
-                        </a:rPr>
-                        <a:t>Falcon-512</a:t>
-                      </a:r>
-                    </a:p>
-                  </a:txBody>
-                  <a:tcPr marL="7620" marR="7620" marT="7620" marB="0" anchor="b"/>
-                </a:tc>
-                <a:extLst>
-                  <a:ext uri="{0D108BD9-81ED-4DB2-BD59-A6C34878D82A}">
-                    <a16:rowId xmlns:a16="http://schemas.microsoft.com/office/drawing/2014/main" val="3306812332"/>
-                  </a:ext>
-                </a:extLst>
-              </a:tr>
-              <a:tr h="591014">
-                <a:tc>
-                  <a:txBody>
-                    <a:bodyPr/>
-                    <a:lstStyle/>
-                    <a:p>
-                      <a:pPr algn="r" fontAlgn="b"/>
-                      <a:r>
-                        <a:rPr lang="en-US" sz="1800" b="0" i="0" u="none" strike="noStrike">
-                          <a:solidFill>
-                            <a:srgbClr val="000000"/>
-                          </a:solidFill>
-                          <a:effectLst/>
-                          <a:latin typeface="+mn-lt"/>
-                        </a:rPr>
-                        <a:t>1181</a:t>
-                      </a:r>
-                    </a:p>
-                  </a:txBody>
-                  <a:tcPr marL="7620" marR="7620" marT="7620" marB="0" anchor="b"/>
-                </a:tc>
-                <a:tc>
-                  <a:txBody>
-                    <a:bodyPr/>
-                    <a:lstStyle/>
-                    <a:p>
-                      <a:pPr algn="r" rtl="0" fontAlgn="b"/>
-                      <a:r>
-                        <a:rPr lang="en-US" sz="1800" b="0" i="0" u="none" strike="noStrike">
-                          <a:solidFill>
-                            <a:srgbClr val="000000"/>
-                          </a:solidFill>
-                          <a:effectLst/>
-                          <a:latin typeface="Calibri" panose="020F0502020204030204" pitchFamily="34" charset="0"/>
-                        </a:rPr>
-                        <a:t>5.84</a:t>
-                      </a:r>
-                    </a:p>
-                  </a:txBody>
-                  <a:tcPr marL="0" marR="0" marT="0" marB="0" anchor="b"/>
-                </a:tc>
-                <a:tc>
-                  <a:txBody>
-                    <a:bodyPr/>
-                    <a:lstStyle/>
-                    <a:p>
-                      <a:pPr algn="r" fontAlgn="b"/>
-                      <a:r>
-                        <a:rPr lang="en-US" sz="1800" b="0" i="0" u="none" strike="noStrike" dirty="0">
-                          <a:solidFill>
-                            <a:srgbClr val="000000"/>
-                          </a:solidFill>
-                          <a:effectLst/>
-                          <a:latin typeface="+mn-lt"/>
-                        </a:rPr>
-                        <a:t>1181</a:t>
-                      </a:r>
-                    </a:p>
-                  </a:txBody>
-                  <a:tcPr marL="7620" marR="7620" marT="7620" marB="0" anchor="b"/>
-                </a:tc>
-                <a:tc>
-                  <a:txBody>
-                    <a:bodyPr/>
-                    <a:lstStyle/>
-                    <a:p>
-                      <a:pPr algn="r" rtl="0" fontAlgn="b"/>
-                      <a:r>
-                        <a:rPr lang="en-US" sz="1800" b="0" i="0" u="none" strike="noStrike">
-                          <a:solidFill>
-                            <a:srgbClr val="000000"/>
-                          </a:solidFill>
-                          <a:effectLst/>
-                          <a:latin typeface="Calibri" panose="020F0502020204030204" pitchFamily="34" charset="0"/>
-                        </a:rPr>
-                        <a:t>7.39</a:t>
-                      </a:r>
-                    </a:p>
-                  </a:txBody>
-                  <a:tcPr marL="0" marR="0" marT="0" marB="0" anchor="b"/>
-                </a:tc>
-                <a:tc>
-                  <a:txBody>
-                    <a:bodyPr/>
-                    <a:lstStyle/>
-                    <a:p>
-                      <a:pPr algn="r" fontAlgn="b"/>
-                      <a:r>
-                        <a:rPr lang="en-US" sz="1800" b="0" i="0" u="none" strike="noStrike" dirty="0">
-                          <a:solidFill>
-                            <a:srgbClr val="000000"/>
-                          </a:solidFill>
-                          <a:effectLst/>
-                          <a:latin typeface="+mn-lt"/>
-                        </a:rPr>
-                        <a:t>1181</a:t>
-                      </a:r>
-                    </a:p>
-                  </a:txBody>
-                  <a:tcPr marL="7620" marR="7620" marT="7620" marB="0" anchor="b"/>
-                </a:tc>
-                <a:tc>
-                  <a:txBody>
-                    <a:bodyPr/>
-                    <a:lstStyle/>
-                    <a:p>
-                      <a:pPr algn="r" rtl="0" fontAlgn="b"/>
-                      <a:r>
-                        <a:rPr lang="en-US" sz="1800" b="0" i="0" u="none" strike="noStrike">
-                          <a:solidFill>
-                            <a:srgbClr val="000000"/>
-                          </a:solidFill>
-                          <a:effectLst/>
-                          <a:latin typeface="Calibri" panose="020F0502020204030204" pitchFamily="34" charset="0"/>
-                        </a:rPr>
-                        <a:t>8.94</a:t>
-                      </a:r>
-                    </a:p>
-                  </a:txBody>
-                  <a:tcPr marL="0" marR="0" marT="0" marB="0" anchor="b"/>
-                </a:tc>
-                <a:tc>
-                  <a:txBody>
-                    <a:bodyPr/>
-                    <a:lstStyle/>
-                    <a:p>
-                      <a:pPr marL="0" marR="0" lvl="0" indent="0" algn="r" defTabSz="609576" rtl="0" eaLnBrk="1" fontAlgn="b" latinLnBrk="0" hangingPunct="1">
-                        <a:lnSpc>
-                          <a:spcPct val="100000"/>
-                        </a:lnSpc>
-                        <a:spcBef>
-                          <a:spcPts val="0"/>
-                        </a:spcBef>
-                        <a:spcAft>
-                          <a:spcPts val="0"/>
-                        </a:spcAft>
-                        <a:buClrTx/>
-                        <a:buSzTx/>
-                        <a:buFontTx/>
-                        <a:buNone/>
-                        <a:tabLst/>
-                        <a:defRPr/>
-                      </a:pPr>
-                      <a:r>
-                        <a:rPr lang="en-US" sz="1600" b="0" i="0" u="none" strike="noStrike" kern="1200" dirty="0">
-                          <a:solidFill>
-                            <a:srgbClr val="000000"/>
-                          </a:solidFill>
-                          <a:effectLst/>
-                          <a:latin typeface="+mn-lt"/>
-                          <a:ea typeface="+mn-ea"/>
-                          <a:cs typeface="+mn-cs"/>
-                        </a:rPr>
-                        <a:t>(X25519 + ntruhps2048677) &amp; </a:t>
-                      </a:r>
-                      <a:br>
-                        <a:rPr lang="en-US" sz="1600" b="0" i="0" u="none" strike="noStrike" kern="1200" dirty="0">
-                          <a:solidFill>
-                            <a:srgbClr val="000000"/>
-                          </a:solidFill>
-                          <a:effectLst/>
-                          <a:latin typeface="+mn-lt"/>
-                          <a:ea typeface="+mn-ea"/>
-                          <a:cs typeface="+mn-cs"/>
-                        </a:rPr>
-                      </a:br>
-                      <a:r>
-                        <a:rPr lang="en-US" sz="1600" b="0" i="0" u="none" strike="noStrike" kern="1200" dirty="0">
-                          <a:solidFill>
-                            <a:srgbClr val="000000"/>
-                          </a:solidFill>
-                          <a:effectLst/>
-                          <a:latin typeface="+mn-lt"/>
-                          <a:ea typeface="+mn-ea"/>
-                          <a:cs typeface="+mn-cs"/>
-                        </a:rPr>
-                        <a:t>Falcon-512</a:t>
-                      </a:r>
-                    </a:p>
-                  </a:txBody>
-                  <a:tcPr marL="7620" marR="7620" marT="7620" marB="0" anchor="b"/>
-                </a:tc>
-                <a:extLst>
-                  <a:ext uri="{0D108BD9-81ED-4DB2-BD59-A6C34878D82A}">
-                    <a16:rowId xmlns:a16="http://schemas.microsoft.com/office/drawing/2014/main" val="725550032"/>
-                  </a:ext>
-                </a:extLst>
-              </a:tr>
-              <a:tr h="484672">
-                <a:tc>
-                  <a:txBody>
-                    <a:bodyPr/>
-                    <a:lstStyle/>
-                    <a:p>
-                      <a:pPr algn="r" fontAlgn="b"/>
-                      <a:r>
-                        <a:rPr lang="en-US" sz="1800" b="0" i="0" u="none" strike="noStrike" dirty="0">
-                          <a:solidFill>
-                            <a:srgbClr val="000000"/>
-                          </a:solidFill>
-                          <a:effectLst/>
-                          <a:latin typeface="+mn-lt"/>
-                        </a:rPr>
-                        <a:t>1242</a:t>
-                      </a:r>
-                    </a:p>
-                  </a:txBody>
-                  <a:tcPr marL="7620" marR="7620" marT="7620" marB="0" anchor="b"/>
-                </a:tc>
-                <a:tc>
-                  <a:txBody>
-                    <a:bodyPr/>
-                    <a:lstStyle/>
-                    <a:p>
-                      <a:pPr algn="r" rtl="0" fontAlgn="b"/>
-                      <a:r>
-                        <a:rPr lang="en-US" sz="1800" b="0" i="0" u="none" strike="noStrike" dirty="0">
-                          <a:solidFill>
-                            <a:srgbClr val="000000"/>
-                          </a:solidFill>
-                          <a:effectLst/>
-                          <a:latin typeface="Calibri" panose="020F0502020204030204" pitchFamily="34" charset="0"/>
-                        </a:rPr>
-                        <a:t>6.00</a:t>
-                      </a:r>
-                    </a:p>
-                  </a:txBody>
-                  <a:tcPr marL="0" marR="0" marT="0" marB="0" anchor="b"/>
-                </a:tc>
-                <a:tc>
-                  <a:txBody>
-                    <a:bodyPr/>
-                    <a:lstStyle/>
-                    <a:p>
-                      <a:pPr algn="r" fontAlgn="b"/>
-                      <a:r>
-                        <a:rPr lang="en-US" sz="1800" b="0" i="0" u="none" strike="noStrike" dirty="0">
-                          <a:solidFill>
-                            <a:srgbClr val="000000"/>
-                          </a:solidFill>
-                          <a:effectLst/>
-                          <a:latin typeface="+mn-lt"/>
-                        </a:rPr>
-                        <a:t>1242</a:t>
-                      </a:r>
-                    </a:p>
-                  </a:txBody>
-                  <a:tcPr marL="7620" marR="7620" marT="7620" marB="0" anchor="b"/>
-                </a:tc>
-                <a:tc>
-                  <a:txBody>
-                    <a:bodyPr/>
-                    <a:lstStyle/>
-                    <a:p>
-                      <a:pPr algn="r" rtl="0" fontAlgn="b"/>
-                      <a:r>
-                        <a:rPr lang="en-US" sz="1800" b="0" i="0" u="none" strike="noStrike" dirty="0">
-                          <a:solidFill>
-                            <a:srgbClr val="000000"/>
-                          </a:solidFill>
-                          <a:effectLst/>
-                          <a:latin typeface="Calibri" panose="020F0502020204030204" pitchFamily="34" charset="0"/>
-                        </a:rPr>
-                        <a:t>7.54</a:t>
-                      </a:r>
-                    </a:p>
-                  </a:txBody>
-                  <a:tcPr marL="0" marR="0" marT="0" marB="0" anchor="b"/>
-                </a:tc>
-                <a:tc>
-                  <a:txBody>
-                    <a:bodyPr/>
-                    <a:lstStyle/>
-                    <a:p>
-                      <a:pPr algn="r" fontAlgn="b"/>
-                      <a:r>
-                        <a:rPr lang="en-US" sz="1800" b="0" i="0" u="none" strike="noStrike" dirty="0">
-                          <a:solidFill>
-                            <a:srgbClr val="000000"/>
-                          </a:solidFill>
-                          <a:effectLst/>
-                          <a:latin typeface="+mn-lt"/>
-                        </a:rPr>
-                        <a:t>1242</a:t>
-                      </a:r>
-                    </a:p>
-                  </a:txBody>
-                  <a:tcPr marL="7620" marR="7620" marT="7620" marB="0" anchor="b"/>
-                </a:tc>
-                <a:tc>
-                  <a:txBody>
-                    <a:bodyPr/>
-                    <a:lstStyle/>
-                    <a:p>
-                      <a:pPr algn="r" rtl="0" fontAlgn="b"/>
-                      <a:r>
-                        <a:rPr lang="en-US" sz="1800" b="0" i="0" u="none" strike="noStrike" dirty="0">
-                          <a:solidFill>
-                            <a:srgbClr val="000000"/>
-                          </a:solidFill>
-                          <a:effectLst/>
-                          <a:latin typeface="Calibri" panose="020F0502020204030204" pitchFamily="34" charset="0"/>
-                        </a:rPr>
-                        <a:t>9.09</a:t>
-                      </a:r>
-                    </a:p>
-                  </a:txBody>
-                  <a:tcPr marL="0" marR="0" marT="0" marB="0" anchor="b"/>
-                </a:tc>
-                <a:tc>
-                  <a:txBody>
-                    <a:bodyPr/>
-                    <a:lstStyle/>
-                    <a:p>
-                      <a:pPr algn="r" fontAlgn="b"/>
-                      <a:r>
-                        <a:rPr lang="en-US" sz="1600" b="0" i="0" u="none" strike="noStrike" dirty="0">
-                          <a:solidFill>
-                            <a:srgbClr val="000000"/>
-                          </a:solidFill>
-                          <a:effectLst/>
-                          <a:latin typeface="+mn-lt"/>
-                        </a:rPr>
-                        <a:t>(X25519 + Saber) &amp; </a:t>
-                      </a:r>
-                    </a:p>
-                    <a:p>
-                      <a:pPr algn="r" fontAlgn="b"/>
-                      <a:r>
-                        <a:rPr lang="en-US" sz="1600" b="0" i="0" u="none" strike="noStrike" dirty="0">
-                          <a:solidFill>
-                            <a:srgbClr val="000000"/>
-                          </a:solidFill>
-                          <a:effectLst/>
-                          <a:latin typeface="+mn-lt"/>
-                        </a:rPr>
-                        <a:t>Falcon-512</a:t>
-                      </a:r>
-                    </a:p>
-                  </a:txBody>
-                  <a:tcPr marL="7620" marR="7620" marT="7620" marB="0" anchor="b"/>
-                </a:tc>
-                <a:extLst>
-                  <a:ext uri="{0D108BD9-81ED-4DB2-BD59-A6C34878D82A}">
-                    <a16:rowId xmlns:a16="http://schemas.microsoft.com/office/drawing/2014/main" val="2877976627"/>
-                  </a:ext>
-                </a:extLst>
-              </a:tr>
-              <a:tr h="484672">
-                <a:tc>
-                  <a:txBody>
-                    <a:bodyPr/>
-                    <a:lstStyle/>
-                    <a:p>
-                      <a:pPr algn="r" fontAlgn="b"/>
-                      <a:r>
-                        <a:rPr lang="en-US" sz="1800" b="0" i="0" u="none" strike="noStrike" dirty="0">
-                          <a:solidFill>
-                            <a:srgbClr val="000000"/>
-                          </a:solidFill>
-                          <a:effectLst/>
-                          <a:latin typeface="+mn-lt"/>
-                        </a:rPr>
-                        <a:t>1818</a:t>
-                      </a:r>
-                    </a:p>
-                  </a:txBody>
-                  <a:tcPr marL="7620" marR="7620" marT="7620" marB="0" anchor="b"/>
-                </a:tc>
-                <a:tc>
-                  <a:txBody>
-                    <a:bodyPr/>
-                    <a:lstStyle/>
-                    <a:p>
-                      <a:pPr algn="r" rtl="0" fontAlgn="b"/>
-                      <a:r>
-                        <a:rPr lang="en-US" sz="1800" b="0" i="0" u="none" strike="noStrike" dirty="0">
-                          <a:solidFill>
-                            <a:srgbClr val="000000"/>
-                          </a:solidFill>
-                          <a:effectLst/>
-                          <a:latin typeface="Calibri" panose="020F0502020204030204" pitchFamily="34" charset="0"/>
-                        </a:rPr>
-                        <a:t>6.48</a:t>
-                      </a:r>
-                    </a:p>
-                  </a:txBody>
-                  <a:tcPr marL="0" marR="0" marT="0" marB="0" anchor="b"/>
-                </a:tc>
-                <a:tc>
-                  <a:txBody>
-                    <a:bodyPr/>
-                    <a:lstStyle/>
-                    <a:p>
-                      <a:pPr algn="r" fontAlgn="b"/>
-                      <a:r>
-                        <a:rPr lang="en-US" sz="1800" b="0" i="0" u="none" strike="noStrike" dirty="0">
-                          <a:solidFill>
-                            <a:srgbClr val="000000"/>
-                          </a:solidFill>
-                          <a:effectLst/>
-                          <a:latin typeface="+mn-lt"/>
-                        </a:rPr>
-                        <a:t>1818</a:t>
-                      </a:r>
-                    </a:p>
-                  </a:txBody>
-                  <a:tcPr marL="7620" marR="7620" marT="7620" marB="0" anchor="b"/>
-                </a:tc>
-                <a:tc>
-                  <a:txBody>
-                    <a:bodyPr/>
-                    <a:lstStyle/>
-                    <a:p>
-                      <a:pPr algn="r" rtl="0" fontAlgn="b"/>
-                      <a:r>
-                        <a:rPr lang="en-US" sz="1800" b="0" i="0" u="none" strike="noStrike" dirty="0">
-                          <a:solidFill>
-                            <a:srgbClr val="000000"/>
-                          </a:solidFill>
-                          <a:effectLst/>
-                          <a:latin typeface="Calibri" panose="020F0502020204030204" pitchFamily="34" charset="0"/>
-                        </a:rPr>
-                        <a:t>8.02</a:t>
-                      </a:r>
-                    </a:p>
-                  </a:txBody>
-                  <a:tcPr marL="0" marR="0" marT="0" marB="0" anchor="b"/>
-                </a:tc>
-                <a:tc>
-                  <a:txBody>
-                    <a:bodyPr/>
-                    <a:lstStyle/>
-                    <a:p>
-                      <a:pPr algn="r" fontAlgn="b"/>
-                      <a:r>
-                        <a:rPr lang="en-US" sz="1800" b="0" i="0" u="none" strike="noStrike" dirty="0">
-                          <a:solidFill>
-                            <a:srgbClr val="000000"/>
-                          </a:solidFill>
-                          <a:effectLst/>
-                          <a:latin typeface="+mn-lt"/>
-                        </a:rPr>
-                        <a:t>1818</a:t>
-                      </a:r>
-                    </a:p>
-                  </a:txBody>
-                  <a:tcPr marL="7620" marR="7620" marT="7620" marB="0" anchor="b"/>
-                </a:tc>
-                <a:tc>
-                  <a:txBody>
-                    <a:bodyPr/>
-                    <a:lstStyle/>
-                    <a:p>
-                      <a:pPr algn="r" rtl="0" fontAlgn="b"/>
-                      <a:r>
-                        <a:rPr lang="en-US" sz="1800" b="0" i="0" u="none" strike="noStrike" dirty="0">
-                          <a:solidFill>
-                            <a:srgbClr val="000000"/>
-                          </a:solidFill>
-                          <a:effectLst/>
-                          <a:latin typeface="Calibri" panose="020F0502020204030204" pitchFamily="34" charset="0"/>
-                        </a:rPr>
-                        <a:t>9.57</a:t>
-                      </a:r>
-                    </a:p>
-                  </a:txBody>
-                  <a:tcPr marL="0" marR="0" marT="0" marB="0" anchor="b"/>
-                </a:tc>
-                <a:tc>
-                  <a:txBody>
-                    <a:bodyPr/>
-                    <a:lstStyle/>
-                    <a:p>
-                      <a:pPr algn="r" fontAlgn="b"/>
-                      <a:r>
-                        <a:rPr lang="en-US" sz="1600" b="0" i="0" u="none" strike="noStrike" kern="1200" dirty="0">
-                          <a:solidFill>
-                            <a:srgbClr val="000000"/>
-                          </a:solidFill>
-                          <a:effectLst/>
-                          <a:latin typeface="+mn-lt"/>
-                          <a:ea typeface="+mn-ea"/>
-                          <a:cs typeface="+mn-cs"/>
-                        </a:rPr>
-                        <a:t>(X25519 + Kyber-1024) &amp; </a:t>
-                      </a:r>
-                    </a:p>
-                    <a:p>
-                      <a:pPr algn="r" fontAlgn="b"/>
-                      <a:r>
-                        <a:rPr lang="en-US" sz="1600" b="0" i="0" u="none" strike="noStrike" kern="1200" dirty="0">
-                          <a:solidFill>
-                            <a:srgbClr val="000000"/>
-                          </a:solidFill>
-                          <a:effectLst/>
-                          <a:latin typeface="+mn-lt"/>
-                          <a:ea typeface="+mn-ea"/>
-                          <a:cs typeface="+mn-cs"/>
-                        </a:rPr>
-                        <a:t>Falcon-512</a:t>
-                      </a:r>
-                    </a:p>
-                  </a:txBody>
-                  <a:tcPr marL="7620" marR="7620" marT="7620" marB="0" anchor="b"/>
-                </a:tc>
-                <a:extLst>
-                  <a:ext uri="{0D108BD9-81ED-4DB2-BD59-A6C34878D82A}">
-                    <a16:rowId xmlns:a16="http://schemas.microsoft.com/office/drawing/2014/main" val="1120871856"/>
-                  </a:ext>
-                </a:extLst>
-              </a:tr>
-            </a:tbl>
-          </a:graphicData>
-        </a:graphic>
-      </p:graphicFrame>
-      <p:sp>
-        <p:nvSpPr>
-          <p:cNvPr id="5" name="Rectangle: Rounded Corners 4">
-            <a:extLst>
-              <a:ext uri="{FF2B5EF4-FFF2-40B4-BE49-F238E27FC236}">
-                <a16:creationId xmlns:a16="http://schemas.microsoft.com/office/drawing/2014/main" id="{499D1C5E-75DC-416A-BF8C-0BECDCE88C13}"/>
-              </a:ext>
-            </a:extLst>
-          </p:cNvPr>
-          <p:cNvSpPr/>
-          <p:nvPr/>
-        </p:nvSpPr>
-        <p:spPr>
-          <a:xfrm>
-            <a:off x="2244814" y="2784185"/>
-            <a:ext cx="806304" cy="3908749"/>
-          </a:xfrm>
-          <a:prstGeom prst="roundRect">
-            <a:avLst/>
-          </a:prstGeom>
-          <a:noFill/>
-          <a:ln w="25400">
-            <a:solidFill>
-              <a:srgbClr val="C00000"/>
-            </a:solidFill>
-          </a:ln>
-          <a:effectLst/>
-        </p:spPr>
-        <p:style>
-          <a:lnRef idx="1">
-            <a:schemeClr val="accent1"/>
-          </a:lnRef>
-          <a:fillRef idx="3">
-            <a:schemeClr val="accent1"/>
-          </a:fillRef>
-          <a:effectRef idx="2">
-            <a:schemeClr val="accent1"/>
-          </a:effectRef>
-          <a:fontRef idx="minor">
-            <a:schemeClr val="lt1"/>
-          </a:fontRef>
-        </p:style>
-        <p:txBody>
-          <a:bodyPr rtlCol="0" anchor="ctr"/>
-          <a:lstStyle/>
-          <a:p>
-            <a:pPr algn="ctr"/>
-            <a:endParaRPr lang="en-US" dirty="0"/>
-          </a:p>
-        </p:txBody>
-      </p:sp>
-      <p:sp>
-        <p:nvSpPr>
-          <p:cNvPr id="6" name="Rectangle: Rounded Corners 5">
-            <a:extLst>
-              <a:ext uri="{FF2B5EF4-FFF2-40B4-BE49-F238E27FC236}">
-                <a16:creationId xmlns:a16="http://schemas.microsoft.com/office/drawing/2014/main" id="{F6DD6259-07FB-41E3-B27B-331AB360D290}"/>
-              </a:ext>
-            </a:extLst>
-          </p:cNvPr>
-          <p:cNvSpPr/>
-          <p:nvPr/>
-        </p:nvSpPr>
-        <p:spPr>
-          <a:xfrm>
-            <a:off x="5052131" y="2791541"/>
-            <a:ext cx="793820" cy="3908748"/>
-          </a:xfrm>
-          <a:prstGeom prst="roundRect">
-            <a:avLst/>
-          </a:prstGeom>
-          <a:noFill/>
-          <a:ln w="25400">
-            <a:solidFill>
-              <a:srgbClr val="C00000"/>
-            </a:solidFill>
-          </a:ln>
-          <a:effectLst/>
-        </p:spPr>
-        <p:style>
-          <a:lnRef idx="1">
-            <a:schemeClr val="accent1"/>
-          </a:lnRef>
-          <a:fillRef idx="3">
-            <a:schemeClr val="accent1"/>
-          </a:fillRef>
-          <a:effectRef idx="2">
-            <a:schemeClr val="accent1"/>
-          </a:effectRef>
-          <a:fontRef idx="minor">
-            <a:schemeClr val="lt1"/>
-          </a:fontRef>
-        </p:style>
-        <p:txBody>
-          <a:bodyPr rtlCol="0" anchor="ctr"/>
-          <a:lstStyle/>
-          <a:p>
-            <a:pPr algn="ctr"/>
-            <a:endParaRPr lang="en-US" dirty="0"/>
-          </a:p>
-        </p:txBody>
-      </p:sp>
-      <p:sp>
-        <p:nvSpPr>
-          <p:cNvPr id="7" name="Rectangle: Rounded Corners 6">
-            <a:extLst>
-              <a:ext uri="{FF2B5EF4-FFF2-40B4-BE49-F238E27FC236}">
-                <a16:creationId xmlns:a16="http://schemas.microsoft.com/office/drawing/2014/main" id="{D54AF762-C151-4512-9E24-853966EBE2B8}"/>
-              </a:ext>
-            </a:extLst>
-          </p:cNvPr>
-          <p:cNvSpPr/>
-          <p:nvPr/>
-        </p:nvSpPr>
-        <p:spPr>
-          <a:xfrm>
-            <a:off x="7889765" y="2784185"/>
-            <a:ext cx="793820" cy="3923460"/>
-          </a:xfrm>
-          <a:prstGeom prst="roundRect">
-            <a:avLst/>
-          </a:prstGeom>
-          <a:noFill/>
-          <a:ln w="25400">
-            <a:solidFill>
-              <a:srgbClr val="C00000"/>
-            </a:solidFill>
-          </a:ln>
-          <a:effectLst/>
-        </p:spPr>
-        <p:style>
-          <a:lnRef idx="1">
-            <a:schemeClr val="accent1"/>
-          </a:lnRef>
-          <a:fillRef idx="3">
-            <a:schemeClr val="accent1"/>
-          </a:fillRef>
-          <a:effectRef idx="2">
-            <a:schemeClr val="accent1"/>
-          </a:effectRef>
-          <a:fontRef idx="minor">
-            <a:schemeClr val="lt1"/>
-          </a:fontRef>
-        </p:style>
-        <p:txBody>
-          <a:bodyPr rtlCol="0" anchor="ctr"/>
-          <a:lstStyle/>
-          <a:p>
-            <a:pPr algn="ctr"/>
-            <a:endParaRPr lang="en-US" dirty="0"/>
-          </a:p>
-        </p:txBody>
-      </p:sp>
-    </p:spTree>
-    <p:extLst>
-      <p:ext uri="{BB962C8B-B14F-4D97-AF65-F5344CB8AC3E}">
-        <p14:creationId xmlns:p14="http://schemas.microsoft.com/office/powerpoint/2010/main" val="1767666282"/>
-      </p:ext>
-    </p:extLst>
-  </p:cSld>
-  <p:clrMapOvr>
-    <a:masterClrMapping/>
-  </p:clrMapOvr>
-</p:sld>
-</file>
-
-<file path=ppt/slides/slide6.xml><?xml version="1.0" encoding="utf-8"?>
 <p:sld xmlns:a="http://schemas.openxmlformats.org/drawingml/2006/main" xmlns:r="http://schemas.openxmlformats.org/officeDocument/2006/relationships" xmlns:p="http://schemas.openxmlformats.org/presentationml/2006/main">
   <p:cSld>
     <p:spTree>
@@ -8434,7 +6401,7 @@
           <a:p>
             <a:r>
               <a:rPr lang="en-US" dirty="0"/>
-              <a:t>Pre-acquire ICAs and </a:t>
+              <a:t>Pre-acquire a “fresh” (TBD3-time) ICAs list and </a:t>
             </a:r>
           </a:p>
           <a:p>
@@ -8483,41 +6450,29 @@
             <a:pPr lvl="1"/>
             <a:r>
               <a:rPr lang="en-US" dirty="0"/>
+              <a:t>TLS (including Web) PQ auth data stay within acceptable levels </a:t>
+            </a:r>
+          </a:p>
+          <a:p>
+            <a:pPr lvl="2"/>
+            <a:r>
+              <a:rPr lang="en-US" dirty="0"/>
+              <a:t>Saves ~3.2 / 1.6 KB for 1 ICA with NIST Round 3’s two leanest PQ Sig finalists</a:t>
+            </a:r>
+          </a:p>
+          <a:p>
+            <a:pPr lvl="2"/>
+            <a:r>
+              <a:rPr lang="en-US" dirty="0"/>
+              <a:t>Saves ~6.4 / 3.1 KB for 2 ICAs with NIST Round 3’s two leanest PQ Sig finalists</a:t>
+            </a:r>
+          </a:p>
+          <a:p>
+            <a:pPr lvl="1"/>
+            <a:r>
+              <a:rPr lang="en-US" dirty="0"/>
               <a:t>Low hanging fruit</a:t>
             </a:r>
-          </a:p>
-          <a:p>
-            <a:pPr lvl="1"/>
-            <a:r>
-              <a:rPr lang="en-US" dirty="0"/>
-              <a:t>Saves x Sigs + x Public Keys, where x is the # of ICAs in the chain</a:t>
-            </a:r>
-          </a:p>
-          <a:p>
-            <a:pPr lvl="2"/>
-            <a:r>
-              <a:rPr lang="en-US" dirty="0"/>
-              <a:t>~3.2 / 1.6 KB for 1 ICA with NIST Round 3’s two leanest PQ Sig finalists</a:t>
-            </a:r>
-          </a:p>
-          <a:p>
-            <a:pPr lvl="2"/>
-            <a:r>
-              <a:rPr lang="en-US" dirty="0"/>
-              <a:t>~6.4 / 3.1 KB for 2 ICAs with NIST Round 3’s two leanest PQ Sig finalists</a:t>
-            </a:r>
-          </a:p>
-          <a:p>
-            <a:pPr lvl="2"/>
-            <a:r>
-              <a:rPr lang="en-US" dirty="0"/>
-              <a:t>TLS (including Web) auth data within 9-11KB </a:t>
-            </a:r>
-            <a:r>
-              <a:rPr lang="en-US" sz="1800" dirty="0"/>
-              <a:t>(for NIST Round 3’s two leanest PQ Sig finalists)</a:t>
-            </a:r>
-            <a:endParaRPr lang="en-US" dirty="0"/>
           </a:p>
         </p:txBody>
       </p:sp>
@@ -8534,7 +6489,7 @@
 </p:sld>
 </file>
 
-<file path=ppt/slides/slide7.xml><?xml version="1.0" encoding="utf-8"?>
+<file path=ppt/slides/slide6.xml><?xml version="1.0" encoding="utf-8"?>
 <p:sld xmlns:a="http://schemas.openxmlformats.org/drawingml/2006/main" xmlns:r="http://schemas.openxmlformats.org/officeDocument/2006/relationships" xmlns:p="http://schemas.openxmlformats.org/presentationml/2006/main" show="0">
   <p:cSld>
     <p:spTree>
@@ -10227,8 +8182,8 @@
 </p:sld>
 </file>
 
-<file path=ppt/slides/slide8.xml><?xml version="1.0" encoding="utf-8"?>
-<p:sld xmlns:a="http://schemas.openxmlformats.org/drawingml/2006/main" xmlns:r="http://schemas.openxmlformats.org/officeDocument/2006/relationships" xmlns:p="http://schemas.openxmlformats.org/presentationml/2006/main" show="0">
+<file path=ppt/slides/slide7.xml><?xml version="1.0" encoding="utf-8"?>
+<p:sld xmlns:a="http://schemas.openxmlformats.org/drawingml/2006/main" xmlns:r="http://schemas.openxmlformats.org/officeDocument/2006/relationships" xmlns:p="http://schemas.openxmlformats.org/presentationml/2006/main">
   <p:cSld>
     <p:spTree>
       <p:nvGrpSpPr>
@@ -10249,7 +8204,7 @@
           <p:cNvPr id="2" name="Title 1">
             <a:extLst>
               <a:ext uri="{FF2B5EF4-FFF2-40B4-BE49-F238E27FC236}">
-                <a16:creationId xmlns:a16="http://schemas.microsoft.com/office/drawing/2014/main" id="{ADB0EB22-C688-404D-8072-55C2D28E22B5}"/>
+                <a16:creationId xmlns:a16="http://schemas.microsoft.com/office/drawing/2014/main" id="{6AB707C1-9F6D-44F1-A046-652D611286D0}"/>
               </a:ext>
             </a:extLst>
           </p:cNvPr>
@@ -10260,21 +8215,14 @@
             <p:ph type="title"/>
           </p:nvPr>
         </p:nvSpPr>
-        <p:spPr>
-          <a:xfrm>
-            <a:off x="838200" y="365125"/>
-            <a:ext cx="10515600" cy="929803"/>
-          </a:xfrm>
-        </p:spPr>
-        <p:txBody>
-          <a:bodyPr>
-            <a:noAutofit/>
-          </a:bodyPr>
+        <p:spPr/>
+        <p:txBody>
+          <a:bodyPr/>
           <a:lstStyle/>
           <a:p>
             <a:r>
-              <a:rPr lang="en-US" sz="2400" dirty="0"/>
-              <a:t>QUIC Amplification Protection with PQ and w/o ICAs (HTTP/3, with SCTs, no OCSP)</a:t>
+              <a:rPr lang="en-US" dirty="0"/>
+              <a:t>About ICA lists</a:t>
             </a:r>
           </a:p>
         </p:txBody>
@@ -10284,7 +8232,7 @@
           <p:cNvPr id="3" name="Content Placeholder 2">
             <a:extLst>
               <a:ext uri="{FF2B5EF4-FFF2-40B4-BE49-F238E27FC236}">
-                <a16:creationId xmlns:a16="http://schemas.microsoft.com/office/drawing/2014/main" id="{AEE51EF3-976A-4319-AB5A-8B2E935DABAF}"/>
+                <a16:creationId xmlns:a16="http://schemas.microsoft.com/office/drawing/2014/main" id="{3CC08635-98E7-4659-B7D7-54829508F234}"/>
               </a:ext>
             </a:extLst>
           </p:cNvPr>
@@ -10297,2406 +8245,271 @@
         </p:nvSpPr>
         <p:spPr/>
         <p:txBody>
-          <a:bodyPr/>
+          <a:bodyPr>
+            <a:normAutofit fontScale="92500" lnSpcReduction="10000"/>
+          </a:bodyPr>
           <a:lstStyle/>
           <a:p>
-            <a:endParaRPr lang="en-US"/>
-          </a:p>
-        </p:txBody>
-      </p:sp>
-      <p:graphicFrame>
-        <p:nvGraphicFramePr>
-          <p:cNvPr id="4" name="Content Placeholder 3">
+            <a:r>
+              <a:rPr lang="en-US" dirty="0" err="1"/>
+              <a:t>WebPKI</a:t>
+            </a:r>
+            <a:r>
+              <a:rPr lang="en-US" dirty="0"/>
+              <a:t>: Total ~1,500 ICAs / ~1-2 MBs compressed</a:t>
+            </a:r>
+          </a:p>
+          <a:p>
+            <a:r>
+              <a:rPr lang="en-US" dirty="0"/>
+              <a:t>In some (non </a:t>
+            </a:r>
+            <a:r>
+              <a:rPr lang="en-US" dirty="0" err="1"/>
+              <a:t>WebPKI</a:t>
+            </a:r>
+            <a:r>
+              <a:rPr lang="en-US" dirty="0"/>
+              <a:t>) </a:t>
+            </a:r>
+            <a:r>
+              <a:rPr lang="en-US" dirty="0" err="1"/>
+              <a:t>usecases</a:t>
+            </a:r>
+            <a:r>
+              <a:rPr lang="en-US" dirty="0"/>
+              <a:t>, the ICA list can be built dynamically.</a:t>
+            </a:r>
+          </a:p>
+          <a:p>
+            <a:endParaRPr lang="en-US" dirty="0"/>
+          </a:p>
+          <a:p>
+            <a:r>
+              <a:rPr lang="en-US" dirty="0"/>
+              <a:t>Send ICAs regardless of </a:t>
+            </a:r>
+            <a:r>
+              <a:rPr lang="en-US" dirty="0" err="1"/>
+              <a:t>tlsflag</a:t>
+            </a:r>
+            <a:r>
+              <a:rPr lang="en-US" dirty="0"/>
+              <a:t> to prevent failures, if your ICAs are not </a:t>
+            </a:r>
+          </a:p>
+          <a:p>
+            <a:pPr lvl="1"/>
+            <a:r>
+              <a:rPr lang="en-US" dirty="0"/>
+              <a:t>published (constrained) (MSRP 2.8 may change that)</a:t>
+            </a:r>
+          </a:p>
+          <a:p>
+            <a:pPr lvl="1"/>
+            <a:r>
+              <a:rPr lang="en-US" dirty="0"/>
+              <a:t>in the list hosted by a public repo (e.g. CCADB)</a:t>
+            </a:r>
+          </a:p>
+          <a:p>
+            <a:endParaRPr lang="en-US" dirty="0"/>
+          </a:p>
+          <a:p>
+            <a:r>
+              <a:rPr lang="en-US" dirty="0"/>
+              <a:t>Similar Precedents</a:t>
+            </a:r>
+          </a:p>
+          <a:p>
+            <a:pPr lvl="1"/>
+            <a:r>
+              <a:rPr lang="en-US" dirty="0"/>
+              <a:t>Mozilla already uses an ICA Pre-load list </a:t>
+            </a:r>
+          </a:p>
+          <a:p>
+            <a:pPr lvl="1"/>
+            <a:r>
+              <a:rPr lang="en-US" dirty="0"/>
+              <a:t>Browsers build and distribute revocation lists</a:t>
+            </a:r>
+          </a:p>
+          <a:p>
+            <a:pPr lvl="1"/>
+            <a:r>
+              <a:rPr lang="en-US" dirty="0"/>
+              <a:t>draft-</a:t>
+            </a:r>
+            <a:r>
+              <a:rPr lang="en-US" dirty="0" err="1"/>
+              <a:t>ietf</a:t>
+            </a:r>
+            <a:r>
+              <a:rPr lang="en-US" dirty="0"/>
+              <a:t>-</a:t>
+            </a:r>
+            <a:r>
+              <a:rPr lang="en-US" dirty="0" err="1"/>
+              <a:t>tls-ctls</a:t>
+            </a:r>
+            <a:r>
+              <a:rPr lang="en-US" dirty="0"/>
+              <a:t> defines a compression certificate dictionary</a:t>
+            </a:r>
+          </a:p>
+        </p:txBody>
+      </p:sp>
+    </p:spTree>
+    <p:extLst>
+      <p:ext uri="{BB962C8B-B14F-4D97-AF65-F5344CB8AC3E}">
+        <p14:creationId xmlns:p14="http://schemas.microsoft.com/office/powerpoint/2010/main" val="552847761"/>
+      </p:ext>
+    </p:extLst>
+  </p:cSld>
+  <p:clrMapOvr>
+    <a:masterClrMapping/>
+  </p:clrMapOvr>
+</p:sld>
+</file>
+
+<file path=ppt/slides/slide8.xml><?xml version="1.0" encoding="utf-8"?>
+<p:sld xmlns:a="http://schemas.openxmlformats.org/drawingml/2006/main" xmlns:r="http://schemas.openxmlformats.org/officeDocument/2006/relationships" xmlns:p="http://schemas.openxmlformats.org/presentationml/2006/main">
+  <p:cSld>
+    <p:spTree>
+      <p:nvGrpSpPr>
+        <p:cNvPr id="1" name=""/>
+        <p:cNvGrpSpPr/>
+        <p:nvPr/>
+      </p:nvGrpSpPr>
+      <p:grpSpPr>
+        <a:xfrm>
+          <a:off x="0" y="0"/>
+          <a:ext cx="0" cy="0"/>
+          <a:chOff x="0" y="0"/>
+          <a:chExt cx="0" cy="0"/>
+        </a:xfrm>
+      </p:grpSpPr>
+      <p:sp>
+        <p:nvSpPr>
+          <p:cNvPr id="2" name="Title 1">
             <a:extLst>
               <a:ext uri="{FF2B5EF4-FFF2-40B4-BE49-F238E27FC236}">
-                <a16:creationId xmlns:a16="http://schemas.microsoft.com/office/drawing/2014/main" id="{4418EE55-54B2-42D8-8835-D8CDC5D81292}"/>
+                <a16:creationId xmlns:a16="http://schemas.microsoft.com/office/drawing/2014/main" id="{C3629CD1-3EEE-41BB-9F4C-D8AAF7894729}"/>
               </a:ext>
             </a:extLst>
           </p:cNvPr>
-          <p:cNvGraphicFramePr>
-            <a:graphicFrameLocks/>
-          </p:cNvGraphicFramePr>
-          <p:nvPr>
-            <p:extLst>
-              <p:ext uri="{D42A27DB-BD31-4B8C-83A1-F6EECF244321}">
-                <p14:modId xmlns:p14="http://schemas.microsoft.com/office/powerpoint/2010/main" val="1835363865"/>
-              </p:ext>
-            </p:extLst>
-          </p:nvPr>
-        </p:nvGraphicFramePr>
-        <p:xfrm>
-          <a:off x="317628" y="1401727"/>
-          <a:ext cx="11258552" cy="5316561"/>
-        </p:xfrm>
-        <a:graphic>
-          <a:graphicData uri="http://schemas.openxmlformats.org/drawingml/2006/table">
-            <a:tbl>
-              <a:tblPr firstRow="1" bandRow="1">
-                <a:tableStyleId>{5C22544A-7EE6-4342-B048-85BDC9FD1C3A}</a:tableStyleId>
-              </a:tblPr>
-              <a:tblGrid>
-                <a:gridCol w="1245288">
-                  <a:extLst>
-                    <a:ext uri="{9D8B030D-6E8A-4147-A177-3AD203B41FA5}">
-                      <a16:colId xmlns:a16="http://schemas.microsoft.com/office/drawing/2014/main" val="4261449279"/>
-                    </a:ext>
-                  </a:extLst>
-                </a:gridCol>
-                <a:gridCol w="1427093">
-                  <a:extLst>
-                    <a:ext uri="{9D8B030D-6E8A-4147-A177-3AD203B41FA5}">
-                      <a16:colId xmlns:a16="http://schemas.microsoft.com/office/drawing/2014/main" val="2888471886"/>
-                    </a:ext>
-                  </a:extLst>
-                </a:gridCol>
-                <a:gridCol w="1289189">
-                  <a:extLst>
-                    <a:ext uri="{9D8B030D-6E8A-4147-A177-3AD203B41FA5}">
-                      <a16:colId xmlns:a16="http://schemas.microsoft.com/office/drawing/2014/main" val="1669244666"/>
-                    </a:ext>
-                  </a:extLst>
-                </a:gridCol>
-                <a:gridCol w="1503159">
-                  <a:extLst>
-                    <a:ext uri="{9D8B030D-6E8A-4147-A177-3AD203B41FA5}">
-                      <a16:colId xmlns:a16="http://schemas.microsoft.com/office/drawing/2014/main" val="1678932570"/>
-                    </a:ext>
-                  </a:extLst>
-                </a:gridCol>
-                <a:gridCol w="1336142">
-                  <a:extLst>
-                    <a:ext uri="{9D8B030D-6E8A-4147-A177-3AD203B41FA5}">
-                      <a16:colId xmlns:a16="http://schemas.microsoft.com/office/drawing/2014/main" val="1433315777"/>
-                    </a:ext>
-                  </a:extLst>
-                </a:gridCol>
-                <a:gridCol w="1503159">
-                  <a:extLst>
-                    <a:ext uri="{9D8B030D-6E8A-4147-A177-3AD203B41FA5}">
-                      <a16:colId xmlns:a16="http://schemas.microsoft.com/office/drawing/2014/main" val="1853010732"/>
-                    </a:ext>
-                  </a:extLst>
-                </a:gridCol>
-                <a:gridCol w="2954522">
-                  <a:extLst>
-                    <a:ext uri="{9D8B030D-6E8A-4147-A177-3AD203B41FA5}">
-                      <a16:colId xmlns:a16="http://schemas.microsoft.com/office/drawing/2014/main" val="4217571057"/>
-                    </a:ext>
-                  </a:extLst>
-                </a:gridCol>
-              </a:tblGrid>
-              <a:tr h="442157">
-                <a:tc gridSpan="2">
-                  <a:txBody>
-                    <a:bodyPr/>
-                    <a:lstStyle/>
-                    <a:p>
-                      <a:pPr algn="ctr"/>
-                      <a:r>
-                        <a:rPr lang="en-US" sz="2000" dirty="0"/>
-                        <a:t>1 ICA</a:t>
-                      </a:r>
-                    </a:p>
-                  </a:txBody>
-                  <a:tcPr anchor="ctr"/>
-                </a:tc>
-                <a:tc hMerge="1">
-                  <a:txBody>
-                    <a:bodyPr/>
-                    <a:lstStyle/>
-                    <a:p>
-                      <a:endParaRPr lang="en-US"/>
-                    </a:p>
-                  </a:txBody>
-                  <a:tcPr/>
-                </a:tc>
-                <a:tc gridSpan="2">
-                  <a:txBody>
-                    <a:bodyPr/>
-                    <a:lstStyle/>
-                    <a:p>
-                      <a:pPr algn="ctr"/>
-                      <a:r>
-                        <a:rPr lang="en-US" sz="2000" dirty="0"/>
-                        <a:t>2 ICAs</a:t>
-                      </a:r>
-                    </a:p>
-                  </a:txBody>
-                  <a:tcPr anchor="ctr"/>
-                </a:tc>
-                <a:tc hMerge="1">
-                  <a:txBody>
-                    <a:bodyPr/>
-                    <a:lstStyle/>
-                    <a:p>
-                      <a:endParaRPr lang="en-US"/>
-                    </a:p>
-                  </a:txBody>
-                  <a:tcPr/>
-                </a:tc>
-                <a:tc gridSpan="2">
-                  <a:txBody>
-                    <a:bodyPr/>
-                    <a:lstStyle/>
-                    <a:p>
-                      <a:pPr algn="ctr"/>
-                      <a:r>
-                        <a:rPr lang="en-US" sz="2000" dirty="0"/>
-                        <a:t>3 ICAs</a:t>
-                      </a:r>
-                    </a:p>
-                  </a:txBody>
-                  <a:tcPr anchor="ctr"/>
-                </a:tc>
-                <a:tc hMerge="1">
-                  <a:txBody>
-                    <a:bodyPr/>
-                    <a:lstStyle/>
-                    <a:p>
-                      <a:endParaRPr lang="en-US"/>
-                    </a:p>
-                  </a:txBody>
-                  <a:tcPr/>
-                </a:tc>
-                <a:tc rowSpan="2">
-                  <a:txBody>
-                    <a:bodyPr/>
-                    <a:lstStyle/>
-                    <a:p>
-                      <a:pPr algn="ctr"/>
-                      <a:r>
-                        <a:rPr lang="en-US" sz="2000" dirty="0"/>
-                        <a:t>NIST PQ Algorithms</a:t>
-                      </a:r>
-                    </a:p>
-                  </a:txBody>
-                  <a:tcPr anchor="ctr"/>
-                </a:tc>
-                <a:extLst>
-                  <a:ext uri="{0D108BD9-81ED-4DB2-BD59-A6C34878D82A}">
-                    <a16:rowId xmlns:a16="http://schemas.microsoft.com/office/drawing/2014/main" val="3832094615"/>
-                  </a:ext>
-                </a:extLst>
-              </a:tr>
-              <a:tr h="816290">
-                <a:tc>
-                  <a:txBody>
-                    <a:bodyPr/>
-                    <a:lstStyle/>
-                    <a:p>
-                      <a:pPr algn="ctr"/>
-                      <a:r>
-                        <a:rPr lang="en-US" sz="1400" b="1" dirty="0">
-                          <a:solidFill>
-                            <a:schemeClr val="bg1"/>
-                          </a:solidFill>
-                        </a:rPr>
-                        <a:t>Initial Client Data (B)</a:t>
-                      </a:r>
-                    </a:p>
-                  </a:txBody>
-                  <a:tcPr anchor="ctr">
-                    <a:solidFill>
-                      <a:schemeClr val="accent1"/>
-                    </a:solidFill>
-                  </a:tcPr>
-                </a:tc>
-                <a:tc>
-                  <a:txBody>
-                    <a:bodyPr/>
-                    <a:lstStyle/>
-                    <a:p>
-                      <a:pPr algn="ctr"/>
-                      <a:r>
-                        <a:rPr lang="en-US" sz="1400" b="1" dirty="0">
-                          <a:solidFill>
-                            <a:schemeClr val="bg1"/>
-                          </a:solidFill>
-                        </a:rPr>
-                        <a:t>Server Response Data (KB)</a:t>
-                      </a:r>
-                    </a:p>
-                  </a:txBody>
-                  <a:tcPr anchor="ctr">
-                    <a:solidFill>
-                      <a:schemeClr val="accent1"/>
-                    </a:solidFill>
-                  </a:tcPr>
-                </a:tc>
-                <a:tc>
-                  <a:txBody>
-                    <a:bodyPr/>
-                    <a:lstStyle/>
-                    <a:p>
-                      <a:pPr algn="ctr"/>
-                      <a:r>
-                        <a:rPr lang="en-US" sz="1400" b="1" dirty="0">
-                          <a:solidFill>
-                            <a:schemeClr val="bg1"/>
-                          </a:solidFill>
-                        </a:rPr>
-                        <a:t>Initial Client Data (B)</a:t>
-                      </a:r>
-                    </a:p>
-                  </a:txBody>
-                  <a:tcPr anchor="ctr">
-                    <a:solidFill>
-                      <a:schemeClr val="accent1"/>
-                    </a:solidFill>
-                  </a:tcPr>
-                </a:tc>
-                <a:tc>
-                  <a:txBody>
-                    <a:bodyPr/>
-                    <a:lstStyle/>
-                    <a:p>
-                      <a:pPr algn="ctr"/>
-                      <a:r>
-                        <a:rPr lang="en-US" sz="1400" b="1" dirty="0">
-                          <a:solidFill>
-                            <a:schemeClr val="bg1"/>
-                          </a:solidFill>
-                        </a:rPr>
-                        <a:t>Server Response Data (KB)</a:t>
-                      </a:r>
-                    </a:p>
-                  </a:txBody>
-                  <a:tcPr anchor="ctr">
-                    <a:solidFill>
-                      <a:schemeClr val="accent1"/>
-                    </a:solidFill>
-                  </a:tcPr>
-                </a:tc>
-                <a:tc>
-                  <a:txBody>
-                    <a:bodyPr/>
-                    <a:lstStyle/>
-                    <a:p>
-                      <a:pPr algn="ctr"/>
-                      <a:r>
-                        <a:rPr lang="en-US" sz="1400" b="1" dirty="0">
-                          <a:solidFill>
-                            <a:schemeClr val="bg1"/>
-                          </a:solidFill>
-                        </a:rPr>
-                        <a:t>Initial Client Data (B)</a:t>
-                      </a:r>
-                    </a:p>
-                  </a:txBody>
-                  <a:tcPr anchor="ctr">
-                    <a:solidFill>
-                      <a:schemeClr val="accent1"/>
-                    </a:solidFill>
-                  </a:tcPr>
-                </a:tc>
-                <a:tc>
-                  <a:txBody>
-                    <a:bodyPr/>
-                    <a:lstStyle/>
-                    <a:p>
-                      <a:pPr algn="ctr"/>
-                      <a:r>
-                        <a:rPr lang="en-US" sz="1400" b="1" dirty="0">
-                          <a:solidFill>
-                            <a:schemeClr val="bg1"/>
-                          </a:solidFill>
-                        </a:rPr>
-                        <a:t>Server Response Data (KB)</a:t>
-                      </a:r>
-                    </a:p>
-                  </a:txBody>
-                  <a:tcPr anchor="ctr">
-                    <a:solidFill>
-                      <a:schemeClr val="accent1"/>
-                    </a:solidFill>
-                  </a:tcPr>
-                </a:tc>
-                <a:tc vMerge="1">
-                  <a:txBody>
-                    <a:bodyPr/>
-                    <a:lstStyle/>
-                    <a:p>
-                      <a:pPr algn="ctr"/>
-                      <a:endParaRPr lang="en-US" sz="1400" b="1" dirty="0">
-                        <a:solidFill>
-                          <a:schemeClr val="tx1"/>
-                        </a:solidFill>
-                      </a:endParaRPr>
-                    </a:p>
-                  </a:txBody>
-                  <a:tcPr>
-                    <a:solidFill>
-                      <a:schemeClr val="accent1"/>
-                    </a:solidFill>
-                  </a:tcPr>
-                </a:tc>
-                <a:extLst>
-                  <a:ext uri="{0D108BD9-81ED-4DB2-BD59-A6C34878D82A}">
-                    <a16:rowId xmlns:a16="http://schemas.microsoft.com/office/drawing/2014/main" val="2969612624"/>
-                  </a:ext>
-                </a:extLst>
-              </a:tr>
-              <a:tr h="484672">
-                <a:tc>
-                  <a:txBody>
-                    <a:bodyPr/>
-                    <a:lstStyle/>
-                    <a:p>
-                      <a:pPr algn="r" fontAlgn="b"/>
-                      <a:r>
-                        <a:rPr lang="en-US" sz="1800" b="0" i="0" u="none" strike="noStrike" dirty="0">
-                          <a:solidFill>
-                            <a:srgbClr val="000000"/>
-                          </a:solidFill>
-                          <a:effectLst/>
-                          <a:latin typeface="+mn-lt"/>
-                        </a:rPr>
-                        <a:t>1050</a:t>
-                      </a:r>
-                    </a:p>
-                  </a:txBody>
-                  <a:tcPr marL="7620" marR="7620" marT="7620" marB="0" anchor="b"/>
-                </a:tc>
-                <a:tc>
-                  <a:txBody>
-                    <a:bodyPr/>
-                    <a:lstStyle/>
-                    <a:p>
-                      <a:pPr algn="r" fontAlgn="b"/>
-                      <a:r>
-                        <a:rPr lang="en-US" sz="1800" b="0" i="0" u="none" strike="noStrike" dirty="0">
-                          <a:solidFill>
-                            <a:srgbClr val="000000"/>
-                          </a:solidFill>
-                          <a:effectLst/>
-                          <a:latin typeface="+mn-lt"/>
-                        </a:rPr>
-                        <a:t>5.59</a:t>
-                      </a:r>
-                    </a:p>
-                  </a:txBody>
-                  <a:tcPr marL="0" marR="0" marT="0" marB="0" anchor="b"/>
-                </a:tc>
-                <a:tc>
-                  <a:txBody>
-                    <a:bodyPr/>
-                    <a:lstStyle/>
-                    <a:p>
-                      <a:pPr algn="r" fontAlgn="b"/>
-                      <a:r>
-                        <a:rPr lang="en-US" sz="1800" b="0" i="0" u="none" strike="noStrike" dirty="0">
-                          <a:solidFill>
-                            <a:srgbClr val="000000"/>
-                          </a:solidFill>
-                          <a:effectLst/>
-                          <a:latin typeface="+mn-lt"/>
-                        </a:rPr>
-                        <a:t>1050</a:t>
-                      </a:r>
-                    </a:p>
-                  </a:txBody>
-                  <a:tcPr marL="7620" marR="7620" marT="7620" marB="0" anchor="b"/>
-                </a:tc>
-                <a:tc>
-                  <a:txBody>
-                    <a:bodyPr/>
-                    <a:lstStyle/>
-                    <a:p>
-                      <a:pPr algn="r" fontAlgn="b"/>
-                      <a:r>
-                        <a:rPr lang="en-US" sz="1800" b="0" i="0" u="none" strike="noStrike" dirty="0">
-                          <a:solidFill>
-                            <a:srgbClr val="000000"/>
-                          </a:solidFill>
-                          <a:effectLst/>
-                          <a:latin typeface="Calibri" panose="020F0502020204030204" pitchFamily="34" charset="0"/>
-                        </a:rPr>
-                        <a:t>5.59</a:t>
-                      </a:r>
-                    </a:p>
-                  </a:txBody>
-                  <a:tcPr marL="0" marR="0" marT="0" marB="0" anchor="b"/>
-                </a:tc>
-                <a:tc>
-                  <a:txBody>
-                    <a:bodyPr/>
-                    <a:lstStyle/>
-                    <a:p>
-                      <a:pPr algn="r" fontAlgn="b"/>
-                      <a:r>
-                        <a:rPr lang="en-US" sz="1800" b="0" i="0" u="none" strike="noStrike" dirty="0">
-                          <a:solidFill>
-                            <a:srgbClr val="000000"/>
-                          </a:solidFill>
-                          <a:effectLst/>
-                          <a:latin typeface="+mn-lt"/>
-                        </a:rPr>
-                        <a:t>1050</a:t>
-                      </a:r>
-                    </a:p>
-                  </a:txBody>
-                  <a:tcPr marL="7620" marR="7620" marT="7620" marB="0" anchor="b"/>
-                </a:tc>
-                <a:tc>
-                  <a:txBody>
-                    <a:bodyPr/>
-                    <a:lstStyle/>
-                    <a:p>
-                      <a:pPr algn="r" fontAlgn="b"/>
-                      <a:r>
-                        <a:rPr lang="en-US" sz="1800" b="0" i="0" u="none" strike="noStrike" dirty="0">
-                          <a:solidFill>
-                            <a:srgbClr val="000000"/>
-                          </a:solidFill>
-                          <a:effectLst/>
-                          <a:latin typeface="Calibri" panose="020F0502020204030204" pitchFamily="34" charset="0"/>
-                        </a:rPr>
-                        <a:t>5.59</a:t>
-                      </a:r>
-                    </a:p>
-                  </a:txBody>
-                  <a:tcPr marL="0" marR="0" marT="0" marB="0" anchor="b"/>
-                </a:tc>
-                <a:tc>
-                  <a:txBody>
-                    <a:bodyPr/>
-                    <a:lstStyle/>
-                    <a:p>
-                      <a:pPr algn="r" fontAlgn="b"/>
-                      <a:r>
-                        <a:rPr lang="en-US" sz="1600" b="0" i="0" u="none" strike="noStrike" dirty="0">
-                          <a:solidFill>
-                            <a:srgbClr val="000000"/>
-                          </a:solidFill>
-                          <a:effectLst/>
-                          <a:latin typeface="+mn-lt"/>
-                        </a:rPr>
-                        <a:t>(X25519 + Kyber-512) &amp; </a:t>
-                      </a:r>
-                    </a:p>
-                    <a:p>
-                      <a:pPr algn="r" fontAlgn="b"/>
-                      <a:r>
-                        <a:rPr lang="en-US" sz="1600" b="0" i="0" u="none" strike="noStrike" dirty="0">
-                          <a:solidFill>
-                            <a:srgbClr val="000000"/>
-                          </a:solidFill>
-                          <a:effectLst/>
-                          <a:latin typeface="+mn-lt"/>
-                        </a:rPr>
-                        <a:t>Dilithium-2</a:t>
-                      </a:r>
-                    </a:p>
-                  </a:txBody>
-                  <a:tcPr marL="7620" marR="7620" marT="7620" marB="0" anchor="b"/>
-                </a:tc>
-                <a:extLst>
-                  <a:ext uri="{0D108BD9-81ED-4DB2-BD59-A6C34878D82A}">
-                    <a16:rowId xmlns:a16="http://schemas.microsoft.com/office/drawing/2014/main" val="687941987"/>
-                  </a:ext>
-                </a:extLst>
-              </a:tr>
-              <a:tr h="484672">
-                <a:tc>
-                  <a:txBody>
-                    <a:bodyPr/>
-                    <a:lstStyle/>
-                    <a:p>
-                      <a:pPr algn="r" fontAlgn="b"/>
-                      <a:r>
-                        <a:rPr lang="en-US" sz="1800" b="0" i="0" u="none" strike="noStrike" dirty="0">
-                          <a:solidFill>
-                            <a:srgbClr val="000000"/>
-                          </a:solidFill>
-                          <a:effectLst/>
-                          <a:latin typeface="+mn-lt"/>
-                        </a:rPr>
-                        <a:t>1050</a:t>
-                      </a:r>
-                    </a:p>
-                  </a:txBody>
-                  <a:tcPr marL="7620" marR="7620" marT="7620" marB="0" anchor="b"/>
-                </a:tc>
-                <a:tc>
-                  <a:txBody>
-                    <a:bodyPr/>
-                    <a:lstStyle/>
-                    <a:p>
-                      <a:pPr algn="r" fontAlgn="b"/>
-                      <a:r>
-                        <a:rPr lang="en-US" sz="1800" b="0" i="0" u="none" strike="noStrike" dirty="0">
-                          <a:solidFill>
-                            <a:srgbClr val="000000"/>
-                          </a:solidFill>
-                          <a:effectLst/>
-                          <a:latin typeface="+mn-lt"/>
-                        </a:rPr>
-                        <a:t>3.21</a:t>
-                      </a:r>
-                    </a:p>
-                  </a:txBody>
-                  <a:tcPr marL="0" marR="0" marT="0" marB="0" anchor="b"/>
-                </a:tc>
-                <a:tc>
-                  <a:txBody>
-                    <a:bodyPr/>
-                    <a:lstStyle/>
-                    <a:p>
-                      <a:pPr algn="r" fontAlgn="b"/>
-                      <a:r>
-                        <a:rPr lang="en-US" sz="1800" b="0" i="0" u="none" strike="noStrike" dirty="0">
-                          <a:solidFill>
-                            <a:srgbClr val="000000"/>
-                          </a:solidFill>
-                          <a:effectLst/>
-                          <a:latin typeface="+mn-lt"/>
-                        </a:rPr>
-                        <a:t>1050</a:t>
-                      </a:r>
-                    </a:p>
-                  </a:txBody>
-                  <a:tcPr marL="7620" marR="7620" marT="7620" marB="0" anchor="b"/>
-                </a:tc>
-                <a:tc>
-                  <a:txBody>
-                    <a:bodyPr/>
-                    <a:lstStyle/>
-                    <a:p>
-                      <a:pPr marL="0" marR="0" lvl="0" indent="0" algn="r" defTabSz="914400" rtl="0" eaLnBrk="1" fontAlgn="b" latinLnBrk="0" hangingPunct="1">
-                        <a:lnSpc>
-                          <a:spcPct val="100000"/>
-                        </a:lnSpc>
-                        <a:spcBef>
-                          <a:spcPts val="0"/>
-                        </a:spcBef>
-                        <a:spcAft>
-                          <a:spcPts val="0"/>
-                        </a:spcAft>
-                        <a:buClrTx/>
-                        <a:buSzTx/>
-                        <a:buFontTx/>
-                        <a:buNone/>
-                        <a:tabLst/>
-                        <a:defRPr/>
-                      </a:pPr>
-                      <a:r>
-                        <a:rPr kumimoji="0" lang="en-US" sz="1800" b="0" i="0" u="none" strike="noStrike" kern="1200" cap="none" spc="0" normalizeH="0" baseline="0" noProof="0" dirty="0">
-                          <a:ln>
-                            <a:noFill/>
-                          </a:ln>
-                          <a:solidFill>
-                            <a:srgbClr val="000000"/>
-                          </a:solidFill>
-                          <a:effectLst/>
-                          <a:uLnTx/>
-                          <a:uFillTx/>
-                          <a:latin typeface="+mn-lt"/>
-                          <a:ea typeface="+mn-ea"/>
-                          <a:cs typeface="+mn-cs"/>
-                        </a:rPr>
-                        <a:t>3.21</a:t>
-                      </a:r>
-                    </a:p>
-                  </a:txBody>
-                  <a:tcPr marL="0" marR="0" marT="0" marB="0" anchor="b"/>
-                </a:tc>
-                <a:tc>
-                  <a:txBody>
-                    <a:bodyPr/>
-                    <a:lstStyle/>
-                    <a:p>
-                      <a:pPr algn="r" fontAlgn="b"/>
-                      <a:r>
-                        <a:rPr lang="en-US" sz="1800" b="0" i="0" u="none" strike="noStrike">
-                          <a:solidFill>
-                            <a:srgbClr val="000000"/>
-                          </a:solidFill>
-                          <a:effectLst/>
-                          <a:latin typeface="+mn-lt"/>
-                        </a:rPr>
-                        <a:t>1050</a:t>
-                      </a:r>
-                    </a:p>
-                  </a:txBody>
-                  <a:tcPr marL="7620" marR="7620" marT="7620" marB="0" anchor="b"/>
-                </a:tc>
-                <a:tc>
-                  <a:txBody>
-                    <a:bodyPr/>
-                    <a:lstStyle/>
-                    <a:p>
-                      <a:pPr marL="0" marR="0" lvl="0" indent="0" algn="r" defTabSz="914400" rtl="0" eaLnBrk="1" fontAlgn="b" latinLnBrk="0" hangingPunct="1">
-                        <a:lnSpc>
-                          <a:spcPct val="100000"/>
-                        </a:lnSpc>
-                        <a:spcBef>
-                          <a:spcPts val="0"/>
-                        </a:spcBef>
-                        <a:spcAft>
-                          <a:spcPts val="0"/>
-                        </a:spcAft>
-                        <a:buClrTx/>
-                        <a:buSzTx/>
-                        <a:buFontTx/>
-                        <a:buNone/>
-                        <a:tabLst/>
-                        <a:defRPr/>
-                      </a:pPr>
-                      <a:r>
-                        <a:rPr kumimoji="0" lang="en-US" sz="1800" b="0" i="0" u="none" strike="noStrike" kern="1200" cap="none" spc="0" normalizeH="0" baseline="0" noProof="0" dirty="0">
-                          <a:ln>
-                            <a:noFill/>
-                          </a:ln>
-                          <a:solidFill>
-                            <a:srgbClr val="000000"/>
-                          </a:solidFill>
-                          <a:effectLst/>
-                          <a:uLnTx/>
-                          <a:uFillTx/>
-                          <a:latin typeface="+mn-lt"/>
-                          <a:ea typeface="+mn-ea"/>
-                          <a:cs typeface="+mn-cs"/>
-                        </a:rPr>
-                        <a:t>3.21</a:t>
-                      </a:r>
-                    </a:p>
-                  </a:txBody>
-                  <a:tcPr marL="0" marR="0" marT="0" marB="0" anchor="b"/>
-                </a:tc>
-                <a:tc>
-                  <a:txBody>
-                    <a:bodyPr/>
-                    <a:lstStyle/>
-                    <a:p>
-                      <a:pPr algn="r" fontAlgn="b"/>
-                      <a:r>
-                        <a:rPr lang="en-US" sz="1600" b="0" i="0" u="none" strike="noStrike" dirty="0">
-                          <a:solidFill>
-                            <a:srgbClr val="000000"/>
-                          </a:solidFill>
-                          <a:effectLst/>
-                          <a:latin typeface="+mn-lt"/>
-                        </a:rPr>
-                        <a:t>(X25519 + Kyber-512) &amp; </a:t>
-                      </a:r>
-                    </a:p>
-                    <a:p>
-                      <a:pPr algn="r" fontAlgn="b"/>
-                      <a:r>
-                        <a:rPr lang="en-US" sz="1600" b="0" i="0" u="none" strike="noStrike" dirty="0">
-                          <a:solidFill>
-                            <a:srgbClr val="000000"/>
-                          </a:solidFill>
-                          <a:effectLst/>
-                          <a:latin typeface="+mn-lt"/>
-                        </a:rPr>
-                        <a:t>Falcon-512</a:t>
-                      </a:r>
-                    </a:p>
-                  </a:txBody>
-                  <a:tcPr marL="7620" marR="7620" marT="7620" marB="0" anchor="b"/>
-                </a:tc>
-                <a:extLst>
-                  <a:ext uri="{0D108BD9-81ED-4DB2-BD59-A6C34878D82A}">
-                    <a16:rowId xmlns:a16="http://schemas.microsoft.com/office/drawing/2014/main" val="3616615826"/>
-                  </a:ext>
-                </a:extLst>
-              </a:tr>
-              <a:tr h="467666">
-                <a:tc>
-                  <a:txBody>
-                    <a:bodyPr/>
-                    <a:lstStyle/>
-                    <a:p>
-                      <a:pPr algn="r" fontAlgn="b"/>
-                      <a:r>
-                        <a:rPr lang="en-US" sz="1800" b="0" i="0" u="none" strike="noStrike">
-                          <a:solidFill>
-                            <a:srgbClr val="000000"/>
-                          </a:solidFill>
-                          <a:effectLst/>
-                          <a:latin typeface="+mn-lt"/>
-                        </a:rPr>
-                        <a:t>949</a:t>
-                      </a:r>
-                    </a:p>
-                  </a:txBody>
-                  <a:tcPr marL="7620" marR="7620" marT="7620" marB="0" anchor="b"/>
-                </a:tc>
-                <a:tc>
-                  <a:txBody>
-                    <a:bodyPr/>
-                    <a:lstStyle/>
-                    <a:p>
-                      <a:pPr algn="r" fontAlgn="b"/>
-                      <a:r>
-                        <a:rPr lang="en-US" sz="1800" b="0" i="0" u="none" strike="noStrike" dirty="0">
-                          <a:solidFill>
-                            <a:srgbClr val="000000"/>
-                          </a:solidFill>
-                          <a:effectLst/>
-                          <a:latin typeface="+mn-lt"/>
-                        </a:rPr>
-                        <a:t>3.21</a:t>
-                      </a:r>
-                    </a:p>
-                  </a:txBody>
-                  <a:tcPr marL="0" marR="0" marT="0" marB="0" anchor="b"/>
-                </a:tc>
-                <a:tc>
-                  <a:txBody>
-                    <a:bodyPr/>
-                    <a:lstStyle/>
-                    <a:p>
-                      <a:pPr algn="r" fontAlgn="b"/>
-                      <a:r>
-                        <a:rPr lang="en-US" sz="1800" b="0" i="0" u="none" strike="noStrike" dirty="0">
-                          <a:solidFill>
-                            <a:srgbClr val="000000"/>
-                          </a:solidFill>
-                          <a:effectLst/>
-                          <a:latin typeface="+mn-lt"/>
-                        </a:rPr>
-                        <a:t>949</a:t>
-                      </a:r>
-                    </a:p>
-                  </a:txBody>
-                  <a:tcPr marL="7620" marR="7620" marT="7620" marB="0" anchor="b"/>
-                </a:tc>
-                <a:tc>
-                  <a:txBody>
-                    <a:bodyPr/>
-                    <a:lstStyle/>
-                    <a:p>
-                      <a:pPr marL="0" marR="0" lvl="0" indent="0" algn="r" defTabSz="914400" rtl="0" eaLnBrk="1" fontAlgn="b" latinLnBrk="0" hangingPunct="1">
-                        <a:lnSpc>
-                          <a:spcPct val="100000"/>
-                        </a:lnSpc>
-                        <a:spcBef>
-                          <a:spcPts val="0"/>
-                        </a:spcBef>
-                        <a:spcAft>
-                          <a:spcPts val="0"/>
-                        </a:spcAft>
-                        <a:buClrTx/>
-                        <a:buSzTx/>
-                        <a:buFontTx/>
-                        <a:buNone/>
-                        <a:tabLst/>
-                        <a:defRPr/>
-                      </a:pPr>
-                      <a:r>
-                        <a:rPr kumimoji="0" lang="en-US" sz="1800" b="0" i="0" u="none" strike="noStrike" kern="1200" cap="none" spc="0" normalizeH="0" baseline="0" noProof="0" dirty="0">
-                          <a:ln>
-                            <a:noFill/>
-                          </a:ln>
-                          <a:solidFill>
-                            <a:srgbClr val="000000"/>
-                          </a:solidFill>
-                          <a:effectLst/>
-                          <a:uLnTx/>
-                          <a:uFillTx/>
-                          <a:latin typeface="+mn-lt"/>
-                          <a:ea typeface="+mn-ea"/>
-                          <a:cs typeface="+mn-cs"/>
-                        </a:rPr>
-                        <a:t>3.21</a:t>
-                      </a:r>
-                    </a:p>
-                  </a:txBody>
-                  <a:tcPr marL="0" marR="0" marT="0" marB="0" anchor="b"/>
-                </a:tc>
-                <a:tc>
-                  <a:txBody>
-                    <a:bodyPr/>
-                    <a:lstStyle/>
-                    <a:p>
-                      <a:pPr algn="r" fontAlgn="b"/>
-                      <a:r>
-                        <a:rPr lang="en-US" sz="1800" b="0" i="0" u="none" strike="noStrike" dirty="0">
-                          <a:solidFill>
-                            <a:srgbClr val="000000"/>
-                          </a:solidFill>
-                          <a:effectLst/>
-                          <a:latin typeface="+mn-lt"/>
-                        </a:rPr>
-                        <a:t>949</a:t>
-                      </a:r>
-                    </a:p>
-                  </a:txBody>
-                  <a:tcPr marL="7620" marR="7620" marT="7620" marB="0" anchor="b"/>
-                </a:tc>
-                <a:tc>
-                  <a:txBody>
-                    <a:bodyPr/>
-                    <a:lstStyle/>
-                    <a:p>
-                      <a:pPr marL="0" marR="0" lvl="0" indent="0" algn="r" defTabSz="914400" rtl="0" eaLnBrk="1" fontAlgn="b" latinLnBrk="0" hangingPunct="1">
-                        <a:lnSpc>
-                          <a:spcPct val="100000"/>
-                        </a:lnSpc>
-                        <a:spcBef>
-                          <a:spcPts val="0"/>
-                        </a:spcBef>
-                        <a:spcAft>
-                          <a:spcPts val="0"/>
-                        </a:spcAft>
-                        <a:buClrTx/>
-                        <a:buSzTx/>
-                        <a:buFontTx/>
-                        <a:buNone/>
-                        <a:tabLst/>
-                        <a:defRPr/>
-                      </a:pPr>
-                      <a:r>
-                        <a:rPr kumimoji="0" lang="en-US" sz="1800" b="0" i="0" u="none" strike="noStrike" kern="1200" cap="none" spc="0" normalizeH="0" baseline="0" noProof="0" dirty="0">
-                          <a:ln>
-                            <a:noFill/>
-                          </a:ln>
-                          <a:solidFill>
-                            <a:srgbClr val="000000"/>
-                          </a:solidFill>
-                          <a:effectLst/>
-                          <a:uLnTx/>
-                          <a:uFillTx/>
-                          <a:latin typeface="+mn-lt"/>
-                          <a:ea typeface="+mn-ea"/>
-                          <a:cs typeface="+mn-cs"/>
-                        </a:rPr>
-                        <a:t>3.21</a:t>
-                      </a:r>
-                    </a:p>
-                  </a:txBody>
-                  <a:tcPr marL="0" marR="0" marT="0" marB="0" anchor="b"/>
-                </a:tc>
-                <a:tc>
-                  <a:txBody>
-                    <a:bodyPr/>
-                    <a:lstStyle/>
-                    <a:p>
-                      <a:pPr algn="r" fontAlgn="b"/>
-                      <a:r>
-                        <a:rPr lang="en-US" sz="1600" b="0" i="0" u="none" strike="noStrike" dirty="0">
-                          <a:solidFill>
-                            <a:srgbClr val="000000"/>
-                          </a:solidFill>
-                          <a:effectLst/>
-                          <a:latin typeface="+mn-lt"/>
-                        </a:rPr>
-                        <a:t>(X25519 + ntruhps2048509) &amp; </a:t>
-                      </a:r>
-                      <a:br>
-                        <a:rPr lang="en-US" sz="1600" b="0" i="0" u="none" strike="noStrike" dirty="0">
-                          <a:solidFill>
-                            <a:srgbClr val="000000"/>
-                          </a:solidFill>
-                          <a:effectLst/>
-                          <a:latin typeface="+mn-lt"/>
-                        </a:rPr>
-                      </a:br>
-                      <a:r>
-                        <a:rPr lang="en-US" sz="1600" b="0" i="0" u="none" strike="noStrike" dirty="0">
-                          <a:solidFill>
-                            <a:srgbClr val="000000"/>
-                          </a:solidFill>
-                          <a:effectLst/>
-                          <a:latin typeface="+mn-lt"/>
-                        </a:rPr>
-                        <a:t>Falcon-512</a:t>
-                      </a:r>
-                    </a:p>
-                  </a:txBody>
-                  <a:tcPr marL="7620" marR="7620" marT="7620" marB="0" anchor="b"/>
-                </a:tc>
-                <a:extLst>
-                  <a:ext uri="{0D108BD9-81ED-4DB2-BD59-A6C34878D82A}">
-                    <a16:rowId xmlns:a16="http://schemas.microsoft.com/office/drawing/2014/main" val="2372735652"/>
-                  </a:ext>
-                </a:extLst>
-              </a:tr>
-              <a:tr h="484672">
-                <a:tc>
-                  <a:txBody>
-                    <a:bodyPr/>
-                    <a:lstStyle/>
-                    <a:p>
-                      <a:pPr algn="r" fontAlgn="b"/>
-                      <a:r>
-                        <a:rPr lang="en-US" sz="1800" b="0" i="0" u="none" strike="noStrike" dirty="0">
-                          <a:solidFill>
-                            <a:srgbClr val="000000"/>
-                          </a:solidFill>
-                          <a:effectLst/>
-                          <a:latin typeface="+mn-lt"/>
-                        </a:rPr>
-                        <a:t>922</a:t>
-                      </a:r>
-                    </a:p>
-                  </a:txBody>
-                  <a:tcPr marL="7620" marR="7620" marT="7620" marB="0" anchor="b"/>
-                </a:tc>
-                <a:tc>
-                  <a:txBody>
-                    <a:bodyPr/>
-                    <a:lstStyle/>
-                    <a:p>
-                      <a:pPr algn="r" fontAlgn="b"/>
-                      <a:r>
-                        <a:rPr lang="en-US" sz="1800" b="0" i="0" u="none" strike="noStrike" dirty="0">
-                          <a:solidFill>
-                            <a:srgbClr val="000000"/>
-                          </a:solidFill>
-                          <a:effectLst/>
-                          <a:latin typeface="+mn-lt"/>
-                        </a:rPr>
-                        <a:t>3.21</a:t>
-                      </a:r>
-                    </a:p>
-                  </a:txBody>
-                  <a:tcPr marL="0" marR="0" marT="0" marB="0" anchor="b"/>
-                </a:tc>
-                <a:tc>
-                  <a:txBody>
-                    <a:bodyPr/>
-                    <a:lstStyle/>
-                    <a:p>
-                      <a:pPr algn="r" fontAlgn="b"/>
-                      <a:r>
-                        <a:rPr lang="en-US" sz="1800" b="0" i="0" u="none" strike="noStrike" dirty="0">
-                          <a:solidFill>
-                            <a:srgbClr val="000000"/>
-                          </a:solidFill>
-                          <a:effectLst/>
-                          <a:latin typeface="+mn-lt"/>
-                        </a:rPr>
-                        <a:t>922</a:t>
-                      </a:r>
-                    </a:p>
-                  </a:txBody>
-                  <a:tcPr marL="7620" marR="7620" marT="7620" marB="0" anchor="b"/>
-                </a:tc>
-                <a:tc>
-                  <a:txBody>
-                    <a:bodyPr/>
-                    <a:lstStyle/>
-                    <a:p>
-                      <a:pPr marL="0" marR="0" lvl="0" indent="0" algn="r" defTabSz="914400" rtl="0" eaLnBrk="1" fontAlgn="b" latinLnBrk="0" hangingPunct="1">
-                        <a:lnSpc>
-                          <a:spcPct val="100000"/>
-                        </a:lnSpc>
-                        <a:spcBef>
-                          <a:spcPts val="0"/>
-                        </a:spcBef>
-                        <a:spcAft>
-                          <a:spcPts val="0"/>
-                        </a:spcAft>
-                        <a:buClrTx/>
-                        <a:buSzTx/>
-                        <a:buFontTx/>
-                        <a:buNone/>
-                        <a:tabLst/>
-                        <a:defRPr/>
-                      </a:pPr>
-                      <a:r>
-                        <a:rPr kumimoji="0" lang="en-US" sz="1800" b="0" i="0" u="none" strike="noStrike" kern="1200" cap="none" spc="0" normalizeH="0" baseline="0" noProof="0" dirty="0">
-                          <a:ln>
-                            <a:noFill/>
-                          </a:ln>
-                          <a:solidFill>
-                            <a:srgbClr val="000000"/>
-                          </a:solidFill>
-                          <a:effectLst/>
-                          <a:uLnTx/>
-                          <a:uFillTx/>
-                          <a:latin typeface="+mn-lt"/>
-                          <a:ea typeface="+mn-ea"/>
-                          <a:cs typeface="+mn-cs"/>
-                        </a:rPr>
-                        <a:t>3.21</a:t>
-                      </a:r>
-                    </a:p>
-                  </a:txBody>
-                  <a:tcPr marL="0" marR="0" marT="0" marB="0" anchor="b"/>
-                </a:tc>
-                <a:tc>
-                  <a:txBody>
-                    <a:bodyPr/>
-                    <a:lstStyle/>
-                    <a:p>
-                      <a:pPr algn="r" fontAlgn="b"/>
-                      <a:r>
-                        <a:rPr lang="en-US" sz="1800" b="0" i="0" u="none" strike="noStrike" dirty="0">
-                          <a:solidFill>
-                            <a:srgbClr val="000000"/>
-                          </a:solidFill>
-                          <a:effectLst/>
-                          <a:latin typeface="+mn-lt"/>
-                        </a:rPr>
-                        <a:t>922</a:t>
-                      </a:r>
-                    </a:p>
-                  </a:txBody>
-                  <a:tcPr marL="7620" marR="7620" marT="7620" marB="0" anchor="b"/>
-                </a:tc>
-                <a:tc>
-                  <a:txBody>
-                    <a:bodyPr/>
-                    <a:lstStyle/>
-                    <a:p>
-                      <a:pPr marL="0" marR="0" lvl="0" indent="0" algn="r" defTabSz="914400" rtl="0" eaLnBrk="1" fontAlgn="b" latinLnBrk="0" hangingPunct="1">
-                        <a:lnSpc>
-                          <a:spcPct val="100000"/>
-                        </a:lnSpc>
-                        <a:spcBef>
-                          <a:spcPts val="0"/>
-                        </a:spcBef>
-                        <a:spcAft>
-                          <a:spcPts val="0"/>
-                        </a:spcAft>
-                        <a:buClrTx/>
-                        <a:buSzTx/>
-                        <a:buFontTx/>
-                        <a:buNone/>
-                        <a:tabLst/>
-                        <a:defRPr/>
-                      </a:pPr>
-                      <a:r>
-                        <a:rPr kumimoji="0" lang="en-US" sz="1800" b="0" i="0" u="none" strike="noStrike" kern="1200" cap="none" spc="0" normalizeH="0" baseline="0" noProof="0" dirty="0">
-                          <a:ln>
-                            <a:noFill/>
-                          </a:ln>
-                          <a:solidFill>
-                            <a:srgbClr val="000000"/>
-                          </a:solidFill>
-                          <a:effectLst/>
-                          <a:uLnTx/>
-                          <a:uFillTx/>
-                          <a:latin typeface="+mn-lt"/>
-                          <a:ea typeface="+mn-ea"/>
-                          <a:cs typeface="+mn-cs"/>
-                        </a:rPr>
-                        <a:t>3.21</a:t>
-                      </a:r>
-                    </a:p>
-                  </a:txBody>
-                  <a:tcPr marL="0" marR="0" marT="0" marB="0" anchor="b"/>
-                </a:tc>
-                <a:tc>
-                  <a:txBody>
-                    <a:bodyPr/>
-                    <a:lstStyle/>
-                    <a:p>
-                      <a:pPr algn="r" fontAlgn="b"/>
-                      <a:r>
-                        <a:rPr lang="en-US" sz="1600" b="0" i="0" u="none" strike="noStrike" dirty="0">
-                          <a:solidFill>
-                            <a:srgbClr val="000000"/>
-                          </a:solidFill>
-                          <a:effectLst/>
-                          <a:latin typeface="+mn-lt"/>
-                        </a:rPr>
-                        <a:t>(X25519 + </a:t>
-                      </a:r>
-                      <a:r>
-                        <a:rPr lang="en-US" sz="1600" b="0" i="0" u="none" strike="noStrike" kern="1200" dirty="0" err="1">
-                          <a:solidFill>
-                            <a:srgbClr val="000000"/>
-                          </a:solidFill>
-                          <a:effectLst/>
-                          <a:latin typeface="+mn-lt"/>
-                          <a:ea typeface="+mn-ea"/>
-                          <a:cs typeface="+mn-cs"/>
-                        </a:rPr>
-                        <a:t>Light</a:t>
-                      </a:r>
-                      <a:r>
-                        <a:rPr lang="en-US" sz="1600" b="0" i="0" u="none" strike="noStrike" dirty="0" err="1">
-                          <a:solidFill>
-                            <a:srgbClr val="000000"/>
-                          </a:solidFill>
-                          <a:effectLst/>
-                          <a:latin typeface="+mn-lt"/>
-                        </a:rPr>
-                        <a:t>Saber</a:t>
-                      </a:r>
-                      <a:r>
-                        <a:rPr lang="en-US" sz="1600" b="0" i="0" u="none" strike="noStrike" dirty="0">
-                          <a:solidFill>
-                            <a:srgbClr val="000000"/>
-                          </a:solidFill>
-                          <a:effectLst/>
-                          <a:latin typeface="+mn-lt"/>
-                        </a:rPr>
-                        <a:t>) &amp; Falcon-512</a:t>
-                      </a:r>
-                    </a:p>
-                  </a:txBody>
-                  <a:tcPr marL="7620" marR="7620" marT="7620" marB="0" anchor="b"/>
-                </a:tc>
-                <a:extLst>
-                  <a:ext uri="{0D108BD9-81ED-4DB2-BD59-A6C34878D82A}">
-                    <a16:rowId xmlns:a16="http://schemas.microsoft.com/office/drawing/2014/main" val="3520822024"/>
-                  </a:ext>
-                </a:extLst>
-              </a:tr>
-              <a:tr h="484672">
-                <a:tc>
-                  <a:txBody>
-                    <a:bodyPr/>
-                    <a:lstStyle/>
-                    <a:p>
-                      <a:pPr algn="r" fontAlgn="b"/>
-                      <a:r>
-                        <a:rPr lang="en-US" sz="1800" b="0" i="0" u="none" strike="noStrike" dirty="0">
-                          <a:solidFill>
-                            <a:srgbClr val="000000"/>
-                          </a:solidFill>
-                          <a:effectLst/>
-                          <a:latin typeface="+mn-lt"/>
-                        </a:rPr>
-                        <a:t>1434</a:t>
-                      </a:r>
-                    </a:p>
-                  </a:txBody>
-                  <a:tcPr marL="7620" marR="7620" marT="7620" marB="0" anchor="b"/>
-                </a:tc>
-                <a:tc>
-                  <a:txBody>
-                    <a:bodyPr/>
-                    <a:lstStyle/>
-                    <a:p>
-                      <a:pPr marL="0" marR="0" lvl="0" indent="0" algn="r" defTabSz="914400" rtl="0" eaLnBrk="1" fontAlgn="b" latinLnBrk="0" hangingPunct="1">
-                        <a:lnSpc>
-                          <a:spcPct val="100000"/>
-                        </a:lnSpc>
-                        <a:spcBef>
-                          <a:spcPts val="0"/>
-                        </a:spcBef>
-                        <a:spcAft>
-                          <a:spcPts val="0"/>
-                        </a:spcAft>
-                        <a:buClrTx/>
-                        <a:buSzTx/>
-                        <a:buFontTx/>
-                        <a:buNone/>
-                        <a:tabLst/>
-                        <a:defRPr/>
-                      </a:pPr>
-                      <a:r>
-                        <a:rPr kumimoji="0" lang="en-US" sz="1800" b="0" i="0" u="none" strike="noStrike" kern="1200" cap="none" spc="0" normalizeH="0" baseline="0" noProof="0" dirty="0">
-                          <a:ln>
-                            <a:noFill/>
-                          </a:ln>
-                          <a:solidFill>
-                            <a:srgbClr val="000000"/>
-                          </a:solidFill>
-                          <a:effectLst/>
-                          <a:uLnTx/>
-                          <a:uFillTx/>
-                          <a:latin typeface="+mn-lt"/>
-                          <a:ea typeface="+mn-ea"/>
-                          <a:cs typeface="+mn-cs"/>
-                        </a:rPr>
-                        <a:t>3.21</a:t>
-                      </a:r>
-                    </a:p>
-                  </a:txBody>
-                  <a:tcPr marL="7620" marR="7620" marT="7620" marB="0" anchor="b"/>
-                </a:tc>
-                <a:tc>
-                  <a:txBody>
-                    <a:bodyPr/>
-                    <a:lstStyle/>
-                    <a:p>
-                      <a:pPr algn="r" fontAlgn="b"/>
-                      <a:r>
-                        <a:rPr lang="en-US" sz="1800" b="0" i="0" u="none" strike="noStrike" dirty="0">
-                          <a:solidFill>
-                            <a:srgbClr val="000000"/>
-                          </a:solidFill>
-                          <a:effectLst/>
-                          <a:latin typeface="+mn-lt"/>
-                        </a:rPr>
-                        <a:t>1434</a:t>
-                      </a:r>
-                    </a:p>
-                  </a:txBody>
-                  <a:tcPr marL="7620" marR="7620" marT="7620" marB="0" anchor="b"/>
-                </a:tc>
-                <a:tc>
-                  <a:txBody>
-                    <a:bodyPr/>
-                    <a:lstStyle/>
-                    <a:p>
-                      <a:pPr marL="0" marR="0" lvl="0" indent="0" algn="r" defTabSz="914400" rtl="0" eaLnBrk="1" fontAlgn="b" latinLnBrk="0" hangingPunct="1">
-                        <a:lnSpc>
-                          <a:spcPct val="100000"/>
-                        </a:lnSpc>
-                        <a:spcBef>
-                          <a:spcPts val="0"/>
-                        </a:spcBef>
-                        <a:spcAft>
-                          <a:spcPts val="0"/>
-                        </a:spcAft>
-                        <a:buClrTx/>
-                        <a:buSzTx/>
-                        <a:buFontTx/>
-                        <a:buNone/>
-                        <a:tabLst/>
-                        <a:defRPr/>
-                      </a:pPr>
-                      <a:r>
-                        <a:rPr kumimoji="0" lang="en-US" sz="1800" b="0" i="0" u="none" strike="noStrike" kern="1200" cap="none" spc="0" normalizeH="0" baseline="0" noProof="0" dirty="0">
-                          <a:ln>
-                            <a:noFill/>
-                          </a:ln>
-                          <a:solidFill>
-                            <a:srgbClr val="000000"/>
-                          </a:solidFill>
-                          <a:effectLst/>
-                          <a:uLnTx/>
-                          <a:uFillTx/>
-                          <a:latin typeface="+mn-lt"/>
-                          <a:ea typeface="+mn-ea"/>
-                          <a:cs typeface="+mn-cs"/>
-                        </a:rPr>
-                        <a:t>3.21</a:t>
-                      </a:r>
-                    </a:p>
-                  </a:txBody>
-                  <a:tcPr marL="7620" marR="7620" marT="7620" marB="0" anchor="b"/>
-                </a:tc>
-                <a:tc>
-                  <a:txBody>
-                    <a:bodyPr/>
-                    <a:lstStyle/>
-                    <a:p>
-                      <a:pPr algn="r" fontAlgn="b"/>
-                      <a:r>
-                        <a:rPr lang="en-US" sz="1800" b="0" i="0" u="none" strike="noStrike" dirty="0">
-                          <a:solidFill>
-                            <a:srgbClr val="000000"/>
-                          </a:solidFill>
-                          <a:effectLst/>
-                          <a:latin typeface="+mn-lt"/>
-                        </a:rPr>
-                        <a:t>1434</a:t>
-                      </a:r>
-                    </a:p>
-                  </a:txBody>
-                  <a:tcPr marL="7620" marR="7620" marT="7620" marB="0" anchor="b"/>
-                </a:tc>
-                <a:tc>
-                  <a:txBody>
-                    <a:bodyPr/>
-                    <a:lstStyle/>
-                    <a:p>
-                      <a:pPr marL="0" marR="0" lvl="0" indent="0" algn="r" defTabSz="914400" rtl="0" eaLnBrk="1" fontAlgn="b" latinLnBrk="0" hangingPunct="1">
-                        <a:lnSpc>
-                          <a:spcPct val="100000"/>
-                        </a:lnSpc>
-                        <a:spcBef>
-                          <a:spcPts val="0"/>
-                        </a:spcBef>
-                        <a:spcAft>
-                          <a:spcPts val="0"/>
-                        </a:spcAft>
-                        <a:buClrTx/>
-                        <a:buSzTx/>
-                        <a:buFontTx/>
-                        <a:buNone/>
-                        <a:tabLst/>
-                        <a:defRPr/>
-                      </a:pPr>
-                      <a:r>
-                        <a:rPr kumimoji="0" lang="en-US" sz="1800" b="0" i="0" u="none" strike="noStrike" kern="1200" cap="none" spc="0" normalizeH="0" baseline="0" noProof="0" dirty="0">
-                          <a:ln>
-                            <a:noFill/>
-                          </a:ln>
-                          <a:solidFill>
-                            <a:srgbClr val="000000"/>
-                          </a:solidFill>
-                          <a:effectLst/>
-                          <a:uLnTx/>
-                          <a:uFillTx/>
-                          <a:latin typeface="+mn-lt"/>
-                          <a:ea typeface="+mn-ea"/>
-                          <a:cs typeface="+mn-cs"/>
-                        </a:rPr>
-                        <a:t>3.21</a:t>
-                      </a:r>
-                    </a:p>
-                  </a:txBody>
-                  <a:tcPr marL="7620" marR="7620" marT="7620" marB="0" anchor="b"/>
-                </a:tc>
-                <a:tc>
-                  <a:txBody>
-                    <a:bodyPr/>
-                    <a:lstStyle/>
-                    <a:p>
-                      <a:pPr algn="r" fontAlgn="b"/>
-                      <a:r>
-                        <a:rPr lang="en-US" sz="1600" b="0" i="0" u="none" strike="noStrike" kern="1200" dirty="0">
-                          <a:solidFill>
-                            <a:srgbClr val="000000"/>
-                          </a:solidFill>
-                          <a:effectLst/>
-                          <a:latin typeface="+mn-lt"/>
-                          <a:ea typeface="+mn-ea"/>
-                          <a:cs typeface="+mn-cs"/>
-                        </a:rPr>
-                        <a:t>(X25519 + Kyber-768) &amp; </a:t>
-                      </a:r>
-                    </a:p>
-                    <a:p>
-                      <a:pPr algn="r" fontAlgn="b"/>
-                      <a:r>
-                        <a:rPr lang="en-US" sz="1600" b="0" i="0" u="none" strike="noStrike" kern="1200" dirty="0">
-                          <a:solidFill>
-                            <a:srgbClr val="000000"/>
-                          </a:solidFill>
-                          <a:effectLst/>
-                          <a:latin typeface="+mn-lt"/>
-                          <a:ea typeface="+mn-ea"/>
-                          <a:cs typeface="+mn-cs"/>
-                        </a:rPr>
-                        <a:t>Falcon-512</a:t>
-                      </a:r>
-                    </a:p>
-                  </a:txBody>
-                  <a:tcPr marL="7620" marR="7620" marT="7620" marB="0" anchor="b"/>
-                </a:tc>
-                <a:extLst>
-                  <a:ext uri="{0D108BD9-81ED-4DB2-BD59-A6C34878D82A}">
-                    <a16:rowId xmlns:a16="http://schemas.microsoft.com/office/drawing/2014/main" val="3306812332"/>
-                  </a:ext>
-                </a:extLst>
-              </a:tr>
-              <a:tr h="591014">
-                <a:tc>
-                  <a:txBody>
-                    <a:bodyPr/>
-                    <a:lstStyle/>
-                    <a:p>
-                      <a:pPr algn="r" fontAlgn="b"/>
-                      <a:r>
-                        <a:rPr lang="en-US" sz="1800" b="0" i="0" u="none" strike="noStrike">
-                          <a:solidFill>
-                            <a:srgbClr val="000000"/>
-                          </a:solidFill>
-                          <a:effectLst/>
-                          <a:latin typeface="+mn-lt"/>
-                        </a:rPr>
-                        <a:t>1181</a:t>
-                      </a:r>
-                    </a:p>
-                  </a:txBody>
-                  <a:tcPr marL="7620" marR="7620" marT="7620" marB="0" anchor="b"/>
-                </a:tc>
-                <a:tc>
-                  <a:txBody>
-                    <a:bodyPr/>
-                    <a:lstStyle/>
-                    <a:p>
-                      <a:pPr marL="0" marR="0" lvl="0" indent="0" algn="r" defTabSz="914400" rtl="0" eaLnBrk="1" fontAlgn="b" latinLnBrk="0" hangingPunct="1">
-                        <a:lnSpc>
-                          <a:spcPct val="100000"/>
-                        </a:lnSpc>
-                        <a:spcBef>
-                          <a:spcPts val="0"/>
-                        </a:spcBef>
-                        <a:spcAft>
-                          <a:spcPts val="0"/>
-                        </a:spcAft>
-                        <a:buClrTx/>
-                        <a:buSzTx/>
-                        <a:buFontTx/>
-                        <a:buNone/>
-                        <a:tabLst/>
-                        <a:defRPr/>
-                      </a:pPr>
-                      <a:r>
-                        <a:rPr kumimoji="0" lang="en-US" sz="1800" b="0" i="0" u="none" strike="noStrike" kern="1200" cap="none" spc="0" normalizeH="0" baseline="0" noProof="0" dirty="0">
-                          <a:ln>
-                            <a:noFill/>
-                          </a:ln>
-                          <a:solidFill>
-                            <a:srgbClr val="000000"/>
-                          </a:solidFill>
-                          <a:effectLst/>
-                          <a:uLnTx/>
-                          <a:uFillTx/>
-                          <a:latin typeface="+mn-lt"/>
-                          <a:ea typeface="+mn-ea"/>
-                          <a:cs typeface="+mn-cs"/>
-                        </a:rPr>
-                        <a:t>3.21</a:t>
-                      </a:r>
-                    </a:p>
-                  </a:txBody>
-                  <a:tcPr marL="7620" marR="7620" marT="7620" marB="0" anchor="b"/>
-                </a:tc>
-                <a:tc>
-                  <a:txBody>
-                    <a:bodyPr/>
-                    <a:lstStyle/>
-                    <a:p>
-                      <a:pPr algn="r" fontAlgn="b"/>
-                      <a:r>
-                        <a:rPr lang="en-US" sz="1800" b="0" i="0" u="none" strike="noStrike" dirty="0">
-                          <a:solidFill>
-                            <a:srgbClr val="000000"/>
-                          </a:solidFill>
-                          <a:effectLst/>
-                          <a:latin typeface="+mn-lt"/>
-                        </a:rPr>
-                        <a:t>1181</a:t>
-                      </a:r>
-                    </a:p>
-                  </a:txBody>
-                  <a:tcPr marL="7620" marR="7620" marT="7620" marB="0" anchor="b"/>
-                </a:tc>
-                <a:tc>
-                  <a:txBody>
-                    <a:bodyPr/>
-                    <a:lstStyle/>
-                    <a:p>
-                      <a:pPr marL="0" marR="0" lvl="0" indent="0" algn="r" defTabSz="914400" rtl="0" eaLnBrk="1" fontAlgn="b" latinLnBrk="0" hangingPunct="1">
-                        <a:lnSpc>
-                          <a:spcPct val="100000"/>
-                        </a:lnSpc>
-                        <a:spcBef>
-                          <a:spcPts val="0"/>
-                        </a:spcBef>
-                        <a:spcAft>
-                          <a:spcPts val="0"/>
-                        </a:spcAft>
-                        <a:buClrTx/>
-                        <a:buSzTx/>
-                        <a:buFontTx/>
-                        <a:buNone/>
-                        <a:tabLst/>
-                        <a:defRPr/>
-                      </a:pPr>
-                      <a:r>
-                        <a:rPr kumimoji="0" lang="en-US" sz="1800" b="0" i="0" u="none" strike="noStrike" kern="1200" cap="none" spc="0" normalizeH="0" baseline="0" noProof="0" dirty="0">
-                          <a:ln>
-                            <a:noFill/>
-                          </a:ln>
-                          <a:solidFill>
-                            <a:srgbClr val="000000"/>
-                          </a:solidFill>
-                          <a:effectLst/>
-                          <a:uLnTx/>
-                          <a:uFillTx/>
-                          <a:latin typeface="+mn-lt"/>
-                          <a:ea typeface="+mn-ea"/>
-                          <a:cs typeface="+mn-cs"/>
-                        </a:rPr>
-                        <a:t>3.21</a:t>
-                      </a:r>
-                    </a:p>
-                  </a:txBody>
-                  <a:tcPr marL="7620" marR="7620" marT="7620" marB="0" anchor="b"/>
-                </a:tc>
-                <a:tc>
-                  <a:txBody>
-                    <a:bodyPr/>
-                    <a:lstStyle/>
-                    <a:p>
-                      <a:pPr algn="r" fontAlgn="b"/>
-                      <a:r>
-                        <a:rPr lang="en-US" sz="1800" b="0" i="0" u="none" strike="noStrike" dirty="0">
-                          <a:solidFill>
-                            <a:srgbClr val="000000"/>
-                          </a:solidFill>
-                          <a:effectLst/>
-                          <a:latin typeface="+mn-lt"/>
-                        </a:rPr>
-                        <a:t>1181</a:t>
-                      </a:r>
-                    </a:p>
-                  </a:txBody>
-                  <a:tcPr marL="7620" marR="7620" marT="7620" marB="0" anchor="b"/>
-                </a:tc>
-                <a:tc>
-                  <a:txBody>
-                    <a:bodyPr/>
-                    <a:lstStyle/>
-                    <a:p>
-                      <a:pPr marL="0" marR="0" lvl="0" indent="0" algn="r" defTabSz="914400" rtl="0" eaLnBrk="1" fontAlgn="b" latinLnBrk="0" hangingPunct="1">
-                        <a:lnSpc>
-                          <a:spcPct val="100000"/>
-                        </a:lnSpc>
-                        <a:spcBef>
-                          <a:spcPts val="0"/>
-                        </a:spcBef>
-                        <a:spcAft>
-                          <a:spcPts val="0"/>
-                        </a:spcAft>
-                        <a:buClrTx/>
-                        <a:buSzTx/>
-                        <a:buFontTx/>
-                        <a:buNone/>
-                        <a:tabLst/>
-                        <a:defRPr/>
-                      </a:pPr>
-                      <a:r>
-                        <a:rPr kumimoji="0" lang="en-US" sz="1800" b="0" i="0" u="none" strike="noStrike" kern="1200" cap="none" spc="0" normalizeH="0" baseline="0" noProof="0" dirty="0">
-                          <a:ln>
-                            <a:noFill/>
-                          </a:ln>
-                          <a:solidFill>
-                            <a:srgbClr val="000000"/>
-                          </a:solidFill>
-                          <a:effectLst/>
-                          <a:uLnTx/>
-                          <a:uFillTx/>
-                          <a:latin typeface="+mn-lt"/>
-                          <a:ea typeface="+mn-ea"/>
-                          <a:cs typeface="+mn-cs"/>
-                        </a:rPr>
-                        <a:t>3.21</a:t>
-                      </a:r>
-                    </a:p>
-                  </a:txBody>
-                  <a:tcPr marL="7620" marR="7620" marT="7620" marB="0" anchor="b"/>
-                </a:tc>
-                <a:tc>
-                  <a:txBody>
-                    <a:bodyPr/>
-                    <a:lstStyle/>
-                    <a:p>
-                      <a:pPr marL="0" marR="0" lvl="0" indent="0" algn="r" defTabSz="609576" rtl="0" eaLnBrk="1" fontAlgn="b" latinLnBrk="0" hangingPunct="1">
-                        <a:lnSpc>
-                          <a:spcPct val="100000"/>
-                        </a:lnSpc>
-                        <a:spcBef>
-                          <a:spcPts val="0"/>
-                        </a:spcBef>
-                        <a:spcAft>
-                          <a:spcPts val="0"/>
-                        </a:spcAft>
-                        <a:buClrTx/>
-                        <a:buSzTx/>
-                        <a:buFontTx/>
-                        <a:buNone/>
-                        <a:tabLst/>
-                        <a:defRPr/>
-                      </a:pPr>
-                      <a:r>
-                        <a:rPr lang="en-US" sz="1600" b="0" i="0" u="none" strike="noStrike" kern="1200" dirty="0">
-                          <a:solidFill>
-                            <a:srgbClr val="000000"/>
-                          </a:solidFill>
-                          <a:effectLst/>
-                          <a:latin typeface="+mn-lt"/>
-                          <a:ea typeface="+mn-ea"/>
-                          <a:cs typeface="+mn-cs"/>
-                        </a:rPr>
-                        <a:t>(X25519 + ntruhps2048677) &amp; </a:t>
-                      </a:r>
-                      <a:br>
-                        <a:rPr lang="en-US" sz="1600" b="0" i="0" u="none" strike="noStrike" kern="1200" dirty="0">
-                          <a:solidFill>
-                            <a:srgbClr val="000000"/>
-                          </a:solidFill>
-                          <a:effectLst/>
-                          <a:latin typeface="+mn-lt"/>
-                          <a:ea typeface="+mn-ea"/>
-                          <a:cs typeface="+mn-cs"/>
-                        </a:rPr>
-                      </a:br>
-                      <a:r>
-                        <a:rPr lang="en-US" sz="1600" b="0" i="0" u="none" strike="noStrike" kern="1200" dirty="0">
-                          <a:solidFill>
-                            <a:srgbClr val="000000"/>
-                          </a:solidFill>
-                          <a:effectLst/>
-                          <a:latin typeface="+mn-lt"/>
-                          <a:ea typeface="+mn-ea"/>
-                          <a:cs typeface="+mn-cs"/>
-                        </a:rPr>
-                        <a:t>Falcon-512</a:t>
-                      </a:r>
-                    </a:p>
-                  </a:txBody>
-                  <a:tcPr marL="7620" marR="7620" marT="7620" marB="0" anchor="b"/>
-                </a:tc>
-                <a:extLst>
-                  <a:ext uri="{0D108BD9-81ED-4DB2-BD59-A6C34878D82A}">
-                    <a16:rowId xmlns:a16="http://schemas.microsoft.com/office/drawing/2014/main" val="725550032"/>
-                  </a:ext>
-                </a:extLst>
-              </a:tr>
-              <a:tr h="484672">
-                <a:tc>
-                  <a:txBody>
-                    <a:bodyPr/>
-                    <a:lstStyle/>
-                    <a:p>
-                      <a:pPr algn="r" fontAlgn="b"/>
-                      <a:r>
-                        <a:rPr lang="en-US" sz="1800" b="0" i="0" u="none" strike="noStrike" dirty="0">
-                          <a:solidFill>
-                            <a:srgbClr val="000000"/>
-                          </a:solidFill>
-                          <a:effectLst/>
-                          <a:latin typeface="+mn-lt"/>
-                        </a:rPr>
-                        <a:t>1242</a:t>
-                      </a:r>
-                    </a:p>
-                  </a:txBody>
-                  <a:tcPr marL="7620" marR="7620" marT="7620" marB="0" anchor="b"/>
-                </a:tc>
-                <a:tc>
-                  <a:txBody>
-                    <a:bodyPr/>
-                    <a:lstStyle/>
-                    <a:p>
-                      <a:pPr marL="0" marR="0" lvl="0" indent="0" algn="r" defTabSz="914400" rtl="0" eaLnBrk="1" fontAlgn="b" latinLnBrk="0" hangingPunct="1">
-                        <a:lnSpc>
-                          <a:spcPct val="100000"/>
-                        </a:lnSpc>
-                        <a:spcBef>
-                          <a:spcPts val="0"/>
-                        </a:spcBef>
-                        <a:spcAft>
-                          <a:spcPts val="0"/>
-                        </a:spcAft>
-                        <a:buClrTx/>
-                        <a:buSzTx/>
-                        <a:buFontTx/>
-                        <a:buNone/>
-                        <a:tabLst/>
-                        <a:defRPr/>
-                      </a:pPr>
-                      <a:r>
-                        <a:rPr kumimoji="0" lang="en-US" sz="1800" b="0" i="0" u="none" strike="noStrike" kern="1200" cap="none" spc="0" normalizeH="0" baseline="0" noProof="0" dirty="0">
-                          <a:ln>
-                            <a:noFill/>
-                          </a:ln>
-                          <a:solidFill>
-                            <a:srgbClr val="000000"/>
-                          </a:solidFill>
-                          <a:effectLst/>
-                          <a:uLnTx/>
-                          <a:uFillTx/>
-                          <a:latin typeface="+mn-lt"/>
-                          <a:ea typeface="+mn-ea"/>
-                          <a:cs typeface="+mn-cs"/>
-                        </a:rPr>
-                        <a:t>3.21</a:t>
-                      </a:r>
-                    </a:p>
-                  </a:txBody>
-                  <a:tcPr marL="7620" marR="7620" marT="7620" marB="0" anchor="b"/>
-                </a:tc>
-                <a:tc>
-                  <a:txBody>
-                    <a:bodyPr/>
-                    <a:lstStyle/>
-                    <a:p>
-                      <a:pPr algn="r" fontAlgn="b"/>
-                      <a:r>
-                        <a:rPr lang="en-US" sz="1800" b="0" i="0" u="none" strike="noStrike" dirty="0">
-                          <a:solidFill>
-                            <a:srgbClr val="000000"/>
-                          </a:solidFill>
-                          <a:effectLst/>
-                          <a:latin typeface="+mn-lt"/>
-                        </a:rPr>
-                        <a:t>1242</a:t>
-                      </a:r>
-                    </a:p>
-                  </a:txBody>
-                  <a:tcPr marL="7620" marR="7620" marT="7620" marB="0" anchor="b"/>
-                </a:tc>
-                <a:tc>
-                  <a:txBody>
-                    <a:bodyPr/>
-                    <a:lstStyle/>
-                    <a:p>
-                      <a:pPr marL="0" marR="0" lvl="0" indent="0" algn="r" defTabSz="914400" rtl="0" eaLnBrk="1" fontAlgn="b" latinLnBrk="0" hangingPunct="1">
-                        <a:lnSpc>
-                          <a:spcPct val="100000"/>
-                        </a:lnSpc>
-                        <a:spcBef>
-                          <a:spcPts val="0"/>
-                        </a:spcBef>
-                        <a:spcAft>
-                          <a:spcPts val="0"/>
-                        </a:spcAft>
-                        <a:buClrTx/>
-                        <a:buSzTx/>
-                        <a:buFontTx/>
-                        <a:buNone/>
-                        <a:tabLst/>
-                        <a:defRPr/>
-                      </a:pPr>
-                      <a:r>
-                        <a:rPr kumimoji="0" lang="en-US" sz="1800" b="0" i="0" u="none" strike="noStrike" kern="1200" cap="none" spc="0" normalizeH="0" baseline="0" noProof="0" dirty="0">
-                          <a:ln>
-                            <a:noFill/>
-                          </a:ln>
-                          <a:solidFill>
-                            <a:srgbClr val="000000"/>
-                          </a:solidFill>
-                          <a:effectLst/>
-                          <a:uLnTx/>
-                          <a:uFillTx/>
-                          <a:latin typeface="+mn-lt"/>
-                          <a:ea typeface="+mn-ea"/>
-                          <a:cs typeface="+mn-cs"/>
-                        </a:rPr>
-                        <a:t>3.21</a:t>
-                      </a:r>
-                    </a:p>
-                  </a:txBody>
-                  <a:tcPr marL="7620" marR="7620" marT="7620" marB="0" anchor="b"/>
-                </a:tc>
-                <a:tc>
-                  <a:txBody>
-                    <a:bodyPr/>
-                    <a:lstStyle/>
-                    <a:p>
-                      <a:pPr algn="r" fontAlgn="b"/>
-                      <a:r>
-                        <a:rPr lang="en-US" sz="1800" b="0" i="0" u="none" strike="noStrike" dirty="0">
-                          <a:solidFill>
-                            <a:srgbClr val="000000"/>
-                          </a:solidFill>
-                          <a:effectLst/>
-                          <a:latin typeface="+mn-lt"/>
-                        </a:rPr>
-                        <a:t>1242</a:t>
-                      </a:r>
-                    </a:p>
-                  </a:txBody>
-                  <a:tcPr marL="7620" marR="7620" marT="7620" marB="0" anchor="b"/>
-                </a:tc>
-                <a:tc>
-                  <a:txBody>
-                    <a:bodyPr/>
-                    <a:lstStyle/>
-                    <a:p>
-                      <a:pPr marL="0" marR="0" lvl="0" indent="0" algn="r" defTabSz="914400" rtl="0" eaLnBrk="1" fontAlgn="b" latinLnBrk="0" hangingPunct="1">
-                        <a:lnSpc>
-                          <a:spcPct val="100000"/>
-                        </a:lnSpc>
-                        <a:spcBef>
-                          <a:spcPts val="0"/>
-                        </a:spcBef>
-                        <a:spcAft>
-                          <a:spcPts val="0"/>
-                        </a:spcAft>
-                        <a:buClrTx/>
-                        <a:buSzTx/>
-                        <a:buFontTx/>
-                        <a:buNone/>
-                        <a:tabLst/>
-                        <a:defRPr/>
-                      </a:pPr>
-                      <a:r>
-                        <a:rPr kumimoji="0" lang="en-US" sz="1800" b="0" i="0" u="none" strike="noStrike" kern="1200" cap="none" spc="0" normalizeH="0" baseline="0" noProof="0" dirty="0">
-                          <a:ln>
-                            <a:noFill/>
-                          </a:ln>
-                          <a:solidFill>
-                            <a:srgbClr val="000000"/>
-                          </a:solidFill>
-                          <a:effectLst/>
-                          <a:uLnTx/>
-                          <a:uFillTx/>
-                          <a:latin typeface="+mn-lt"/>
-                          <a:ea typeface="+mn-ea"/>
-                          <a:cs typeface="+mn-cs"/>
-                        </a:rPr>
-                        <a:t>3.21</a:t>
-                      </a:r>
-                    </a:p>
-                  </a:txBody>
-                  <a:tcPr marL="7620" marR="7620" marT="7620" marB="0" anchor="b"/>
-                </a:tc>
-                <a:tc>
-                  <a:txBody>
-                    <a:bodyPr/>
-                    <a:lstStyle/>
-                    <a:p>
-                      <a:pPr algn="r" fontAlgn="b"/>
-                      <a:r>
-                        <a:rPr lang="en-US" sz="1600" b="0" i="0" u="none" strike="noStrike" dirty="0">
-                          <a:solidFill>
-                            <a:srgbClr val="000000"/>
-                          </a:solidFill>
-                          <a:effectLst/>
-                          <a:latin typeface="+mn-lt"/>
-                        </a:rPr>
-                        <a:t>(X25519 + Saber) &amp; </a:t>
-                      </a:r>
-                    </a:p>
-                    <a:p>
-                      <a:pPr algn="r" fontAlgn="b"/>
-                      <a:r>
-                        <a:rPr lang="en-US" sz="1600" b="0" i="0" u="none" strike="noStrike" dirty="0">
-                          <a:solidFill>
-                            <a:srgbClr val="000000"/>
-                          </a:solidFill>
-                          <a:effectLst/>
-                          <a:latin typeface="+mn-lt"/>
-                        </a:rPr>
-                        <a:t>Falcon-512</a:t>
-                      </a:r>
-                    </a:p>
-                  </a:txBody>
-                  <a:tcPr marL="7620" marR="7620" marT="7620" marB="0" anchor="b"/>
-                </a:tc>
-                <a:extLst>
-                  <a:ext uri="{0D108BD9-81ED-4DB2-BD59-A6C34878D82A}">
-                    <a16:rowId xmlns:a16="http://schemas.microsoft.com/office/drawing/2014/main" val="2877976627"/>
-                  </a:ext>
-                </a:extLst>
-              </a:tr>
-              <a:tr h="484672">
-                <a:tc>
-                  <a:txBody>
-                    <a:bodyPr/>
-                    <a:lstStyle/>
-                    <a:p>
-                      <a:pPr algn="r" fontAlgn="b"/>
-                      <a:r>
-                        <a:rPr lang="en-US" sz="1800" b="0" i="0" u="none" strike="noStrike" dirty="0">
-                          <a:solidFill>
-                            <a:srgbClr val="000000"/>
-                          </a:solidFill>
-                          <a:effectLst/>
-                          <a:latin typeface="+mn-lt"/>
-                        </a:rPr>
-                        <a:t>1818</a:t>
-                      </a:r>
-                    </a:p>
-                  </a:txBody>
-                  <a:tcPr marL="7620" marR="7620" marT="7620" marB="0" anchor="b"/>
-                </a:tc>
-                <a:tc>
-                  <a:txBody>
-                    <a:bodyPr/>
-                    <a:lstStyle/>
-                    <a:p>
-                      <a:pPr marL="0" marR="0" lvl="0" indent="0" algn="r" defTabSz="914400" rtl="0" eaLnBrk="1" fontAlgn="b" latinLnBrk="0" hangingPunct="1">
-                        <a:lnSpc>
-                          <a:spcPct val="100000"/>
-                        </a:lnSpc>
-                        <a:spcBef>
-                          <a:spcPts val="0"/>
-                        </a:spcBef>
-                        <a:spcAft>
-                          <a:spcPts val="0"/>
-                        </a:spcAft>
-                        <a:buClrTx/>
-                        <a:buSzTx/>
-                        <a:buFontTx/>
-                        <a:buNone/>
-                        <a:tabLst/>
-                        <a:defRPr/>
-                      </a:pPr>
-                      <a:r>
-                        <a:rPr kumimoji="0" lang="en-US" sz="1800" b="0" i="0" u="none" strike="noStrike" kern="1200" cap="none" spc="0" normalizeH="0" baseline="0" noProof="0" dirty="0">
-                          <a:ln>
-                            <a:noFill/>
-                          </a:ln>
-                          <a:solidFill>
-                            <a:srgbClr val="000000"/>
-                          </a:solidFill>
-                          <a:effectLst/>
-                          <a:uLnTx/>
-                          <a:uFillTx/>
-                          <a:latin typeface="+mn-lt"/>
-                          <a:ea typeface="+mn-ea"/>
-                          <a:cs typeface="+mn-cs"/>
-                        </a:rPr>
-                        <a:t>3.21</a:t>
-                      </a:r>
-                    </a:p>
-                  </a:txBody>
-                  <a:tcPr marL="7620" marR="7620" marT="7620" marB="0" anchor="b"/>
-                </a:tc>
-                <a:tc>
-                  <a:txBody>
-                    <a:bodyPr/>
-                    <a:lstStyle/>
-                    <a:p>
-                      <a:pPr algn="r" fontAlgn="b"/>
-                      <a:r>
-                        <a:rPr lang="en-US" sz="1800" b="0" i="0" u="none" strike="noStrike" dirty="0">
-                          <a:solidFill>
-                            <a:srgbClr val="000000"/>
-                          </a:solidFill>
-                          <a:effectLst/>
-                          <a:latin typeface="+mn-lt"/>
-                        </a:rPr>
-                        <a:t>1818</a:t>
-                      </a:r>
-                    </a:p>
-                  </a:txBody>
-                  <a:tcPr marL="7620" marR="7620" marT="7620" marB="0" anchor="b"/>
-                </a:tc>
-                <a:tc>
-                  <a:txBody>
-                    <a:bodyPr/>
-                    <a:lstStyle/>
-                    <a:p>
-                      <a:pPr marL="0" marR="0" lvl="0" indent="0" algn="r" defTabSz="914400" rtl="0" eaLnBrk="1" fontAlgn="b" latinLnBrk="0" hangingPunct="1">
-                        <a:lnSpc>
-                          <a:spcPct val="100000"/>
-                        </a:lnSpc>
-                        <a:spcBef>
-                          <a:spcPts val="0"/>
-                        </a:spcBef>
-                        <a:spcAft>
-                          <a:spcPts val="0"/>
-                        </a:spcAft>
-                        <a:buClrTx/>
-                        <a:buSzTx/>
-                        <a:buFontTx/>
-                        <a:buNone/>
-                        <a:tabLst/>
-                        <a:defRPr/>
-                      </a:pPr>
-                      <a:r>
-                        <a:rPr kumimoji="0" lang="en-US" sz="1800" b="0" i="0" u="none" strike="noStrike" kern="1200" cap="none" spc="0" normalizeH="0" baseline="0" noProof="0" dirty="0">
-                          <a:ln>
-                            <a:noFill/>
-                          </a:ln>
-                          <a:solidFill>
-                            <a:srgbClr val="000000"/>
-                          </a:solidFill>
-                          <a:effectLst/>
-                          <a:uLnTx/>
-                          <a:uFillTx/>
-                          <a:latin typeface="+mn-lt"/>
-                          <a:ea typeface="+mn-ea"/>
-                          <a:cs typeface="+mn-cs"/>
-                        </a:rPr>
-                        <a:t>3.21</a:t>
-                      </a:r>
-                    </a:p>
-                  </a:txBody>
-                  <a:tcPr marL="7620" marR="7620" marT="7620" marB="0" anchor="b"/>
-                </a:tc>
-                <a:tc>
-                  <a:txBody>
-                    <a:bodyPr/>
-                    <a:lstStyle/>
-                    <a:p>
-                      <a:pPr algn="r" fontAlgn="b"/>
-                      <a:r>
-                        <a:rPr lang="en-US" sz="1800" b="0" i="0" u="none" strike="noStrike" dirty="0">
-                          <a:solidFill>
-                            <a:srgbClr val="000000"/>
-                          </a:solidFill>
-                          <a:effectLst/>
-                          <a:latin typeface="+mn-lt"/>
-                        </a:rPr>
-                        <a:t>1818</a:t>
-                      </a:r>
-                    </a:p>
-                  </a:txBody>
-                  <a:tcPr marL="7620" marR="7620" marT="7620" marB="0" anchor="b"/>
-                </a:tc>
-                <a:tc>
-                  <a:txBody>
-                    <a:bodyPr/>
-                    <a:lstStyle/>
-                    <a:p>
-                      <a:pPr marL="0" marR="0" lvl="0" indent="0" algn="r" defTabSz="914400" rtl="0" eaLnBrk="1" fontAlgn="b" latinLnBrk="0" hangingPunct="1">
-                        <a:lnSpc>
-                          <a:spcPct val="100000"/>
-                        </a:lnSpc>
-                        <a:spcBef>
-                          <a:spcPts val="0"/>
-                        </a:spcBef>
-                        <a:spcAft>
-                          <a:spcPts val="0"/>
-                        </a:spcAft>
-                        <a:buClrTx/>
-                        <a:buSzTx/>
-                        <a:buFontTx/>
-                        <a:buNone/>
-                        <a:tabLst/>
-                        <a:defRPr/>
-                      </a:pPr>
-                      <a:r>
-                        <a:rPr kumimoji="0" lang="en-US" sz="1800" b="0" i="0" u="none" strike="noStrike" kern="1200" cap="none" spc="0" normalizeH="0" baseline="0" noProof="0" dirty="0">
-                          <a:ln>
-                            <a:noFill/>
-                          </a:ln>
-                          <a:solidFill>
-                            <a:srgbClr val="000000"/>
-                          </a:solidFill>
-                          <a:effectLst/>
-                          <a:uLnTx/>
-                          <a:uFillTx/>
-                          <a:latin typeface="+mn-lt"/>
-                          <a:ea typeface="+mn-ea"/>
-                          <a:cs typeface="+mn-cs"/>
-                        </a:rPr>
-                        <a:t>3.21</a:t>
-                      </a:r>
-                    </a:p>
-                  </a:txBody>
-                  <a:tcPr marL="7620" marR="7620" marT="7620" marB="0" anchor="b"/>
-                </a:tc>
-                <a:tc>
-                  <a:txBody>
-                    <a:bodyPr/>
-                    <a:lstStyle/>
-                    <a:p>
-                      <a:pPr algn="r" fontAlgn="b"/>
-                      <a:r>
-                        <a:rPr lang="en-US" sz="1600" b="0" i="0" u="none" strike="noStrike" kern="1200" dirty="0">
-                          <a:solidFill>
-                            <a:srgbClr val="000000"/>
-                          </a:solidFill>
-                          <a:effectLst/>
-                          <a:latin typeface="+mn-lt"/>
-                          <a:ea typeface="+mn-ea"/>
-                          <a:cs typeface="+mn-cs"/>
-                        </a:rPr>
-                        <a:t>(X25519 + Kyber-1024) &amp; </a:t>
-                      </a:r>
-                    </a:p>
-                    <a:p>
-                      <a:pPr algn="r" fontAlgn="b"/>
-                      <a:r>
-                        <a:rPr lang="en-US" sz="1600" b="0" i="0" u="none" strike="noStrike" kern="1200" dirty="0">
-                          <a:solidFill>
-                            <a:srgbClr val="000000"/>
-                          </a:solidFill>
-                          <a:effectLst/>
-                          <a:latin typeface="+mn-lt"/>
-                          <a:ea typeface="+mn-ea"/>
-                          <a:cs typeface="+mn-cs"/>
-                        </a:rPr>
-                        <a:t>Falcon-512</a:t>
-                      </a:r>
-                    </a:p>
-                  </a:txBody>
-                  <a:tcPr marL="7620" marR="7620" marT="7620" marB="0" anchor="b"/>
-                </a:tc>
-                <a:extLst>
-                  <a:ext uri="{0D108BD9-81ED-4DB2-BD59-A6C34878D82A}">
-                    <a16:rowId xmlns:a16="http://schemas.microsoft.com/office/drawing/2014/main" val="1120871856"/>
-                  </a:ext>
-                </a:extLst>
-              </a:tr>
-            </a:tbl>
-          </a:graphicData>
-        </a:graphic>
-      </p:graphicFrame>
-      <p:sp>
-        <p:nvSpPr>
-          <p:cNvPr id="5" name="Rectangle: Rounded Corners 4">
+          <p:cNvSpPr>
+            <a:spLocks noGrp="1"/>
+          </p:cNvSpPr>
+          <p:nvPr>
+            <p:ph type="title"/>
+          </p:nvPr>
+        </p:nvSpPr>
+        <p:spPr/>
+        <p:txBody>
+          <a:bodyPr/>
+          <a:lstStyle/>
+          <a:p>
+            <a:r>
+              <a:rPr lang="en-US" dirty="0"/>
+              <a:t>Open Questions</a:t>
+            </a:r>
+          </a:p>
+        </p:txBody>
+      </p:sp>
+      <p:sp>
+        <p:nvSpPr>
+          <p:cNvPr id="3" name="Content Placeholder 2">
             <a:extLst>
               <a:ext uri="{FF2B5EF4-FFF2-40B4-BE49-F238E27FC236}">
-                <a16:creationId xmlns:a16="http://schemas.microsoft.com/office/drawing/2014/main" id="{499D1C5E-75DC-416A-BF8C-0BECDCE88C13}"/>
+                <a16:creationId xmlns:a16="http://schemas.microsoft.com/office/drawing/2014/main" id="{AA11202B-E91F-4341-9190-1C8F56F9E7FF}"/>
               </a:ext>
             </a:extLst>
           </p:cNvPr>
-          <p:cNvSpPr/>
-          <p:nvPr/>
-        </p:nvSpPr>
-        <p:spPr>
-          <a:xfrm>
-            <a:off x="2244814" y="3256384"/>
-            <a:ext cx="763503" cy="3436550"/>
-          </a:xfrm>
-          <a:prstGeom prst="roundRect">
-            <a:avLst/>
-          </a:prstGeom>
-          <a:noFill/>
-          <a:ln w="25400">
-            <a:solidFill>
-              <a:srgbClr val="00B050"/>
-            </a:solidFill>
-          </a:ln>
-          <a:effectLst/>
-        </p:spPr>
-        <p:style>
-          <a:lnRef idx="1">
-            <a:schemeClr val="accent1"/>
-          </a:lnRef>
-          <a:fillRef idx="3">
-            <a:schemeClr val="accent1"/>
-          </a:fillRef>
-          <a:effectRef idx="2">
-            <a:schemeClr val="accent1"/>
-          </a:effectRef>
-          <a:fontRef idx="minor">
-            <a:schemeClr val="lt1"/>
-          </a:fontRef>
-        </p:style>
-        <p:txBody>
-          <a:bodyPr rtlCol="0" anchor="ctr"/>
+          <p:cNvSpPr>
+            <a:spLocks noGrp="1"/>
+          </p:cNvSpPr>
+          <p:nvPr>
+            <p:ph idx="1"/>
+          </p:nvPr>
+        </p:nvSpPr>
+        <p:spPr/>
+        <p:txBody>
+          <a:bodyPr>
+            <a:normAutofit lnSpcReduction="10000"/>
+          </a:bodyPr>
           <a:lstStyle/>
           <a:p>
-            <a:pPr algn="ctr"/>
+            <a:r>
+              <a:rPr lang="en-US" dirty="0"/>
+              <a:t>What is the recommended TBD3-time?</a:t>
+            </a:r>
+          </a:p>
+          <a:p>
             <a:endParaRPr lang="en-US" dirty="0"/>
           </a:p>
-        </p:txBody>
-      </p:sp>
-      <p:sp>
-        <p:nvSpPr>
-          <p:cNvPr id="6" name="Rectangle: Rounded Corners 5">
-            <a:extLst>
-              <a:ext uri="{FF2B5EF4-FFF2-40B4-BE49-F238E27FC236}">
-                <a16:creationId xmlns:a16="http://schemas.microsoft.com/office/drawing/2014/main" id="{F6DD6259-07FB-41E3-B27B-331AB360D290}"/>
-              </a:ext>
-            </a:extLst>
-          </p:cNvPr>
-          <p:cNvSpPr/>
-          <p:nvPr/>
-        </p:nvSpPr>
-        <p:spPr>
-          <a:xfrm>
-            <a:off x="5052131" y="3263737"/>
-            <a:ext cx="763503" cy="3436551"/>
-          </a:xfrm>
-          <a:prstGeom prst="roundRect">
-            <a:avLst/>
-          </a:prstGeom>
-          <a:noFill/>
-          <a:ln w="25400">
-            <a:solidFill>
-              <a:srgbClr val="00B050"/>
-            </a:solidFill>
-          </a:ln>
-          <a:effectLst/>
-        </p:spPr>
-        <p:style>
-          <a:lnRef idx="1">
-            <a:schemeClr val="accent1"/>
-          </a:lnRef>
-          <a:fillRef idx="3">
-            <a:schemeClr val="accent1"/>
-          </a:fillRef>
-          <a:effectRef idx="2">
-            <a:schemeClr val="accent1"/>
-          </a:effectRef>
-          <a:fontRef idx="minor">
-            <a:schemeClr val="lt1"/>
-          </a:fontRef>
-        </p:style>
-        <p:txBody>
-          <a:bodyPr rtlCol="0" anchor="ctr"/>
-          <a:lstStyle/>
-          <a:p>
-            <a:pPr algn="ctr"/>
+          <a:p>
+            <a:r>
+              <a:rPr lang="en-US" dirty="0"/>
+              <a:t>Who maintains the list of ICAs?</a:t>
+            </a:r>
+          </a:p>
+          <a:p>
+            <a:pPr lvl="1"/>
+            <a:r>
+              <a:rPr lang="en-US" dirty="0"/>
+              <a:t>Client / browser vendor </a:t>
+            </a:r>
+          </a:p>
+          <a:p>
+            <a:pPr lvl="1"/>
+            <a:r>
+              <a:rPr lang="en-US" dirty="0"/>
+              <a:t>CCADB or other public repo. </a:t>
+            </a:r>
+          </a:p>
+          <a:p>
+            <a:pPr lvl="1"/>
             <a:endParaRPr lang="en-US" dirty="0"/>
           </a:p>
-        </p:txBody>
-      </p:sp>
-      <p:sp>
-        <p:nvSpPr>
-          <p:cNvPr id="7" name="Rectangle: Rounded Corners 6">
-            <a:extLst>
-              <a:ext uri="{FF2B5EF4-FFF2-40B4-BE49-F238E27FC236}">
-                <a16:creationId xmlns:a16="http://schemas.microsoft.com/office/drawing/2014/main" id="{D54AF762-C151-4512-9E24-853966EBE2B8}"/>
-              </a:ext>
-            </a:extLst>
-          </p:cNvPr>
-          <p:cNvSpPr/>
-          <p:nvPr/>
-        </p:nvSpPr>
-        <p:spPr>
-          <a:xfrm>
-            <a:off x="7889765" y="3256383"/>
-            <a:ext cx="763503" cy="3451261"/>
-          </a:xfrm>
-          <a:prstGeom prst="roundRect">
-            <a:avLst/>
-          </a:prstGeom>
-          <a:noFill/>
-          <a:ln w="25400">
-            <a:solidFill>
-              <a:srgbClr val="00B050"/>
-            </a:solidFill>
-          </a:ln>
-          <a:effectLst/>
-        </p:spPr>
-        <p:style>
-          <a:lnRef idx="1">
-            <a:schemeClr val="accent1"/>
-          </a:lnRef>
-          <a:fillRef idx="3">
-            <a:schemeClr val="accent1"/>
-          </a:fillRef>
-          <a:effectRef idx="2">
-            <a:schemeClr val="accent1"/>
-          </a:effectRef>
-          <a:fontRef idx="minor">
-            <a:schemeClr val="lt1"/>
-          </a:fontRef>
-        </p:style>
-        <p:txBody>
-          <a:bodyPr rtlCol="0" anchor="ctr"/>
-          <a:lstStyle/>
-          <a:p>
-            <a:pPr algn="ctr"/>
-            <a:endParaRPr lang="en-US" dirty="0"/>
-          </a:p>
-        </p:txBody>
-      </p:sp>
-      <p:sp>
-        <p:nvSpPr>
-          <p:cNvPr id="8" name="Rectangle: Rounded Corners 7">
-            <a:extLst>
-              <a:ext uri="{FF2B5EF4-FFF2-40B4-BE49-F238E27FC236}">
-                <a16:creationId xmlns:a16="http://schemas.microsoft.com/office/drawing/2014/main" id="{BD17788E-7C50-47E1-95CF-D59FF277DE39}"/>
-              </a:ext>
-            </a:extLst>
-          </p:cNvPr>
-          <p:cNvSpPr/>
-          <p:nvPr/>
-        </p:nvSpPr>
-        <p:spPr>
-          <a:xfrm>
-            <a:off x="2244814" y="2784185"/>
-            <a:ext cx="806304" cy="360231"/>
-          </a:xfrm>
-          <a:prstGeom prst="roundRect">
-            <a:avLst/>
-          </a:prstGeom>
-          <a:noFill/>
-          <a:ln w="25400">
-            <a:solidFill>
-              <a:srgbClr val="C00000"/>
-            </a:solidFill>
-          </a:ln>
-          <a:effectLst/>
-        </p:spPr>
-        <p:style>
-          <a:lnRef idx="1">
-            <a:schemeClr val="accent1"/>
-          </a:lnRef>
-          <a:fillRef idx="3">
-            <a:schemeClr val="accent1"/>
-          </a:fillRef>
-          <a:effectRef idx="2">
-            <a:schemeClr val="accent1"/>
-          </a:effectRef>
-          <a:fontRef idx="minor">
-            <a:schemeClr val="lt1"/>
-          </a:fontRef>
-        </p:style>
-        <p:txBody>
-          <a:bodyPr rtlCol="0" anchor="ctr"/>
-          <a:lstStyle/>
-          <a:p>
-            <a:pPr algn="ctr"/>
-            <a:endParaRPr lang="en-US" dirty="0"/>
-          </a:p>
-        </p:txBody>
-      </p:sp>
-      <p:sp>
-        <p:nvSpPr>
-          <p:cNvPr id="9" name="Rectangle: Rounded Corners 8">
-            <a:extLst>
-              <a:ext uri="{FF2B5EF4-FFF2-40B4-BE49-F238E27FC236}">
-                <a16:creationId xmlns:a16="http://schemas.microsoft.com/office/drawing/2014/main" id="{F5079378-5DDC-4D2C-95DE-0854D6EE32AB}"/>
-              </a:ext>
-            </a:extLst>
-          </p:cNvPr>
-          <p:cNvSpPr/>
-          <p:nvPr/>
-        </p:nvSpPr>
-        <p:spPr>
-          <a:xfrm>
-            <a:off x="5052131" y="2791541"/>
-            <a:ext cx="793820" cy="360231"/>
-          </a:xfrm>
-          <a:prstGeom prst="roundRect">
-            <a:avLst/>
-          </a:prstGeom>
-          <a:noFill/>
-          <a:ln w="25400">
-            <a:solidFill>
-              <a:srgbClr val="C00000"/>
-            </a:solidFill>
-          </a:ln>
-          <a:effectLst/>
-        </p:spPr>
-        <p:style>
-          <a:lnRef idx="1">
-            <a:schemeClr val="accent1"/>
-          </a:lnRef>
-          <a:fillRef idx="3">
-            <a:schemeClr val="accent1"/>
-          </a:fillRef>
-          <a:effectRef idx="2">
-            <a:schemeClr val="accent1"/>
-          </a:effectRef>
-          <a:fontRef idx="minor">
-            <a:schemeClr val="lt1"/>
-          </a:fontRef>
-        </p:style>
-        <p:txBody>
-          <a:bodyPr rtlCol="0" anchor="ctr"/>
-          <a:lstStyle/>
-          <a:p>
-            <a:pPr algn="ctr"/>
-            <a:endParaRPr lang="en-US" dirty="0"/>
-          </a:p>
-        </p:txBody>
-      </p:sp>
-      <p:sp>
-        <p:nvSpPr>
-          <p:cNvPr id="10" name="Rectangle: Rounded Corners 9">
-            <a:extLst>
-              <a:ext uri="{FF2B5EF4-FFF2-40B4-BE49-F238E27FC236}">
-                <a16:creationId xmlns:a16="http://schemas.microsoft.com/office/drawing/2014/main" id="{FDB12D8C-1AD0-4CDA-815B-D66AA83895F5}"/>
-              </a:ext>
-            </a:extLst>
-          </p:cNvPr>
-          <p:cNvSpPr/>
-          <p:nvPr/>
-        </p:nvSpPr>
-        <p:spPr>
-          <a:xfrm>
-            <a:off x="7889765" y="2784185"/>
-            <a:ext cx="793820" cy="361587"/>
-          </a:xfrm>
-          <a:prstGeom prst="roundRect">
-            <a:avLst/>
-          </a:prstGeom>
-          <a:noFill/>
-          <a:ln w="25400">
-            <a:solidFill>
-              <a:srgbClr val="C00000"/>
-            </a:solidFill>
-          </a:ln>
-          <a:effectLst/>
-        </p:spPr>
-        <p:style>
-          <a:lnRef idx="1">
-            <a:schemeClr val="accent1"/>
-          </a:lnRef>
-          <a:fillRef idx="3">
-            <a:schemeClr val="accent1"/>
-          </a:fillRef>
-          <a:effectRef idx="2">
-            <a:schemeClr val="accent1"/>
-          </a:effectRef>
-          <a:fontRef idx="minor">
-            <a:schemeClr val="lt1"/>
-          </a:fontRef>
-        </p:style>
-        <p:txBody>
-          <a:bodyPr rtlCol="0" anchor="ctr"/>
-          <a:lstStyle/>
-          <a:p>
-            <a:pPr algn="ctr"/>
+          <a:p>
+            <a:r>
+              <a:rPr lang="en-US" dirty="0"/>
+              <a:t>What if there is a failure</a:t>
+            </a:r>
+          </a:p>
+          <a:p>
+            <a:pPr lvl="1"/>
+            <a:r>
+              <a:rPr lang="en-US" dirty="0"/>
+              <a:t>Connection re-try and its impact on security and privacy</a:t>
+            </a:r>
+          </a:p>
+          <a:p>
+            <a:pPr lvl="2"/>
+            <a:r>
+              <a:rPr lang="en-US" dirty="0"/>
+              <a:t>Could the fallback logic allows for downgrade style of attacks?</a:t>
+            </a:r>
+          </a:p>
+          <a:p>
+            <a:pPr lvl="2"/>
+            <a:r>
+              <a:rPr lang="en-US" dirty="0"/>
+              <a:t>Active attack analysis. </a:t>
+            </a:r>
+          </a:p>
+          <a:p>
+            <a:pPr marL="0" indent="0">
+              <a:buNone/>
+            </a:pPr>
+            <a:r>
+              <a:rPr lang="en-US" dirty="0"/>
+              <a:t>   or can we assume no failure?</a:t>
+            </a:r>
+          </a:p>
+          <a:p>
             <a:endParaRPr lang="en-US" dirty="0"/>
           </a:p>
         </p:txBody>
@@ -12704,7 +8517,7 @@
     </p:spTree>
     <p:extLst>
       <p:ext uri="{BB962C8B-B14F-4D97-AF65-F5344CB8AC3E}">
-        <p14:creationId xmlns:p14="http://schemas.microsoft.com/office/powerpoint/2010/main" val="983909259"/>
+        <p14:creationId xmlns:p14="http://schemas.microsoft.com/office/powerpoint/2010/main" val="1132099351"/>
       </p:ext>
     </p:extLst>
   </p:cSld>
@@ -12736,7 +8549,7 @@
           <p:cNvPr id="2" name="Title 1">
             <a:extLst>
               <a:ext uri="{FF2B5EF4-FFF2-40B4-BE49-F238E27FC236}">
-                <a16:creationId xmlns:a16="http://schemas.microsoft.com/office/drawing/2014/main" id="{6AB707C1-9F6D-44F1-A046-652D611286D0}"/>
+                <a16:creationId xmlns:a16="http://schemas.microsoft.com/office/drawing/2014/main" id="{0AB8F6DC-D24A-4324-8502-CF9D2C9331A7}"/>
               </a:ext>
             </a:extLst>
           </p:cNvPr>
@@ -12754,7 +8567,7 @@
           <a:p>
             <a:r>
               <a:rPr lang="en-US" dirty="0"/>
-              <a:t>About ICA lists</a:t>
+              <a:t>Closing Comment &amp; Asks</a:t>
             </a:r>
           </a:p>
         </p:txBody>
@@ -12764,7 +8577,7 @@
           <p:cNvPr id="3" name="Content Placeholder 2">
             <a:extLst>
               <a:ext uri="{FF2B5EF4-FFF2-40B4-BE49-F238E27FC236}">
-                <a16:creationId xmlns:a16="http://schemas.microsoft.com/office/drawing/2014/main" id="{3CC08635-98E7-4659-B7D7-54829508F234}"/>
+                <a16:creationId xmlns:a16="http://schemas.microsoft.com/office/drawing/2014/main" id="{A8833F2B-A9D1-4AB6-98FA-92D48D41AFA0}"/>
               </a:ext>
             </a:extLst>
           </p:cNvPr>
@@ -12778,123 +8591,78 @@
         <p:spPr/>
         <p:txBody>
           <a:bodyPr>
-            <a:normAutofit fontScale="92500" lnSpcReduction="20000"/>
+            <a:normAutofit/>
           </a:bodyPr>
           <a:lstStyle/>
           <a:p>
             <a:r>
+              <a:rPr lang="en-US" dirty="0"/>
+              <a:t>Challenges for </a:t>
+            </a:r>
+            <a:r>
               <a:rPr lang="en-US" dirty="0" err="1"/>
               <a:t>WebPKI</a:t>
             </a:r>
+            <a:endParaRPr lang="en-US" dirty="0"/>
+          </a:p>
+          <a:p>
+            <a:pPr lvl="1"/>
             <a:r>
               <a:rPr lang="en-US" dirty="0"/>
-              <a:t>: Total 1-2K ICAs / ~1-2 MBs compressed. </a:t>
-            </a:r>
-          </a:p>
-          <a:p>
-            <a:endParaRPr lang="en-US" dirty="0"/>
-          </a:p>
-          <a:p>
+              <a:t>We believe addressing them is possible. </a:t>
+            </a:r>
+          </a:p>
+          <a:p>
+            <a:pPr lvl="1"/>
             <a:r>
               <a:rPr lang="en-US" dirty="0"/>
-              <a:t>Request suppression only if ICA list is TBD3-time fresh</a:t>
-            </a:r>
-          </a:p>
-          <a:p>
-            <a:endParaRPr lang="en-US" dirty="0"/>
-          </a:p>
-          <a:p>
-            <a:r>
-              <a:rPr lang="en-US" dirty="0"/>
-              <a:t>Send all ICAs regardless of </a:t>
-            </a:r>
-            <a:r>
-              <a:rPr lang="en-US" dirty="0" err="1"/>
-              <a:t>tlsflag</a:t>
-            </a:r>
-            <a:r>
-              <a:rPr lang="en-US" dirty="0"/>
-              <a:t>, if your </a:t>
-            </a:r>
-          </a:p>
-          <a:p>
-            <a:pPr lvl="1"/>
-            <a:r>
-              <a:rPr lang="en-US" dirty="0"/>
-              <a:t>chain contains Constrained ICAs</a:t>
-            </a:r>
-          </a:p>
-          <a:p>
-            <a:pPr lvl="1"/>
-            <a:r>
-              <a:rPr lang="en-US" dirty="0"/>
-              <a:t>ICAs may not exist in the peer ICA list (e.g. private PKI ICA change)</a:t>
-            </a:r>
-          </a:p>
-          <a:p>
-            <a:endParaRPr lang="en-US" dirty="0"/>
-          </a:p>
-          <a:p>
-            <a:r>
-              <a:rPr lang="en-US" dirty="0"/>
-              <a:t>Precedent</a:t>
-            </a:r>
-          </a:p>
-          <a:p>
-            <a:pPr lvl="1"/>
-            <a:r>
-              <a:rPr lang="en-US" dirty="0"/>
-              <a:t>Mozilla already uses an ICA Pre-load list (to prevent outages)</a:t>
-            </a:r>
-          </a:p>
-          <a:p>
-            <a:pPr lvl="1"/>
-            <a:r>
-              <a:rPr lang="en-US" dirty="0"/>
-              <a:t>Browsers build and distribute revocation lists already</a:t>
-            </a:r>
-          </a:p>
-          <a:p>
-            <a:pPr lvl="1"/>
-            <a:r>
-              <a:rPr lang="en-US" dirty="0"/>
-              <a:t>draft-</a:t>
-            </a:r>
-            <a:r>
-              <a:rPr lang="en-US" dirty="0" err="1"/>
-              <a:t>ietf</a:t>
-            </a:r>
-            <a:r>
-              <a:rPr lang="en-US" dirty="0"/>
-              <a:t>-</a:t>
-            </a:r>
-            <a:r>
-              <a:rPr lang="en-US" dirty="0" err="1"/>
-              <a:t>tls-ctls</a:t>
-            </a:r>
-            <a:r>
-              <a:rPr lang="en-US" dirty="0"/>
-              <a:t> also uses a compression certificate </a:t>
-            </a:r>
-            <a:r>
-              <a:rPr lang="en-US" dirty="0" err="1"/>
-              <a:t>dictionar</a:t>
-            </a:r>
-            <a:r>
-              <a:rPr lang="en-US" dirty="0"/>
-              <a:t>. </a:t>
+              <a:t>But also, let’s not forget, TLS is not just for the Web.</a:t>
             </a:r>
           </a:p>
           <a:p>
             <a:pPr lvl="1"/>
             <a:endParaRPr lang="en-US" dirty="0"/>
+          </a:p>
+          <a:p>
+            <a:r>
+              <a:rPr lang="en-US" dirty="0"/>
+              <a:t>Discussion on the draft in the WG or git repo </a:t>
+            </a:r>
+          </a:p>
+          <a:p>
+            <a:pPr marL="0" indent="0">
+              <a:buNone/>
+            </a:pPr>
+            <a:r>
+              <a:rPr lang="en-US" dirty="0"/>
+              <a:t>   </a:t>
+            </a:r>
+            <a:r>
+              <a:rPr lang="en-US" dirty="0">
+                <a:hlinkClick r:id="rId2"/>
+              </a:rPr>
+              <a:t>https://github.com/csosto-pk/tls-suppress-intermediates</a:t>
+            </a:r>
+            <a:r>
+              <a:rPr lang="en-US" dirty="0"/>
+              <a:t> </a:t>
+            </a:r>
+          </a:p>
+          <a:p>
+            <a:endParaRPr lang="en-US" dirty="0"/>
+          </a:p>
+          <a:p>
+            <a:r>
+              <a:rPr lang="en-US" dirty="0"/>
+              <a:t>Consider it for WG adoption after NIST announces its Round 3 picks. </a:t>
+            </a:r>
           </a:p>
         </p:txBody>
       </p:sp>
     </p:spTree>
     <p:extLst>
       <p:ext uri="{BB962C8B-B14F-4D97-AF65-F5344CB8AC3E}">
-        <p14:creationId xmlns:p14="http://schemas.microsoft.com/office/powerpoint/2010/main" val="552847761"/>
+        <p14:creationId xmlns:p14="http://schemas.microsoft.com/office/powerpoint/2010/main" val="1942971042"/>
       </p:ext>
     </p:extLst>
   </p:cSld>

--- a/IETF-presos/IETF-113 - draft-kampanakis-tls-scas-latest-00.pptx
+++ b/IETF-presos/IETF-113 - draft-kampanakis-tls-scas-latest-00.pptx
@@ -205,7 +205,7 @@
           <a:p>
             <a:fld id="{A42F591A-EC0B-4A55-82E4-A2A40B034CB7}" type="datetimeFigureOut">
               <a:rPr lang="en-US" smtClean="0"/>
-              <a:t>3/16/2022</a:t>
+              <a:t>3/22/2022</a:t>
             </a:fld>
             <a:endParaRPr lang="en-US"/>
           </a:p>
@@ -516,141 +516,118 @@
           <a:bodyPr/>
           <a:lstStyle/>
           <a:p>
-            <a:pPr marL="0" marR="0" lvl="0" indent="0" algn="l" defTabSz="914400" rtl="0" eaLnBrk="1" fontAlgn="auto" latinLnBrk="0" hangingPunct="1">
-              <a:lnSpc>
-                <a:spcPct val="100000"/>
-              </a:lnSpc>
-              <a:spcBef>
-                <a:spcPts val="0"/>
-              </a:spcBef>
-              <a:spcAft>
-                <a:spcPts val="0"/>
-              </a:spcAft>
-              <a:buClrTx/>
-              <a:buSzTx/>
-              <a:buFontTx/>
-              <a:buNone/>
-              <a:tabLst/>
-              <a:defRPr/>
-            </a:pPr>
-            <a:r>
-              <a:rPr lang="en-US" sz="1200" b="0" i="0" kern="1200" dirty="0">
-                <a:solidFill>
-                  <a:schemeClr val="tx1"/>
-                </a:solidFill>
-                <a:effectLst/>
-                <a:latin typeface="+mn-lt"/>
-                <a:ea typeface="+mn-ea"/>
-                <a:cs typeface="+mn-cs"/>
+            <a:r>
+              <a:rPr lang="en-US" sz="1100" b="1" dirty="0"/>
+              <a:t>draft-ietf-emu-eap-tls13</a:t>
+            </a:r>
+            <a:r>
+              <a:rPr lang="el-GR" sz="1100" b="1" dirty="0"/>
+              <a:t> </a:t>
+            </a:r>
+            <a:endParaRPr lang="en-US" sz="1100" b="1" dirty="0"/>
+          </a:p>
+          <a:p>
+            <a:endParaRPr lang="el-GR" sz="1100" dirty="0"/>
+          </a:p>
+          <a:p>
+            <a:r>
+              <a:rPr lang="en-US" sz="1100" dirty="0"/>
+              <a:t>Including </a:t>
+            </a:r>
+            <a:r>
+              <a:rPr lang="en-US" sz="1100" dirty="0" err="1"/>
+              <a:t>ContentType</a:t>
+            </a:r>
+            <a:r>
+              <a:rPr lang="en-US" sz="1100" dirty="0"/>
+              <a:t> (1 byte), </a:t>
+            </a:r>
+            <a:r>
+              <a:rPr lang="en-US" sz="1100" dirty="0" err="1"/>
+              <a:t>ProtocolVersion</a:t>
+            </a:r>
+            <a:r>
+              <a:rPr lang="en-US" sz="1100" dirty="0"/>
+              <a:t> (2 bytes), and length (2 bytes) headers a single TLS record may be up to 16645 octets in length. EAP-TLS fragmentation support is provided through addition of a flags octet within the EAP-Response and EAP-Request packets, as well as a (conditional) TLS Message Length field of four octets. Implementations MUST NOT set the L bit in unfragmented messages, but MUST accept unfragmented messages with and without the L bit set. Some EAP implementations and access networks may limit the number of EAP packet exchanges that can be handled. To avoid fragmentation, it is RECOMMENDED to keep the sizes of EAP-TLS peer, EAP-TLS server, and trust anchor certificates small and the length of the certificate chains short. In addition, it is RECOMMENDED to use mechanisms that reduce the sizes of Certificate messages. For a detailed discussion on reducing message sizes to prevent fragmentation, see [</a:t>
+            </a:r>
+            <a:r>
+              <a:rPr lang="en-US" sz="1100" dirty="0">
+                <a:hlinkClick r:id="rId3"/>
               </a:rPr>
-              <a:t>Mozilla Root Store Policy (MSRP) https://www.mozilla.org/en-US/about/governance/policies/security-group/certs/policy/  </a:t>
-            </a:r>
-          </a:p>
-          <a:p>
-            <a:pPr marL="0" marR="0" lvl="0" indent="0" algn="l" defTabSz="914400" rtl="0" eaLnBrk="1" fontAlgn="auto" latinLnBrk="0" hangingPunct="1">
-              <a:lnSpc>
-                <a:spcPct val="100000"/>
-              </a:lnSpc>
-              <a:spcBef>
-                <a:spcPts val="0"/>
-              </a:spcBef>
-              <a:spcAft>
-                <a:spcPts val="0"/>
-              </a:spcAft>
-              <a:buClrTx/>
-              <a:buSzTx/>
-              <a:buFontTx/>
-              <a:buNone/>
-              <a:tabLst/>
-              <a:defRPr/>
-            </a:pPr>
-            <a:r>
-              <a:rPr lang="en-US" dirty="0"/>
-              <a:t>MSRP 2.8 may require constrained intermediates, so we may not need to send Constrained ICAs.</a:t>
-            </a:r>
-          </a:p>
-          <a:p>
-            <a:endParaRPr lang="en-US" dirty="0"/>
-          </a:p>
-          <a:p>
-            <a:pPr marL="0" marR="0" lvl="0" indent="0" algn="l" defTabSz="914400" rtl="0" eaLnBrk="1" fontAlgn="auto" latinLnBrk="0" hangingPunct="1">
-              <a:lnSpc>
-                <a:spcPct val="100000"/>
-              </a:lnSpc>
-              <a:spcBef>
-                <a:spcPts val="0"/>
-              </a:spcBef>
-              <a:spcAft>
-                <a:spcPts val="0"/>
-              </a:spcAft>
-              <a:buClrTx/>
-              <a:buSzTx/>
-              <a:buFontTx/>
-              <a:buNone/>
-              <a:tabLst/>
-              <a:defRPr/>
-            </a:pPr>
-            <a:r>
-              <a:rPr lang="en-US" dirty="0"/>
-              <a:t>Additional bullet scenario for second bullet </a:t>
-            </a:r>
-          </a:p>
-          <a:p>
-            <a:pPr marL="171450" marR="0" lvl="0" indent="-171450" algn="l" defTabSz="914400" rtl="0" eaLnBrk="1" fontAlgn="auto" latinLnBrk="0" hangingPunct="1">
-              <a:lnSpc>
-                <a:spcPct val="100000"/>
-              </a:lnSpc>
-              <a:spcBef>
-                <a:spcPts val="0"/>
-              </a:spcBef>
-              <a:spcAft>
-                <a:spcPts val="0"/>
-              </a:spcAft>
-              <a:buClrTx/>
-              <a:buSzTx/>
-              <a:buFont typeface="Arial" panose="020B0604020202020204" pitchFamily="34" charset="0"/>
-              <a:buChar char="•"/>
-              <a:tabLst/>
-              <a:defRPr/>
-            </a:pPr>
-            <a:r>
-              <a:rPr lang="en-US" dirty="0"/>
-              <a:t>Send ICAs regardless of </a:t>
-            </a:r>
-            <a:r>
-              <a:rPr lang="en-US" dirty="0" err="1"/>
-              <a:t>tlsflag</a:t>
-            </a:r>
-            <a:r>
-              <a:rPr lang="en-US" dirty="0"/>
-              <a:t>, if your </a:t>
-            </a:r>
-          </a:p>
-          <a:p>
-            <a:pPr marL="628650" marR="0" lvl="1" indent="-171450" algn="l" defTabSz="914400" rtl="0" eaLnBrk="1" fontAlgn="auto" latinLnBrk="0" hangingPunct="1">
-              <a:lnSpc>
-                <a:spcPct val="100000"/>
-              </a:lnSpc>
-              <a:spcBef>
-                <a:spcPts val="0"/>
-              </a:spcBef>
-              <a:spcAft>
-                <a:spcPts val="0"/>
-              </a:spcAft>
-              <a:buClrTx/>
-              <a:buSzTx/>
-              <a:buFont typeface="Arial" panose="020B0604020202020204" pitchFamily="34" charset="0"/>
-              <a:buChar char="•"/>
-              <a:tabLst/>
-              <a:defRPr/>
-            </a:pPr>
-            <a:r>
-              <a:rPr lang="en-US" dirty="0"/>
-              <a:t>ICAs may not exist in the peer ICA list (e.g. private PKI ICA change)</a:t>
-            </a:r>
-          </a:p>
-          <a:p>
-            <a:endParaRPr lang="en-US" dirty="0"/>
+              <a:t>I-</a:t>
+            </a:r>
+            <a:r>
+              <a:rPr lang="en-US" sz="1100" dirty="0" err="1">
+                <a:hlinkClick r:id="rId3"/>
+              </a:rPr>
+              <a:t>D.ietf</a:t>
+            </a:r>
+            <a:r>
+              <a:rPr lang="en-US" sz="1100" dirty="0">
+                <a:hlinkClick r:id="rId3"/>
+              </a:rPr>
+              <a:t>-emu-</a:t>
+            </a:r>
+            <a:r>
+              <a:rPr lang="en-US" sz="1100" dirty="0" err="1">
+                <a:hlinkClick r:id="rId3"/>
+              </a:rPr>
+              <a:t>eaptlscert</a:t>
+            </a:r>
+            <a:r>
+              <a:rPr lang="en-US" sz="1100" dirty="0"/>
+              <a:t>]. </a:t>
+            </a:r>
+            <a:endParaRPr lang="el-GR" sz="1100" dirty="0"/>
+          </a:p>
+          <a:p>
+            <a:endParaRPr lang="el-GR" sz="1100" dirty="0"/>
+          </a:p>
+          <a:p>
+            <a:r>
+              <a:rPr lang="en-US" sz="1100" b="1" dirty="0"/>
+              <a:t>draft-</a:t>
+            </a:r>
+            <a:r>
+              <a:rPr lang="en-US" sz="1100" b="1" dirty="0" err="1"/>
+              <a:t>ietf</a:t>
+            </a:r>
+            <a:r>
+              <a:rPr lang="en-US" sz="1100" b="1" dirty="0"/>
+              <a:t>-emu-</a:t>
+            </a:r>
+            <a:r>
+              <a:rPr lang="en-US" sz="1100" b="1" dirty="0" err="1"/>
+              <a:t>eaptlscert</a:t>
+            </a:r>
+            <a:endParaRPr lang="en-US" sz="1100" b="1" dirty="0"/>
+          </a:p>
+          <a:p>
+            <a:endParaRPr lang="el-GR" sz="1100" dirty="0"/>
+          </a:p>
+          <a:p>
+            <a:r>
+              <a:rPr lang="en-US" sz="1100" dirty="0"/>
+              <a:t>Unlike the use of TLS on the web, where typically only the TLS server is authenticated; EAP-TLS deployments typically authenticate both the EAP peer and the EAP server. Also, from deployment experience, EAP peers typically have longer certificate chains than servers. This is because EAP peers often follow organizational hierarchies and tend to have many intermediate certificates. Thus, EAP-TLS authentication usually involves exchange of </a:t>
+            </a:r>
+          </a:p>
+          <a:p>
+            <a:endParaRPr lang="el-GR" sz="1100" dirty="0"/>
+          </a:p>
+          <a:p>
+            <a:endParaRPr lang="el-GR" sz="1100" dirty="0"/>
+          </a:p>
+          <a:p>
+            <a:r>
+              <a:rPr lang="en-US" sz="1100" dirty="0">
+                <a:hlinkClick r:id="rId4"/>
+              </a:rPr>
+              <a:t>Section 3.1 of [RFC3748]</a:t>
+            </a:r>
+            <a:r>
+              <a:rPr lang="en-US" sz="1100" dirty="0"/>
+              <a:t> states that EAP implementations can assume a Maximum Transmission Unit (MTU) of at least 1020 octets from lower layers. The EAP fragment size in typical deployments is just 1020 - 1500 octets (since the maximum Ethernet frame size is ~ 1500 bytes). Thus, EAP-TLS authentication needs to be fragmented into many smaller packets for transportation over the lower layers. Such fragmentation not only can negatively affect the latency, but also results in other challenges. For example, some EAP authenticator (access point) implementations will drop an EAP session if it has not finished after 40 - 50 round-trips. This is a major problem and means that in many situations, the EAP peer cannot perform network access authentication even though both the sides have valid credentials for successful authentication and key derivation.</a:t>
+            </a:r>
           </a:p>
         </p:txBody>
       </p:sp>
@@ -671,7 +648,7 @@
           <a:p>
             <a:fld id="{7F61769D-D3FD-4DA5-93DC-E690A8F2EEE2}" type="slidenum">
               <a:rPr lang="en-US" smtClean="0"/>
-              <a:t>7</a:t>
+              <a:t>2</a:t>
             </a:fld>
             <a:endParaRPr lang="en-US"/>
           </a:p>
@@ -680,7 +657,7 @@
     </p:spTree>
     <p:extLst>
       <p:ext uri="{BB962C8B-B14F-4D97-AF65-F5344CB8AC3E}">
-        <p14:creationId xmlns:p14="http://schemas.microsoft.com/office/powerpoint/2010/main" val="3461386893"/>
+        <p14:creationId xmlns:p14="http://schemas.microsoft.com/office/powerpoint/2010/main" val="275758565"/>
       </p:ext>
     </p:extLst>
   </p:cSld>
@@ -734,6 +711,224 @@
           <a:bodyPr/>
           <a:lstStyle/>
           <a:p>
+            <a:pPr marL="0" marR="0" lvl="0" indent="0" algn="l" defTabSz="914400" rtl="0" eaLnBrk="1" fontAlgn="auto" latinLnBrk="0" hangingPunct="1">
+              <a:lnSpc>
+                <a:spcPct val="100000"/>
+              </a:lnSpc>
+              <a:spcBef>
+                <a:spcPts val="0"/>
+              </a:spcBef>
+              <a:spcAft>
+                <a:spcPts val="0"/>
+              </a:spcAft>
+              <a:buClrTx/>
+              <a:buSzTx/>
+              <a:buFontTx/>
+              <a:buNone/>
+              <a:tabLst/>
+              <a:defRPr/>
+            </a:pPr>
+            <a:r>
+              <a:rPr lang="en-US" sz="1100" b="0" i="0" kern="1200" dirty="0">
+                <a:solidFill>
+                  <a:schemeClr val="tx1"/>
+                </a:solidFill>
+                <a:effectLst/>
+                <a:latin typeface="+mn-lt"/>
+                <a:ea typeface="+mn-ea"/>
+                <a:cs typeface="+mn-cs"/>
+              </a:rPr>
+              <a:t>Mozilla Root Store Policy (MSRP) https://www.mozilla.org/en-US/about/governance/policies/security-group/certs/policy/  </a:t>
+            </a:r>
+          </a:p>
+          <a:p>
+            <a:pPr marL="0" marR="0" lvl="0" indent="0" algn="l" defTabSz="914400" rtl="0" eaLnBrk="1" fontAlgn="auto" latinLnBrk="0" hangingPunct="1">
+              <a:lnSpc>
+                <a:spcPct val="100000"/>
+              </a:lnSpc>
+              <a:spcBef>
+                <a:spcPts val="0"/>
+              </a:spcBef>
+              <a:spcAft>
+                <a:spcPts val="0"/>
+              </a:spcAft>
+              <a:buClrTx/>
+              <a:buSzTx/>
+              <a:buFontTx/>
+              <a:buNone/>
+              <a:tabLst/>
+              <a:defRPr/>
+            </a:pPr>
+            <a:r>
+              <a:rPr lang="en-US" sz="1100" dirty="0"/>
+              <a:t>MSRP 2.8 may require constrained intermediates, so we may not need to send Constrained ICAs.</a:t>
+            </a:r>
+          </a:p>
+          <a:p>
+            <a:endParaRPr lang="en-US" sz="1100" dirty="0"/>
+          </a:p>
+          <a:p>
+            <a:pPr marL="0" marR="0" lvl="0" indent="0" algn="l" defTabSz="914400" rtl="0" eaLnBrk="1" fontAlgn="auto" latinLnBrk="0" hangingPunct="1">
+              <a:lnSpc>
+                <a:spcPct val="100000"/>
+              </a:lnSpc>
+              <a:spcBef>
+                <a:spcPts val="0"/>
+              </a:spcBef>
+              <a:spcAft>
+                <a:spcPts val="0"/>
+              </a:spcAft>
+              <a:buClrTx/>
+              <a:buSzTx/>
+              <a:buFontTx/>
+              <a:buNone/>
+              <a:tabLst/>
+              <a:defRPr/>
+            </a:pPr>
+            <a:r>
+              <a:rPr lang="en-US" sz="1100" dirty="0"/>
+              <a:t>Additional bullet scenario for second bullet </a:t>
+            </a:r>
+          </a:p>
+          <a:p>
+            <a:pPr marL="171450" marR="0" lvl="0" indent="-171450" algn="l" defTabSz="914400" rtl="0" eaLnBrk="1" fontAlgn="auto" latinLnBrk="0" hangingPunct="1">
+              <a:lnSpc>
+                <a:spcPct val="100000"/>
+              </a:lnSpc>
+              <a:spcBef>
+                <a:spcPts val="0"/>
+              </a:spcBef>
+              <a:spcAft>
+                <a:spcPts val="0"/>
+              </a:spcAft>
+              <a:buClrTx/>
+              <a:buSzTx/>
+              <a:buFont typeface="Arial" panose="020B0604020202020204" pitchFamily="34" charset="0"/>
+              <a:buChar char="•"/>
+              <a:tabLst/>
+              <a:defRPr/>
+            </a:pPr>
+            <a:r>
+              <a:rPr lang="en-US" sz="1100" dirty="0"/>
+              <a:t>Send ICAs regardless of </a:t>
+            </a:r>
+            <a:r>
+              <a:rPr lang="en-US" sz="1100" dirty="0" err="1"/>
+              <a:t>tlsflag</a:t>
+            </a:r>
+            <a:r>
+              <a:rPr lang="en-US" sz="1100" dirty="0"/>
+              <a:t>, if your </a:t>
+            </a:r>
+          </a:p>
+          <a:p>
+            <a:pPr marL="628650" marR="0" lvl="1" indent="-171450" algn="l" defTabSz="914400" rtl="0" eaLnBrk="1" fontAlgn="auto" latinLnBrk="0" hangingPunct="1">
+              <a:lnSpc>
+                <a:spcPct val="100000"/>
+              </a:lnSpc>
+              <a:spcBef>
+                <a:spcPts val="0"/>
+              </a:spcBef>
+              <a:spcAft>
+                <a:spcPts val="0"/>
+              </a:spcAft>
+              <a:buClrTx/>
+              <a:buSzTx/>
+              <a:buFont typeface="Arial" panose="020B0604020202020204" pitchFamily="34" charset="0"/>
+              <a:buChar char="•"/>
+              <a:tabLst/>
+              <a:defRPr/>
+            </a:pPr>
+            <a:r>
+              <a:rPr lang="en-US" sz="1100" dirty="0"/>
+              <a:t>ICAs may not exist in the peer ICA list (e.g. private PKI ICA change)</a:t>
+            </a:r>
+          </a:p>
+          <a:p>
+            <a:endParaRPr lang="en-US" sz="1100" dirty="0"/>
+          </a:p>
+        </p:txBody>
+      </p:sp>
+      <p:sp>
+        <p:nvSpPr>
+          <p:cNvPr id="4" name="Slide Number Placeholder 3"/>
+          <p:cNvSpPr>
+            <a:spLocks noGrp="1"/>
+          </p:cNvSpPr>
+          <p:nvPr>
+            <p:ph type="sldNum" sz="quarter" idx="5"/>
+          </p:nvPr>
+        </p:nvSpPr>
+        <p:spPr/>
+        <p:txBody>
+          <a:bodyPr/>
+          <a:lstStyle/>
+          <a:p>
+            <a:fld id="{7F61769D-D3FD-4DA5-93DC-E690A8F2EEE2}" type="slidenum">
+              <a:rPr lang="en-US" smtClean="0"/>
+              <a:t>7</a:t>
+            </a:fld>
+            <a:endParaRPr lang="en-US"/>
+          </a:p>
+        </p:txBody>
+      </p:sp>
+    </p:spTree>
+    <p:extLst>
+      <p:ext uri="{BB962C8B-B14F-4D97-AF65-F5344CB8AC3E}">
+        <p14:creationId xmlns:p14="http://schemas.microsoft.com/office/powerpoint/2010/main" val="3461386893"/>
+      </p:ext>
+    </p:extLst>
+  </p:cSld>
+  <p:clrMapOvr>
+    <a:masterClrMapping/>
+  </p:clrMapOvr>
+</p:notes>
+</file>
+
+<file path=ppt/notesSlides/notesSlide3.xml><?xml version="1.0" encoding="utf-8"?>
+<p:notes xmlns:a="http://schemas.openxmlformats.org/drawingml/2006/main" xmlns:r="http://schemas.openxmlformats.org/officeDocument/2006/relationships" xmlns:p="http://schemas.openxmlformats.org/presentationml/2006/main">
+  <p:cSld>
+    <p:spTree>
+      <p:nvGrpSpPr>
+        <p:cNvPr id="1" name=""/>
+        <p:cNvGrpSpPr/>
+        <p:nvPr/>
+      </p:nvGrpSpPr>
+      <p:grpSpPr>
+        <a:xfrm>
+          <a:off x="0" y="0"/>
+          <a:ext cx="0" cy="0"/>
+          <a:chOff x="0" y="0"/>
+          <a:chExt cx="0" cy="0"/>
+        </a:xfrm>
+      </p:grpSpPr>
+      <p:sp>
+        <p:nvSpPr>
+          <p:cNvPr id="2" name="Slide Image Placeholder 1"/>
+          <p:cNvSpPr>
+            <a:spLocks noGrp="1" noRot="1" noChangeAspect="1"/>
+          </p:cNvSpPr>
+          <p:nvPr>
+            <p:ph type="sldImg"/>
+          </p:nvPr>
+        </p:nvSpPr>
+        <p:spPr/>
+      </p:sp>
+      <p:sp>
+        <p:nvSpPr>
+          <p:cNvPr id="3" name="Notes Placeholder 2"/>
+          <p:cNvSpPr>
+            <a:spLocks noGrp="1"/>
+          </p:cNvSpPr>
+          <p:nvPr>
+            <p:ph type="body" idx="1"/>
+          </p:nvPr>
+        </p:nvSpPr>
+        <p:spPr/>
+        <p:txBody>
+          <a:bodyPr/>
+          <a:lstStyle/>
+          <a:p>
             <a:endParaRPr lang="en-US" dirty="0"/>
           </a:p>
         </p:txBody>
@@ -765,6 +960,101 @@
     <p:extLst>
       <p:ext uri="{BB962C8B-B14F-4D97-AF65-F5344CB8AC3E}">
         <p14:creationId xmlns:p14="http://schemas.microsoft.com/office/powerpoint/2010/main" val="3265243098"/>
+      </p:ext>
+    </p:extLst>
+  </p:cSld>
+  <p:clrMapOvr>
+    <a:masterClrMapping/>
+  </p:clrMapOvr>
+</p:notes>
+</file>
+
+<file path=ppt/notesSlides/notesSlide4.xml><?xml version="1.0" encoding="utf-8"?>
+<p:notes xmlns:a="http://schemas.openxmlformats.org/drawingml/2006/main" xmlns:r="http://schemas.openxmlformats.org/officeDocument/2006/relationships" xmlns:p="http://schemas.openxmlformats.org/presentationml/2006/main">
+  <p:cSld>
+    <p:spTree>
+      <p:nvGrpSpPr>
+        <p:cNvPr id="1" name=""/>
+        <p:cNvGrpSpPr/>
+        <p:nvPr/>
+      </p:nvGrpSpPr>
+      <p:grpSpPr>
+        <a:xfrm>
+          <a:off x="0" y="0"/>
+          <a:ext cx="0" cy="0"/>
+          <a:chOff x="0" y="0"/>
+          <a:chExt cx="0" cy="0"/>
+        </a:xfrm>
+      </p:grpSpPr>
+      <p:sp>
+        <p:nvSpPr>
+          <p:cNvPr id="2" name="Slide Image Placeholder 1"/>
+          <p:cNvSpPr>
+            <a:spLocks noGrp="1" noRot="1" noChangeAspect="1"/>
+          </p:cNvSpPr>
+          <p:nvPr>
+            <p:ph type="sldImg"/>
+          </p:nvPr>
+        </p:nvSpPr>
+        <p:spPr/>
+      </p:sp>
+      <p:sp>
+        <p:nvSpPr>
+          <p:cNvPr id="3" name="Notes Placeholder 2"/>
+          <p:cNvSpPr>
+            <a:spLocks noGrp="1"/>
+          </p:cNvSpPr>
+          <p:nvPr>
+            <p:ph type="body" idx="1"/>
+          </p:nvPr>
+        </p:nvSpPr>
+        <p:spPr/>
+        <p:txBody>
+          <a:bodyPr/>
+          <a:lstStyle/>
+          <a:p>
+            <a:r>
+              <a:rPr lang="en-US" dirty="0"/>
+              <a:t>We could push this draft as Experimental so it is not mandatory for </a:t>
+            </a:r>
+            <a:r>
+              <a:rPr lang="en-US" dirty="0" err="1"/>
+              <a:t>WebPKI</a:t>
+            </a:r>
+            <a:r>
+              <a:rPr lang="en-US" dirty="0"/>
+              <a:t>.</a:t>
+            </a:r>
+          </a:p>
+        </p:txBody>
+      </p:sp>
+      <p:sp>
+        <p:nvSpPr>
+          <p:cNvPr id="4" name="Slide Number Placeholder 3"/>
+          <p:cNvSpPr>
+            <a:spLocks noGrp="1"/>
+          </p:cNvSpPr>
+          <p:nvPr>
+            <p:ph type="sldNum" sz="quarter" idx="5"/>
+          </p:nvPr>
+        </p:nvSpPr>
+        <p:spPr/>
+        <p:txBody>
+          <a:bodyPr/>
+          <a:lstStyle/>
+          <a:p>
+            <a:fld id="{7F61769D-D3FD-4DA5-93DC-E690A8F2EEE2}" type="slidenum">
+              <a:rPr lang="en-US" smtClean="0"/>
+              <a:t>9</a:t>
+            </a:fld>
+            <a:endParaRPr lang="en-US"/>
+          </a:p>
+        </p:txBody>
+      </p:sp>
+    </p:spTree>
+    <p:extLst>
+      <p:ext uri="{BB962C8B-B14F-4D97-AF65-F5344CB8AC3E}">
+        <p14:creationId xmlns:p14="http://schemas.microsoft.com/office/powerpoint/2010/main" val="1332762492"/>
       </p:ext>
     </p:extLst>
   </p:cSld>
@@ -921,7 +1211,7 @@
           <a:p>
             <a:fld id="{0CBBB173-5ED1-4F98-BC8D-251ADA6D7C96}" type="datetimeFigureOut">
               <a:rPr lang="en-US" smtClean="0"/>
-              <a:t>3/16/2022</a:t>
+              <a:t>3/22/2022</a:t>
             </a:fld>
             <a:endParaRPr lang="en-US"/>
           </a:p>
@@ -1119,7 +1409,7 @@
           <a:p>
             <a:fld id="{0CBBB173-5ED1-4F98-BC8D-251ADA6D7C96}" type="datetimeFigureOut">
               <a:rPr lang="en-US" smtClean="0"/>
-              <a:t>3/16/2022</a:t>
+              <a:t>3/22/2022</a:t>
             </a:fld>
             <a:endParaRPr lang="en-US"/>
           </a:p>
@@ -1327,7 +1617,7 @@
           <a:p>
             <a:fld id="{0CBBB173-5ED1-4F98-BC8D-251ADA6D7C96}" type="datetimeFigureOut">
               <a:rPr lang="en-US" smtClean="0"/>
-              <a:t>3/16/2022</a:t>
+              <a:t>3/22/2022</a:t>
             </a:fld>
             <a:endParaRPr lang="en-US"/>
           </a:p>
@@ -1525,7 +1815,7 @@
           <a:p>
             <a:fld id="{0CBBB173-5ED1-4F98-BC8D-251ADA6D7C96}" type="datetimeFigureOut">
               <a:rPr lang="en-US" smtClean="0"/>
-              <a:t>3/16/2022</a:t>
+              <a:t>3/22/2022</a:t>
             </a:fld>
             <a:endParaRPr lang="en-US"/>
           </a:p>
@@ -1800,7 +2090,7 @@
           <a:p>
             <a:fld id="{0CBBB173-5ED1-4F98-BC8D-251ADA6D7C96}" type="datetimeFigureOut">
               <a:rPr lang="en-US" smtClean="0"/>
-              <a:t>3/16/2022</a:t>
+              <a:t>3/22/2022</a:t>
             </a:fld>
             <a:endParaRPr lang="en-US"/>
           </a:p>
@@ -2065,7 +2355,7 @@
           <a:p>
             <a:fld id="{0CBBB173-5ED1-4F98-BC8D-251ADA6D7C96}" type="datetimeFigureOut">
               <a:rPr lang="en-US" smtClean="0"/>
-              <a:t>3/16/2022</a:t>
+              <a:t>3/22/2022</a:t>
             </a:fld>
             <a:endParaRPr lang="en-US"/>
           </a:p>
@@ -2477,7 +2767,7 @@
           <a:p>
             <a:fld id="{0CBBB173-5ED1-4F98-BC8D-251ADA6D7C96}" type="datetimeFigureOut">
               <a:rPr lang="en-US" smtClean="0"/>
-              <a:t>3/16/2022</a:t>
+              <a:t>3/22/2022</a:t>
             </a:fld>
             <a:endParaRPr lang="en-US"/>
           </a:p>
@@ -2618,7 +2908,7 @@
           <a:p>
             <a:fld id="{0CBBB173-5ED1-4F98-BC8D-251ADA6D7C96}" type="datetimeFigureOut">
               <a:rPr lang="en-US" smtClean="0"/>
-              <a:t>3/16/2022</a:t>
+              <a:t>3/22/2022</a:t>
             </a:fld>
             <a:endParaRPr lang="en-US"/>
           </a:p>
@@ -2731,7 +3021,7 @@
           <a:p>
             <a:fld id="{0CBBB173-5ED1-4F98-BC8D-251ADA6D7C96}" type="datetimeFigureOut">
               <a:rPr lang="en-US" smtClean="0"/>
-              <a:t>3/16/2022</a:t>
+              <a:t>3/22/2022</a:t>
             </a:fld>
             <a:endParaRPr lang="en-US"/>
           </a:p>
@@ -3042,7 +3332,7 @@
           <a:p>
             <a:fld id="{0CBBB173-5ED1-4F98-BC8D-251ADA6D7C96}" type="datetimeFigureOut">
               <a:rPr lang="en-US" smtClean="0"/>
-              <a:t>3/16/2022</a:t>
+              <a:t>3/22/2022</a:t>
             </a:fld>
             <a:endParaRPr lang="en-US"/>
           </a:p>
@@ -3330,7 +3620,7 @@
           <a:p>
             <a:fld id="{0CBBB173-5ED1-4F98-BC8D-251ADA6D7C96}" type="datetimeFigureOut">
               <a:rPr lang="en-US" smtClean="0"/>
-              <a:t>3/16/2022</a:t>
+              <a:t>3/22/2022</a:t>
             </a:fld>
             <a:endParaRPr lang="en-US"/>
           </a:p>
@@ -3571,7 +3861,7 @@
           <a:p>
             <a:fld id="{0CBBB173-5ED1-4F98-BC8D-251ADA6D7C96}" type="datetimeFigureOut">
               <a:rPr lang="en-US" smtClean="0"/>
-              <a:t>3/16/2022</a:t>
+              <a:t>3/22/2022</a:t>
             </a:fld>
             <a:endParaRPr lang="en-US"/>
           </a:p>
@@ -4195,7 +4485,7 @@
           <a:p>
             <a:r>
               <a:rPr lang="en-US" dirty="0"/>
-              <a:t>TLS includes </a:t>
+              <a:t>TLS includes a few Sigs &amp; PKs</a:t>
             </a:r>
           </a:p>
           <a:p>
@@ -4224,7 +4514,7 @@
             <a:pPr lvl="1"/>
             <a:r>
               <a:rPr lang="en-US" dirty="0"/>
-              <a:t>2 or more SCT signatures (</a:t>
+              <a:t>2+ SCT signatures (</a:t>
             </a:r>
             <a:r>
               <a:rPr lang="en-US" dirty="0" err="1"/>
@@ -4273,25 +4563,25 @@
             <a:pPr lvl="1"/>
             <a:r>
               <a:rPr lang="en-US" dirty="0">
-                <a:hlinkClick r:id="rId2"/>
+                <a:hlinkClick r:id="rId3"/>
               </a:rPr>
               <a:t>draft-</a:t>
             </a:r>
             <a:r>
               <a:rPr lang="en-US" dirty="0" err="1">
-                <a:hlinkClick r:id="rId2"/>
+                <a:hlinkClick r:id="rId3"/>
               </a:rPr>
               <a:t>ietf</a:t>
             </a:r>
             <a:r>
               <a:rPr lang="en-US" dirty="0">
-                <a:hlinkClick r:id="rId2"/>
+                <a:hlinkClick r:id="rId3"/>
               </a:rPr>
               <a:t>-emu-</a:t>
             </a:r>
             <a:r>
               <a:rPr lang="en-US" dirty="0" err="1">
-                <a:hlinkClick r:id="rId2"/>
+                <a:hlinkClick r:id="rId3"/>
               </a:rPr>
               <a:t>eaptlscert</a:t>
             </a:r>
@@ -4301,7 +4591,7 @@
             </a:r>
             <a:r>
               <a:rPr lang="en-US" dirty="0">
-                <a:hlinkClick r:id="rId3"/>
+                <a:hlinkClick r:id="rId4"/>
               </a:rPr>
               <a:t>draft-ietf-emu-eap-tls13</a:t>
             </a:r>
@@ -6410,7 +6700,10 @@
               <a:t>Ask the peer to not send ICAs by using </a:t>
             </a:r>
             <a:r>
-              <a:rPr lang="en-US" dirty="0" err="1"/>
+              <a:rPr lang="en-US" dirty="0" err="1">
+                <a:latin typeface="Courier New" panose="02070309020205020404" pitchFamily="49" charset="0"/>
+                <a:cs typeface="Courier New" panose="02070309020205020404" pitchFamily="49" charset="0"/>
+              </a:rPr>
               <a:t>tlsflag</a:t>
             </a:r>
             <a:r>
@@ -6476,6 +6769,84 @@
           </a:p>
         </p:txBody>
       </p:sp>
+      <p:pic>
+        <p:nvPicPr>
+          <p:cNvPr id="5" name="Graphic 4" descr="Flag">
+            <a:extLst>
+              <a:ext uri="{FF2B5EF4-FFF2-40B4-BE49-F238E27FC236}">
+                <a16:creationId xmlns:a16="http://schemas.microsoft.com/office/drawing/2014/main" id="{E4D4463B-F8AE-4E5C-949F-BBA16BEC68DF}"/>
+              </a:ext>
+            </a:extLst>
+          </p:cNvPr>
+          <p:cNvPicPr>
+            <a:picLocks noChangeAspect="1"/>
+          </p:cNvPicPr>
+          <p:nvPr/>
+        </p:nvPicPr>
+        <p:blipFill>
+          <a:blip r:embed="rId2">
+            <a:extLst>
+              <a:ext uri="{28A0092B-C50C-407E-A947-70E740481C1C}">
+                <a14:useLocalDpi xmlns:a14="http://schemas.microsoft.com/office/drawing/2010/main" val="0"/>
+              </a:ext>
+              <a:ext uri="{96DAC541-7B7A-43D3-8B79-37D633B846F1}">
+                <asvg:svgBlip xmlns:asvg="http://schemas.microsoft.com/office/drawing/2016/SVG/main" r:embed="rId3"/>
+              </a:ext>
+            </a:extLst>
+          </a:blip>
+          <a:stretch>
+            <a:fillRect/>
+          </a:stretch>
+        </p:blipFill>
+        <p:spPr>
+          <a:xfrm>
+            <a:off x="9807075" y="2489202"/>
+            <a:ext cx="763138" cy="763138"/>
+          </a:xfrm>
+          <a:prstGeom prst="rect">
+            <a:avLst/>
+          </a:prstGeom>
+        </p:spPr>
+      </p:pic>
+      <p:pic>
+        <p:nvPicPr>
+          <p:cNvPr id="7" name="Graphic 6" descr="List RTL">
+            <a:extLst>
+              <a:ext uri="{FF2B5EF4-FFF2-40B4-BE49-F238E27FC236}">
+                <a16:creationId xmlns:a16="http://schemas.microsoft.com/office/drawing/2014/main" id="{2276459B-2258-404B-B0C0-0630DA250066}"/>
+              </a:ext>
+            </a:extLst>
+          </p:cNvPr>
+          <p:cNvPicPr>
+            <a:picLocks noChangeAspect="1"/>
+          </p:cNvPicPr>
+          <p:nvPr/>
+        </p:nvPicPr>
+        <p:blipFill>
+          <a:blip r:embed="rId4">
+            <a:extLst>
+              <a:ext uri="{28A0092B-C50C-407E-A947-70E740481C1C}">
+                <a14:useLocalDpi xmlns:a14="http://schemas.microsoft.com/office/drawing/2010/main" val="0"/>
+              </a:ext>
+              <a:ext uri="{96DAC541-7B7A-43D3-8B79-37D633B846F1}">
+                <asvg:svgBlip xmlns:asvg="http://schemas.microsoft.com/office/drawing/2016/SVG/main" r:embed="rId5"/>
+              </a:ext>
+            </a:extLst>
+          </a:blip>
+          <a:stretch>
+            <a:fillRect/>
+          </a:stretch>
+        </p:blipFill>
+        <p:spPr>
+          <a:xfrm>
+            <a:off x="9043938" y="1591128"/>
+            <a:ext cx="763137" cy="763137"/>
+          </a:xfrm>
+          <a:prstGeom prst="rect">
+            <a:avLst/>
+          </a:prstGeom>
+        </p:spPr>
+      </p:pic>
     </p:spTree>
     <p:extLst>
       <p:ext uri="{BB962C8B-B14F-4D97-AF65-F5344CB8AC3E}">
@@ -8256,7 +8627,7 @@
             </a:r>
             <a:r>
               <a:rPr lang="en-US" dirty="0"/>
-              <a:t>: Total ~1,500 ICAs / ~1-2 MBs compressed</a:t>
+              <a:t>: Total &lt;1,500 ICAs / ~1-2 MBs compressed</a:t>
             </a:r>
           </a:p>
           <a:p>
@@ -8609,18 +8980,17 @@
             <a:pPr lvl="1"/>
             <a:r>
               <a:rPr lang="en-US" dirty="0"/>
-              <a:t>We believe addressing them is possible. </a:t>
+              <a:t>We believe addressing them is possible</a:t>
             </a:r>
           </a:p>
           <a:p>
             <a:pPr lvl="1"/>
             <a:r>
               <a:rPr lang="en-US" dirty="0"/>
-              <a:t>But also, let’s not forget, TLS is not just for the Web.</a:t>
-            </a:r>
-          </a:p>
-          <a:p>
-            <a:pPr lvl="1"/>
+              <a:t>But also, let’s not forget, TLS is not just for the Web</a:t>
+            </a:r>
+          </a:p>
+          <a:p>
             <a:endParaRPr lang="en-US" dirty="0"/>
           </a:p>
           <a:p>
@@ -8639,7 +9009,7 @@
             </a:r>
             <a:r>
               <a:rPr lang="en-US" dirty="0">
-                <a:hlinkClick r:id="rId2"/>
+                <a:hlinkClick r:id="rId3"/>
               </a:rPr>
               <a:t>https://github.com/csosto-pk/tls-suppress-intermediates</a:t>
             </a:r>
